--- a/The Super-Awesome Game Deck.pptx
+++ b/The Super-Awesome Game Deck.pptx
@@ -5,7 +5,7 @@
     <p:sldMasterId id="2147483696" r:id="rId1"/>
   </p:sldMasterIdLst>
   <p:notesMasterIdLst>
-    <p:notesMasterId r:id="rId31"/>
+    <p:notesMasterId r:id="rId30"/>
   </p:notesMasterIdLst>
   <p:sldIdLst>
     <p:sldId id="256" r:id="rId2"/>
@@ -35,8 +35,7 @@
     <p:sldId id="277" r:id="rId26"/>
     <p:sldId id="278" r:id="rId27"/>
     <p:sldId id="279" r:id="rId28"/>
-    <p:sldId id="281" r:id="rId29"/>
-    <p:sldId id="280" r:id="rId30"/>
+    <p:sldId id="280" r:id="rId29"/>
   </p:sldIdLst>
   <p:sldSz cx="9144000" cy="6858000" type="screen4x3"/>
   <p:notesSz cx="6858000" cy="9144000"/>
@@ -139,753 +138,6 @@
 </file>
 
 <file path=ppt/diagrams/colors1.xml><?xml version="1.0" encoding="utf-8"?>
-<dgm:colorsDef xmlns:dgm="http://schemas.openxmlformats.org/drawingml/2006/diagram" xmlns:a="http://schemas.openxmlformats.org/drawingml/2006/main" uniqueId="urn:microsoft.com/office/officeart/2005/8/colors/accent1_2">
-  <dgm:title val=""/>
-  <dgm:desc val=""/>
-  <dgm:catLst>
-    <dgm:cat type="accent1" pri="11200"/>
-  </dgm:catLst>
-  <dgm:styleLbl name="node0">
-    <dgm:fillClrLst meth="repeat">
-      <a:schemeClr val="accent1"/>
-    </dgm:fillClrLst>
-    <dgm:linClrLst meth="repeat">
-      <a:schemeClr val="lt1"/>
-    </dgm:linClrLst>
-    <dgm:effectClrLst/>
-    <dgm:txLinClrLst/>
-    <dgm:txFillClrLst/>
-    <dgm:txEffectClrLst/>
-  </dgm:styleLbl>
-  <dgm:styleLbl name="alignNode1">
-    <dgm:fillClrLst meth="repeat">
-      <a:schemeClr val="accent1"/>
-    </dgm:fillClrLst>
-    <dgm:linClrLst meth="repeat">
-      <a:schemeClr val="accent1"/>
-    </dgm:linClrLst>
-    <dgm:effectClrLst/>
-    <dgm:txLinClrLst/>
-    <dgm:txFillClrLst/>
-    <dgm:txEffectClrLst/>
-  </dgm:styleLbl>
-  <dgm:styleLbl name="node1">
-    <dgm:fillClrLst meth="repeat">
-      <a:schemeClr val="accent1"/>
-    </dgm:fillClrLst>
-    <dgm:linClrLst meth="repeat">
-      <a:schemeClr val="lt1"/>
-    </dgm:linClrLst>
-    <dgm:effectClrLst/>
-    <dgm:txLinClrLst/>
-    <dgm:txFillClrLst/>
-    <dgm:txEffectClrLst/>
-  </dgm:styleLbl>
-  <dgm:styleLbl name="lnNode1">
-    <dgm:fillClrLst meth="repeat">
-      <a:schemeClr val="accent1"/>
-    </dgm:fillClrLst>
-    <dgm:linClrLst meth="repeat">
-      <a:schemeClr val="lt1"/>
-    </dgm:linClrLst>
-    <dgm:effectClrLst/>
-    <dgm:txLinClrLst/>
-    <dgm:txFillClrLst/>
-    <dgm:txEffectClrLst/>
-  </dgm:styleLbl>
-  <dgm:styleLbl name="vennNode1">
-    <dgm:fillClrLst meth="repeat">
-      <a:schemeClr val="accent1">
-        <a:alpha val="50000"/>
-      </a:schemeClr>
-    </dgm:fillClrLst>
-    <dgm:linClrLst meth="repeat">
-      <a:schemeClr val="lt1"/>
-    </dgm:linClrLst>
-    <dgm:effectClrLst/>
-    <dgm:txLinClrLst/>
-    <dgm:txFillClrLst/>
-    <dgm:txEffectClrLst/>
-  </dgm:styleLbl>
-  <dgm:styleLbl name="node2">
-    <dgm:fillClrLst meth="repeat">
-      <a:schemeClr val="accent1"/>
-    </dgm:fillClrLst>
-    <dgm:linClrLst meth="repeat">
-      <a:schemeClr val="lt1"/>
-    </dgm:linClrLst>
-    <dgm:effectClrLst/>
-    <dgm:txLinClrLst/>
-    <dgm:txFillClrLst/>
-    <dgm:txEffectClrLst/>
-  </dgm:styleLbl>
-  <dgm:styleLbl name="node3">
-    <dgm:fillClrLst meth="repeat">
-      <a:schemeClr val="accent1"/>
-    </dgm:fillClrLst>
-    <dgm:linClrLst meth="repeat">
-      <a:schemeClr val="lt1"/>
-    </dgm:linClrLst>
-    <dgm:effectClrLst/>
-    <dgm:txLinClrLst/>
-    <dgm:txFillClrLst/>
-    <dgm:txEffectClrLst/>
-  </dgm:styleLbl>
-  <dgm:styleLbl name="node4">
-    <dgm:fillClrLst meth="repeat">
-      <a:schemeClr val="accent1"/>
-    </dgm:fillClrLst>
-    <dgm:linClrLst meth="repeat">
-      <a:schemeClr val="lt1"/>
-    </dgm:linClrLst>
-    <dgm:effectClrLst/>
-    <dgm:txLinClrLst/>
-    <dgm:txFillClrLst/>
-    <dgm:txEffectClrLst/>
-  </dgm:styleLbl>
-  <dgm:styleLbl name="fgImgPlace1">
-    <dgm:fillClrLst meth="repeat">
-      <a:schemeClr val="accent1">
-        <a:tint val="50000"/>
-      </a:schemeClr>
-    </dgm:fillClrLst>
-    <dgm:linClrLst meth="repeat">
-      <a:schemeClr val="lt1"/>
-    </dgm:linClrLst>
-    <dgm:effectClrLst/>
-    <dgm:txLinClrLst/>
-    <dgm:txFillClrLst meth="repeat">
-      <a:schemeClr val="lt1"/>
-    </dgm:txFillClrLst>
-    <dgm:txEffectClrLst/>
-  </dgm:styleLbl>
-  <dgm:styleLbl name="alignImgPlace1">
-    <dgm:fillClrLst meth="repeat">
-      <a:schemeClr val="accent1">
-        <a:tint val="50000"/>
-      </a:schemeClr>
-    </dgm:fillClrLst>
-    <dgm:linClrLst meth="repeat">
-      <a:schemeClr val="lt1"/>
-    </dgm:linClrLst>
-    <dgm:effectClrLst/>
-    <dgm:txLinClrLst/>
-    <dgm:txFillClrLst meth="repeat">
-      <a:schemeClr val="lt1"/>
-    </dgm:txFillClrLst>
-    <dgm:txEffectClrLst/>
-  </dgm:styleLbl>
-  <dgm:styleLbl name="bgImgPlace1">
-    <dgm:fillClrLst meth="repeat">
-      <a:schemeClr val="accent1">
-        <a:tint val="50000"/>
-      </a:schemeClr>
-    </dgm:fillClrLst>
-    <dgm:linClrLst meth="repeat">
-      <a:schemeClr val="lt1"/>
-    </dgm:linClrLst>
-    <dgm:effectClrLst/>
-    <dgm:txLinClrLst/>
-    <dgm:txFillClrLst meth="repeat">
-      <a:schemeClr val="lt1"/>
-    </dgm:txFillClrLst>
-    <dgm:txEffectClrLst/>
-  </dgm:styleLbl>
-  <dgm:styleLbl name="sibTrans2D1">
-    <dgm:fillClrLst meth="repeat">
-      <a:schemeClr val="accent1">
-        <a:tint val="60000"/>
-      </a:schemeClr>
-    </dgm:fillClrLst>
-    <dgm:linClrLst meth="repeat">
-      <a:schemeClr val="accent1">
-        <a:tint val="60000"/>
-      </a:schemeClr>
-    </dgm:linClrLst>
-    <dgm:effectClrLst/>
-    <dgm:txLinClrLst/>
-    <dgm:txFillClrLst/>
-    <dgm:txEffectClrLst/>
-  </dgm:styleLbl>
-  <dgm:styleLbl name="fgSibTrans2D1">
-    <dgm:fillClrLst meth="repeat">
-      <a:schemeClr val="accent1">
-        <a:tint val="60000"/>
-      </a:schemeClr>
-    </dgm:fillClrLst>
-    <dgm:linClrLst meth="repeat">
-      <a:schemeClr val="accent1">
-        <a:tint val="60000"/>
-      </a:schemeClr>
-    </dgm:linClrLst>
-    <dgm:effectClrLst/>
-    <dgm:txLinClrLst/>
-    <dgm:txFillClrLst/>
-    <dgm:txEffectClrLst/>
-  </dgm:styleLbl>
-  <dgm:styleLbl name="bgSibTrans2D1">
-    <dgm:fillClrLst meth="repeat">
-      <a:schemeClr val="accent1">
-        <a:tint val="60000"/>
-      </a:schemeClr>
-    </dgm:fillClrLst>
-    <dgm:linClrLst meth="repeat">
-      <a:schemeClr val="accent1">
-        <a:tint val="60000"/>
-      </a:schemeClr>
-    </dgm:linClrLst>
-    <dgm:effectClrLst/>
-    <dgm:txLinClrLst/>
-    <dgm:txFillClrLst/>
-    <dgm:txEffectClrLst/>
-  </dgm:styleLbl>
-  <dgm:styleLbl name="sibTrans1D1">
-    <dgm:fillClrLst meth="repeat">
-      <a:schemeClr val="accent1"/>
-    </dgm:fillClrLst>
-    <dgm:linClrLst meth="repeat">
-      <a:schemeClr val="accent1"/>
-    </dgm:linClrLst>
-    <dgm:effectClrLst/>
-    <dgm:txLinClrLst/>
-    <dgm:txFillClrLst meth="repeat">
-      <a:schemeClr val="tx1"/>
-    </dgm:txFillClrLst>
-    <dgm:txEffectClrLst/>
-  </dgm:styleLbl>
-  <dgm:styleLbl name="callout">
-    <dgm:fillClrLst meth="repeat">
-      <a:schemeClr val="accent1"/>
-    </dgm:fillClrLst>
-    <dgm:linClrLst meth="repeat">
-      <a:schemeClr val="accent1">
-        <a:tint val="50000"/>
-      </a:schemeClr>
-    </dgm:linClrLst>
-    <dgm:effectClrLst/>
-    <dgm:txLinClrLst/>
-    <dgm:txFillClrLst meth="repeat">
-      <a:schemeClr val="tx1"/>
-    </dgm:txFillClrLst>
-    <dgm:txEffectClrLst/>
-  </dgm:styleLbl>
-  <dgm:styleLbl name="asst0">
-    <dgm:fillClrLst meth="repeat">
-      <a:schemeClr val="accent1"/>
-    </dgm:fillClrLst>
-    <dgm:linClrLst meth="repeat">
-      <a:schemeClr val="lt1"/>
-    </dgm:linClrLst>
-    <dgm:effectClrLst/>
-    <dgm:txLinClrLst/>
-    <dgm:txFillClrLst/>
-    <dgm:txEffectClrLst/>
-  </dgm:styleLbl>
-  <dgm:styleLbl name="asst1">
-    <dgm:fillClrLst meth="repeat">
-      <a:schemeClr val="accent1"/>
-    </dgm:fillClrLst>
-    <dgm:linClrLst meth="repeat">
-      <a:schemeClr val="lt1"/>
-    </dgm:linClrLst>
-    <dgm:effectClrLst/>
-    <dgm:txLinClrLst/>
-    <dgm:txFillClrLst/>
-    <dgm:txEffectClrLst/>
-  </dgm:styleLbl>
-  <dgm:styleLbl name="asst2">
-    <dgm:fillClrLst meth="repeat">
-      <a:schemeClr val="accent1"/>
-    </dgm:fillClrLst>
-    <dgm:linClrLst meth="repeat">
-      <a:schemeClr val="lt1"/>
-    </dgm:linClrLst>
-    <dgm:effectClrLst/>
-    <dgm:txLinClrLst/>
-    <dgm:txFillClrLst/>
-    <dgm:txEffectClrLst/>
-  </dgm:styleLbl>
-  <dgm:styleLbl name="asst3">
-    <dgm:fillClrLst meth="repeat">
-      <a:schemeClr val="accent1"/>
-    </dgm:fillClrLst>
-    <dgm:linClrLst meth="repeat">
-      <a:schemeClr val="lt1"/>
-    </dgm:linClrLst>
-    <dgm:effectClrLst/>
-    <dgm:txLinClrLst/>
-    <dgm:txFillClrLst/>
-    <dgm:txEffectClrLst/>
-  </dgm:styleLbl>
-  <dgm:styleLbl name="asst4">
-    <dgm:fillClrLst meth="repeat">
-      <a:schemeClr val="accent1"/>
-    </dgm:fillClrLst>
-    <dgm:linClrLst meth="repeat">
-      <a:schemeClr val="lt1"/>
-    </dgm:linClrLst>
-    <dgm:effectClrLst/>
-    <dgm:txLinClrLst/>
-    <dgm:txFillClrLst/>
-    <dgm:txEffectClrLst/>
-  </dgm:styleLbl>
-  <dgm:styleLbl name="parChTrans2D1">
-    <dgm:fillClrLst meth="repeat">
-      <a:schemeClr val="accent1">
-        <a:tint val="60000"/>
-      </a:schemeClr>
-    </dgm:fillClrLst>
-    <dgm:linClrLst meth="repeat">
-      <a:schemeClr val="accent1">
-        <a:tint val="60000"/>
-      </a:schemeClr>
-    </dgm:linClrLst>
-    <dgm:effectClrLst/>
-    <dgm:txLinClrLst/>
-    <dgm:txFillClrLst meth="repeat">
-      <a:schemeClr val="lt1"/>
-    </dgm:txFillClrLst>
-    <dgm:txEffectClrLst/>
-  </dgm:styleLbl>
-  <dgm:styleLbl name="parChTrans2D2">
-    <dgm:fillClrLst meth="repeat">
-      <a:schemeClr val="accent1"/>
-    </dgm:fillClrLst>
-    <dgm:linClrLst meth="repeat">
-      <a:schemeClr val="accent1"/>
-    </dgm:linClrLst>
-    <dgm:effectClrLst/>
-    <dgm:txLinClrLst/>
-    <dgm:txFillClrLst meth="repeat">
-      <a:schemeClr val="lt1"/>
-    </dgm:txFillClrLst>
-    <dgm:txEffectClrLst/>
-  </dgm:styleLbl>
-  <dgm:styleLbl name="parChTrans2D3">
-    <dgm:fillClrLst meth="repeat">
-      <a:schemeClr val="accent1"/>
-    </dgm:fillClrLst>
-    <dgm:linClrLst meth="repeat">
-      <a:schemeClr val="accent1"/>
-    </dgm:linClrLst>
-    <dgm:effectClrLst/>
-    <dgm:txLinClrLst/>
-    <dgm:txFillClrLst meth="repeat">
-      <a:schemeClr val="lt1"/>
-    </dgm:txFillClrLst>
-    <dgm:txEffectClrLst/>
-  </dgm:styleLbl>
-  <dgm:styleLbl name="parChTrans2D4">
-    <dgm:fillClrLst meth="repeat">
-      <a:schemeClr val="accent1"/>
-    </dgm:fillClrLst>
-    <dgm:linClrLst meth="repeat">
-      <a:schemeClr val="accent1"/>
-    </dgm:linClrLst>
-    <dgm:effectClrLst/>
-    <dgm:txLinClrLst/>
-    <dgm:txFillClrLst meth="repeat">
-      <a:schemeClr val="lt1"/>
-    </dgm:txFillClrLst>
-    <dgm:txEffectClrLst/>
-  </dgm:styleLbl>
-  <dgm:styleLbl name="parChTrans1D1">
-    <dgm:fillClrLst meth="repeat">
-      <a:schemeClr val="accent1"/>
-    </dgm:fillClrLst>
-    <dgm:linClrLst meth="repeat">
-      <a:schemeClr val="accent1">
-        <a:shade val="60000"/>
-      </a:schemeClr>
-    </dgm:linClrLst>
-    <dgm:effectClrLst/>
-    <dgm:txLinClrLst/>
-    <dgm:txFillClrLst meth="repeat">
-      <a:schemeClr val="tx1"/>
-    </dgm:txFillClrLst>
-    <dgm:txEffectClrLst/>
-  </dgm:styleLbl>
-  <dgm:styleLbl name="parChTrans1D2">
-    <dgm:fillClrLst meth="repeat">
-      <a:schemeClr val="accent1"/>
-    </dgm:fillClrLst>
-    <dgm:linClrLst meth="repeat">
-      <a:schemeClr val="accent1">
-        <a:shade val="60000"/>
-      </a:schemeClr>
-    </dgm:linClrLst>
-    <dgm:effectClrLst/>
-    <dgm:txLinClrLst/>
-    <dgm:txFillClrLst meth="repeat">
-      <a:schemeClr val="tx1"/>
-    </dgm:txFillClrLst>
-    <dgm:txEffectClrLst/>
-  </dgm:styleLbl>
-  <dgm:styleLbl name="parChTrans1D3">
-    <dgm:fillClrLst meth="repeat">
-      <a:schemeClr val="accent1"/>
-    </dgm:fillClrLst>
-    <dgm:linClrLst meth="repeat">
-      <a:schemeClr val="accent1">
-        <a:shade val="80000"/>
-      </a:schemeClr>
-    </dgm:linClrLst>
-    <dgm:effectClrLst/>
-    <dgm:txLinClrLst/>
-    <dgm:txFillClrLst meth="repeat">
-      <a:schemeClr val="tx1"/>
-    </dgm:txFillClrLst>
-    <dgm:txEffectClrLst/>
-  </dgm:styleLbl>
-  <dgm:styleLbl name="parChTrans1D4">
-    <dgm:fillClrLst meth="repeat">
-      <a:schemeClr val="accent1"/>
-    </dgm:fillClrLst>
-    <dgm:linClrLst meth="repeat">
-      <a:schemeClr val="accent1">
-        <a:shade val="80000"/>
-      </a:schemeClr>
-    </dgm:linClrLst>
-    <dgm:effectClrLst/>
-    <dgm:txLinClrLst/>
-    <dgm:txFillClrLst meth="repeat">
-      <a:schemeClr val="tx1"/>
-    </dgm:txFillClrLst>
-    <dgm:txEffectClrLst/>
-  </dgm:styleLbl>
-  <dgm:styleLbl name="fgAcc1">
-    <dgm:fillClrLst meth="repeat">
-      <a:schemeClr val="lt1">
-        <a:alpha val="90000"/>
-      </a:schemeClr>
-    </dgm:fillClrLst>
-    <dgm:linClrLst meth="repeat">
-      <a:schemeClr val="accent1"/>
-    </dgm:linClrLst>
-    <dgm:effectClrLst/>
-    <dgm:txLinClrLst/>
-    <dgm:txFillClrLst meth="repeat">
-      <a:schemeClr val="dk1"/>
-    </dgm:txFillClrLst>
-    <dgm:txEffectClrLst/>
-  </dgm:styleLbl>
-  <dgm:styleLbl name="conFgAcc1">
-    <dgm:fillClrLst meth="repeat">
-      <a:schemeClr val="lt1">
-        <a:alpha val="90000"/>
-      </a:schemeClr>
-    </dgm:fillClrLst>
-    <dgm:linClrLst meth="repeat">
-      <a:schemeClr val="accent1"/>
-    </dgm:linClrLst>
-    <dgm:effectClrLst/>
-    <dgm:txLinClrLst/>
-    <dgm:txFillClrLst meth="repeat">
-      <a:schemeClr val="dk1"/>
-    </dgm:txFillClrLst>
-    <dgm:txEffectClrLst/>
-  </dgm:styleLbl>
-  <dgm:styleLbl name="alignAcc1">
-    <dgm:fillClrLst meth="repeat">
-      <a:schemeClr val="lt1">
-        <a:alpha val="90000"/>
-      </a:schemeClr>
-    </dgm:fillClrLst>
-    <dgm:linClrLst meth="repeat">
-      <a:schemeClr val="accent1"/>
-    </dgm:linClrLst>
-    <dgm:effectClrLst/>
-    <dgm:txLinClrLst/>
-    <dgm:txFillClrLst meth="repeat">
-      <a:schemeClr val="dk1"/>
-    </dgm:txFillClrLst>
-    <dgm:txEffectClrLst/>
-  </dgm:styleLbl>
-  <dgm:styleLbl name="trAlignAcc1">
-    <dgm:fillClrLst meth="repeat">
-      <a:schemeClr val="lt1">
-        <a:alpha val="40000"/>
-      </a:schemeClr>
-    </dgm:fillClrLst>
-    <dgm:linClrLst meth="repeat">
-      <a:schemeClr val="accent1"/>
-    </dgm:linClrLst>
-    <dgm:effectClrLst/>
-    <dgm:txLinClrLst/>
-    <dgm:txFillClrLst meth="repeat">
-      <a:schemeClr val="dk1"/>
-    </dgm:txFillClrLst>
-    <dgm:txEffectClrLst/>
-  </dgm:styleLbl>
-  <dgm:styleLbl name="bgAcc1">
-    <dgm:fillClrLst meth="repeat">
-      <a:schemeClr val="lt1">
-        <a:alpha val="90000"/>
-      </a:schemeClr>
-    </dgm:fillClrLst>
-    <dgm:linClrLst meth="repeat">
-      <a:schemeClr val="accent1"/>
-    </dgm:linClrLst>
-    <dgm:effectClrLst/>
-    <dgm:txLinClrLst/>
-    <dgm:txFillClrLst meth="repeat">
-      <a:schemeClr val="dk1"/>
-    </dgm:txFillClrLst>
-    <dgm:txEffectClrLst/>
-  </dgm:styleLbl>
-  <dgm:styleLbl name="solidFgAcc1">
-    <dgm:fillClrLst meth="repeat">
-      <a:schemeClr val="lt1"/>
-    </dgm:fillClrLst>
-    <dgm:linClrLst meth="repeat">
-      <a:schemeClr val="accent1"/>
-    </dgm:linClrLst>
-    <dgm:effectClrLst/>
-    <dgm:txLinClrLst/>
-    <dgm:txFillClrLst meth="repeat">
-      <a:schemeClr val="dk1"/>
-    </dgm:txFillClrLst>
-    <dgm:txEffectClrLst/>
-  </dgm:styleLbl>
-  <dgm:styleLbl name="solidAlignAcc1">
-    <dgm:fillClrLst meth="repeat">
-      <a:schemeClr val="lt1"/>
-    </dgm:fillClrLst>
-    <dgm:linClrLst meth="repeat">
-      <a:schemeClr val="accent1"/>
-    </dgm:linClrLst>
-    <dgm:effectClrLst/>
-    <dgm:txLinClrLst/>
-    <dgm:txFillClrLst meth="repeat">
-      <a:schemeClr val="dk1"/>
-    </dgm:txFillClrLst>
-    <dgm:txEffectClrLst/>
-  </dgm:styleLbl>
-  <dgm:styleLbl name="solidBgAcc1">
-    <dgm:fillClrLst meth="repeat">
-      <a:schemeClr val="lt1"/>
-    </dgm:fillClrLst>
-    <dgm:linClrLst meth="repeat">
-      <a:schemeClr val="accent1"/>
-    </dgm:linClrLst>
-    <dgm:effectClrLst/>
-    <dgm:txLinClrLst/>
-    <dgm:txFillClrLst meth="repeat">
-      <a:schemeClr val="dk1"/>
-    </dgm:txFillClrLst>
-    <dgm:txEffectClrLst/>
-  </dgm:styleLbl>
-  <dgm:styleLbl name="fgAccFollowNode1">
-    <dgm:fillClrLst meth="repeat">
-      <a:schemeClr val="accent1">
-        <a:alpha val="90000"/>
-        <a:tint val="40000"/>
-      </a:schemeClr>
-    </dgm:fillClrLst>
-    <dgm:linClrLst meth="repeat">
-      <a:schemeClr val="accent1">
-        <a:alpha val="90000"/>
-        <a:tint val="40000"/>
-      </a:schemeClr>
-    </dgm:linClrLst>
-    <dgm:effectClrLst/>
-    <dgm:txLinClrLst/>
-    <dgm:txFillClrLst meth="repeat">
-      <a:schemeClr val="dk1"/>
-    </dgm:txFillClrLst>
-    <dgm:txEffectClrLst/>
-  </dgm:styleLbl>
-  <dgm:styleLbl name="alignAccFollowNode1">
-    <dgm:fillClrLst meth="repeat">
-      <a:schemeClr val="accent1">
-        <a:alpha val="90000"/>
-        <a:tint val="40000"/>
-      </a:schemeClr>
-    </dgm:fillClrLst>
-    <dgm:linClrLst meth="repeat">
-      <a:schemeClr val="accent1">
-        <a:alpha val="90000"/>
-        <a:tint val="40000"/>
-      </a:schemeClr>
-    </dgm:linClrLst>
-    <dgm:effectClrLst/>
-    <dgm:txLinClrLst/>
-    <dgm:txFillClrLst meth="repeat">
-      <a:schemeClr val="dk1"/>
-    </dgm:txFillClrLst>
-    <dgm:txEffectClrLst/>
-  </dgm:styleLbl>
-  <dgm:styleLbl name="bgAccFollowNode1">
-    <dgm:fillClrLst meth="repeat">
-      <a:schemeClr val="accent1">
-        <a:alpha val="90000"/>
-        <a:tint val="40000"/>
-      </a:schemeClr>
-    </dgm:fillClrLst>
-    <dgm:linClrLst meth="repeat">
-      <a:schemeClr val="accent1">
-        <a:alpha val="90000"/>
-        <a:tint val="40000"/>
-      </a:schemeClr>
-    </dgm:linClrLst>
-    <dgm:effectClrLst/>
-    <dgm:txLinClrLst/>
-    <dgm:txFillClrLst meth="repeat">
-      <a:schemeClr val="dk1"/>
-    </dgm:txFillClrLst>
-    <dgm:txEffectClrLst/>
-  </dgm:styleLbl>
-  <dgm:styleLbl name="fgAcc0">
-    <dgm:fillClrLst meth="repeat">
-      <a:schemeClr val="lt1">
-        <a:alpha val="90000"/>
-      </a:schemeClr>
-    </dgm:fillClrLst>
-    <dgm:linClrLst meth="repeat">
-      <a:schemeClr val="accent1"/>
-    </dgm:linClrLst>
-    <dgm:effectClrLst/>
-    <dgm:txLinClrLst/>
-    <dgm:txFillClrLst meth="repeat">
-      <a:schemeClr val="dk1"/>
-    </dgm:txFillClrLst>
-    <dgm:txEffectClrLst/>
-  </dgm:styleLbl>
-  <dgm:styleLbl name="fgAcc2">
-    <dgm:fillClrLst meth="repeat">
-      <a:schemeClr val="lt1">
-        <a:alpha val="90000"/>
-      </a:schemeClr>
-    </dgm:fillClrLst>
-    <dgm:linClrLst meth="repeat">
-      <a:schemeClr val="accent1"/>
-    </dgm:linClrLst>
-    <dgm:effectClrLst/>
-    <dgm:txLinClrLst/>
-    <dgm:txFillClrLst meth="repeat">
-      <a:schemeClr val="dk1"/>
-    </dgm:txFillClrLst>
-    <dgm:txEffectClrLst/>
-  </dgm:styleLbl>
-  <dgm:styleLbl name="fgAcc3">
-    <dgm:fillClrLst meth="repeat">
-      <a:schemeClr val="lt1">
-        <a:alpha val="90000"/>
-      </a:schemeClr>
-    </dgm:fillClrLst>
-    <dgm:linClrLst meth="repeat">
-      <a:schemeClr val="accent1"/>
-    </dgm:linClrLst>
-    <dgm:effectClrLst/>
-    <dgm:txLinClrLst/>
-    <dgm:txFillClrLst meth="repeat">
-      <a:schemeClr val="dk1"/>
-    </dgm:txFillClrLst>
-    <dgm:txEffectClrLst/>
-  </dgm:styleLbl>
-  <dgm:styleLbl name="fgAcc4">
-    <dgm:fillClrLst meth="repeat">
-      <a:schemeClr val="lt1">
-        <a:alpha val="90000"/>
-      </a:schemeClr>
-    </dgm:fillClrLst>
-    <dgm:linClrLst meth="repeat">
-      <a:schemeClr val="accent1"/>
-    </dgm:linClrLst>
-    <dgm:effectClrLst/>
-    <dgm:txLinClrLst/>
-    <dgm:txFillClrLst meth="repeat">
-      <a:schemeClr val="dk1"/>
-    </dgm:txFillClrLst>
-    <dgm:txEffectClrLst/>
-  </dgm:styleLbl>
-  <dgm:styleLbl name="bgShp">
-    <dgm:fillClrLst meth="repeat">
-      <a:schemeClr val="accent1">
-        <a:tint val="40000"/>
-      </a:schemeClr>
-    </dgm:fillClrLst>
-    <dgm:linClrLst meth="repeat">
-      <a:schemeClr val="accent1"/>
-    </dgm:linClrLst>
-    <dgm:effectClrLst/>
-    <dgm:txLinClrLst/>
-    <dgm:txFillClrLst meth="repeat">
-      <a:schemeClr val="dk1"/>
-    </dgm:txFillClrLst>
-    <dgm:txEffectClrLst/>
-  </dgm:styleLbl>
-  <dgm:styleLbl name="dkBgShp">
-    <dgm:fillClrLst meth="repeat">
-      <a:schemeClr val="accent1">
-        <a:shade val="80000"/>
-      </a:schemeClr>
-    </dgm:fillClrLst>
-    <dgm:linClrLst meth="repeat">
-      <a:schemeClr val="accent1"/>
-    </dgm:linClrLst>
-    <dgm:effectClrLst/>
-    <dgm:txLinClrLst/>
-    <dgm:txFillClrLst meth="repeat">
-      <a:schemeClr val="lt1"/>
-    </dgm:txFillClrLst>
-    <dgm:txEffectClrLst/>
-  </dgm:styleLbl>
-  <dgm:styleLbl name="trBgShp">
-    <dgm:fillClrLst meth="repeat">
-      <a:schemeClr val="accent1">
-        <a:tint val="50000"/>
-        <a:alpha val="40000"/>
-      </a:schemeClr>
-    </dgm:fillClrLst>
-    <dgm:linClrLst meth="repeat">
-      <a:schemeClr val="accent1"/>
-    </dgm:linClrLst>
-    <dgm:effectClrLst/>
-    <dgm:txLinClrLst/>
-    <dgm:txFillClrLst meth="repeat">
-      <a:schemeClr val="lt1"/>
-    </dgm:txFillClrLst>
-    <dgm:txEffectClrLst/>
-  </dgm:styleLbl>
-  <dgm:styleLbl name="fgShp">
-    <dgm:fillClrLst meth="repeat">
-      <a:schemeClr val="accent1">
-        <a:tint val="60000"/>
-      </a:schemeClr>
-    </dgm:fillClrLst>
-    <dgm:linClrLst meth="repeat">
-      <a:schemeClr val="lt1"/>
-    </dgm:linClrLst>
-    <dgm:effectClrLst/>
-    <dgm:txLinClrLst/>
-    <dgm:txFillClrLst meth="repeat">
-      <a:schemeClr val="dk1"/>
-    </dgm:txFillClrLst>
-    <dgm:txEffectClrLst/>
-  </dgm:styleLbl>
-  <dgm:styleLbl name="revTx">
-    <dgm:fillClrLst meth="repeat">
-      <a:schemeClr val="lt1">
-        <a:alpha val="0"/>
-      </a:schemeClr>
-    </dgm:fillClrLst>
-    <dgm:linClrLst meth="repeat">
-      <a:schemeClr val="dk1">
-        <a:alpha val="0"/>
-      </a:schemeClr>
-    </dgm:linClrLst>
-    <dgm:effectClrLst/>
-    <dgm:txLinClrLst/>
-    <dgm:txFillClrLst meth="repeat">
-      <a:schemeClr val="tx1"/>
-    </dgm:txFillClrLst>
-    <dgm:txEffectClrLst/>
-  </dgm:styleLbl>
-</dgm:colorsDef>
-</file>
-
-<file path=ppt/diagrams/colors10.xml><?xml version="1.0" encoding="utf-8"?>
 <dgm:colorsDef xmlns:dgm="http://schemas.openxmlformats.org/drawingml/2006/diagram" xmlns:a="http://schemas.openxmlformats.org/drawingml/2006/main" uniqueId="urn:microsoft.com/office/officeart/2005/8/colors/accent1_2">
   <dgm:title val=""/>
   <dgm:desc val=""/>
@@ -8180,103 +7432,6 @@
     <dgm:cxn modelId="{8E19A9AC-F33B-47E4-A01B-A051C8815E7D}" type="presParOf" srcId="{3A90D3A2-310A-4A8B-9799-4ABEB18806E1}" destId="{AC4F97E0-F7BB-445D-94A8-2C7139F1D396}" srcOrd="3" destOrd="0" presId="urn:microsoft.com/office/officeart/2005/8/layout/vList2"/>
     <dgm:cxn modelId="{9AE6B673-8C95-4654-B5BB-E0402BE25920}" type="presParOf" srcId="{3A90D3A2-310A-4A8B-9799-4ABEB18806E1}" destId="{585BDC65-F056-48DC-B65F-85CDEAE1B9DB}" srcOrd="4" destOrd="0" presId="urn:microsoft.com/office/officeart/2005/8/layout/vList2"/>
     <dgm:cxn modelId="{4301471F-63B3-4F56-9F96-D3D8E0DA1488}" type="presParOf" srcId="{3A90D3A2-310A-4A8B-9799-4ABEB18806E1}" destId="{045A43DC-0322-4412-A4DA-1ADAAD097C79}" srcOrd="5" destOrd="0" presId="urn:microsoft.com/office/officeart/2005/8/layout/vList2"/>
-  </dgm:cxnLst>
-  <dgm:bg/>
-  <dgm:whole/>
-  <dgm:extLst>
-    <a:ext uri="http://schemas.microsoft.com/office/drawing/2008/diagram">
-      <dsp:dataModelExt xmlns:dsp="http://schemas.microsoft.com/office/drawing/2008/diagram" relId="rId6" minVer="http://schemas.openxmlformats.org/drawingml/2006/diagram"/>
-    </a:ext>
-  </dgm:extLst>
-</dgm:dataModel>
-</file>
-
-<file path=ppt/diagrams/data10.xml><?xml version="1.0" encoding="utf-8"?>
-<dgm:dataModel xmlns:dgm="http://schemas.openxmlformats.org/drawingml/2006/diagram" xmlns:a="http://schemas.openxmlformats.org/drawingml/2006/main">
-  <dgm:ptLst>
-    <dgm:pt modelId="{08330221-41F9-4BAA-BDD7-4FD7F054A2FA}" type="doc">
-      <dgm:prSet loTypeId="urn:microsoft.com/office/officeart/2005/8/layout/venn1" loCatId="relationship" qsTypeId="urn:microsoft.com/office/officeart/2005/8/quickstyle/simple1" qsCatId="simple" csTypeId="urn:microsoft.com/office/officeart/2005/8/colors/accent1_2" csCatId="accent1"/>
-      <dgm:spPr/>
-      <dgm:t>
-        <a:bodyPr/>
-        <a:lstStyle/>
-        <a:p>
-          <a:endParaRPr lang="en-US"/>
-        </a:p>
-      </dgm:t>
-    </dgm:pt>
-    <dgm:pt modelId="{D575206D-D3F0-4380-8FDE-2BE64039528A}">
-      <dgm:prSet/>
-      <dgm:spPr/>
-      <dgm:t>
-        <a:bodyPr/>
-        <a:lstStyle/>
-        <a:p>
-          <a:pPr rtl="0"/>
-          <a:r>
-            <a:rPr lang="en-US" b="0" i="0" baseline="0" smtClean="0"/>
-            <a:t>Unfortunately, cancelled in favor of play time!</a:t>
-          </a:r>
-          <a:endParaRPr lang="en-US"/>
-        </a:p>
-      </dgm:t>
-    </dgm:pt>
-    <dgm:pt modelId="{4775FFB6-C561-468E-ADB2-9B8554E4CC7B}" type="parTrans" cxnId="{213037D6-2C5B-4AD2-9566-6694462CC7EC}">
-      <dgm:prSet/>
-      <dgm:spPr/>
-      <dgm:t>
-        <a:bodyPr/>
-        <a:lstStyle/>
-        <a:p>
-          <a:endParaRPr lang="en-US"/>
-        </a:p>
-      </dgm:t>
-    </dgm:pt>
-    <dgm:pt modelId="{D755BBA0-1709-4156-9B42-4F802E8C1193}" type="sibTrans" cxnId="{213037D6-2C5B-4AD2-9566-6694462CC7EC}">
-      <dgm:prSet/>
-      <dgm:spPr/>
-      <dgm:t>
-        <a:bodyPr/>
-        <a:lstStyle/>
-        <a:p>
-          <a:endParaRPr lang="en-US"/>
-        </a:p>
-      </dgm:t>
-    </dgm:pt>
-    <dgm:pt modelId="{4DE1054B-EFA6-4389-8383-C0E1C6954A11}" type="pres">
-      <dgm:prSet presAssocID="{08330221-41F9-4BAA-BDD7-4FD7F054A2FA}" presName="compositeShape" presStyleCnt="0">
-        <dgm:presLayoutVars>
-          <dgm:chMax val="7"/>
-          <dgm:dir/>
-          <dgm:resizeHandles val="exact"/>
-        </dgm:presLayoutVars>
-      </dgm:prSet>
-      <dgm:spPr/>
-      <dgm:t>
-        <a:bodyPr/>
-        <a:lstStyle/>
-        <a:p>
-          <a:endParaRPr lang="en-US"/>
-        </a:p>
-      </dgm:t>
-    </dgm:pt>
-    <dgm:pt modelId="{83D74F2B-1874-474D-BA2A-3219D918B692}" type="pres">
-      <dgm:prSet presAssocID="{D575206D-D3F0-4380-8FDE-2BE64039528A}" presName="circ1TxSh" presStyleLbl="vennNode1" presStyleIdx="0" presStyleCnt="1"/>
-      <dgm:spPr/>
-      <dgm:t>
-        <a:bodyPr/>
-        <a:lstStyle/>
-        <a:p>
-          <a:endParaRPr lang="en-US"/>
-        </a:p>
-      </dgm:t>
-    </dgm:pt>
-  </dgm:ptLst>
-  <dgm:cxnLst>
-    <dgm:cxn modelId="{9BE741C4-EF8F-457A-891A-7577F66A7FFF}" type="presOf" srcId="{D575206D-D3F0-4380-8FDE-2BE64039528A}" destId="{83D74F2B-1874-474D-BA2A-3219D918B692}" srcOrd="0" destOrd="0" presId="urn:microsoft.com/office/officeart/2005/8/layout/venn1"/>
-    <dgm:cxn modelId="{213037D6-2C5B-4AD2-9566-6694462CC7EC}" srcId="{08330221-41F9-4BAA-BDD7-4FD7F054A2FA}" destId="{D575206D-D3F0-4380-8FDE-2BE64039528A}" srcOrd="0" destOrd="0" parTransId="{4775FFB6-C561-468E-ADB2-9B8554E4CC7B}" sibTransId="{D755BBA0-1709-4156-9B42-4F802E8C1193}"/>
-    <dgm:cxn modelId="{5962BA28-95C4-4EDA-8D62-6C5784E3D090}" type="presOf" srcId="{08330221-41F9-4BAA-BDD7-4FD7F054A2FA}" destId="{4DE1054B-EFA6-4389-8383-C0E1C6954A11}" srcOrd="0" destOrd="0" presId="urn:microsoft.com/office/officeart/2005/8/layout/venn1"/>
-    <dgm:cxn modelId="{EB7DDF74-E290-4486-9741-83D2DE653356}" type="presParOf" srcId="{4DE1054B-EFA6-4389-8383-C0E1C6954A11}" destId="{83D74F2B-1874-474D-BA2A-3219D918B692}" srcOrd="0" destOrd="0" presId="urn:microsoft.com/office/officeart/2005/8/layout/venn1"/>
   </dgm:cxnLst>
   <dgm:bg/>
   <dgm:whole/>
@@ -9348,8 +8503,8 @@
     <dgm:cxn modelId="{67010E97-2FDD-4CDA-8BB4-68AE08AE2982}" srcId="{E49FE2FB-CCD6-427D-8DFF-F210424F53ED}" destId="{ACD74A20-6EE7-4029-B856-CAC6A3B4EA01}" srcOrd="0" destOrd="0" parTransId="{7D98A753-6F8D-4B91-8694-667FB5555BD6}" sibTransId="{314E7E3B-93F0-4D49-985B-8349068FBD7A}"/>
     <dgm:cxn modelId="{81A891AA-AFA9-4ED4-9F45-B19075770DF6}" type="presOf" srcId="{29D69831-8C32-4509-B1BA-0890F8CECD3A}" destId="{91BBA3B8-CBE3-4E5D-B6FB-F37446C7B347}" srcOrd="0" destOrd="1" presId="urn:microsoft.com/office/officeart/2005/8/layout/radial2"/>
     <dgm:cxn modelId="{F2A26368-2796-4DD3-AE08-0A87830EA40A}" srcId="{673E915D-C9B6-4D38-A808-C38A3510FC8B}" destId="{29D69831-8C32-4509-B1BA-0890F8CECD3A}" srcOrd="1" destOrd="0" parTransId="{0A19D9F7-1371-44D0-876D-0C967F123B92}" sibTransId="{93D959E8-0737-4D26-B09C-149F40D7AE2E}"/>
+    <dgm:cxn modelId="{0E2D652A-7F47-4A37-9A81-1AA3E96BA654}" type="presOf" srcId="{7D98A753-6F8D-4B91-8694-667FB5555BD6}" destId="{820D5DE3-8FDE-4B00-B2E6-72D07A038ADB}" srcOrd="0" destOrd="0" presId="urn:microsoft.com/office/officeart/2005/8/layout/radial2"/>
     <dgm:cxn modelId="{4D8EF8ED-71C0-4040-AB39-7ED282449218}" type="presOf" srcId="{E49FE2FB-CCD6-427D-8DFF-F210424F53ED}" destId="{902D3592-90A3-4CAE-9532-73E6DDEA5BA2}" srcOrd="0" destOrd="0" presId="urn:microsoft.com/office/officeart/2005/8/layout/radial2"/>
-    <dgm:cxn modelId="{0E2D652A-7F47-4A37-9A81-1AA3E96BA654}" type="presOf" srcId="{7D98A753-6F8D-4B91-8694-667FB5555BD6}" destId="{820D5DE3-8FDE-4B00-B2E6-72D07A038ADB}" srcOrd="0" destOrd="0" presId="urn:microsoft.com/office/officeart/2005/8/layout/radial2"/>
     <dgm:cxn modelId="{3BE0791D-0AE6-4F34-BD33-04F951C5DCC2}" type="presOf" srcId="{ACD74A20-6EE7-4029-B856-CAC6A3B4EA01}" destId="{46605084-03DD-4879-9969-BCE69F9ED407}" srcOrd="0" destOrd="0" presId="urn:microsoft.com/office/officeart/2005/8/layout/radial2"/>
     <dgm:cxn modelId="{EAD78F13-1FDC-4719-8D4C-EC239382B11C}" type="presParOf" srcId="{902D3592-90A3-4CAE-9532-73E6DDEA5BA2}" destId="{CD3F6EB8-24A9-4815-AB21-027C7C786F61}" srcOrd="0" destOrd="0" presId="urn:microsoft.com/office/officeart/2005/8/layout/radial2"/>
     <dgm:cxn modelId="{7F6F3A82-CF28-4A83-9354-3C04A193FDA3}" type="presParOf" srcId="{CD3F6EB8-24A9-4815-AB21-027C7C786F61}" destId="{005230A2-669D-4D04-98C4-0A4565BBB939}" srcOrd="0" destOrd="0" presId="urn:microsoft.com/office/officeart/2005/8/layout/radial2"/>
@@ -10892,21 +10047,21 @@
     </dgm:pt>
   </dgm:ptLst>
   <dgm:cxnLst>
+    <dgm:cxn modelId="{FB9C65FF-8409-4B82-81B8-AE78673530F9}" srcId="{AD585D2A-BD98-4423-A323-F59FB6C24EBE}" destId="{7DF51727-7D49-4E4D-ADCE-B82E6DEAC7B3}" srcOrd="1" destOrd="0" parTransId="{862BA507-5C6B-4858-B791-DE766CDCC19F}" sibTransId="{F114D7E6-AF48-4D7D-B990-6C894561F015}"/>
+    <dgm:cxn modelId="{78FEF155-B753-4D4C-A129-FB6D9BF37B7E}" type="presOf" srcId="{23B7C48E-D782-42BF-A085-9AB18866CE78}" destId="{18AF2910-C5F8-44A0-A4FF-8B46C19CC17C}" srcOrd="0" destOrd="1" presId="urn:microsoft.com/office/officeart/2005/8/layout/venn1"/>
+    <dgm:cxn modelId="{2055CDCB-4D2B-4E55-BD1B-243409EFD552}" srcId="{AD585D2A-BD98-4423-A323-F59FB6C24EBE}" destId="{FEA8EF67-86BC-4860-83D7-F2127EAB0598}" srcOrd="2" destOrd="0" parTransId="{584781AC-FBD8-47B5-89D2-6BE97095B4B3}" sibTransId="{E470AA65-9B5A-46A4-838B-C5F91ECFEA73}"/>
+    <dgm:cxn modelId="{12FB053C-D030-4612-86C8-33EADF19B674}" type="presOf" srcId="{AD585D2A-BD98-4423-A323-F59FB6C24EBE}" destId="{2E215ACE-1F5C-47E1-BCAF-41901A2B2A0E}" srcOrd="0" destOrd="0" presId="urn:microsoft.com/office/officeart/2005/8/layout/venn1"/>
+    <dgm:cxn modelId="{84B87200-2D05-45E7-AC4A-8D1A4448B477}" type="presOf" srcId="{CF229431-DC75-4889-B02D-3E90134F7845}" destId="{DF6F56B8-899E-4918-8B30-33E336602C9F}" srcOrd="0" destOrd="0" presId="urn:microsoft.com/office/officeart/2005/8/layout/venn1"/>
+    <dgm:cxn modelId="{15525D27-6CD1-4D28-B5F3-4FA07F7DEDA2}" srcId="{AD585D2A-BD98-4423-A323-F59FB6C24EBE}" destId="{B01C2DA6-3986-439E-BB0A-5C993E1C5986}" srcOrd="4" destOrd="0" parTransId="{FA57528F-BC6E-4E99-9A7E-7256D872BEEF}" sibTransId="{0B696C42-2974-46A6-95BA-470E95F12951}"/>
+    <dgm:cxn modelId="{70FA6E01-07A5-49F7-8E78-041CF9DE5978}" srcId="{AD585D2A-BD98-4423-A323-F59FB6C24EBE}" destId="{CF229431-DC75-4889-B02D-3E90134F7845}" srcOrd="0" destOrd="0" parTransId="{69F1B076-D2EA-4D10-809F-35903262017E}" sibTransId="{A4EB8BDA-9C77-40C8-ADE1-39C3558189F6}"/>
+    <dgm:cxn modelId="{F14B6426-7658-4980-8CF8-7800C6107576}" srcId="{CF229431-DC75-4889-B02D-3E90134F7845}" destId="{17C55B73-C0A6-4216-BF3F-9EEEDAC723FA}" srcOrd="0" destOrd="0" parTransId="{F3B1A6D4-5B15-4E75-97E1-2385E1056576}" sibTransId="{A4EF57A0-3D92-4D34-8A72-BACD8057D000}"/>
+    <dgm:cxn modelId="{1B9F4F10-A2A9-419C-B8EB-36F7733D457D}" srcId="{AD585D2A-BD98-4423-A323-F59FB6C24EBE}" destId="{43FDD1EF-7DF7-4A64-851F-93B556CF901C}" srcOrd="3" destOrd="0" parTransId="{B707B244-3FB9-42B8-ADF8-FC64EDF94DDD}" sibTransId="{15C5A4DD-5C16-4AF9-A892-F151494A4AA3}"/>
+    <dgm:cxn modelId="{C8C8C83D-3E6F-4845-BC72-9F9884E9856E}" type="presOf" srcId="{7DF51727-7D49-4E4D-ADCE-B82E6DEAC7B3}" destId="{6023D327-C4B4-491A-ACAA-5B7E867FADD4}" srcOrd="0" destOrd="0" presId="urn:microsoft.com/office/officeart/2005/8/layout/venn1"/>
+    <dgm:cxn modelId="{F70C2A6B-56C0-4B17-8D80-61E3686A463B}" type="presOf" srcId="{17C55B73-C0A6-4216-BF3F-9EEEDAC723FA}" destId="{DF6F56B8-899E-4918-8B30-33E336602C9F}" srcOrd="0" destOrd="1" presId="urn:microsoft.com/office/officeart/2005/8/layout/venn1"/>
     <dgm:cxn modelId="{62593FC6-FBDA-4559-9BFB-A9F5E70153CA}" type="presOf" srcId="{B01C2DA6-3986-439E-BB0A-5C993E1C5986}" destId="{18AF2910-C5F8-44A0-A4FF-8B46C19CC17C}" srcOrd="0" destOrd="0" presId="urn:microsoft.com/office/officeart/2005/8/layout/venn1"/>
-    <dgm:cxn modelId="{84B87200-2D05-45E7-AC4A-8D1A4448B477}" type="presOf" srcId="{CF229431-DC75-4889-B02D-3E90134F7845}" destId="{DF6F56B8-899E-4918-8B30-33E336602C9F}" srcOrd="0" destOrd="0" presId="urn:microsoft.com/office/officeart/2005/8/layout/venn1"/>
-    <dgm:cxn modelId="{12FB053C-D030-4612-86C8-33EADF19B674}" type="presOf" srcId="{AD585D2A-BD98-4423-A323-F59FB6C24EBE}" destId="{2E215ACE-1F5C-47E1-BCAF-41901A2B2A0E}" srcOrd="0" destOrd="0" presId="urn:microsoft.com/office/officeart/2005/8/layout/venn1"/>
-    <dgm:cxn modelId="{78FEF155-B753-4D4C-A129-FB6D9BF37B7E}" type="presOf" srcId="{23B7C48E-D782-42BF-A085-9AB18866CE78}" destId="{18AF2910-C5F8-44A0-A4FF-8B46C19CC17C}" srcOrd="0" destOrd="1" presId="urn:microsoft.com/office/officeart/2005/8/layout/venn1"/>
-    <dgm:cxn modelId="{15525D27-6CD1-4D28-B5F3-4FA07F7DEDA2}" srcId="{AD585D2A-BD98-4423-A323-F59FB6C24EBE}" destId="{B01C2DA6-3986-439E-BB0A-5C993E1C5986}" srcOrd="4" destOrd="0" parTransId="{FA57528F-BC6E-4E99-9A7E-7256D872BEEF}" sibTransId="{0B696C42-2974-46A6-95BA-470E95F12951}"/>
     <dgm:cxn modelId="{F75C965D-974D-4305-9C10-E6890B3DE6D7}" type="presOf" srcId="{43FDD1EF-7DF7-4A64-851F-93B556CF901C}" destId="{E9196014-9E5B-4C3F-8F33-C284264F4BA4}" srcOrd="0" destOrd="0" presId="urn:microsoft.com/office/officeart/2005/8/layout/venn1"/>
-    <dgm:cxn modelId="{F14B6426-7658-4980-8CF8-7800C6107576}" srcId="{CF229431-DC75-4889-B02D-3E90134F7845}" destId="{17C55B73-C0A6-4216-BF3F-9EEEDAC723FA}" srcOrd="0" destOrd="0" parTransId="{F3B1A6D4-5B15-4E75-97E1-2385E1056576}" sibTransId="{A4EF57A0-3D92-4D34-8A72-BACD8057D000}"/>
+    <dgm:cxn modelId="{845206DC-613F-4C5E-856C-52FBC29FDD75}" srcId="{B01C2DA6-3986-439E-BB0A-5C993E1C5986}" destId="{23B7C48E-D782-42BF-A085-9AB18866CE78}" srcOrd="0" destOrd="0" parTransId="{AC65D05B-C12B-435F-8219-95B508E11BD3}" sibTransId="{BFC4291B-5911-4373-BFA1-FC26C829F616}"/>
     <dgm:cxn modelId="{D6C7AD0C-96ED-42E0-A820-EAF334818626}" type="presOf" srcId="{FEA8EF67-86BC-4860-83D7-F2127EAB0598}" destId="{3415F99B-58D5-4081-BEDC-31BE1C73741F}" srcOrd="0" destOrd="0" presId="urn:microsoft.com/office/officeart/2005/8/layout/venn1"/>
-    <dgm:cxn modelId="{1B9F4F10-A2A9-419C-B8EB-36F7733D457D}" srcId="{AD585D2A-BD98-4423-A323-F59FB6C24EBE}" destId="{43FDD1EF-7DF7-4A64-851F-93B556CF901C}" srcOrd="3" destOrd="0" parTransId="{B707B244-3FB9-42B8-ADF8-FC64EDF94DDD}" sibTransId="{15C5A4DD-5C16-4AF9-A892-F151494A4AA3}"/>
-    <dgm:cxn modelId="{FB9C65FF-8409-4B82-81B8-AE78673530F9}" srcId="{AD585D2A-BD98-4423-A323-F59FB6C24EBE}" destId="{7DF51727-7D49-4E4D-ADCE-B82E6DEAC7B3}" srcOrd="1" destOrd="0" parTransId="{862BA507-5C6B-4858-B791-DE766CDCC19F}" sibTransId="{F114D7E6-AF48-4D7D-B990-6C894561F015}"/>
-    <dgm:cxn modelId="{2055CDCB-4D2B-4E55-BD1B-243409EFD552}" srcId="{AD585D2A-BD98-4423-A323-F59FB6C24EBE}" destId="{FEA8EF67-86BC-4860-83D7-F2127EAB0598}" srcOrd="2" destOrd="0" parTransId="{584781AC-FBD8-47B5-89D2-6BE97095B4B3}" sibTransId="{E470AA65-9B5A-46A4-838B-C5F91ECFEA73}"/>
-    <dgm:cxn modelId="{F70C2A6B-56C0-4B17-8D80-61E3686A463B}" type="presOf" srcId="{17C55B73-C0A6-4216-BF3F-9EEEDAC723FA}" destId="{DF6F56B8-899E-4918-8B30-33E336602C9F}" srcOrd="0" destOrd="1" presId="urn:microsoft.com/office/officeart/2005/8/layout/venn1"/>
-    <dgm:cxn modelId="{845206DC-613F-4C5E-856C-52FBC29FDD75}" srcId="{B01C2DA6-3986-439E-BB0A-5C993E1C5986}" destId="{23B7C48E-D782-42BF-A085-9AB18866CE78}" srcOrd="0" destOrd="0" parTransId="{AC65D05B-C12B-435F-8219-95B508E11BD3}" sibTransId="{BFC4291B-5911-4373-BFA1-FC26C829F616}"/>
-    <dgm:cxn modelId="{70FA6E01-07A5-49F7-8E78-041CF9DE5978}" srcId="{AD585D2A-BD98-4423-A323-F59FB6C24EBE}" destId="{CF229431-DC75-4889-B02D-3E90134F7845}" srcOrd="0" destOrd="0" parTransId="{69F1B076-D2EA-4D10-809F-35903262017E}" sibTransId="{A4EB8BDA-9C77-40C8-ADE1-39C3558189F6}"/>
-    <dgm:cxn modelId="{C8C8C83D-3E6F-4845-BC72-9F9884E9856E}" type="presOf" srcId="{7DF51727-7D49-4E4D-ADCE-B82E6DEAC7B3}" destId="{6023D327-C4B4-491A-ACAA-5B7E867FADD4}" srcOrd="0" destOrd="0" presId="urn:microsoft.com/office/officeart/2005/8/layout/venn1"/>
     <dgm:cxn modelId="{C826A8F4-F292-455F-B363-68E6C0610854}" type="presParOf" srcId="{2E215ACE-1F5C-47E1-BCAF-41901A2B2A0E}" destId="{463817C5-9CCE-42F4-9804-FF05FA16BE16}" srcOrd="0" destOrd="0" presId="urn:microsoft.com/office/officeart/2005/8/layout/venn1"/>
     <dgm:cxn modelId="{CA941DA3-5336-40FF-A2C1-B9D2265CCC0F}" type="presParOf" srcId="{2E215ACE-1F5C-47E1-BCAF-41901A2B2A0E}" destId="{DF6F56B8-899E-4918-8B30-33E336602C9F}" srcOrd="1" destOrd="0" presId="urn:microsoft.com/office/officeart/2005/8/layout/venn1"/>
     <dgm:cxn modelId="{992783E4-DBFF-4362-BB8C-5B7927FB4B42}" type="presParOf" srcId="{2E215ACE-1F5C-47E1-BCAF-41901A2B2A0E}" destId="{1A88DF17-8052-4724-BC94-5A3EED5B0DAD}" srcOrd="2" destOrd="0" presId="urn:microsoft.com/office/officeart/2005/8/layout/venn1"/>
@@ -11649,8 +10804,8 @@
 <file path=ppt/diagrams/data9.xml><?xml version="1.0" encoding="utf-8"?>
 <dgm:dataModel xmlns:dgm="http://schemas.openxmlformats.org/drawingml/2006/diagram" xmlns:a="http://schemas.openxmlformats.org/drawingml/2006/main">
   <dgm:ptLst>
-    <dgm:pt modelId="{15BEE171-FCE1-4BBC-B6FF-BD7D6F894FAA}" type="doc">
-      <dgm:prSet loTypeId="urn:microsoft.com/office/officeart/2008/layout/AlternatingPictureBlocks" loCatId="list" qsTypeId="urn:microsoft.com/office/officeart/2005/8/quickstyle/simple2" qsCatId="simple" csTypeId="urn:microsoft.com/office/officeart/2005/8/colors/accent1_2" csCatId="accent1" phldr="1"/>
+    <dgm:pt modelId="{08330221-41F9-4BAA-BDD7-4FD7F054A2FA}" type="doc">
+      <dgm:prSet loTypeId="urn:microsoft.com/office/officeart/2005/8/layout/venn1" loCatId="relationship" qsTypeId="urn:microsoft.com/office/officeart/2005/8/quickstyle/simple1" qsCatId="simple" csTypeId="urn:microsoft.com/office/officeart/2005/8/colors/accent1_2" csCatId="accent1"/>
       <dgm:spPr/>
       <dgm:t>
         <a:bodyPr/>
@@ -11660,7 +10815,7 @@
         </a:p>
       </dgm:t>
     </dgm:pt>
-    <dgm:pt modelId="{22FDC951-E5DD-4C10-98FB-D97F0AF21E68}">
+    <dgm:pt modelId="{D575206D-D3F0-4380-8FDE-2BE64039528A}">
       <dgm:prSet/>
       <dgm:spPr/>
       <dgm:t>
@@ -11669,18 +10824,14 @@
         <a:p>
           <a:pPr rtl="0"/>
           <a:r>
-            <a:rPr lang="en-US" b="0" i="0" baseline="0" dirty="0" err="1" smtClean="0"/>
-            <a:t>Digiflare</a:t>
+            <a:rPr lang="en-US" b="0" i="0" baseline="0" smtClean="0"/>
+            <a:t>Unfortunately, cancelled in favor of play time!</a:t>
           </a:r>
-          <a:r>
-            <a:rPr lang="en-US" b="0" i="0" baseline="0" dirty="0" smtClean="0"/>
-            <a:t>. Obvious. </a:t>
-          </a:r>
-          <a:endParaRPr lang="en-US" dirty="0"/>
+          <a:endParaRPr lang="en-US"/>
         </a:p>
       </dgm:t>
     </dgm:pt>
-    <dgm:pt modelId="{8C80F895-4AFE-4A73-969E-AD77CDDB004B}" type="parTrans" cxnId="{AF540BAB-9D0D-4E5E-BF03-5B1FE58A6E33}">
+    <dgm:pt modelId="{4775FFB6-C561-468E-ADB2-9B8554E4CC7B}" type="parTrans" cxnId="{213037D6-2C5B-4AD2-9566-6694462CC7EC}">
       <dgm:prSet/>
       <dgm:spPr/>
       <dgm:t>
@@ -11691,7 +10842,7 @@
         </a:p>
       </dgm:t>
     </dgm:pt>
-    <dgm:pt modelId="{0DA376E1-0A1D-4405-967C-D96D0A46A128}" type="sibTrans" cxnId="{AF540BAB-9D0D-4E5E-BF03-5B1FE58A6E33}">
+    <dgm:pt modelId="{D755BBA0-1709-4156-9B42-4F802E8C1193}" type="sibTrans" cxnId="{213037D6-2C5B-4AD2-9566-6694462CC7EC}">
       <dgm:prSet/>
       <dgm:spPr/>
       <dgm:t>
@@ -11702,123 +10853,10 @@
         </a:p>
       </dgm:t>
     </dgm:pt>
-    <dgm:pt modelId="{683AF80B-724B-4D15-A011-CE4909883CC6}">
-      <dgm:prSet/>
-      <dgm:spPr/>
-      <dgm:t>
-        <a:bodyPr/>
-        <a:lstStyle/>
-        <a:p>
-          <a:pPr rtl="0"/>
-          <a:r>
-            <a:rPr lang="en-US" b="0" i="0" baseline="0" dirty="0" smtClean="0"/>
-            <a:t>All the random people on the Internet writing informative documents for me to learn from.</a:t>
-          </a:r>
-          <a:endParaRPr lang="en-US" dirty="0"/>
-        </a:p>
-      </dgm:t>
-    </dgm:pt>
-    <dgm:pt modelId="{95C077D1-69FD-47A2-BE78-E9E05ECD44DF}" type="parTrans" cxnId="{A7B24D2C-212E-4322-8CB9-A5691AFA50DF}">
-      <dgm:prSet/>
-      <dgm:spPr/>
-      <dgm:t>
-        <a:bodyPr/>
-        <a:lstStyle/>
-        <a:p>
-          <a:endParaRPr lang="en-US"/>
-        </a:p>
-      </dgm:t>
-    </dgm:pt>
-    <dgm:pt modelId="{A99A567B-CAC2-417B-8E01-D92EE2394947}" type="sibTrans" cxnId="{A7B24D2C-212E-4322-8CB9-A5691AFA50DF}">
-      <dgm:prSet/>
-      <dgm:spPr/>
-      <dgm:t>
-        <a:bodyPr/>
-        <a:lstStyle/>
-        <a:p>
-          <a:endParaRPr lang="en-US"/>
-        </a:p>
-      </dgm:t>
-    </dgm:pt>
-    <dgm:pt modelId="{3D6D2645-0928-494C-9FFE-F90983B71E90}">
-      <dgm:prSet/>
-      <dgm:spPr/>
-      <dgm:t>
-        <a:bodyPr/>
-        <a:lstStyle/>
-        <a:p>
-          <a:pPr rtl="0"/>
-          <a:r>
-            <a:rPr lang="en-US" b="0" i="0" baseline="0" dirty="0" smtClean="0"/>
-            <a:t>Everybody here.</a:t>
-          </a:r>
-          <a:endParaRPr lang="en-US" dirty="0"/>
-        </a:p>
-      </dgm:t>
-    </dgm:pt>
-    <dgm:pt modelId="{F441B5D0-AF92-443E-88A5-9D74D8C95C86}" type="parTrans" cxnId="{E5B8259D-7ABF-4B1C-9A20-E33AE63C2389}">
-      <dgm:prSet/>
-      <dgm:spPr/>
-      <dgm:t>
-        <a:bodyPr/>
-        <a:lstStyle/>
-        <a:p>
-          <a:endParaRPr lang="en-US"/>
-        </a:p>
-      </dgm:t>
-    </dgm:pt>
-    <dgm:pt modelId="{9926B055-C9EE-4429-9D77-DDC504FBD6B4}" type="sibTrans" cxnId="{E5B8259D-7ABF-4B1C-9A20-E33AE63C2389}">
-      <dgm:prSet/>
-      <dgm:spPr/>
-      <dgm:t>
-        <a:bodyPr/>
-        <a:lstStyle/>
-        <a:p>
-          <a:endParaRPr lang="en-US"/>
-        </a:p>
-      </dgm:t>
-    </dgm:pt>
-    <dgm:pt modelId="{3A7CE18E-2317-419C-AA6F-3976E07A1611}">
-      <dgm:prSet/>
-      <dgm:spPr/>
-      <dgm:t>
-        <a:bodyPr/>
-        <a:lstStyle/>
-        <a:p>
-          <a:pPr rtl="0"/>
-          <a:r>
-            <a:rPr lang="en-US" b="0" i="0" baseline="0" smtClean="0"/>
-            <a:t>God</a:t>
-          </a:r>
-          <a:endParaRPr lang="en-US"/>
-        </a:p>
-      </dgm:t>
-    </dgm:pt>
-    <dgm:pt modelId="{7B20F5F5-8E91-451D-9259-14F3FEE7665A}" type="parTrans" cxnId="{C41FE50C-4DF7-4172-9834-F528E35FBF46}">
-      <dgm:prSet/>
-      <dgm:spPr/>
-      <dgm:t>
-        <a:bodyPr/>
-        <a:lstStyle/>
-        <a:p>
-          <a:endParaRPr lang="en-US"/>
-        </a:p>
-      </dgm:t>
-    </dgm:pt>
-    <dgm:pt modelId="{B2793A85-97BD-4CF3-9014-558BFFC9730A}" type="sibTrans" cxnId="{C41FE50C-4DF7-4172-9834-F528E35FBF46}">
-      <dgm:prSet/>
-      <dgm:spPr/>
-      <dgm:t>
-        <a:bodyPr/>
-        <a:lstStyle/>
-        <a:p>
-          <a:endParaRPr lang="en-US"/>
-        </a:p>
-      </dgm:t>
-    </dgm:pt>
-    <dgm:pt modelId="{6DB7638C-995E-4918-88DE-42270AD4B9EC}" type="pres">
-      <dgm:prSet presAssocID="{15BEE171-FCE1-4BBC-B6FF-BD7D6F894FAA}" presName="linearFlow" presStyleCnt="0">
+    <dgm:pt modelId="{4DE1054B-EFA6-4389-8383-C0E1C6954A11}" type="pres">
+      <dgm:prSet presAssocID="{08330221-41F9-4BAA-BDD7-4FD7F054A2FA}" presName="compositeShape" presStyleCnt="0">
         <dgm:presLayoutVars>
+          <dgm:chMax val="7"/>
           <dgm:dir/>
           <dgm:resizeHandles val="exact"/>
         </dgm:presLayoutVars>
@@ -11832,179 +10870,9 @@
         </a:p>
       </dgm:t>
     </dgm:pt>
-    <dgm:pt modelId="{1B410FDB-518A-475F-8F21-0D3928322303}" type="pres">
-      <dgm:prSet presAssocID="{22FDC951-E5DD-4C10-98FB-D97F0AF21E68}" presName="comp" presStyleCnt="0"/>
+    <dgm:pt modelId="{83D74F2B-1874-474D-BA2A-3219D918B692}" type="pres">
+      <dgm:prSet presAssocID="{D575206D-D3F0-4380-8FDE-2BE64039528A}" presName="circ1TxSh" presStyleLbl="vennNode1" presStyleIdx="0" presStyleCnt="1"/>
       <dgm:spPr/>
-    </dgm:pt>
-    <dgm:pt modelId="{5A4485C7-DED4-497E-A3F2-AF0A1053C7BA}" type="pres">
-      <dgm:prSet presAssocID="{22FDC951-E5DD-4C10-98FB-D97F0AF21E68}" presName="rect2" presStyleLbl="node1" presStyleIdx="0" presStyleCnt="4">
-        <dgm:presLayoutVars>
-          <dgm:bulletEnabled val="1"/>
-        </dgm:presLayoutVars>
-      </dgm:prSet>
-      <dgm:spPr/>
-      <dgm:t>
-        <a:bodyPr/>
-        <a:lstStyle/>
-        <a:p>
-          <a:endParaRPr lang="en-US"/>
-        </a:p>
-      </dgm:t>
-    </dgm:pt>
-    <dgm:pt modelId="{82D0282B-633E-41FF-8378-AD551F2A82AD}" type="pres">
-      <dgm:prSet presAssocID="{22FDC951-E5DD-4C10-98FB-D97F0AF21E68}" presName="rect1" presStyleLbl="lnNode1" presStyleIdx="0" presStyleCnt="4"/>
-      <dgm:spPr>
-        <a:blipFill>
-          <a:blip xmlns:r="http://schemas.openxmlformats.org/officeDocument/2006/relationships" r:embed="rId1">
-            <a:extLst>
-              <a:ext uri="{28A0092B-C50C-407E-A947-70E740481C1C}">
-                <a14:useLocalDpi xmlns:a14="http://schemas.microsoft.com/office/drawing/2010/main" val="0"/>
-              </a:ext>
-            </a:extLst>
-          </a:blip>
-          <a:srcRect/>
-          <a:stretch>
-            <a:fillRect l="-25000" r="-25000"/>
-          </a:stretch>
-        </a:blipFill>
-      </dgm:spPr>
-      <dgm:t>
-        <a:bodyPr/>
-        <a:lstStyle/>
-        <a:p>
-          <a:endParaRPr lang="en-US"/>
-        </a:p>
-      </dgm:t>
-    </dgm:pt>
-    <dgm:pt modelId="{62C4711B-CD24-4A7A-AB7E-7238E5A82F9E}" type="pres">
-      <dgm:prSet presAssocID="{0DA376E1-0A1D-4405-967C-D96D0A46A128}" presName="sibTrans" presStyleCnt="0"/>
-      <dgm:spPr/>
-    </dgm:pt>
-    <dgm:pt modelId="{4FFC09A1-5DC0-4863-A065-FA1902C4B9CB}" type="pres">
-      <dgm:prSet presAssocID="{3D6D2645-0928-494C-9FFE-F90983B71E90}" presName="comp" presStyleCnt="0"/>
-      <dgm:spPr/>
-    </dgm:pt>
-    <dgm:pt modelId="{B67A64AB-6CCD-4AC8-B615-F70AE444C229}" type="pres">
-      <dgm:prSet presAssocID="{3D6D2645-0928-494C-9FFE-F90983B71E90}" presName="rect2" presStyleLbl="node1" presStyleIdx="1" presStyleCnt="4">
-        <dgm:presLayoutVars>
-          <dgm:bulletEnabled val="1"/>
-        </dgm:presLayoutVars>
-      </dgm:prSet>
-      <dgm:spPr/>
-      <dgm:t>
-        <a:bodyPr/>
-        <a:lstStyle/>
-        <a:p>
-          <a:endParaRPr lang="en-US"/>
-        </a:p>
-      </dgm:t>
-    </dgm:pt>
-    <dgm:pt modelId="{1C90CB80-88A9-45E4-8F03-DEE5BCE96985}" type="pres">
-      <dgm:prSet presAssocID="{3D6D2645-0928-494C-9FFE-F90983B71E90}" presName="rect1" presStyleLbl="lnNode1" presStyleIdx="1" presStyleCnt="4"/>
-      <dgm:spPr>
-        <a:blipFill>
-          <a:blip xmlns:r="http://schemas.openxmlformats.org/officeDocument/2006/relationships" r:embed="rId2">
-            <a:extLst>
-              <a:ext uri="{28A0092B-C50C-407E-A947-70E740481C1C}">
-                <a14:useLocalDpi xmlns:a14="http://schemas.microsoft.com/office/drawing/2010/main" val="0"/>
-              </a:ext>
-            </a:extLst>
-          </a:blip>
-          <a:srcRect/>
-          <a:stretch>
-            <a:fillRect l="-31000" r="-31000"/>
-          </a:stretch>
-        </a:blipFill>
-      </dgm:spPr>
-    </dgm:pt>
-    <dgm:pt modelId="{9341DC37-0871-4280-90F7-15542FED637D}" type="pres">
-      <dgm:prSet presAssocID="{9926B055-C9EE-4429-9D77-DDC504FBD6B4}" presName="sibTrans" presStyleCnt="0"/>
-      <dgm:spPr/>
-    </dgm:pt>
-    <dgm:pt modelId="{F655F3CF-4AF3-4470-81E1-081177FD5145}" type="pres">
-      <dgm:prSet presAssocID="{683AF80B-724B-4D15-A011-CE4909883CC6}" presName="comp" presStyleCnt="0"/>
-      <dgm:spPr/>
-    </dgm:pt>
-    <dgm:pt modelId="{A5A47836-BD92-4FCF-959E-D5908E83A30A}" type="pres">
-      <dgm:prSet presAssocID="{683AF80B-724B-4D15-A011-CE4909883CC6}" presName="rect2" presStyleLbl="node1" presStyleIdx="2" presStyleCnt="4">
-        <dgm:presLayoutVars>
-          <dgm:bulletEnabled val="1"/>
-        </dgm:presLayoutVars>
-      </dgm:prSet>
-      <dgm:spPr/>
-      <dgm:t>
-        <a:bodyPr/>
-        <a:lstStyle/>
-        <a:p>
-          <a:endParaRPr lang="en-US"/>
-        </a:p>
-      </dgm:t>
-    </dgm:pt>
-    <dgm:pt modelId="{7CF565BC-EDEA-4F59-AA55-06BA126A6C58}" type="pres">
-      <dgm:prSet presAssocID="{683AF80B-724B-4D15-A011-CE4909883CC6}" presName="rect1" presStyleLbl="lnNode1" presStyleIdx="2" presStyleCnt="4"/>
-      <dgm:spPr>
-        <a:blipFill>
-          <a:blip xmlns:r="http://schemas.openxmlformats.org/officeDocument/2006/relationships" r:embed="rId3">
-            <a:extLst>
-              <a:ext uri="{28A0092B-C50C-407E-A947-70E740481C1C}">
-                <a14:useLocalDpi xmlns:a14="http://schemas.microsoft.com/office/drawing/2010/main" val="0"/>
-              </a:ext>
-            </a:extLst>
-          </a:blip>
-          <a:srcRect/>
-          <a:stretch>
-            <a:fillRect t="-9000" b="-9000"/>
-          </a:stretch>
-        </a:blipFill>
-      </dgm:spPr>
-      <dgm:t>
-        <a:bodyPr/>
-        <a:lstStyle/>
-        <a:p>
-          <a:endParaRPr lang="en-US"/>
-        </a:p>
-      </dgm:t>
-    </dgm:pt>
-    <dgm:pt modelId="{74EFF7F2-78DB-457D-9206-60E636FF1025}" type="pres">
-      <dgm:prSet presAssocID="{A99A567B-CAC2-417B-8E01-D92EE2394947}" presName="sibTrans" presStyleCnt="0"/>
-      <dgm:spPr/>
-    </dgm:pt>
-    <dgm:pt modelId="{A95F29FA-A028-4814-AB6A-06F4FFE3BB75}" type="pres">
-      <dgm:prSet presAssocID="{3A7CE18E-2317-419C-AA6F-3976E07A1611}" presName="comp" presStyleCnt="0"/>
-      <dgm:spPr/>
-    </dgm:pt>
-    <dgm:pt modelId="{346F82B6-7EE0-4309-A845-12728CFEEEE1}" type="pres">
-      <dgm:prSet presAssocID="{3A7CE18E-2317-419C-AA6F-3976E07A1611}" presName="rect2" presStyleLbl="node1" presStyleIdx="3" presStyleCnt="4">
-        <dgm:presLayoutVars>
-          <dgm:bulletEnabled val="1"/>
-        </dgm:presLayoutVars>
-      </dgm:prSet>
-      <dgm:spPr/>
-      <dgm:t>
-        <a:bodyPr/>
-        <a:lstStyle/>
-        <a:p>
-          <a:endParaRPr lang="en-US"/>
-        </a:p>
-      </dgm:t>
-    </dgm:pt>
-    <dgm:pt modelId="{6EB80B43-C9BD-4920-81FE-918D2D5EDC90}" type="pres">
-      <dgm:prSet presAssocID="{3A7CE18E-2317-419C-AA6F-3976E07A1611}" presName="rect1" presStyleLbl="lnNode1" presStyleIdx="3" presStyleCnt="4"/>
-      <dgm:spPr>
-        <a:blipFill>
-          <a:blip xmlns:r="http://schemas.openxmlformats.org/officeDocument/2006/relationships" r:embed="rId4" cstate="print">
-            <a:extLst>
-              <a:ext uri="{28A0092B-C50C-407E-A947-70E740481C1C}">
-                <a14:useLocalDpi xmlns:a14="http://schemas.microsoft.com/office/drawing/2010/main" val="0"/>
-              </a:ext>
-            </a:extLst>
-          </a:blip>
-          <a:srcRect/>
-          <a:stretch>
-            <a:fillRect t="-19000" b="-19000"/>
-          </a:stretch>
-        </a:blipFill>
-      </dgm:spPr>
       <dgm:t>
         <a:bodyPr/>
         <a:lstStyle/>
@@ -12015,30 +10883,10 @@
     </dgm:pt>
   </dgm:ptLst>
   <dgm:cxnLst>
-    <dgm:cxn modelId="{E5B8259D-7ABF-4B1C-9A20-E33AE63C2389}" srcId="{15BEE171-FCE1-4BBC-B6FF-BD7D6F894FAA}" destId="{3D6D2645-0928-494C-9FFE-F90983B71E90}" srcOrd="1" destOrd="0" parTransId="{F441B5D0-AF92-443E-88A5-9D74D8C95C86}" sibTransId="{9926B055-C9EE-4429-9D77-DDC504FBD6B4}"/>
-    <dgm:cxn modelId="{02376C6F-669E-4F0A-992B-2F7EB9CF5339}" type="presOf" srcId="{683AF80B-724B-4D15-A011-CE4909883CC6}" destId="{A5A47836-BD92-4FCF-959E-D5908E83A30A}" srcOrd="0" destOrd="0" presId="urn:microsoft.com/office/officeart/2008/layout/AlternatingPictureBlocks"/>
-    <dgm:cxn modelId="{50477968-748A-4604-988B-E532383CEF4C}" type="presOf" srcId="{22FDC951-E5DD-4C10-98FB-D97F0AF21E68}" destId="{5A4485C7-DED4-497E-A3F2-AF0A1053C7BA}" srcOrd="0" destOrd="0" presId="urn:microsoft.com/office/officeart/2008/layout/AlternatingPictureBlocks"/>
-    <dgm:cxn modelId="{82E90658-1705-41F0-946A-FDD57F8B52AF}" type="presOf" srcId="{3D6D2645-0928-494C-9FFE-F90983B71E90}" destId="{B67A64AB-6CCD-4AC8-B615-F70AE444C229}" srcOrd="0" destOrd="0" presId="urn:microsoft.com/office/officeart/2008/layout/AlternatingPictureBlocks"/>
-    <dgm:cxn modelId="{8390B1ED-95B4-4F4E-852F-122F0D07C6B1}" type="presOf" srcId="{3A7CE18E-2317-419C-AA6F-3976E07A1611}" destId="{346F82B6-7EE0-4309-A845-12728CFEEEE1}" srcOrd="0" destOrd="0" presId="urn:microsoft.com/office/officeart/2008/layout/AlternatingPictureBlocks"/>
-    <dgm:cxn modelId="{AF540BAB-9D0D-4E5E-BF03-5B1FE58A6E33}" srcId="{15BEE171-FCE1-4BBC-B6FF-BD7D6F894FAA}" destId="{22FDC951-E5DD-4C10-98FB-D97F0AF21E68}" srcOrd="0" destOrd="0" parTransId="{8C80F895-4AFE-4A73-969E-AD77CDDB004B}" sibTransId="{0DA376E1-0A1D-4405-967C-D96D0A46A128}"/>
-    <dgm:cxn modelId="{A7B24D2C-212E-4322-8CB9-A5691AFA50DF}" srcId="{15BEE171-FCE1-4BBC-B6FF-BD7D6F894FAA}" destId="{683AF80B-724B-4D15-A011-CE4909883CC6}" srcOrd="2" destOrd="0" parTransId="{95C077D1-69FD-47A2-BE78-E9E05ECD44DF}" sibTransId="{A99A567B-CAC2-417B-8E01-D92EE2394947}"/>
-    <dgm:cxn modelId="{C41FE50C-4DF7-4172-9834-F528E35FBF46}" srcId="{15BEE171-FCE1-4BBC-B6FF-BD7D6F894FAA}" destId="{3A7CE18E-2317-419C-AA6F-3976E07A1611}" srcOrd="3" destOrd="0" parTransId="{7B20F5F5-8E91-451D-9259-14F3FEE7665A}" sibTransId="{B2793A85-97BD-4CF3-9014-558BFFC9730A}"/>
-    <dgm:cxn modelId="{DBDC76A0-A57C-40CA-B449-35198E57C64C}" type="presOf" srcId="{15BEE171-FCE1-4BBC-B6FF-BD7D6F894FAA}" destId="{6DB7638C-995E-4918-88DE-42270AD4B9EC}" srcOrd="0" destOrd="0" presId="urn:microsoft.com/office/officeart/2008/layout/AlternatingPictureBlocks"/>
-    <dgm:cxn modelId="{8D64A438-01BB-4B25-8999-CB6497791F7B}" type="presParOf" srcId="{6DB7638C-995E-4918-88DE-42270AD4B9EC}" destId="{1B410FDB-518A-475F-8F21-0D3928322303}" srcOrd="0" destOrd="0" presId="urn:microsoft.com/office/officeart/2008/layout/AlternatingPictureBlocks"/>
-    <dgm:cxn modelId="{10367FCF-8E44-459B-9810-F2487E89D96F}" type="presParOf" srcId="{1B410FDB-518A-475F-8F21-0D3928322303}" destId="{5A4485C7-DED4-497E-A3F2-AF0A1053C7BA}" srcOrd="0" destOrd="0" presId="urn:microsoft.com/office/officeart/2008/layout/AlternatingPictureBlocks"/>
-    <dgm:cxn modelId="{9B4A7616-566E-43C3-B950-15548F8954A2}" type="presParOf" srcId="{1B410FDB-518A-475F-8F21-0D3928322303}" destId="{82D0282B-633E-41FF-8378-AD551F2A82AD}" srcOrd="1" destOrd="0" presId="urn:microsoft.com/office/officeart/2008/layout/AlternatingPictureBlocks"/>
-    <dgm:cxn modelId="{3ACA4439-4CFD-497C-8BFE-494EABA4FA1B}" type="presParOf" srcId="{6DB7638C-995E-4918-88DE-42270AD4B9EC}" destId="{62C4711B-CD24-4A7A-AB7E-7238E5A82F9E}" srcOrd="1" destOrd="0" presId="urn:microsoft.com/office/officeart/2008/layout/AlternatingPictureBlocks"/>
-    <dgm:cxn modelId="{6D5C8195-4D3C-413A-9DF1-0A72F46315C4}" type="presParOf" srcId="{6DB7638C-995E-4918-88DE-42270AD4B9EC}" destId="{4FFC09A1-5DC0-4863-A065-FA1902C4B9CB}" srcOrd="2" destOrd="0" presId="urn:microsoft.com/office/officeart/2008/layout/AlternatingPictureBlocks"/>
-    <dgm:cxn modelId="{277DDFA6-60A1-45A4-9840-CD7EBE33A911}" type="presParOf" srcId="{4FFC09A1-5DC0-4863-A065-FA1902C4B9CB}" destId="{B67A64AB-6CCD-4AC8-B615-F70AE444C229}" srcOrd="0" destOrd="0" presId="urn:microsoft.com/office/officeart/2008/layout/AlternatingPictureBlocks"/>
-    <dgm:cxn modelId="{47B10AF8-1491-4B08-B9BE-522ACAEDB217}" type="presParOf" srcId="{4FFC09A1-5DC0-4863-A065-FA1902C4B9CB}" destId="{1C90CB80-88A9-45E4-8F03-DEE5BCE96985}" srcOrd="1" destOrd="0" presId="urn:microsoft.com/office/officeart/2008/layout/AlternatingPictureBlocks"/>
-    <dgm:cxn modelId="{9A0FC3DA-B8A8-4C78-93C6-618F97B425C7}" type="presParOf" srcId="{6DB7638C-995E-4918-88DE-42270AD4B9EC}" destId="{9341DC37-0871-4280-90F7-15542FED637D}" srcOrd="3" destOrd="0" presId="urn:microsoft.com/office/officeart/2008/layout/AlternatingPictureBlocks"/>
-    <dgm:cxn modelId="{894D3413-E823-425C-B82F-FC40872246A3}" type="presParOf" srcId="{6DB7638C-995E-4918-88DE-42270AD4B9EC}" destId="{F655F3CF-4AF3-4470-81E1-081177FD5145}" srcOrd="4" destOrd="0" presId="urn:microsoft.com/office/officeart/2008/layout/AlternatingPictureBlocks"/>
-    <dgm:cxn modelId="{D6F57CD1-182F-4340-A871-C0A6E9E2A38E}" type="presParOf" srcId="{F655F3CF-4AF3-4470-81E1-081177FD5145}" destId="{A5A47836-BD92-4FCF-959E-D5908E83A30A}" srcOrd="0" destOrd="0" presId="urn:microsoft.com/office/officeart/2008/layout/AlternatingPictureBlocks"/>
-    <dgm:cxn modelId="{A4D44B42-51CD-4221-B2A3-E040F35EF6C9}" type="presParOf" srcId="{F655F3CF-4AF3-4470-81E1-081177FD5145}" destId="{7CF565BC-EDEA-4F59-AA55-06BA126A6C58}" srcOrd="1" destOrd="0" presId="urn:microsoft.com/office/officeart/2008/layout/AlternatingPictureBlocks"/>
-    <dgm:cxn modelId="{BBBCE342-58D8-4110-80E8-458413E84EEB}" type="presParOf" srcId="{6DB7638C-995E-4918-88DE-42270AD4B9EC}" destId="{74EFF7F2-78DB-457D-9206-60E636FF1025}" srcOrd="5" destOrd="0" presId="urn:microsoft.com/office/officeart/2008/layout/AlternatingPictureBlocks"/>
-    <dgm:cxn modelId="{1B9D3066-CDDD-41EA-B2F7-BA8F15B85210}" type="presParOf" srcId="{6DB7638C-995E-4918-88DE-42270AD4B9EC}" destId="{A95F29FA-A028-4814-AB6A-06F4FFE3BB75}" srcOrd="6" destOrd="0" presId="urn:microsoft.com/office/officeart/2008/layout/AlternatingPictureBlocks"/>
-    <dgm:cxn modelId="{5082DB58-26AE-433C-9620-551F57CEC0F5}" type="presParOf" srcId="{A95F29FA-A028-4814-AB6A-06F4FFE3BB75}" destId="{346F82B6-7EE0-4309-A845-12728CFEEEE1}" srcOrd="0" destOrd="0" presId="urn:microsoft.com/office/officeart/2008/layout/AlternatingPictureBlocks"/>
-    <dgm:cxn modelId="{5A5480E0-80AE-45B8-930E-FC3E00F93BE7}" type="presParOf" srcId="{A95F29FA-A028-4814-AB6A-06F4FFE3BB75}" destId="{6EB80B43-C9BD-4920-81FE-918D2D5EDC90}" srcOrd="1" destOrd="0" presId="urn:microsoft.com/office/officeart/2008/layout/AlternatingPictureBlocks"/>
+    <dgm:cxn modelId="{9BE741C4-EF8F-457A-891A-7577F66A7FFF}" type="presOf" srcId="{D575206D-D3F0-4380-8FDE-2BE64039528A}" destId="{83D74F2B-1874-474D-BA2A-3219D918B692}" srcOrd="0" destOrd="0" presId="urn:microsoft.com/office/officeart/2005/8/layout/venn1"/>
+    <dgm:cxn modelId="{213037D6-2C5B-4AD2-9566-6694462CC7EC}" srcId="{08330221-41F9-4BAA-BDD7-4FD7F054A2FA}" destId="{D575206D-D3F0-4380-8FDE-2BE64039528A}" srcOrd="0" destOrd="0" parTransId="{4775FFB6-C561-468E-ADB2-9B8554E4CC7B}" sibTransId="{D755BBA0-1709-4156-9B42-4F802E8C1193}"/>
+    <dgm:cxn modelId="{5962BA28-95C4-4EDA-8D62-6C5784E3D090}" type="presOf" srcId="{08330221-41F9-4BAA-BDD7-4FD7F054A2FA}" destId="{4DE1054B-EFA6-4389-8383-C0E1C6954A11}" srcOrd="0" destOrd="0" presId="urn:microsoft.com/office/officeart/2005/8/layout/venn1"/>
+    <dgm:cxn modelId="{EB7DDF74-E290-4486-9741-83D2DE653356}" type="presParOf" srcId="{4DE1054B-EFA6-4389-8383-C0E1C6954A11}" destId="{83D74F2B-1874-474D-BA2A-3219D918B692}" srcOrd="0" destOrd="0" presId="urn:microsoft.com/office/officeart/2005/8/layout/venn1"/>
   </dgm:cxnLst>
   <dgm:bg/>
   <dgm:whole/>
@@ -12565,96 +11413,6 @@
       <dsp:txXfrm>
         <a:off x="0" y="3339681"/>
         <a:ext cx="7620000" cy="943920"/>
-      </dsp:txXfrm>
-    </dsp:sp>
-  </dsp:spTree>
-</dsp:drawing>
-</file>
-
-<file path=ppt/diagrams/drawing10.xml><?xml version="1.0" encoding="utf-8"?>
-<dsp:drawing xmlns:dgm="http://schemas.openxmlformats.org/drawingml/2006/diagram" xmlns:dsp="http://schemas.microsoft.com/office/drawing/2008/diagram" xmlns:a="http://schemas.openxmlformats.org/drawingml/2006/main">
-  <dsp:spTree>
-    <dsp:nvGrpSpPr>
-      <dsp:cNvPr id="0" name=""/>
-      <dsp:cNvGrpSpPr/>
-    </dsp:nvGrpSpPr>
-    <dsp:grpSpPr/>
-    <dsp:sp modelId="{83D74F2B-1874-474D-BA2A-3219D918B692}">
-      <dsp:nvSpPr>
-        <dsp:cNvPr id="0" name=""/>
-        <dsp:cNvSpPr/>
-      </dsp:nvSpPr>
-      <dsp:spPr>
-        <a:xfrm>
-          <a:off x="1623218" y="0"/>
-          <a:ext cx="4373563" cy="4373563"/>
-        </a:xfrm>
-        <a:prstGeom prst="ellipse">
-          <a:avLst/>
-        </a:prstGeom>
-        <a:solidFill>
-          <a:schemeClr val="accent1">
-            <a:alpha val="50000"/>
-            <a:hueOff val="0"/>
-            <a:satOff val="0"/>
-            <a:lumOff val="0"/>
-            <a:alphaOff val="0"/>
-          </a:schemeClr>
-        </a:solidFill>
-        <a:ln w="28575" cap="flat" cmpd="sng" algn="ctr">
-          <a:solidFill>
-            <a:schemeClr val="lt1">
-              <a:hueOff val="0"/>
-              <a:satOff val="0"/>
-              <a:lumOff val="0"/>
-              <a:alphaOff val="0"/>
-            </a:schemeClr>
-          </a:solidFill>
-          <a:prstDash val="solid"/>
-        </a:ln>
-        <a:effectLst/>
-      </dsp:spPr>
-      <dsp:style>
-        <a:lnRef idx="2">
-          <a:scrgbClr r="0" g="0" b="0"/>
-        </a:lnRef>
-        <a:fillRef idx="1">
-          <a:scrgbClr r="0" g="0" b="0"/>
-        </a:fillRef>
-        <a:effectRef idx="0">
-          <a:scrgbClr r="0" g="0" b="0"/>
-        </a:effectRef>
-        <a:fontRef idx="minor">
-          <a:schemeClr val="tx1"/>
-        </a:fontRef>
-      </dsp:style>
-      <dsp:txBody>
-        <a:bodyPr spcFirstLastPara="0" vert="horz" wrap="square" lIns="0" tIns="0" rIns="0" bIns="0" numCol="1" spcCol="1270" anchor="ctr" anchorCtr="0">
-          <a:noAutofit/>
-        </a:bodyPr>
-        <a:lstStyle/>
-        <a:p>
-          <a:pPr lvl="0" algn="ctr" defTabSz="1733550" rtl="0">
-            <a:lnSpc>
-              <a:spcPct val="90000"/>
-            </a:lnSpc>
-            <a:spcBef>
-              <a:spcPct val="0"/>
-            </a:spcBef>
-            <a:spcAft>
-              <a:spcPct val="35000"/>
-            </a:spcAft>
-          </a:pPr>
-          <a:r>
-            <a:rPr lang="en-US" sz="3900" b="0" i="0" kern="1200" baseline="0" smtClean="0"/>
-            <a:t>Unfortunately, cancelled in favor of play time!</a:t>
-          </a:r>
-          <a:endParaRPr lang="en-US" sz="3900" kern="1200"/>
-        </a:p>
-      </dsp:txBody>
-      <dsp:txXfrm>
-        <a:off x="2263711" y="640493"/>
-        <a:ext cx="3092577" cy="3092577"/>
       </dsp:txXfrm>
     </dsp:sp>
   </dsp:spTree>
@@ -15770,599 +14528,6 @@
       <dsp:cNvGrpSpPr/>
     </dsp:nvGrpSpPr>
     <dsp:grpSpPr/>
-    <dsp:sp modelId="{463817C5-9CCE-42F4-9804-FF05FA16BE16}">
-      <dsp:nvSpPr>
-        <dsp:cNvPr id="0" name=""/>
-        <dsp:cNvSpPr/>
-      </dsp:nvSpPr>
-      <dsp:spPr>
-        <a:xfrm>
-          <a:off x="3044626" y="1246465"/>
-          <a:ext cx="1530747" cy="1530747"/>
-        </a:xfrm>
-        <a:prstGeom prst="ellipse">
-          <a:avLst/>
-        </a:prstGeom>
-        <a:solidFill>
-          <a:schemeClr val="accent1">
-            <a:alpha val="50000"/>
-            <a:hueOff val="0"/>
-            <a:satOff val="0"/>
-            <a:lumOff val="0"/>
-            <a:alphaOff val="0"/>
-          </a:schemeClr>
-        </a:solidFill>
-        <a:ln w="28575" cap="flat" cmpd="sng" algn="ctr">
-          <a:solidFill>
-            <a:schemeClr val="lt1">
-              <a:hueOff val="0"/>
-              <a:satOff val="0"/>
-              <a:lumOff val="0"/>
-              <a:alphaOff val="0"/>
-            </a:schemeClr>
-          </a:solidFill>
-          <a:prstDash val="solid"/>
-        </a:ln>
-        <a:effectLst/>
-      </dsp:spPr>
-      <dsp:style>
-        <a:lnRef idx="2">
-          <a:scrgbClr r="0" g="0" b="0"/>
-        </a:lnRef>
-        <a:fillRef idx="1">
-          <a:scrgbClr r="0" g="0" b="0"/>
-        </a:fillRef>
-        <a:effectRef idx="0">
-          <a:scrgbClr r="0" g="0" b="0"/>
-        </a:effectRef>
-        <a:fontRef idx="minor">
-          <a:schemeClr val="tx1"/>
-        </a:fontRef>
-      </dsp:style>
-    </dsp:sp>
-    <dsp:sp modelId="{DF6F56B8-899E-4918-8B30-33E336602C9F}">
-      <dsp:nvSpPr>
-        <dsp:cNvPr id="0" name=""/>
-        <dsp:cNvSpPr/>
-      </dsp:nvSpPr>
-      <dsp:spPr>
-        <a:xfrm>
-          <a:off x="2922166" y="0"/>
-          <a:ext cx="1775666" cy="1027787"/>
-        </a:xfrm>
-        <a:prstGeom prst="rect">
-          <a:avLst/>
-        </a:prstGeom>
-        <a:noFill/>
-        <a:ln>
-          <a:noFill/>
-        </a:ln>
-        <a:effectLst/>
-        <a:sp3d/>
-      </dsp:spPr>
-      <dsp:style>
-        <a:lnRef idx="0">
-          <a:scrgbClr r="0" g="0" b="0"/>
-        </a:lnRef>
-        <a:fillRef idx="0">
-          <a:scrgbClr r="0" g="0" b="0"/>
-        </a:fillRef>
-        <a:effectRef idx="0">
-          <a:scrgbClr r="0" g="0" b="0"/>
-        </a:effectRef>
-        <a:fontRef idx="minor"/>
-      </dsp:style>
-      <dsp:txBody>
-        <a:bodyPr spcFirstLastPara="0" vert="horz" wrap="square" lIns="0" tIns="0" rIns="0" bIns="0" numCol="1" spcCol="1270" anchor="ctr" anchorCtr="1">
-          <a:noAutofit/>
-        </a:bodyPr>
-        <a:lstStyle/>
-        <a:p>
-          <a:pPr lvl="0" algn="l" defTabSz="1155700" rtl="0">
-            <a:lnSpc>
-              <a:spcPct val="90000"/>
-            </a:lnSpc>
-            <a:spcBef>
-              <a:spcPct val="0"/>
-            </a:spcBef>
-            <a:spcAft>
-              <a:spcPct val="35000"/>
-            </a:spcAft>
-          </a:pPr>
-          <a:r>
-            <a:rPr lang="en-US" sz="2600" b="0" i="0" kern="1200" baseline="0" smtClean="0"/>
-            <a:t>FlatRedBall </a:t>
-          </a:r>
-          <a:endParaRPr lang="en-US" sz="2600" kern="1200"/>
-        </a:p>
-        <a:p>
-          <a:pPr marL="228600" lvl="1" indent="-228600" algn="l" defTabSz="889000" rtl="0">
-            <a:lnSpc>
-              <a:spcPct val="90000"/>
-            </a:lnSpc>
-            <a:spcBef>
-              <a:spcPct val="0"/>
-            </a:spcBef>
-            <a:spcAft>
-              <a:spcPct val="15000"/>
-            </a:spcAft>
-            <a:buChar char="••"/>
-          </a:pPr>
-          <a:r>
-            <a:rPr lang="en-US" sz="2000" b="0" i="0" kern="1200" baseline="0" smtClean="0"/>
-            <a:t>XNA-based</a:t>
-          </a:r>
-          <a:endParaRPr lang="en-US" sz="2000" kern="1200"/>
-        </a:p>
-      </dsp:txBody>
-      <dsp:txXfrm>
-        <a:off x="2922166" y="0"/>
-        <a:ext cx="1775666" cy="1027787"/>
-      </dsp:txXfrm>
-    </dsp:sp>
-    <dsp:sp modelId="{1A88DF17-8052-4724-BC94-5A3EED5B0DAD}">
-      <dsp:nvSpPr>
-        <dsp:cNvPr id="0" name=""/>
-        <dsp:cNvSpPr/>
-      </dsp:nvSpPr>
-      <dsp:spPr>
-        <a:xfrm>
-          <a:off x="3626922" y="1669388"/>
-          <a:ext cx="1530747" cy="1530747"/>
-        </a:xfrm>
-        <a:prstGeom prst="ellipse">
-          <a:avLst/>
-        </a:prstGeom>
-        <a:solidFill>
-          <a:schemeClr val="accent1">
-            <a:alpha val="50000"/>
-            <a:hueOff val="0"/>
-            <a:satOff val="0"/>
-            <a:lumOff val="0"/>
-            <a:alphaOff val="0"/>
-          </a:schemeClr>
-        </a:solidFill>
-        <a:ln w="28575" cap="flat" cmpd="sng" algn="ctr">
-          <a:solidFill>
-            <a:schemeClr val="lt1">
-              <a:hueOff val="0"/>
-              <a:satOff val="0"/>
-              <a:lumOff val="0"/>
-              <a:alphaOff val="0"/>
-            </a:schemeClr>
-          </a:solidFill>
-          <a:prstDash val="solid"/>
-        </a:ln>
-        <a:effectLst/>
-      </dsp:spPr>
-      <dsp:style>
-        <a:lnRef idx="2">
-          <a:scrgbClr r="0" g="0" b="0"/>
-        </a:lnRef>
-        <a:fillRef idx="1">
-          <a:scrgbClr r="0" g="0" b="0"/>
-        </a:fillRef>
-        <a:effectRef idx="0">
-          <a:scrgbClr r="0" g="0" b="0"/>
-        </a:effectRef>
-        <a:fontRef idx="minor">
-          <a:schemeClr val="tx1"/>
-        </a:fontRef>
-      </dsp:style>
-    </dsp:sp>
-    <dsp:sp modelId="{6023D327-C4B4-491A-ACAA-5B7E867FADD4}">
-      <dsp:nvSpPr>
-        <dsp:cNvPr id="0" name=""/>
-        <dsp:cNvSpPr/>
-      </dsp:nvSpPr>
-      <dsp:spPr>
-        <a:xfrm>
-          <a:off x="5279517" y="1355804"/>
-          <a:ext cx="1591976" cy="1115258"/>
-        </a:xfrm>
-        <a:prstGeom prst="rect">
-          <a:avLst/>
-        </a:prstGeom>
-        <a:noFill/>
-        <a:ln>
-          <a:noFill/>
-        </a:ln>
-        <a:effectLst/>
-        <a:sp3d/>
-      </dsp:spPr>
-      <dsp:style>
-        <a:lnRef idx="0">
-          <a:scrgbClr r="0" g="0" b="0"/>
-        </a:lnRef>
-        <a:fillRef idx="0">
-          <a:scrgbClr r="0" g="0" b="0"/>
-        </a:fillRef>
-        <a:effectRef idx="0">
-          <a:scrgbClr r="0" g="0" b="0"/>
-        </a:effectRef>
-        <a:fontRef idx="minor"/>
-      </dsp:style>
-      <dsp:txBody>
-        <a:bodyPr spcFirstLastPara="0" vert="horz" wrap="square" lIns="0" tIns="0" rIns="0" bIns="0" numCol="1" spcCol="1270" anchor="ctr" anchorCtr="0">
-          <a:noAutofit/>
-        </a:bodyPr>
-        <a:lstStyle/>
-        <a:p>
-          <a:pPr lvl="0" algn="ctr" defTabSz="1155700" rtl="0">
-            <a:lnSpc>
-              <a:spcPct val="90000"/>
-            </a:lnSpc>
-            <a:spcBef>
-              <a:spcPct val="0"/>
-            </a:spcBef>
-            <a:spcAft>
-              <a:spcPct val="35000"/>
-            </a:spcAft>
-          </a:pPr>
-          <a:r>
-            <a:rPr lang="en-US" sz="2600" b="0" i="0" kern="1200" baseline="0" smtClean="0"/>
-            <a:t>Cocos2D</a:t>
-          </a:r>
-          <a:endParaRPr lang="en-US" sz="2600" kern="1200"/>
-        </a:p>
-      </dsp:txBody>
-      <dsp:txXfrm>
-        <a:off x="5279517" y="1355804"/>
-        <a:ext cx="1591976" cy="1115258"/>
-      </dsp:txXfrm>
-    </dsp:sp>
-    <dsp:sp modelId="{AEAE7657-07EF-4B30-9FFF-69808B7BCAA3}">
-      <dsp:nvSpPr>
-        <dsp:cNvPr id="0" name=""/>
-        <dsp:cNvSpPr/>
-      </dsp:nvSpPr>
-      <dsp:spPr>
-        <a:xfrm>
-          <a:off x="3404658" y="2354288"/>
-          <a:ext cx="1530747" cy="1530747"/>
-        </a:xfrm>
-        <a:prstGeom prst="ellipse">
-          <a:avLst/>
-        </a:prstGeom>
-        <a:solidFill>
-          <a:schemeClr val="accent1">
-            <a:alpha val="50000"/>
-            <a:hueOff val="0"/>
-            <a:satOff val="0"/>
-            <a:lumOff val="0"/>
-            <a:alphaOff val="0"/>
-          </a:schemeClr>
-        </a:solidFill>
-        <a:ln w="28575" cap="flat" cmpd="sng" algn="ctr">
-          <a:solidFill>
-            <a:schemeClr val="lt1">
-              <a:hueOff val="0"/>
-              <a:satOff val="0"/>
-              <a:lumOff val="0"/>
-              <a:alphaOff val="0"/>
-            </a:schemeClr>
-          </a:solidFill>
-          <a:prstDash val="solid"/>
-        </a:ln>
-        <a:effectLst/>
-      </dsp:spPr>
-      <dsp:style>
-        <a:lnRef idx="2">
-          <a:scrgbClr r="0" g="0" b="0"/>
-        </a:lnRef>
-        <a:fillRef idx="1">
-          <a:scrgbClr r="0" g="0" b="0"/>
-        </a:fillRef>
-        <a:effectRef idx="0">
-          <a:scrgbClr r="0" g="0" b="0"/>
-        </a:effectRef>
-        <a:fontRef idx="minor">
-          <a:schemeClr val="tx1"/>
-        </a:fontRef>
-      </dsp:style>
-    </dsp:sp>
-    <dsp:sp modelId="{3415F99B-58D5-4081-BEDC-31BE1C73741F}">
-      <dsp:nvSpPr>
-        <dsp:cNvPr id="0" name=""/>
-        <dsp:cNvSpPr/>
-      </dsp:nvSpPr>
-      <dsp:spPr>
-        <a:xfrm>
-          <a:off x="5034597" y="3258304"/>
-          <a:ext cx="1591976" cy="1115258"/>
-        </a:xfrm>
-        <a:prstGeom prst="rect">
-          <a:avLst/>
-        </a:prstGeom>
-        <a:noFill/>
-        <a:ln>
-          <a:noFill/>
-        </a:ln>
-        <a:effectLst/>
-        <a:sp3d/>
-      </dsp:spPr>
-      <dsp:style>
-        <a:lnRef idx="0">
-          <a:scrgbClr r="0" g="0" b="0"/>
-        </a:lnRef>
-        <a:fillRef idx="0">
-          <a:scrgbClr r="0" g="0" b="0"/>
-        </a:fillRef>
-        <a:effectRef idx="0">
-          <a:scrgbClr r="0" g="0" b="0"/>
-        </a:effectRef>
-        <a:fontRef idx="minor"/>
-      </dsp:style>
-      <dsp:txBody>
-        <a:bodyPr spcFirstLastPara="0" vert="horz" wrap="square" lIns="0" tIns="0" rIns="0" bIns="0" numCol="1" spcCol="1270" anchor="ctr" anchorCtr="0">
-          <a:noAutofit/>
-        </a:bodyPr>
-        <a:lstStyle/>
-        <a:p>
-          <a:pPr lvl="0" algn="ctr" defTabSz="1155700" rtl="0">
-            <a:lnSpc>
-              <a:spcPct val="90000"/>
-            </a:lnSpc>
-            <a:spcBef>
-              <a:spcPct val="0"/>
-            </a:spcBef>
-            <a:spcAft>
-              <a:spcPct val="35000"/>
-            </a:spcAft>
-          </a:pPr>
-          <a:r>
-            <a:rPr lang="en-US" sz="2600" b="0" i="0" kern="1200" baseline="0" smtClean="0"/>
-            <a:t>Unity </a:t>
-          </a:r>
-          <a:endParaRPr lang="en-US" sz="2600" kern="1200"/>
-        </a:p>
-      </dsp:txBody>
-      <dsp:txXfrm>
-        <a:off x="5034597" y="3258304"/>
-        <a:ext cx="1591976" cy="1115258"/>
-      </dsp:txXfrm>
-    </dsp:sp>
-    <dsp:sp modelId="{9C1C3E67-83BE-43C0-91FA-4B96E1711F82}">
-      <dsp:nvSpPr>
-        <dsp:cNvPr id="0" name=""/>
-        <dsp:cNvSpPr/>
-      </dsp:nvSpPr>
-      <dsp:spPr>
-        <a:xfrm>
-          <a:off x="2684594" y="2354288"/>
-          <a:ext cx="1530747" cy="1530747"/>
-        </a:xfrm>
-        <a:prstGeom prst="ellipse">
-          <a:avLst/>
-        </a:prstGeom>
-        <a:solidFill>
-          <a:schemeClr val="accent1">
-            <a:alpha val="50000"/>
-            <a:hueOff val="0"/>
-            <a:satOff val="0"/>
-            <a:lumOff val="0"/>
-            <a:alphaOff val="0"/>
-          </a:schemeClr>
-        </a:solidFill>
-        <a:ln w="28575" cap="flat" cmpd="sng" algn="ctr">
-          <a:solidFill>
-            <a:schemeClr val="lt1">
-              <a:hueOff val="0"/>
-              <a:satOff val="0"/>
-              <a:lumOff val="0"/>
-              <a:alphaOff val="0"/>
-            </a:schemeClr>
-          </a:solidFill>
-          <a:prstDash val="solid"/>
-        </a:ln>
-        <a:effectLst/>
-      </dsp:spPr>
-      <dsp:style>
-        <a:lnRef idx="2">
-          <a:scrgbClr r="0" g="0" b="0"/>
-        </a:lnRef>
-        <a:fillRef idx="1">
-          <a:scrgbClr r="0" g="0" b="0"/>
-        </a:fillRef>
-        <a:effectRef idx="0">
-          <a:scrgbClr r="0" g="0" b="0"/>
-        </a:effectRef>
-        <a:fontRef idx="minor">
-          <a:schemeClr val="tx1"/>
-        </a:fontRef>
-      </dsp:style>
-    </dsp:sp>
-    <dsp:sp modelId="{E9196014-9E5B-4C3F-8F33-C284264F4BA4}">
-      <dsp:nvSpPr>
-        <dsp:cNvPr id="0" name=""/>
-        <dsp:cNvSpPr/>
-      </dsp:nvSpPr>
-      <dsp:spPr>
-        <a:xfrm>
-          <a:off x="993425" y="3258304"/>
-          <a:ext cx="1591976" cy="1115258"/>
-        </a:xfrm>
-        <a:prstGeom prst="rect">
-          <a:avLst/>
-        </a:prstGeom>
-        <a:noFill/>
-        <a:ln>
-          <a:noFill/>
-        </a:ln>
-        <a:effectLst/>
-        <a:sp3d/>
-      </dsp:spPr>
-      <dsp:style>
-        <a:lnRef idx="0">
-          <a:scrgbClr r="0" g="0" b="0"/>
-        </a:lnRef>
-        <a:fillRef idx="0">
-          <a:scrgbClr r="0" g="0" b="0"/>
-        </a:fillRef>
-        <a:effectRef idx="0">
-          <a:scrgbClr r="0" g="0" b="0"/>
-        </a:effectRef>
-        <a:fontRef idx="minor"/>
-      </dsp:style>
-      <dsp:txBody>
-        <a:bodyPr spcFirstLastPara="0" vert="horz" wrap="square" lIns="0" tIns="0" rIns="0" bIns="0" numCol="1" spcCol="1270" anchor="ctr" anchorCtr="0">
-          <a:noAutofit/>
-        </a:bodyPr>
-        <a:lstStyle/>
-        <a:p>
-          <a:pPr lvl="0" algn="ctr" defTabSz="1155700" rtl="0">
-            <a:lnSpc>
-              <a:spcPct val="90000"/>
-            </a:lnSpc>
-            <a:spcBef>
-              <a:spcPct val="0"/>
-            </a:spcBef>
-            <a:spcAft>
-              <a:spcPct val="35000"/>
-            </a:spcAft>
-          </a:pPr>
-          <a:r>
-            <a:rPr lang="en-US" sz="2600" b="0" i="0" kern="1200" baseline="0" smtClean="0"/>
-            <a:t>Game Maker</a:t>
-          </a:r>
-          <a:endParaRPr lang="en-US" sz="2600" kern="1200"/>
-        </a:p>
-      </dsp:txBody>
-      <dsp:txXfrm>
-        <a:off x="993425" y="3258304"/>
-        <a:ext cx="1591976" cy="1115258"/>
-      </dsp:txXfrm>
-    </dsp:sp>
-    <dsp:sp modelId="{F7A8CD29-72A0-4D82-978A-F656C2C42A2F}">
-      <dsp:nvSpPr>
-        <dsp:cNvPr id="0" name=""/>
-        <dsp:cNvSpPr/>
-      </dsp:nvSpPr>
-      <dsp:spPr>
-        <a:xfrm>
-          <a:off x="2462330" y="1669388"/>
-          <a:ext cx="1530747" cy="1530747"/>
-        </a:xfrm>
-        <a:prstGeom prst="ellipse">
-          <a:avLst/>
-        </a:prstGeom>
-        <a:solidFill>
-          <a:schemeClr val="accent1">
-            <a:alpha val="50000"/>
-            <a:hueOff val="0"/>
-            <a:satOff val="0"/>
-            <a:lumOff val="0"/>
-            <a:alphaOff val="0"/>
-          </a:schemeClr>
-        </a:solidFill>
-        <a:ln w="28575" cap="flat" cmpd="sng" algn="ctr">
-          <a:solidFill>
-            <a:schemeClr val="lt1">
-              <a:hueOff val="0"/>
-              <a:satOff val="0"/>
-              <a:lumOff val="0"/>
-              <a:alphaOff val="0"/>
-            </a:schemeClr>
-          </a:solidFill>
-          <a:prstDash val="solid"/>
-        </a:ln>
-        <a:effectLst/>
-      </dsp:spPr>
-      <dsp:style>
-        <a:lnRef idx="2">
-          <a:scrgbClr r="0" g="0" b="0"/>
-        </a:lnRef>
-        <a:fillRef idx="1">
-          <a:scrgbClr r="0" g="0" b="0"/>
-        </a:fillRef>
-        <a:effectRef idx="0">
-          <a:scrgbClr r="0" g="0" b="0"/>
-        </a:effectRef>
-        <a:fontRef idx="minor">
-          <a:schemeClr val="tx1"/>
-        </a:fontRef>
-      </dsp:style>
-    </dsp:sp>
-    <dsp:sp modelId="{18AF2910-C5F8-44A0-A4FF-8B46C19CC17C}">
-      <dsp:nvSpPr>
-        <dsp:cNvPr id="0" name=""/>
-        <dsp:cNvSpPr/>
-      </dsp:nvSpPr>
-      <dsp:spPr>
-        <a:xfrm>
-          <a:off x="748505" y="1355804"/>
-          <a:ext cx="1591976" cy="1115258"/>
-        </a:xfrm>
-        <a:prstGeom prst="rect">
-          <a:avLst/>
-        </a:prstGeom>
-        <a:noFill/>
-        <a:ln>
-          <a:noFill/>
-        </a:ln>
-        <a:effectLst/>
-        <a:sp3d/>
-      </dsp:spPr>
-      <dsp:style>
-        <a:lnRef idx="0">
-          <a:scrgbClr r="0" g="0" b="0"/>
-        </a:lnRef>
-        <a:fillRef idx="0">
-          <a:scrgbClr r="0" g="0" b="0"/>
-        </a:fillRef>
-        <a:effectRef idx="0">
-          <a:scrgbClr r="0" g="0" b="0"/>
-        </a:effectRef>
-        <a:fontRef idx="minor"/>
-      </dsp:style>
-      <dsp:txBody>
-        <a:bodyPr spcFirstLastPara="0" vert="horz" wrap="square" lIns="0" tIns="0" rIns="0" bIns="0" numCol="1" spcCol="1270" anchor="ctr" anchorCtr="1">
-          <a:noAutofit/>
-        </a:bodyPr>
-        <a:lstStyle/>
-        <a:p>
-          <a:pPr lvl="0" algn="l" defTabSz="1155700" rtl="0">
-            <a:lnSpc>
-              <a:spcPct val="90000"/>
-            </a:lnSpc>
-            <a:spcBef>
-              <a:spcPct val="0"/>
-            </a:spcBef>
-            <a:spcAft>
-              <a:spcPct val="35000"/>
-            </a:spcAft>
-          </a:pPr>
-          <a:r>
-            <a:rPr lang="en-US" sz="2600" b="0" i="0" kern="1200" baseline="0" smtClean="0"/>
-            <a:t>Unreal Engine</a:t>
-          </a:r>
-          <a:endParaRPr lang="en-US" sz="2600" kern="1200"/>
-        </a:p>
-        <a:p>
-          <a:pPr marL="228600" lvl="1" indent="-228600" algn="l" defTabSz="889000" rtl="0">
-            <a:lnSpc>
-              <a:spcPct val="90000"/>
-            </a:lnSpc>
-            <a:spcBef>
-              <a:spcPct val="0"/>
-            </a:spcBef>
-            <a:spcAft>
-              <a:spcPct val="15000"/>
-            </a:spcAft>
-            <a:buChar char="••"/>
-          </a:pPr>
-          <a:r>
-            <a:rPr lang="en-US" sz="2000" b="0" i="0" kern="1200" baseline="0" smtClean="0"/>
-            <a:t>AAA</a:t>
-          </a:r>
-          <a:endParaRPr lang="en-US" sz="2000" kern="1200"/>
-        </a:p>
-      </dsp:txBody>
-      <dsp:txXfrm>
-        <a:off x="748505" y="1355804"/>
-        <a:ext cx="1591976" cy="1115258"/>
-      </dsp:txXfrm>
-    </dsp:sp>
   </dsp:spTree>
 </dsp:drawing>
 </file>
@@ -16375,464 +14540,6 @@
       <dsp:cNvGrpSpPr/>
     </dsp:nvGrpSpPr>
     <dsp:grpSpPr/>
-    <dsp:sp modelId="{1CA3943B-EBE0-4C97-8974-BF32FBE0217C}">
-      <dsp:nvSpPr>
-        <dsp:cNvPr id="0" name=""/>
-        <dsp:cNvSpPr/>
-      </dsp:nvSpPr>
-      <dsp:spPr>
-        <a:xfrm>
-          <a:off x="571499" y="0"/>
-          <a:ext cx="6477000" cy="4373563"/>
-        </a:xfrm>
-        <a:prstGeom prst="rightArrow">
-          <a:avLst/>
-        </a:prstGeom>
-        <a:solidFill>
-          <a:schemeClr val="accent1">
-            <a:tint val="40000"/>
-            <a:hueOff val="0"/>
-            <a:satOff val="0"/>
-            <a:lumOff val="0"/>
-            <a:alphaOff val="0"/>
-          </a:schemeClr>
-        </a:solidFill>
-        <a:ln>
-          <a:noFill/>
-        </a:ln>
-        <a:effectLst/>
-      </dsp:spPr>
-      <dsp:style>
-        <a:lnRef idx="0">
-          <a:scrgbClr r="0" g="0" b="0"/>
-        </a:lnRef>
-        <a:fillRef idx="1">
-          <a:scrgbClr r="0" g="0" b="0"/>
-        </a:fillRef>
-        <a:effectRef idx="0">
-          <a:scrgbClr r="0" g="0" b="0"/>
-        </a:effectRef>
-        <a:fontRef idx="minor"/>
-      </dsp:style>
-    </dsp:sp>
-    <dsp:sp modelId="{931455E4-89A7-41C9-9744-6ABD783C67D4}">
-      <dsp:nvSpPr>
-        <dsp:cNvPr id="0" name=""/>
-        <dsp:cNvSpPr/>
-      </dsp:nvSpPr>
-      <dsp:spPr>
-        <a:xfrm>
-          <a:off x="3348" y="1312068"/>
-          <a:ext cx="1464096" cy="1749425"/>
-        </a:xfrm>
-        <a:prstGeom prst="roundRect">
-          <a:avLst/>
-        </a:prstGeom>
-        <a:solidFill>
-          <a:schemeClr val="accent1">
-            <a:hueOff val="0"/>
-            <a:satOff val="0"/>
-            <a:lumOff val="0"/>
-            <a:alphaOff val="0"/>
-          </a:schemeClr>
-        </a:solidFill>
-        <a:ln w="28575" cap="flat" cmpd="sng" algn="ctr">
-          <a:solidFill>
-            <a:schemeClr val="lt1">
-              <a:hueOff val="0"/>
-              <a:satOff val="0"/>
-              <a:lumOff val="0"/>
-              <a:alphaOff val="0"/>
-            </a:schemeClr>
-          </a:solidFill>
-          <a:prstDash val="solid"/>
-        </a:ln>
-        <a:effectLst/>
-      </dsp:spPr>
-      <dsp:style>
-        <a:lnRef idx="2">
-          <a:scrgbClr r="0" g="0" b="0"/>
-        </a:lnRef>
-        <a:fillRef idx="1">
-          <a:scrgbClr r="0" g="0" b="0"/>
-        </a:fillRef>
-        <a:effectRef idx="0">
-          <a:scrgbClr r="0" g="0" b="0"/>
-        </a:effectRef>
-        <a:fontRef idx="minor">
-          <a:schemeClr val="lt1"/>
-        </a:fontRef>
-      </dsp:style>
-      <dsp:txBody>
-        <a:bodyPr spcFirstLastPara="0" vert="horz" wrap="square" lIns="57150" tIns="57150" rIns="57150" bIns="57150" numCol="1" spcCol="1270" anchor="ctr" anchorCtr="0">
-          <a:noAutofit/>
-        </a:bodyPr>
-        <a:lstStyle/>
-        <a:p>
-          <a:pPr lvl="0" algn="ctr" defTabSz="666750">
-            <a:lnSpc>
-              <a:spcPct val="90000"/>
-            </a:lnSpc>
-            <a:spcBef>
-              <a:spcPct val="0"/>
-            </a:spcBef>
-            <a:spcAft>
-              <a:spcPct val="35000"/>
-            </a:spcAft>
-          </a:pPr>
-          <a:r>
-            <a:rPr lang="en-US" sz="1500" kern="1200" dirty="0"/>
-            <a:t>Inspired by a game called </a:t>
-          </a:r>
-          <a:r>
-            <a:rPr lang="en-US" sz="1500" kern="1200" dirty="0" err="1"/>
-            <a:t>Nidhogg</a:t>
-          </a:r>
-          <a:r>
-            <a:rPr lang="en-US" sz="1500" kern="1200" dirty="0"/>
-            <a:t>, an indie sword fighting game</a:t>
-          </a:r>
-        </a:p>
-      </dsp:txBody>
-      <dsp:txXfrm>
-        <a:off x="74819" y="1383539"/>
-        <a:ext cx="1321154" cy="1606483"/>
-      </dsp:txXfrm>
-    </dsp:sp>
-    <dsp:sp modelId="{DDDFA1CB-2AAD-4268-AEFA-4F149C418B70}">
-      <dsp:nvSpPr>
-        <dsp:cNvPr id="0" name=""/>
-        <dsp:cNvSpPr/>
-      </dsp:nvSpPr>
-      <dsp:spPr>
-        <a:xfrm>
-          <a:off x="1540650" y="1312068"/>
-          <a:ext cx="1464096" cy="1749425"/>
-        </a:xfrm>
-        <a:prstGeom prst="roundRect">
-          <a:avLst/>
-        </a:prstGeom>
-        <a:solidFill>
-          <a:schemeClr val="accent1">
-            <a:hueOff val="0"/>
-            <a:satOff val="0"/>
-            <a:lumOff val="0"/>
-            <a:alphaOff val="0"/>
-          </a:schemeClr>
-        </a:solidFill>
-        <a:ln w="28575" cap="flat" cmpd="sng" algn="ctr">
-          <a:solidFill>
-            <a:schemeClr val="lt1">
-              <a:hueOff val="0"/>
-              <a:satOff val="0"/>
-              <a:lumOff val="0"/>
-              <a:alphaOff val="0"/>
-            </a:schemeClr>
-          </a:solidFill>
-          <a:prstDash val="solid"/>
-        </a:ln>
-        <a:effectLst/>
-      </dsp:spPr>
-      <dsp:style>
-        <a:lnRef idx="2">
-          <a:scrgbClr r="0" g="0" b="0"/>
-        </a:lnRef>
-        <a:fillRef idx="1">
-          <a:scrgbClr r="0" g="0" b="0"/>
-        </a:fillRef>
-        <a:effectRef idx="0">
-          <a:scrgbClr r="0" g="0" b="0"/>
-        </a:effectRef>
-        <a:fontRef idx="minor">
-          <a:schemeClr val="lt1"/>
-        </a:fontRef>
-      </dsp:style>
-      <dsp:txBody>
-        <a:bodyPr spcFirstLastPara="0" vert="horz" wrap="square" lIns="57150" tIns="57150" rIns="57150" bIns="57150" numCol="1" spcCol="1270" anchor="ctr" anchorCtr="0">
-          <a:noAutofit/>
-        </a:bodyPr>
-        <a:lstStyle/>
-        <a:p>
-          <a:pPr lvl="0" algn="ctr" defTabSz="666750">
-            <a:lnSpc>
-              <a:spcPct val="90000"/>
-            </a:lnSpc>
-            <a:spcBef>
-              <a:spcPct val="0"/>
-            </a:spcBef>
-            <a:spcAft>
-              <a:spcPct val="35000"/>
-            </a:spcAft>
-          </a:pPr>
-          <a:r>
-            <a:rPr lang="en-US" sz="1500" kern="1200" dirty="0" smtClean="0"/>
-            <a:t>Created for </a:t>
-          </a:r>
-          <a:r>
-            <a:rPr lang="en-US" sz="1500" kern="1200" dirty="0" err="1" smtClean="0"/>
-            <a:t>theHackathon</a:t>
-          </a:r>
-          <a:r>
-            <a:rPr lang="en-US" sz="1500" kern="1200" dirty="0" smtClean="0"/>
-            <a:t> </a:t>
-          </a:r>
-          <a:r>
-            <a:rPr lang="en-US" sz="1500" kern="1200" dirty="0" err="1" smtClean="0"/>
-            <a:t>Vlad</a:t>
-          </a:r>
-          <a:r>
-            <a:rPr lang="en-US" sz="1500" kern="1200" dirty="0" smtClean="0"/>
-            <a:t> started but I scope-</a:t>
-          </a:r>
-          <a:r>
-            <a:rPr lang="en-US" sz="1500" kern="1200" dirty="0" err="1" smtClean="0"/>
-            <a:t>creeped</a:t>
-          </a:r>
-          <a:r>
-            <a:rPr lang="en-US" sz="1500" kern="1200" dirty="0" smtClean="0"/>
-            <a:t> myself.</a:t>
-          </a:r>
-          <a:endParaRPr lang="en-US" sz="1500" kern="1200" dirty="0"/>
-        </a:p>
-      </dsp:txBody>
-      <dsp:txXfrm>
-        <a:off x="1612121" y="1383539"/>
-        <a:ext cx="1321154" cy="1606483"/>
-      </dsp:txXfrm>
-    </dsp:sp>
-    <dsp:sp modelId="{F3A9AF42-C76C-446E-BB68-85ED5B179656}">
-      <dsp:nvSpPr>
-        <dsp:cNvPr id="0" name=""/>
-        <dsp:cNvSpPr/>
-      </dsp:nvSpPr>
-      <dsp:spPr>
-        <a:xfrm>
-          <a:off x="3077951" y="1312068"/>
-          <a:ext cx="1464096" cy="1749425"/>
-        </a:xfrm>
-        <a:prstGeom prst="roundRect">
-          <a:avLst/>
-        </a:prstGeom>
-        <a:solidFill>
-          <a:schemeClr val="accent1">
-            <a:hueOff val="0"/>
-            <a:satOff val="0"/>
-            <a:lumOff val="0"/>
-            <a:alphaOff val="0"/>
-          </a:schemeClr>
-        </a:solidFill>
-        <a:ln w="28575" cap="flat" cmpd="sng" algn="ctr">
-          <a:solidFill>
-            <a:schemeClr val="lt1">
-              <a:hueOff val="0"/>
-              <a:satOff val="0"/>
-              <a:lumOff val="0"/>
-              <a:alphaOff val="0"/>
-            </a:schemeClr>
-          </a:solidFill>
-          <a:prstDash val="solid"/>
-        </a:ln>
-        <a:effectLst/>
-      </dsp:spPr>
-      <dsp:style>
-        <a:lnRef idx="2">
-          <a:scrgbClr r="0" g="0" b="0"/>
-        </a:lnRef>
-        <a:fillRef idx="1">
-          <a:scrgbClr r="0" g="0" b="0"/>
-        </a:fillRef>
-        <a:effectRef idx="0">
-          <a:scrgbClr r="0" g="0" b="0"/>
-        </a:effectRef>
-        <a:fontRef idx="minor">
-          <a:schemeClr val="lt1"/>
-        </a:fontRef>
-      </dsp:style>
-      <dsp:txBody>
-        <a:bodyPr spcFirstLastPara="0" vert="horz" wrap="square" lIns="57150" tIns="57150" rIns="57150" bIns="57150" numCol="1" spcCol="1270" anchor="ctr" anchorCtr="0">
-          <a:noAutofit/>
-        </a:bodyPr>
-        <a:lstStyle/>
-        <a:p>
-          <a:pPr lvl="0" algn="ctr" defTabSz="666750">
-            <a:lnSpc>
-              <a:spcPct val="90000"/>
-            </a:lnSpc>
-            <a:spcBef>
-              <a:spcPct val="0"/>
-            </a:spcBef>
-            <a:spcAft>
-              <a:spcPct val="35000"/>
-            </a:spcAft>
-          </a:pPr>
-          <a:r>
-            <a:rPr lang="en-US" sz="1500" kern="1200" dirty="0"/>
-            <a:t>I wanted to create a simple and fun game while learning the XNA 4.0 Framework</a:t>
-          </a:r>
-        </a:p>
-      </dsp:txBody>
-      <dsp:txXfrm>
-        <a:off x="3149422" y="1383539"/>
-        <a:ext cx="1321154" cy="1606483"/>
-      </dsp:txXfrm>
-    </dsp:sp>
-    <dsp:sp modelId="{8561C458-A7E1-43DA-8FBD-5DE6A153409B}">
-      <dsp:nvSpPr>
-        <dsp:cNvPr id="0" name=""/>
-        <dsp:cNvSpPr/>
-      </dsp:nvSpPr>
-      <dsp:spPr>
-        <a:xfrm>
-          <a:off x="4615253" y="1312068"/>
-          <a:ext cx="1464096" cy="1749425"/>
-        </a:xfrm>
-        <a:prstGeom prst="roundRect">
-          <a:avLst/>
-        </a:prstGeom>
-        <a:solidFill>
-          <a:schemeClr val="accent1">
-            <a:hueOff val="0"/>
-            <a:satOff val="0"/>
-            <a:lumOff val="0"/>
-            <a:alphaOff val="0"/>
-          </a:schemeClr>
-        </a:solidFill>
-        <a:ln w="28575" cap="flat" cmpd="sng" algn="ctr">
-          <a:solidFill>
-            <a:schemeClr val="lt1">
-              <a:hueOff val="0"/>
-              <a:satOff val="0"/>
-              <a:lumOff val="0"/>
-              <a:alphaOff val="0"/>
-            </a:schemeClr>
-          </a:solidFill>
-          <a:prstDash val="solid"/>
-        </a:ln>
-        <a:effectLst/>
-      </dsp:spPr>
-      <dsp:style>
-        <a:lnRef idx="2">
-          <a:scrgbClr r="0" g="0" b="0"/>
-        </a:lnRef>
-        <a:fillRef idx="1">
-          <a:scrgbClr r="0" g="0" b="0"/>
-        </a:fillRef>
-        <a:effectRef idx="0">
-          <a:scrgbClr r="0" g="0" b="0"/>
-        </a:effectRef>
-        <a:fontRef idx="minor">
-          <a:schemeClr val="lt1"/>
-        </a:fontRef>
-      </dsp:style>
-      <dsp:txBody>
-        <a:bodyPr spcFirstLastPara="0" vert="horz" wrap="square" lIns="57150" tIns="57150" rIns="57150" bIns="57150" numCol="1" spcCol="1270" anchor="ctr" anchorCtr="0">
-          <a:noAutofit/>
-        </a:bodyPr>
-        <a:lstStyle/>
-        <a:p>
-          <a:pPr lvl="0" algn="ctr" defTabSz="666750">
-            <a:lnSpc>
-              <a:spcPct val="90000"/>
-            </a:lnSpc>
-            <a:spcBef>
-              <a:spcPct val="0"/>
-            </a:spcBef>
-            <a:spcAft>
-              <a:spcPct val="35000"/>
-            </a:spcAft>
-          </a:pPr>
-          <a:r>
-            <a:rPr lang="en-US" sz="1500" kern="1200" dirty="0"/>
-            <a:t>So I can work on Windows Phone or equivalent projects</a:t>
-          </a:r>
-        </a:p>
-      </dsp:txBody>
-      <dsp:txXfrm>
-        <a:off x="4686724" y="1383539"/>
-        <a:ext cx="1321154" cy="1606483"/>
-      </dsp:txXfrm>
-    </dsp:sp>
-    <dsp:sp modelId="{1C16B0A3-1D5A-4FD1-B6A1-FD0ECB00E178}">
-      <dsp:nvSpPr>
-        <dsp:cNvPr id="0" name=""/>
-        <dsp:cNvSpPr/>
-      </dsp:nvSpPr>
-      <dsp:spPr>
-        <a:xfrm>
-          <a:off x="6152554" y="1312068"/>
-          <a:ext cx="1464096" cy="1749425"/>
-        </a:xfrm>
-        <a:prstGeom prst="roundRect">
-          <a:avLst/>
-        </a:prstGeom>
-        <a:solidFill>
-          <a:schemeClr val="accent1">
-            <a:hueOff val="0"/>
-            <a:satOff val="0"/>
-            <a:lumOff val="0"/>
-            <a:alphaOff val="0"/>
-          </a:schemeClr>
-        </a:solidFill>
-        <a:ln w="28575" cap="flat" cmpd="sng" algn="ctr">
-          <a:solidFill>
-            <a:schemeClr val="lt1">
-              <a:hueOff val="0"/>
-              <a:satOff val="0"/>
-              <a:lumOff val="0"/>
-              <a:alphaOff val="0"/>
-            </a:schemeClr>
-          </a:solidFill>
-          <a:prstDash val="solid"/>
-        </a:ln>
-        <a:effectLst/>
-      </dsp:spPr>
-      <dsp:style>
-        <a:lnRef idx="2">
-          <a:scrgbClr r="0" g="0" b="0"/>
-        </a:lnRef>
-        <a:fillRef idx="1">
-          <a:scrgbClr r="0" g="0" b="0"/>
-        </a:fillRef>
-        <a:effectRef idx="0">
-          <a:scrgbClr r="0" g="0" b="0"/>
-        </a:effectRef>
-        <a:fontRef idx="minor">
-          <a:schemeClr val="lt1"/>
-        </a:fontRef>
-      </dsp:style>
-      <dsp:txBody>
-        <a:bodyPr spcFirstLastPara="0" vert="horz" wrap="square" lIns="57150" tIns="57150" rIns="57150" bIns="57150" numCol="1" spcCol="1270" anchor="ctr" anchorCtr="0">
-          <a:noAutofit/>
-        </a:bodyPr>
-        <a:lstStyle/>
-        <a:p>
-          <a:pPr lvl="0" algn="ctr" defTabSz="666750">
-            <a:lnSpc>
-              <a:spcPct val="90000"/>
-            </a:lnSpc>
-            <a:spcBef>
-              <a:spcPct val="0"/>
-            </a:spcBef>
-            <a:spcAft>
-              <a:spcPct val="35000"/>
-            </a:spcAft>
-          </a:pPr>
-          <a:r>
-            <a:rPr lang="en-US" sz="1500" kern="1200" dirty="0"/>
-            <a:t>Hint </a:t>
-          </a:r>
-          <a:r>
-            <a:rPr lang="en-US" sz="1500" kern="1200" dirty="0" err="1"/>
-            <a:t>Hint</a:t>
-          </a:r>
-          <a:endParaRPr lang="en-US" sz="1500" kern="1200" dirty="0"/>
-        </a:p>
-      </dsp:txBody>
-      <dsp:txXfrm>
-        <a:off x="6224025" y="1383539"/>
-        <a:ext cx="1321154" cy="1606483"/>
-      </dsp:txXfrm>
-    </dsp:sp>
   </dsp:spTree>
 </dsp:drawing>
 </file>
@@ -17237,28 +14944,29 @@
       <dsp:cNvGrpSpPr/>
     </dsp:nvGrpSpPr>
     <dsp:grpSpPr/>
-    <dsp:sp modelId="{5A4485C7-DED4-497E-A3F2-AF0A1053C7BA}">
+    <dsp:sp modelId="{83D74F2B-1874-474D-BA2A-3219D918B692}">
       <dsp:nvSpPr>
         <dsp:cNvPr id="0" name=""/>
         <dsp:cNvSpPr/>
       </dsp:nvSpPr>
       <dsp:spPr>
         <a:xfrm>
-          <a:off x="3264768" y="2452"/>
-          <a:ext cx="2148854" cy="971892"/>
+          <a:off x="1623218" y="0"/>
+          <a:ext cx="4373563" cy="4373563"/>
         </a:xfrm>
-        <a:prstGeom prst="rect">
+        <a:prstGeom prst="ellipse">
           <a:avLst/>
         </a:prstGeom>
         <a:solidFill>
           <a:schemeClr val="accent1">
+            <a:alpha val="50000"/>
             <a:hueOff val="0"/>
             <a:satOff val="0"/>
             <a:lumOff val="0"/>
             <a:alphaOff val="0"/>
           </a:schemeClr>
         </a:solidFill>
-        <a:ln w="41275" cap="flat" cmpd="sng" algn="ctr">
+        <a:ln w="28575" cap="flat" cmpd="sng" algn="ctr">
           <a:solidFill>
             <a:schemeClr val="lt1">
               <a:hueOff val="0"/>
@@ -17272,26 +14980,26 @@
         <a:effectLst/>
       </dsp:spPr>
       <dsp:style>
-        <a:lnRef idx="3">
+        <a:lnRef idx="2">
           <a:scrgbClr r="0" g="0" b="0"/>
         </a:lnRef>
         <a:fillRef idx="1">
           <a:scrgbClr r="0" g="0" b="0"/>
         </a:fillRef>
-        <a:effectRef idx="1">
+        <a:effectRef idx="0">
           <a:scrgbClr r="0" g="0" b="0"/>
         </a:effectRef>
         <a:fontRef idx="minor">
-          <a:schemeClr val="lt1"/>
+          <a:schemeClr val="tx1"/>
         </a:fontRef>
       </dsp:style>
       <dsp:txBody>
-        <a:bodyPr spcFirstLastPara="0" vert="horz" wrap="square" lIns="57150" tIns="57150" rIns="57150" bIns="57150" numCol="1" spcCol="1270" anchor="ctr" anchorCtr="0">
+        <a:bodyPr spcFirstLastPara="0" vert="horz" wrap="square" lIns="0" tIns="0" rIns="0" bIns="0" numCol="1" spcCol="1270" anchor="ctr" anchorCtr="0">
           <a:noAutofit/>
         </a:bodyPr>
         <a:lstStyle/>
         <a:p>
-          <a:pPr lvl="0" algn="ctr" defTabSz="666750" rtl="0">
+          <a:pPr lvl="0" algn="ctr" defTabSz="1733550" rtl="0">
             <a:lnSpc>
               <a:spcPct val="90000"/>
             </a:lnSpc>
@@ -17303,467 +15011,16 @@
             </a:spcAft>
           </a:pPr>
           <a:r>
-            <a:rPr lang="en-US" sz="1500" b="0" i="0" kern="1200" baseline="0" dirty="0" err="1" smtClean="0"/>
-            <a:t>Digiflare</a:t>
+            <a:rPr lang="en-US" sz="3900" b="0" i="0" kern="1200" baseline="0" smtClean="0"/>
+            <a:t>Unfortunately, cancelled in favor of play time!</a:t>
           </a:r>
-          <a:r>
-            <a:rPr lang="en-US" sz="1500" b="0" i="0" kern="1200" baseline="0" dirty="0" smtClean="0"/>
-            <a:t>. Obvious. </a:t>
-          </a:r>
-          <a:endParaRPr lang="en-US" sz="1500" kern="1200" dirty="0"/>
+          <a:endParaRPr lang="en-US" sz="3900" kern="1200"/>
         </a:p>
       </dsp:txBody>
       <dsp:txXfrm>
-        <a:off x="3264768" y="2452"/>
-        <a:ext cx="2148854" cy="971892"/>
+        <a:off x="2263711" y="640493"/>
+        <a:ext cx="3092577" cy="3092577"/>
       </dsp:txXfrm>
-    </dsp:sp>
-    <dsp:sp modelId="{82D0282B-633E-41FF-8378-AD551F2A82AD}">
-      <dsp:nvSpPr>
-        <dsp:cNvPr id="0" name=""/>
-        <dsp:cNvSpPr/>
-      </dsp:nvSpPr>
-      <dsp:spPr>
-        <a:xfrm>
-          <a:off x="2206376" y="2452"/>
-          <a:ext cx="962173" cy="971892"/>
-        </a:xfrm>
-        <a:prstGeom prst="rect">
-          <a:avLst/>
-        </a:prstGeom>
-        <a:blipFill>
-          <a:blip xmlns:r="http://schemas.openxmlformats.org/officeDocument/2006/relationships" r:embed="rId1">
-            <a:extLst>
-              <a:ext uri="{28A0092B-C50C-407E-A947-70E740481C1C}">
-                <a14:useLocalDpi xmlns:a14="http://schemas.microsoft.com/office/drawing/2010/main" val="0"/>
-              </a:ext>
-            </a:extLst>
-          </a:blip>
-          <a:srcRect/>
-          <a:stretch>
-            <a:fillRect l="-25000" r="-25000"/>
-          </a:stretch>
-        </a:blipFill>
-        <a:ln w="41275" cap="flat" cmpd="sng" algn="ctr">
-          <a:solidFill>
-            <a:schemeClr val="lt1">
-              <a:hueOff val="0"/>
-              <a:satOff val="0"/>
-              <a:lumOff val="0"/>
-              <a:alphaOff val="0"/>
-            </a:schemeClr>
-          </a:solidFill>
-          <a:prstDash val="solid"/>
-        </a:ln>
-        <a:effectLst/>
-      </dsp:spPr>
-      <dsp:style>
-        <a:lnRef idx="3">
-          <a:scrgbClr r="0" g="0" b="0"/>
-        </a:lnRef>
-        <a:fillRef idx="1">
-          <a:scrgbClr r="0" g="0" b="0"/>
-        </a:fillRef>
-        <a:effectRef idx="1">
-          <a:scrgbClr r="0" g="0" b="0"/>
-        </a:effectRef>
-        <a:fontRef idx="minor">
-          <a:schemeClr val="lt1"/>
-        </a:fontRef>
-      </dsp:style>
-    </dsp:sp>
-    <dsp:sp modelId="{B67A64AB-6CCD-4AC8-B615-F70AE444C229}">
-      <dsp:nvSpPr>
-        <dsp:cNvPr id="0" name=""/>
-        <dsp:cNvSpPr/>
-      </dsp:nvSpPr>
-      <dsp:spPr>
-        <a:xfrm>
-          <a:off x="2206376" y="1134707"/>
-          <a:ext cx="2148854" cy="971892"/>
-        </a:xfrm>
-        <a:prstGeom prst="rect">
-          <a:avLst/>
-        </a:prstGeom>
-        <a:solidFill>
-          <a:schemeClr val="accent1">
-            <a:hueOff val="0"/>
-            <a:satOff val="0"/>
-            <a:lumOff val="0"/>
-            <a:alphaOff val="0"/>
-          </a:schemeClr>
-        </a:solidFill>
-        <a:ln w="41275" cap="flat" cmpd="sng" algn="ctr">
-          <a:solidFill>
-            <a:schemeClr val="lt1">
-              <a:hueOff val="0"/>
-              <a:satOff val="0"/>
-              <a:lumOff val="0"/>
-              <a:alphaOff val="0"/>
-            </a:schemeClr>
-          </a:solidFill>
-          <a:prstDash val="solid"/>
-        </a:ln>
-        <a:effectLst/>
-      </dsp:spPr>
-      <dsp:style>
-        <a:lnRef idx="3">
-          <a:scrgbClr r="0" g="0" b="0"/>
-        </a:lnRef>
-        <a:fillRef idx="1">
-          <a:scrgbClr r="0" g="0" b="0"/>
-        </a:fillRef>
-        <a:effectRef idx="1">
-          <a:scrgbClr r="0" g="0" b="0"/>
-        </a:effectRef>
-        <a:fontRef idx="minor">
-          <a:schemeClr val="lt1"/>
-        </a:fontRef>
-      </dsp:style>
-      <dsp:txBody>
-        <a:bodyPr spcFirstLastPara="0" vert="horz" wrap="square" lIns="57150" tIns="57150" rIns="57150" bIns="57150" numCol="1" spcCol="1270" anchor="ctr" anchorCtr="0">
-          <a:noAutofit/>
-        </a:bodyPr>
-        <a:lstStyle/>
-        <a:p>
-          <a:pPr lvl="0" algn="ctr" defTabSz="666750" rtl="0">
-            <a:lnSpc>
-              <a:spcPct val="90000"/>
-            </a:lnSpc>
-            <a:spcBef>
-              <a:spcPct val="0"/>
-            </a:spcBef>
-            <a:spcAft>
-              <a:spcPct val="35000"/>
-            </a:spcAft>
-          </a:pPr>
-          <a:r>
-            <a:rPr lang="en-US" sz="1500" b="0" i="0" kern="1200" baseline="0" dirty="0" smtClean="0"/>
-            <a:t>Everybody here.</a:t>
-          </a:r>
-          <a:endParaRPr lang="en-US" sz="1500" kern="1200" dirty="0"/>
-        </a:p>
-      </dsp:txBody>
-      <dsp:txXfrm>
-        <a:off x="2206376" y="1134707"/>
-        <a:ext cx="2148854" cy="971892"/>
-      </dsp:txXfrm>
-    </dsp:sp>
-    <dsp:sp modelId="{1C90CB80-88A9-45E4-8F03-DEE5BCE96985}">
-      <dsp:nvSpPr>
-        <dsp:cNvPr id="0" name=""/>
-        <dsp:cNvSpPr/>
-      </dsp:nvSpPr>
-      <dsp:spPr>
-        <a:xfrm>
-          <a:off x="4451449" y="1134707"/>
-          <a:ext cx="962173" cy="971892"/>
-        </a:xfrm>
-        <a:prstGeom prst="rect">
-          <a:avLst/>
-        </a:prstGeom>
-        <a:blipFill>
-          <a:blip xmlns:r="http://schemas.openxmlformats.org/officeDocument/2006/relationships" r:embed="rId2">
-            <a:extLst>
-              <a:ext uri="{28A0092B-C50C-407E-A947-70E740481C1C}">
-                <a14:useLocalDpi xmlns:a14="http://schemas.microsoft.com/office/drawing/2010/main" val="0"/>
-              </a:ext>
-            </a:extLst>
-          </a:blip>
-          <a:srcRect/>
-          <a:stretch>
-            <a:fillRect l="-31000" r="-31000"/>
-          </a:stretch>
-        </a:blipFill>
-        <a:ln w="41275" cap="flat" cmpd="sng" algn="ctr">
-          <a:solidFill>
-            <a:schemeClr val="lt1">
-              <a:hueOff val="0"/>
-              <a:satOff val="0"/>
-              <a:lumOff val="0"/>
-              <a:alphaOff val="0"/>
-            </a:schemeClr>
-          </a:solidFill>
-          <a:prstDash val="solid"/>
-        </a:ln>
-        <a:effectLst/>
-      </dsp:spPr>
-      <dsp:style>
-        <a:lnRef idx="3">
-          <a:scrgbClr r="0" g="0" b="0"/>
-        </a:lnRef>
-        <a:fillRef idx="1">
-          <a:scrgbClr r="0" g="0" b="0"/>
-        </a:fillRef>
-        <a:effectRef idx="1">
-          <a:scrgbClr r="0" g="0" b="0"/>
-        </a:effectRef>
-        <a:fontRef idx="minor">
-          <a:schemeClr val="lt1"/>
-        </a:fontRef>
-      </dsp:style>
-    </dsp:sp>
-    <dsp:sp modelId="{A5A47836-BD92-4FCF-959E-D5908E83A30A}">
-      <dsp:nvSpPr>
-        <dsp:cNvPr id="0" name=""/>
-        <dsp:cNvSpPr/>
-      </dsp:nvSpPr>
-      <dsp:spPr>
-        <a:xfrm>
-          <a:off x="3264768" y="2266962"/>
-          <a:ext cx="2148854" cy="971892"/>
-        </a:xfrm>
-        <a:prstGeom prst="rect">
-          <a:avLst/>
-        </a:prstGeom>
-        <a:solidFill>
-          <a:schemeClr val="accent1">
-            <a:hueOff val="0"/>
-            <a:satOff val="0"/>
-            <a:lumOff val="0"/>
-            <a:alphaOff val="0"/>
-          </a:schemeClr>
-        </a:solidFill>
-        <a:ln w="41275" cap="flat" cmpd="sng" algn="ctr">
-          <a:solidFill>
-            <a:schemeClr val="lt1">
-              <a:hueOff val="0"/>
-              <a:satOff val="0"/>
-              <a:lumOff val="0"/>
-              <a:alphaOff val="0"/>
-            </a:schemeClr>
-          </a:solidFill>
-          <a:prstDash val="solid"/>
-        </a:ln>
-        <a:effectLst/>
-      </dsp:spPr>
-      <dsp:style>
-        <a:lnRef idx="3">
-          <a:scrgbClr r="0" g="0" b="0"/>
-        </a:lnRef>
-        <a:fillRef idx="1">
-          <a:scrgbClr r="0" g="0" b="0"/>
-        </a:fillRef>
-        <a:effectRef idx="1">
-          <a:scrgbClr r="0" g="0" b="0"/>
-        </a:effectRef>
-        <a:fontRef idx="minor">
-          <a:schemeClr val="lt1"/>
-        </a:fontRef>
-      </dsp:style>
-      <dsp:txBody>
-        <a:bodyPr spcFirstLastPara="0" vert="horz" wrap="square" lIns="57150" tIns="57150" rIns="57150" bIns="57150" numCol="1" spcCol="1270" anchor="ctr" anchorCtr="0">
-          <a:noAutofit/>
-        </a:bodyPr>
-        <a:lstStyle/>
-        <a:p>
-          <a:pPr lvl="0" algn="ctr" defTabSz="666750" rtl="0">
-            <a:lnSpc>
-              <a:spcPct val="90000"/>
-            </a:lnSpc>
-            <a:spcBef>
-              <a:spcPct val="0"/>
-            </a:spcBef>
-            <a:spcAft>
-              <a:spcPct val="35000"/>
-            </a:spcAft>
-          </a:pPr>
-          <a:r>
-            <a:rPr lang="en-US" sz="1500" b="0" i="0" kern="1200" baseline="0" dirty="0" smtClean="0"/>
-            <a:t>All the random people on the Internet writing informative documents for me to learn from.</a:t>
-          </a:r>
-          <a:endParaRPr lang="en-US" sz="1500" kern="1200" dirty="0"/>
-        </a:p>
-      </dsp:txBody>
-      <dsp:txXfrm>
-        <a:off x="3264768" y="2266962"/>
-        <a:ext cx="2148854" cy="971892"/>
-      </dsp:txXfrm>
-    </dsp:sp>
-    <dsp:sp modelId="{7CF565BC-EDEA-4F59-AA55-06BA126A6C58}">
-      <dsp:nvSpPr>
-        <dsp:cNvPr id="0" name=""/>
-        <dsp:cNvSpPr/>
-      </dsp:nvSpPr>
-      <dsp:spPr>
-        <a:xfrm>
-          <a:off x="2206376" y="2266962"/>
-          <a:ext cx="962173" cy="971892"/>
-        </a:xfrm>
-        <a:prstGeom prst="rect">
-          <a:avLst/>
-        </a:prstGeom>
-        <a:blipFill>
-          <a:blip xmlns:r="http://schemas.openxmlformats.org/officeDocument/2006/relationships" r:embed="rId3">
-            <a:extLst>
-              <a:ext uri="{28A0092B-C50C-407E-A947-70E740481C1C}">
-                <a14:useLocalDpi xmlns:a14="http://schemas.microsoft.com/office/drawing/2010/main" val="0"/>
-              </a:ext>
-            </a:extLst>
-          </a:blip>
-          <a:srcRect/>
-          <a:stretch>
-            <a:fillRect t="-9000" b="-9000"/>
-          </a:stretch>
-        </a:blipFill>
-        <a:ln w="41275" cap="flat" cmpd="sng" algn="ctr">
-          <a:solidFill>
-            <a:schemeClr val="lt1">
-              <a:hueOff val="0"/>
-              <a:satOff val="0"/>
-              <a:lumOff val="0"/>
-              <a:alphaOff val="0"/>
-            </a:schemeClr>
-          </a:solidFill>
-          <a:prstDash val="solid"/>
-        </a:ln>
-        <a:effectLst/>
-      </dsp:spPr>
-      <dsp:style>
-        <a:lnRef idx="3">
-          <a:scrgbClr r="0" g="0" b="0"/>
-        </a:lnRef>
-        <a:fillRef idx="1">
-          <a:scrgbClr r="0" g="0" b="0"/>
-        </a:fillRef>
-        <a:effectRef idx="1">
-          <a:scrgbClr r="0" g="0" b="0"/>
-        </a:effectRef>
-        <a:fontRef idx="minor">
-          <a:schemeClr val="lt1"/>
-        </a:fontRef>
-      </dsp:style>
-    </dsp:sp>
-    <dsp:sp modelId="{346F82B6-7EE0-4309-A845-12728CFEEEE1}">
-      <dsp:nvSpPr>
-        <dsp:cNvPr id="0" name=""/>
-        <dsp:cNvSpPr/>
-      </dsp:nvSpPr>
-      <dsp:spPr>
-        <a:xfrm>
-          <a:off x="2206376" y="3399217"/>
-          <a:ext cx="2148854" cy="971892"/>
-        </a:xfrm>
-        <a:prstGeom prst="rect">
-          <a:avLst/>
-        </a:prstGeom>
-        <a:solidFill>
-          <a:schemeClr val="accent1">
-            <a:hueOff val="0"/>
-            <a:satOff val="0"/>
-            <a:lumOff val="0"/>
-            <a:alphaOff val="0"/>
-          </a:schemeClr>
-        </a:solidFill>
-        <a:ln w="41275" cap="flat" cmpd="sng" algn="ctr">
-          <a:solidFill>
-            <a:schemeClr val="lt1">
-              <a:hueOff val="0"/>
-              <a:satOff val="0"/>
-              <a:lumOff val="0"/>
-              <a:alphaOff val="0"/>
-            </a:schemeClr>
-          </a:solidFill>
-          <a:prstDash val="solid"/>
-        </a:ln>
-        <a:effectLst/>
-      </dsp:spPr>
-      <dsp:style>
-        <a:lnRef idx="3">
-          <a:scrgbClr r="0" g="0" b="0"/>
-        </a:lnRef>
-        <a:fillRef idx="1">
-          <a:scrgbClr r="0" g="0" b="0"/>
-        </a:fillRef>
-        <a:effectRef idx="1">
-          <a:scrgbClr r="0" g="0" b="0"/>
-        </a:effectRef>
-        <a:fontRef idx="minor">
-          <a:schemeClr val="lt1"/>
-        </a:fontRef>
-      </dsp:style>
-      <dsp:txBody>
-        <a:bodyPr spcFirstLastPara="0" vert="horz" wrap="square" lIns="57150" tIns="57150" rIns="57150" bIns="57150" numCol="1" spcCol="1270" anchor="ctr" anchorCtr="0">
-          <a:noAutofit/>
-        </a:bodyPr>
-        <a:lstStyle/>
-        <a:p>
-          <a:pPr lvl="0" algn="ctr" defTabSz="666750" rtl="0">
-            <a:lnSpc>
-              <a:spcPct val="90000"/>
-            </a:lnSpc>
-            <a:spcBef>
-              <a:spcPct val="0"/>
-            </a:spcBef>
-            <a:spcAft>
-              <a:spcPct val="35000"/>
-            </a:spcAft>
-          </a:pPr>
-          <a:r>
-            <a:rPr lang="en-US" sz="1500" b="0" i="0" kern="1200" baseline="0" smtClean="0"/>
-            <a:t>God</a:t>
-          </a:r>
-          <a:endParaRPr lang="en-US" sz="1500" kern="1200"/>
-        </a:p>
-      </dsp:txBody>
-      <dsp:txXfrm>
-        <a:off x="2206376" y="3399217"/>
-        <a:ext cx="2148854" cy="971892"/>
-      </dsp:txXfrm>
-    </dsp:sp>
-    <dsp:sp modelId="{6EB80B43-C9BD-4920-81FE-918D2D5EDC90}">
-      <dsp:nvSpPr>
-        <dsp:cNvPr id="0" name=""/>
-        <dsp:cNvSpPr/>
-      </dsp:nvSpPr>
-      <dsp:spPr>
-        <a:xfrm>
-          <a:off x="4451449" y="3399217"/>
-          <a:ext cx="962173" cy="971892"/>
-        </a:xfrm>
-        <a:prstGeom prst="rect">
-          <a:avLst/>
-        </a:prstGeom>
-        <a:blipFill>
-          <a:blip xmlns:r="http://schemas.openxmlformats.org/officeDocument/2006/relationships" r:embed="rId4" cstate="print">
-            <a:extLst>
-              <a:ext uri="{28A0092B-C50C-407E-A947-70E740481C1C}">
-                <a14:useLocalDpi xmlns:a14="http://schemas.microsoft.com/office/drawing/2010/main" val="0"/>
-              </a:ext>
-            </a:extLst>
-          </a:blip>
-          <a:srcRect/>
-          <a:stretch>
-            <a:fillRect t="-19000" b="-19000"/>
-          </a:stretch>
-        </a:blipFill>
-        <a:ln w="41275" cap="flat" cmpd="sng" algn="ctr">
-          <a:solidFill>
-            <a:schemeClr val="lt1">
-              <a:hueOff val="0"/>
-              <a:satOff val="0"/>
-              <a:lumOff val="0"/>
-              <a:alphaOff val="0"/>
-            </a:schemeClr>
-          </a:solidFill>
-          <a:prstDash val="solid"/>
-        </a:ln>
-        <a:effectLst/>
-      </dsp:spPr>
-      <dsp:style>
-        <a:lnRef idx="3">
-          <a:scrgbClr r="0" g="0" b="0"/>
-        </a:lnRef>
-        <a:fillRef idx="1">
-          <a:scrgbClr r="0" g="0" b="0"/>
-        </a:fillRef>
-        <a:effectRef idx="1">
-          <a:scrgbClr r="0" g="0" b="0"/>
-        </a:effectRef>
-        <a:fontRef idx="minor">
-          <a:schemeClr val="lt1"/>
-        </a:fontRef>
-      </dsp:style>
     </dsp:sp>
   </dsp:spTree>
 </dsp:drawing>
@@ -17931,881 +15188,6 @@
           </dgm:choose>
         </dgm:else>
       </dgm:choose>
-    </dgm:forEach>
-  </dgm:layoutNode>
-</dgm:layoutDef>
-</file>
-
-<file path=ppt/diagrams/layout10.xml><?xml version="1.0" encoding="utf-8"?>
-<dgm:layoutDef xmlns:dgm="http://schemas.openxmlformats.org/drawingml/2006/diagram" xmlns:a="http://schemas.openxmlformats.org/drawingml/2006/main" uniqueId="urn:microsoft.com/office/officeart/2005/8/layout/venn1">
-  <dgm:title val=""/>
-  <dgm:desc val=""/>
-  <dgm:catLst>
-    <dgm:cat type="relationship" pri="28000"/>
-    <dgm:cat type="convert" pri="19000"/>
-  </dgm:catLst>
-  <dgm:sampData useDef="1">
-    <dgm:dataModel>
-      <dgm:ptLst/>
-      <dgm:bg/>
-      <dgm:whole/>
-    </dgm:dataModel>
-  </dgm:sampData>
-  <dgm:styleData useDef="1">
-    <dgm:dataModel>
-      <dgm:ptLst/>
-      <dgm:bg/>
-      <dgm:whole/>
-    </dgm:dataModel>
-  </dgm:styleData>
-  <dgm:clrData>
-    <dgm:dataModel>
-      <dgm:ptLst>
-        <dgm:pt modelId="0" type="doc"/>
-        <dgm:pt modelId="1"/>
-        <dgm:pt modelId="2"/>
-        <dgm:pt modelId="3"/>
-        <dgm:pt modelId="4"/>
-      </dgm:ptLst>
-      <dgm:cxnLst>
-        <dgm:cxn modelId="7" srcId="0" destId="1" srcOrd="0" destOrd="0"/>
-        <dgm:cxn modelId="8" srcId="0" destId="2" srcOrd="1" destOrd="0"/>
-        <dgm:cxn modelId="9" srcId="0" destId="3" srcOrd="2" destOrd="0"/>
-        <dgm:cxn modelId="10" srcId="0" destId="4" srcOrd="3" destOrd="0"/>
-      </dgm:cxnLst>
-      <dgm:bg/>
-      <dgm:whole/>
-    </dgm:dataModel>
-  </dgm:clrData>
-  <dgm:layoutNode name="compositeShape">
-    <dgm:varLst>
-      <dgm:chMax val="7"/>
-      <dgm:dir/>
-      <dgm:resizeHandles val="exact"/>
-    </dgm:varLst>
-    <dgm:choose name="Name0">
-      <dgm:if name="Name1" axis="ch" ptType="node" func="cnt" op="equ" val="1">
-        <dgm:alg type="composite">
-          <dgm:param type="ar" val="1"/>
-        </dgm:alg>
-      </dgm:if>
-      <dgm:if name="Name2" axis="ch" ptType="node" func="cnt" op="equ" val="2">
-        <dgm:alg type="composite">
-          <dgm:param type="ar" val="1.792"/>
-        </dgm:alg>
-      </dgm:if>
-      <dgm:if name="Name3" axis="ch" ptType="node" func="cnt" op="equ" val="3">
-        <dgm:alg type="composite">
-          <dgm:param type="ar" val="1"/>
-        </dgm:alg>
-      </dgm:if>
-      <dgm:if name="Name4" axis="ch" ptType="node" func="cnt" op="equ" val="4">
-        <dgm:alg type="composite">
-          <dgm:param type="ar" val="1"/>
-        </dgm:alg>
-      </dgm:if>
-      <dgm:if name="Name5" axis="ch" ptType="node" func="cnt" op="equ" val="5">
-        <dgm:alg type="composite">
-          <dgm:param type="ar" val="1.4"/>
-        </dgm:alg>
-      </dgm:if>
-      <dgm:if name="Name6" axis="ch" ptType="node" func="cnt" op="equ" val="6">
-        <dgm:alg type="composite">
-          <dgm:param type="ar" val="1.285"/>
-        </dgm:alg>
-      </dgm:if>
-      <dgm:if name="Name7" axis="ch" ptType="node" func="cnt" op="equ" val="7">
-        <dgm:alg type="composite">
-          <dgm:param type="ar" val="1.359"/>
-        </dgm:alg>
-      </dgm:if>
-      <dgm:else name="Name8">
-        <dgm:alg type="composite">
-          <dgm:param type="ar" val="1.359"/>
-        </dgm:alg>
-      </dgm:else>
-    </dgm:choose>
-    <dgm:shape xmlns:r="http://schemas.openxmlformats.org/officeDocument/2006/relationships" r:blip="">
-      <dgm:adjLst/>
-    </dgm:shape>
-    <dgm:presOf/>
-    <dgm:choose name="Name9">
-      <dgm:if name="Name10" axis="ch" ptType="node" func="cnt" op="equ" val="1">
-        <dgm:constrLst>
-          <dgm:constr type="ctrX" for="ch" forName="circ1TxSh" refType="w" fact="0.5"/>
-          <dgm:constr type="ctrY" for="ch" forName="circ1TxSh" refType="h" fact="0.5"/>
-          <dgm:constr type="w" for="ch" forName="circ1TxSh" refType="w"/>
-          <dgm:constr type="h" for="ch" forName="circ1TxSh" refType="h"/>
-          <dgm:constr type="primFontSz" for="ch" ptType="node" op="equ"/>
-        </dgm:constrLst>
-      </dgm:if>
-      <dgm:if name="Name11" axis="ch" ptType="node" func="cnt" op="equ" val="2">
-        <dgm:constrLst>
-          <dgm:constr type="ctrX" for="ch" forName="circ1" refType="w" fact="0.3"/>
-          <dgm:constr type="ctrY" for="ch" forName="circ1" refType="h" fact="0.5"/>
-          <dgm:constr type="w" for="ch" forName="circ1" refType="w" fact="0.555"/>
-          <dgm:constr type="h" for="ch" forName="circ1" refType="h" fact="0.99456"/>
-          <dgm:constr type="l" for="ch" forName="circ1Tx" refType="w" fact="0.1"/>
-          <dgm:constr type="t" for="ch" forName="circ1Tx" refType="h" fact="0.12"/>
-          <dgm:constr type="w" for="ch" forName="circ1Tx" refType="w" fact="0.32"/>
-          <dgm:constr type="h" for="ch" forName="circ1Tx" refType="h" fact="0.76"/>
-          <dgm:constr type="ctrX" for="ch" forName="circ2" refType="w" fact="0.7"/>
-          <dgm:constr type="ctrY" for="ch" forName="circ2" refType="h" fact="0.5"/>
-          <dgm:constr type="w" for="ch" forName="circ2" refType="w" fact="0.555"/>
-          <dgm:constr type="h" for="ch" forName="circ2" refType="h" fact="0.99456"/>
-          <dgm:constr type="l" for="ch" forName="circ2Tx" refType="w" fact="0.58"/>
-          <dgm:constr type="t" for="ch" forName="circ2Tx" refType="h" fact="0.12"/>
-          <dgm:constr type="w" for="ch" forName="circ2Tx" refType="w" fact="0.32"/>
-          <dgm:constr type="h" for="ch" forName="circ2Tx" refType="h" fact="0.76"/>
-          <dgm:constr type="primFontSz" for="ch" ptType="node" op="equ"/>
-        </dgm:constrLst>
-      </dgm:if>
-      <dgm:if name="Name12" axis="ch" ptType="node" func="cnt" op="equ" val="3">
-        <dgm:constrLst>
-          <dgm:constr type="ctrX" for="ch" forName="circ1" refType="w" fact="0.5"/>
-          <dgm:constr type="ctrY" for="ch" forName="circ1" refType="w" fact="0.25"/>
-          <dgm:constr type="w" for="ch" forName="circ1" refType="w" fact="0.6"/>
-          <dgm:constr type="h" for="ch" forName="circ1" refType="h" fact="0.6"/>
-          <dgm:constr type="l" for="ch" forName="circ1Tx" refType="w" fact="0.28"/>
-          <dgm:constr type="t" for="ch" forName="circ1Tx" refType="h" fact="0.055"/>
-          <dgm:constr type="w" for="ch" forName="circ1Tx" refType="w" fact="0.44"/>
-          <dgm:constr type="h" for="ch" forName="circ1Tx" refType="h" fact="0.27"/>
-          <dgm:constr type="ctrX" for="ch" forName="circ2" refType="w" fact="0.7165"/>
-          <dgm:constr type="ctrY" for="ch" forName="circ2" refType="w" fact="0.625"/>
-          <dgm:constr type="w" for="ch" forName="circ2" refType="w" fact="0.6"/>
-          <dgm:constr type="h" for="ch" forName="circ2" refType="h" fact="0.6"/>
-          <dgm:constr type="l" for="ch" forName="circ2Tx" refType="w" fact="0.6"/>
-          <dgm:constr type="t" for="ch" forName="circ2Tx" refType="h" fact="0.48"/>
-          <dgm:constr type="w" for="ch" forName="circ2Tx" refType="w" fact="0.36"/>
-          <dgm:constr type="h" for="ch" forName="circ2Tx" refType="h" fact="0.33"/>
-          <dgm:constr type="ctrX" for="ch" forName="circ3" refType="w" fact="0.2835"/>
-          <dgm:constr type="ctrY" for="ch" forName="circ3" refType="w" fact="0.625"/>
-          <dgm:constr type="w" for="ch" forName="circ3" refType="w" fact="0.6"/>
-          <dgm:constr type="h" for="ch" forName="circ3" refType="h" fact="0.6"/>
-          <dgm:constr type="l" for="ch" forName="circ3Tx" refType="w" fact="0.04"/>
-          <dgm:constr type="t" for="ch" forName="circ3Tx" refType="h" fact="0.48"/>
-          <dgm:constr type="w" for="ch" forName="circ3Tx" refType="w" fact="0.36"/>
-          <dgm:constr type="h" for="ch" forName="circ3Tx" refType="h" fact="0.33"/>
-          <dgm:constr type="primFontSz" for="ch" ptType="node" op="equ"/>
-        </dgm:constrLst>
-      </dgm:if>
-      <dgm:if name="Name13" axis="ch" ptType="node" func="cnt" op="equ" val="4">
-        <dgm:constrLst>
-          <dgm:constr type="ctrX" for="ch" forName="circ1" refType="w" fact="0.5"/>
-          <dgm:constr type="ctrY" for="ch" forName="circ1" refType="w" fact="0.27"/>
-          <dgm:constr type="w" for="ch" forName="circ1" refType="w" fact="0.52"/>
-          <dgm:constr type="h" for="ch" forName="circ1" refType="h" fact="0.52"/>
-          <dgm:constr type="l" for="ch" forName="circ1Tx" refType="w" fact="0.3"/>
-          <dgm:constr type="t" for="ch" forName="circ1Tx" refType="h" fact="0.08"/>
-          <dgm:constr type="w" for="ch" forName="circ1Tx" refType="w" fact="0.4"/>
-          <dgm:constr type="h" for="ch" forName="circ1Tx" refType="h" fact="0.165"/>
-          <dgm:constr type="ctrX" for="ch" forName="circ2" refType="w" fact="0.73"/>
-          <dgm:constr type="ctrY" for="ch" forName="circ2" refType="w" fact="0.5"/>
-          <dgm:constr type="w" for="ch" forName="circ2" refType="w" fact="0.52"/>
-          <dgm:constr type="h" for="ch" forName="circ2" refType="h" fact="0.52"/>
-          <dgm:constr type="r" for="ch" forName="circ2Tx" refType="w" fact="0.95"/>
-          <dgm:constr type="t" for="ch" forName="circ2Tx" refType="h" fact="0.3"/>
-          <dgm:constr type="w" for="ch" forName="circ2Tx" refType="w" fact="0.2"/>
-          <dgm:constr type="h" for="ch" forName="circ2Tx" refType="h" fact="0.4"/>
-          <dgm:constr type="ctrX" for="ch" forName="circ3" refType="w" fact="0.5"/>
-          <dgm:constr type="ctrY" for="ch" forName="circ3" refType="w" fact="0.73"/>
-          <dgm:constr type="w" for="ch" forName="circ3" refType="w" fact="0.52"/>
-          <dgm:constr type="h" for="ch" forName="circ3" refType="h" fact="0.52"/>
-          <dgm:constr type="l" for="ch" forName="circ3Tx" refType="w" fact="0.3"/>
-          <dgm:constr type="b" for="ch" forName="circ3Tx" refType="h" fact="0.92"/>
-          <dgm:constr type="w" for="ch" forName="circ3Tx" refType="w" fact="0.4"/>
-          <dgm:constr type="h" for="ch" forName="circ3Tx" refType="h" fact="0.165"/>
-          <dgm:constr type="ctrX" for="ch" forName="circ4" refType="w" fact="0.27"/>
-          <dgm:constr type="ctrY" for="ch" forName="circ4" refType="h" fact="0.5"/>
-          <dgm:constr type="w" for="ch" forName="circ4" refType="w" fact="0.52"/>
-          <dgm:constr type="h" for="ch" forName="circ4" refType="h" fact="0.52"/>
-          <dgm:constr type="l" for="ch" forName="circ4Tx" refType="w" fact="0.05"/>
-          <dgm:constr type="t" for="ch" forName="circ4Tx" refType="h" fact="0.3"/>
-          <dgm:constr type="w" for="ch" forName="circ4Tx" refType="w" fact="0.2"/>
-          <dgm:constr type="h" for="ch" forName="circ4Tx" refType="h" fact="0.4"/>
-          <dgm:constr type="primFontSz" for="ch" ptType="node" op="equ"/>
-        </dgm:constrLst>
-      </dgm:if>
-      <dgm:if name="Name14" axis="ch" ptType="node" func="cnt" op="equ" val="5">
-        <dgm:constrLst>
-          <dgm:constr type="ctrX" for="ch" forName="circ1" refType="w" fact="0.5"/>
-          <dgm:constr type="ctrY" for="ch" forName="circ1" refType="h" fact="0.46"/>
-          <dgm:constr type="w" for="ch" forName="circ1" refType="w" fact="0.25"/>
-          <dgm:constr type="h" for="ch" forName="circ1" refType="h" fact="0.35"/>
-          <dgm:constr type="l" for="ch" forName="circ1Tx" refType="w" fact="0.355"/>
-          <dgm:constr type="t" for="ch" forName="circ1Tx"/>
-          <dgm:constr type="w" for="ch" forName="circ1Tx" refType="w" fact="0.29"/>
-          <dgm:constr type="h" for="ch" forName="circ1Tx" refType="h" fact="0.235"/>
-          <dgm:constr type="ctrX" for="ch" forName="circ2" refType="w" fact="0.5951"/>
-          <dgm:constr type="ctrY" for="ch" forName="circ2" refType="h" fact="0.5567"/>
-          <dgm:constr type="w" for="ch" forName="circ2" refType="w" fact="0.25"/>
-          <dgm:constr type="h" for="ch" forName="circ2" refType="h" fact="0.35"/>
-          <dgm:constr type="l" for="ch" forName="circ2Tx" refType="w" fact="0.74"/>
-          <dgm:constr type="t" for="ch" forName="circ2Tx" refType="h" fact="0.31"/>
-          <dgm:constr type="w" for="ch" forName="circ2Tx" refType="w" fact="0.26"/>
-          <dgm:constr type="h" for="ch" forName="circ2Tx" refType="h" fact="0.255"/>
-          <dgm:constr type="ctrX" for="ch" forName="circ3" refType="w" fact="0.5588"/>
-          <dgm:constr type="ctrY" for="ch" forName="circ3" refType="h" fact="0.7133"/>
-          <dgm:constr type="w" for="ch" forName="circ3" refType="w" fact="0.25"/>
-          <dgm:constr type="h" for="ch" forName="circ3" refType="h" fact="0.35"/>
-          <dgm:constr type="l" for="ch" forName="circ3Tx" refType="w" fact="0.7"/>
-          <dgm:constr type="t" for="ch" forName="circ3Tx" refType="h" fact="0.745"/>
-          <dgm:constr type="w" for="ch" forName="circ3Tx" refType="w" fact="0.26"/>
-          <dgm:constr type="h" for="ch" forName="circ3Tx" refType="h" fact="0.255"/>
-          <dgm:constr type="ctrX" for="ch" forName="circ4" refType="w" fact="0.4412"/>
-          <dgm:constr type="ctrY" for="ch" forName="circ4" refType="h" fact="0.7133"/>
-          <dgm:constr type="w" for="ch" forName="circ4" refType="w" fact="0.25"/>
-          <dgm:constr type="h" for="ch" forName="circ4" refType="h" fact="0.35"/>
-          <dgm:constr type="l" for="ch" forName="circ4Tx" refType="w" fact="0.04"/>
-          <dgm:constr type="t" for="ch" forName="circ4Tx" refType="h" fact="0.745"/>
-          <dgm:constr type="w" for="ch" forName="circ4Tx" refType="w" fact="0.26"/>
-          <dgm:constr type="h" for="ch" forName="circ4Tx" refType="h" fact="0.255"/>
-          <dgm:constr type="ctrX" for="ch" forName="circ5" refType="w" fact="0.4049"/>
-          <dgm:constr type="ctrY" for="ch" forName="circ5" refType="h" fact="0.5567"/>
-          <dgm:constr type="w" for="ch" forName="circ5" refType="w" fact="0.25"/>
-          <dgm:constr type="h" for="ch" forName="circ5" refType="h" fact="0.35"/>
-          <dgm:constr type="l" for="ch" forName="circ5Tx"/>
-          <dgm:constr type="t" for="ch" forName="circ5Tx" refType="h" fact="0.31"/>
-          <dgm:constr type="w" for="ch" forName="circ5Tx" refType="w" fact="0.26"/>
-          <dgm:constr type="h" for="ch" forName="circ5Tx" refType="h" fact="0.255"/>
-          <dgm:constr type="primFontSz" for="ch" ptType="node" op="equ"/>
-        </dgm:constrLst>
-      </dgm:if>
-      <dgm:if name="Name15" axis="ch" ptType="node" func="cnt" op="equ" val="6">
-        <dgm:constrLst>
-          <dgm:constr type="ctrX" for="ch" forName="circ1" refType="w" fact="0.5"/>
-          <dgm:constr type="ctrY" for="ch" forName="circ1" refType="h" fact="0.3844"/>
-          <dgm:constr type="w" for="ch" forName="circ1" refType="w" fact="0.24"/>
-          <dgm:constr type="h" for="ch" forName="circ1" refType="h" fact="0.3084"/>
-          <dgm:constr type="l" for="ch" forName="circ1Tx" refType="w" fact="0.35"/>
-          <dgm:constr type="t" for="ch" forName="circ1Tx"/>
-          <dgm:constr type="w" for="ch" forName="circ1Tx" refType="w" fact="0.3"/>
-          <dgm:constr type="h" for="ch" forName="circ1Tx" refType="h" fact="0.21"/>
-          <dgm:constr type="ctrX" for="ch" forName="circ2" refType="w" fact="0.5779"/>
-          <dgm:constr type="ctrY" for="ch" forName="circ2" refType="h" fact="0.4422"/>
-          <dgm:constr type="w" for="ch" forName="circ2" refType="w" fact="0.24"/>
-          <dgm:constr type="h" for="ch" forName="circ2" refType="h" fact="0.3084"/>
-          <dgm:constr type="l" for="ch" forName="circ2Tx" refType="w" fact="0.7157"/>
-          <dgm:constr type="t" for="ch" forName="circ2Tx" refType="h" fact="0.2"/>
-          <dgm:constr type="w" for="ch" forName="circ2Tx" refType="w" fact="0.2843"/>
-          <dgm:constr type="h" for="ch" forName="circ2Tx" refType="h" fact="0.23"/>
-          <dgm:constr type="ctrX" for="ch" forName="circ3" refType="w" fact="0.5779"/>
-          <dgm:constr type="ctrY" for="ch" forName="circ3" refType="h" fact="0.5578"/>
-          <dgm:constr type="w" for="ch" forName="circ3" refType="w" fact="0.24"/>
-          <dgm:constr type="h" for="ch" forName="circ3" refType="h" fact="0.3084"/>
-          <dgm:constr type="l" for="ch" forName="circ3Tx" refType="w" fact="0.7157"/>
-          <dgm:constr type="t" for="ch" forName="circ3Tx" refType="h" fact="0.543"/>
-          <dgm:constr type="w" for="ch" forName="circ3Tx" refType="w" fact="0.2843"/>
-          <dgm:constr type="h" for="ch" forName="circ3Tx" refType="h" fact="0.257"/>
-          <dgm:constr type="ctrX" for="ch" forName="circ4" refType="w" fact="0.5"/>
-          <dgm:constr type="ctrY" for="ch" forName="circ4" refType="h" fact="0.6157"/>
-          <dgm:constr type="w" for="ch" forName="circ4" refType="w" fact="0.24"/>
-          <dgm:constr type="h" for="ch" forName="circ4" refType="h" fact="0.3084"/>
-          <dgm:constr type="l" for="ch" forName="circ4Tx" refType="w" fact="0.35"/>
-          <dgm:constr type="t" for="ch" forName="circ4Tx" refType="h" fact="0.79"/>
-          <dgm:constr type="w" for="ch" forName="circ4Tx" refType="w" fact="0.3"/>
-          <dgm:constr type="h" for="ch" forName="circ4Tx" refType="h" fact="0.21"/>
-          <dgm:constr type="ctrX" for="ch" forName="circ5" refType="w" fact="0.4221"/>
-          <dgm:constr type="ctrY" for="ch" forName="circ5" refType="h" fact="0.5578"/>
-          <dgm:constr type="w" for="ch" forName="circ5" refType="w" fact="0.24"/>
-          <dgm:constr type="h" for="ch" forName="circ5" refType="h" fact="0.3084"/>
-          <dgm:constr type="l" for="ch" forName="circ5Tx" refType="w" fact="0"/>
-          <dgm:constr type="t" for="ch" forName="circ5Tx" refType="h" fact="0.543"/>
-          <dgm:constr type="w" for="ch" forName="circ5Tx" refType="w" fact="0.2843"/>
-          <dgm:constr type="h" for="ch" forName="circ5Tx" refType="h" fact="0.257"/>
-          <dgm:constr type="ctrX" for="ch" forName="circ6" refType="w" fact="0.4221"/>
-          <dgm:constr type="ctrY" for="ch" forName="circ6" refType="h" fact="0.4422"/>
-          <dgm:constr type="w" for="ch" forName="circ6" refType="w" fact="0.24"/>
-          <dgm:constr type="h" for="ch" forName="circ6" refType="h" fact="0.3084"/>
-          <dgm:constr type="l" for="ch" forName="circ6Tx" refType="w" fact="0"/>
-          <dgm:constr type="t" for="ch" forName="circ6Tx" refType="h" fact="0.2"/>
-          <dgm:constr type="w" for="ch" forName="circ6Tx" refType="w" fact="0.2843"/>
-          <dgm:constr type="h" for="ch" forName="circ6Tx" refType="h" fact="0.257"/>
-          <dgm:constr type="primFontSz" for="ch" ptType="node" op="equ"/>
-        </dgm:constrLst>
-      </dgm:if>
-      <dgm:else name="Name16">
-        <dgm:constrLst>
-          <dgm:constr type="ctrX" for="ch" forName="circ1" refType="w" fact="0.5"/>
-          <dgm:constr type="ctrY" for="ch" forName="circ1" refType="h" fact="0.4177"/>
-          <dgm:constr type="w" for="ch" forName="circ1" refType="w" fact="0.24"/>
-          <dgm:constr type="h" for="ch" forName="circ1" refType="h" fact="0.3262"/>
-          <dgm:constr type="l" for="ch" forName="circ1Tx" refType="w" fact="0.3625"/>
-          <dgm:constr type="t" for="ch" forName="circ1Tx"/>
-          <dgm:constr type="w" for="ch" forName="circ1Tx" refType="w" fact="0.275"/>
-          <dgm:constr type="h" for="ch" forName="circ1Tx" refType="h" fact="0.2"/>
-          <dgm:constr type="ctrX" for="ch" forName="circ2" refType="w" fact="0.5704"/>
-          <dgm:constr type="ctrY" for="ch" forName="circ2" refType="h" fact="0.4637"/>
-          <dgm:constr type="w" for="ch" forName="circ2" refType="w" fact="0.24"/>
-          <dgm:constr type="h" for="ch" forName="circ2" refType="h" fact="0.3262"/>
-          <dgm:constr type="l" for="ch" forName="circ2Tx" refType="w" fact="0.72"/>
-          <dgm:constr type="t" for="ch" forName="circ2Tx" refType="h" fact="0.19"/>
-          <dgm:constr type="w" for="ch" forName="circ2Tx" refType="w" fact="0.26"/>
-          <dgm:constr type="h" for="ch" forName="circ2Tx" refType="h" fact="0.22"/>
-          <dgm:constr type="ctrX" for="ch" forName="circ3" refType="w" fact="0.5877"/>
-          <dgm:constr type="ctrY" for="ch" forName="circ3" refType="h" fact="0.5672"/>
-          <dgm:constr type="w" for="ch" forName="circ3" refType="w" fact="0.24"/>
-          <dgm:constr type="h" for="ch" forName="circ3" refType="h" fact="0.3262"/>
-          <dgm:constr type="l" for="ch" forName="circ3Tx" refType="w" fact="0.745"/>
-          <dgm:constr type="t" for="ch" forName="circ3Tx" refType="h" fact="0.47"/>
-          <dgm:constr type="w" for="ch" forName="circ3Tx" refType="w" fact="0.255"/>
-          <dgm:constr type="h" for="ch" forName="circ3Tx" refType="h" fact="0.235"/>
-          <dgm:constr type="ctrX" for="ch" forName="circ4" refType="w" fact="0.539"/>
-          <dgm:constr type="ctrY" for="ch" forName="circ4" refType="h" fact="0.6502"/>
-          <dgm:constr type="w" for="ch" forName="circ4" refType="w" fact="0.24"/>
-          <dgm:constr type="h" for="ch" forName="circ4" refType="h" fact="0.3262"/>
-          <dgm:constr type="l" for="ch" forName="circ4Tx" refType="w" fact="0.635"/>
-          <dgm:constr type="t" for="ch" forName="circ4Tx" refType="h" fact="0.785"/>
-          <dgm:constr type="w" for="ch" forName="circ4Tx" refType="w" fact="0.275"/>
-          <dgm:constr type="h" for="ch" forName="circ4Tx" refType="h" fact="0.215"/>
-          <dgm:constr type="ctrX" for="ch" forName="circ5" refType="w" fact="0.461"/>
-          <dgm:constr type="ctrY" for="ch" forName="circ5" refType="h" fact="0.6502"/>
-          <dgm:constr type="w" for="ch" forName="circ5" refType="w" fact="0.24"/>
-          <dgm:constr type="h" for="ch" forName="circ5" refType="h" fact="0.3262"/>
-          <dgm:constr type="l" for="ch" forName="circ5Tx" refType="w" fact="0.09"/>
-          <dgm:constr type="t" for="ch" forName="circ5Tx" refType="h" fact="0.785"/>
-          <dgm:constr type="w" for="ch" forName="circ5Tx" refType="w" fact="0.275"/>
-          <dgm:constr type="h" for="ch" forName="circ5Tx" refType="h" fact="0.215"/>
-          <dgm:constr type="ctrX" for="ch" forName="circ6" refType="w" fact="0.4123"/>
-          <dgm:constr type="ctrY" for="ch" forName="circ6" refType="h" fact="0.5672"/>
-          <dgm:constr type="w" for="ch" forName="circ6" refType="w" fact="0.24"/>
-          <dgm:constr type="h" for="ch" forName="circ6" refType="h" fact="0.3262"/>
-          <dgm:constr type="l" for="ch" forName="circ6Tx"/>
-          <dgm:constr type="t" for="ch" forName="circ6Tx" refType="h" fact="0.47"/>
-          <dgm:constr type="w" for="ch" forName="circ6Tx" refType="w" fact="0.255"/>
-          <dgm:constr type="h" for="ch" forName="circ6Tx" refType="h" fact="0.235"/>
-          <dgm:constr type="ctrX" for="ch" forName="circ7" refType="w" fact="0.4296"/>
-          <dgm:constr type="ctrY" for="ch" forName="circ7" refType="h" fact="0.4637"/>
-          <dgm:constr type="w" for="ch" forName="circ7" refType="w" fact="0.24"/>
-          <dgm:constr type="h" for="ch" forName="circ7" refType="h" fact="0.3262"/>
-          <dgm:constr type="l" for="ch" forName="circ7Tx" refType="w" fact="0.02"/>
-          <dgm:constr type="t" for="ch" forName="circ7Tx" refType="h" fact="0.19"/>
-          <dgm:constr type="w" for="ch" forName="circ7Tx" refType="w" fact="0.26"/>
-          <dgm:constr type="h" for="ch" forName="circ7Tx" refType="h" fact="0.22"/>
-          <dgm:constr type="primFontSz" for="ch" ptType="node" op="equ"/>
-        </dgm:constrLst>
-      </dgm:else>
-    </dgm:choose>
-    <dgm:ruleLst/>
-    <dgm:forEach name="Name17" axis="ch" ptType="node" cnt="1">
-      <dgm:choose name="Name18">
-        <dgm:if name="Name19" axis="root ch" ptType="all node" func="cnt" op="equ" val="1">
-          <dgm:layoutNode name="circ1TxSh" styleLbl="vennNode1">
-            <dgm:alg type="tx">
-              <dgm:param type="txAnchorHorzCh" val="ctr"/>
-              <dgm:param type="txAnchorVertCh" val="mid"/>
-            </dgm:alg>
-            <dgm:shape xmlns:r="http://schemas.openxmlformats.org/officeDocument/2006/relationships" type="ellipse" r:blip="">
-              <dgm:adjLst/>
-            </dgm:shape>
-            <dgm:choose name="Name20">
-              <dgm:if name="Name21" func="var" arg="dir" op="equ" val="norm">
-                <dgm:choose name="Name22">
-                  <dgm:if name="Name23" axis="root ch" ptType="all node" func="cnt" op="lte" val="4">
-                    <dgm:presOf axis="desOrSelf" ptType="node"/>
-                  </dgm:if>
-                  <dgm:else name="Name24">
-                    <dgm:presOf/>
-                  </dgm:else>
-                </dgm:choose>
-              </dgm:if>
-              <dgm:else name="Name25">
-                <dgm:choose name="Name26">
-                  <dgm:if name="Name27" axis="root ch" ptType="all node" func="cnt" op="equ" val="2">
-                    <dgm:presOf axis="root ch desOrSelf" ptType="all node node" st="1 2 1" cnt="1 1 0"/>
-                  </dgm:if>
-                  <dgm:else name="Name28">
-                    <dgm:presOf axis="desOrSelf" ptType="node"/>
-                  </dgm:else>
-                </dgm:choose>
-              </dgm:else>
-            </dgm:choose>
-            <dgm:constrLst>
-              <dgm:constr type="tMarg"/>
-              <dgm:constr type="bMarg"/>
-              <dgm:constr type="lMarg"/>
-              <dgm:constr type="rMarg"/>
-              <dgm:constr type="primFontSz" val="65"/>
-            </dgm:constrLst>
-            <dgm:ruleLst>
-              <dgm:rule type="primFontSz" val="5" fact="NaN" max="NaN"/>
-            </dgm:ruleLst>
-          </dgm:layoutNode>
-        </dgm:if>
-        <dgm:else name="Name29">
-          <dgm:layoutNode name="circ1" styleLbl="vennNode1">
-            <dgm:alg type="sp"/>
-            <dgm:shape xmlns:r="http://schemas.openxmlformats.org/officeDocument/2006/relationships" type="ellipse" r:blip="">
-              <dgm:adjLst/>
-            </dgm:shape>
-            <dgm:choose name="Name30">
-              <dgm:if name="Name31" func="var" arg="dir" op="equ" val="norm">
-                <dgm:choose name="Name32">
-                  <dgm:if name="Name33" axis="root ch" ptType="all node" func="cnt" op="lte" val="4">
-                    <dgm:presOf axis="desOrSelf" ptType="node"/>
-                  </dgm:if>
-                  <dgm:else name="Name34">
-                    <dgm:presOf/>
-                  </dgm:else>
-                </dgm:choose>
-              </dgm:if>
-              <dgm:else name="Name35">
-                <dgm:choose name="Name36">
-                  <dgm:if name="Name37" axis="root ch" ptType="all node" func="cnt" op="equ" val="2">
-                    <dgm:presOf axis="root ch desOrSelf" ptType="all node node" st="1 2 1" cnt="1 1 0"/>
-                  </dgm:if>
-                  <dgm:else name="Name38">
-                    <dgm:choose name="Name39">
-                      <dgm:if name="Name40" axis="root ch" ptType="all node" func="cnt" op="lte" val="4">
-                        <dgm:presOf axis="desOrSelf" ptType="node"/>
-                      </dgm:if>
-                      <dgm:else name="Name41">
-                        <dgm:presOf/>
-                      </dgm:else>
-                    </dgm:choose>
-                  </dgm:else>
-                </dgm:choose>
-              </dgm:else>
-            </dgm:choose>
-            <dgm:constrLst/>
-            <dgm:ruleLst/>
-          </dgm:layoutNode>
-          <dgm:layoutNode name="circ1Tx" styleLbl="revTx">
-            <dgm:varLst>
-              <dgm:chMax val="0"/>
-              <dgm:chPref val="0"/>
-              <dgm:bulletEnabled val="1"/>
-            </dgm:varLst>
-            <dgm:alg type="tx">
-              <dgm:param type="txAnchorHorzCh" val="ctr"/>
-              <dgm:param type="txAnchorVertCh" val="mid"/>
-            </dgm:alg>
-            <dgm:shape xmlns:r="http://schemas.openxmlformats.org/officeDocument/2006/relationships" type="rect" r:blip="" hideGeom="1">
-              <dgm:adjLst/>
-            </dgm:shape>
-            <dgm:choose name="Name42">
-              <dgm:if name="Name43" func="var" arg="dir" op="equ" val="norm">
-                <dgm:presOf axis="desOrSelf" ptType="node"/>
-              </dgm:if>
-              <dgm:else name="Name44">
-                <dgm:choose name="Name45">
-                  <dgm:if name="Name46" axis="root ch" ptType="all node" func="cnt" op="equ" val="2">
-                    <dgm:presOf axis="root ch desOrSelf" ptType="all node node" st="1 2 1" cnt="1 1 0"/>
-                  </dgm:if>
-                  <dgm:else name="Name47">
-                    <dgm:presOf axis="desOrSelf" ptType="node"/>
-                  </dgm:else>
-                </dgm:choose>
-              </dgm:else>
-            </dgm:choose>
-            <dgm:constrLst>
-              <dgm:constr type="tMarg"/>
-              <dgm:constr type="bMarg"/>
-              <dgm:constr type="lMarg"/>
-              <dgm:constr type="rMarg"/>
-              <dgm:constr type="primFontSz" val="65"/>
-            </dgm:constrLst>
-            <dgm:ruleLst>
-              <dgm:rule type="primFontSz" val="5" fact="NaN" max="NaN"/>
-            </dgm:ruleLst>
-          </dgm:layoutNode>
-        </dgm:else>
-      </dgm:choose>
-    </dgm:forEach>
-    <dgm:forEach name="Name48" axis="ch" ptType="node" st="2" cnt="1">
-      <dgm:layoutNode name="circ2" styleLbl="vennNode1">
-        <dgm:alg type="sp"/>
-        <dgm:shape xmlns:r="http://schemas.openxmlformats.org/officeDocument/2006/relationships" type="ellipse" r:blip="">
-          <dgm:adjLst/>
-        </dgm:shape>
-        <dgm:choose name="Name49">
-          <dgm:if name="Name50" func="var" arg="dir" op="equ" val="norm">
-            <dgm:choose name="Name51">
-              <dgm:if name="Name52" axis="root ch" ptType="all node" func="cnt" op="lte" val="4">
-                <dgm:presOf axis="desOrSelf" ptType="node"/>
-              </dgm:if>
-              <dgm:else name="Name53">
-                <dgm:presOf/>
-              </dgm:else>
-            </dgm:choose>
-          </dgm:if>
-          <dgm:else name="Name54">
-            <dgm:choose name="Name55">
-              <dgm:if name="Name56" axis="root ch" ptType="all node" func="cnt" op="equ" val="2">
-                <dgm:presOf axis="root ch desOrSelf" ptType="all node node" st="1 1 1" cnt="1 1 0"/>
-              </dgm:if>
-              <dgm:if name="Name57" axis="root ch" ptType="all node" func="cnt" op="equ" val="3">
-                <dgm:presOf axis="root ch desOrSelf" ptType="all node node" st="1 3 1" cnt="1 1 0"/>
-              </dgm:if>
-              <dgm:if name="Name58" axis="root ch" ptType="all node" func="cnt" op="equ" val="4">
-                <dgm:presOf axis="root ch desOrSelf" ptType="all node node" st="1 4 1" cnt="1 1 0"/>
-              </dgm:if>
-              <dgm:else name="Name59">
-                <dgm:presOf/>
-              </dgm:else>
-            </dgm:choose>
-          </dgm:else>
-        </dgm:choose>
-        <dgm:constrLst/>
-        <dgm:ruleLst/>
-      </dgm:layoutNode>
-      <dgm:layoutNode name="circ2Tx" styleLbl="revTx">
-        <dgm:varLst>
-          <dgm:chMax val="0"/>
-          <dgm:chPref val="0"/>
-          <dgm:bulletEnabled val="1"/>
-        </dgm:varLst>
-        <dgm:alg type="tx">
-          <dgm:param type="txAnchorHorzCh" val="ctr"/>
-          <dgm:param type="txAnchorVertCh" val="mid"/>
-        </dgm:alg>
-        <dgm:shape xmlns:r="http://schemas.openxmlformats.org/officeDocument/2006/relationships" type="rect" r:blip="" hideGeom="1">
-          <dgm:adjLst/>
-        </dgm:shape>
-        <dgm:choose name="Name60">
-          <dgm:if name="Name61" func="var" arg="dir" op="equ" val="norm">
-            <dgm:presOf axis="desOrSelf" ptType="node"/>
-          </dgm:if>
-          <dgm:else name="Name62">
-            <dgm:choose name="Name63">
-              <dgm:if name="Name64" axis="root ch" ptType="all node" func="cnt" op="equ" val="2">
-                <dgm:presOf axis="root ch desOrSelf" ptType="all node node" st="1 1 1" cnt="1 1 0"/>
-              </dgm:if>
-              <dgm:if name="Name65" axis="root ch" ptType="all node" func="cnt" op="equ" val="3">
-                <dgm:presOf axis="root ch desOrSelf" ptType="all node node" st="1 3 1" cnt="1 1 0"/>
-              </dgm:if>
-              <dgm:if name="Name66" axis="root ch" ptType="all node" func="cnt" op="equ" val="4">
-                <dgm:presOf axis="root ch desOrSelf" ptType="all node node" st="1 4 1" cnt="1 1 0"/>
-              </dgm:if>
-              <dgm:if name="Name67" axis="root ch" ptType="all node" func="cnt" op="equ" val="5">
-                <dgm:presOf axis="root ch desOrSelf" ptType="all node node" st="1 5 1" cnt="1 1 0"/>
-              </dgm:if>
-              <dgm:if name="Name68" axis="root ch" ptType="all node" func="cnt" op="equ" val="6">
-                <dgm:presOf axis="root ch desOrSelf" ptType="all node node" st="1 6 1" cnt="1 1 0"/>
-              </dgm:if>
-              <dgm:else name="Name69">
-                <dgm:presOf axis="root ch desOrSelf" ptType="all node node" st="1 7 1" cnt="1 1 0"/>
-              </dgm:else>
-            </dgm:choose>
-          </dgm:else>
-        </dgm:choose>
-        <dgm:constrLst>
-          <dgm:constr type="tMarg"/>
-          <dgm:constr type="bMarg"/>
-          <dgm:constr type="lMarg"/>
-          <dgm:constr type="rMarg"/>
-          <dgm:constr type="primFontSz" val="65"/>
-        </dgm:constrLst>
-        <dgm:ruleLst>
-          <dgm:rule type="primFontSz" val="5" fact="NaN" max="NaN"/>
-        </dgm:ruleLst>
-      </dgm:layoutNode>
-    </dgm:forEach>
-    <dgm:forEach name="Name70" axis="ch" ptType="node" st="3" cnt="1">
-      <dgm:layoutNode name="circ3" styleLbl="vennNode1">
-        <dgm:alg type="sp"/>
-        <dgm:shape xmlns:r="http://schemas.openxmlformats.org/officeDocument/2006/relationships" type="ellipse" r:blip="">
-          <dgm:adjLst/>
-        </dgm:shape>
-        <dgm:choose name="Name71">
-          <dgm:if name="Name72" func="var" arg="dir" op="equ" val="norm">
-            <dgm:choose name="Name73">
-              <dgm:if name="Name74" axis="root ch" ptType="all node" func="cnt" op="lte" val="4">
-                <dgm:presOf axis="desOrSelf" ptType="node"/>
-              </dgm:if>
-              <dgm:else name="Name75">
-                <dgm:presOf/>
-              </dgm:else>
-            </dgm:choose>
-          </dgm:if>
-          <dgm:else name="Name76">
-            <dgm:choose name="Name77">
-              <dgm:if name="Name78" axis="root ch" ptType="all node" func="cnt" op="equ" val="3">
-                <dgm:presOf axis="root ch desOrSelf" ptType="all node node" st="1 2 1" cnt="1 1 0"/>
-              </dgm:if>
-              <dgm:if name="Name79" axis="root ch" ptType="all node" func="cnt" op="equ" val="4">
-                <dgm:presOf axis="root ch desOrSelf" ptType="all node node" st="1 3 1" cnt="1 1 0"/>
-              </dgm:if>
-              <dgm:else name="Name80">
-                <dgm:presOf/>
-              </dgm:else>
-            </dgm:choose>
-          </dgm:else>
-        </dgm:choose>
-        <dgm:constrLst/>
-        <dgm:ruleLst/>
-      </dgm:layoutNode>
-      <dgm:layoutNode name="circ3Tx" styleLbl="revTx">
-        <dgm:varLst>
-          <dgm:chMax val="0"/>
-          <dgm:chPref val="0"/>
-          <dgm:bulletEnabled val="1"/>
-        </dgm:varLst>
-        <dgm:alg type="tx">
-          <dgm:param type="txAnchorHorzCh" val="ctr"/>
-          <dgm:param type="txAnchorVertCh" val="mid"/>
-        </dgm:alg>
-        <dgm:shape xmlns:r="http://schemas.openxmlformats.org/officeDocument/2006/relationships" type="rect" r:blip="" hideGeom="1">
-          <dgm:adjLst/>
-        </dgm:shape>
-        <dgm:choose name="Name81">
-          <dgm:if name="Name82" func="var" arg="dir" op="equ" val="norm">
-            <dgm:presOf axis="desOrSelf" ptType="node"/>
-          </dgm:if>
-          <dgm:else name="Name83">
-            <dgm:choose name="Name84">
-              <dgm:if name="Name85" axis="root ch" ptType="all node" func="cnt" op="equ" val="3">
-                <dgm:presOf axis="root ch desOrSelf" ptType="all node node" st="1 2 1" cnt="1 1 0"/>
-              </dgm:if>
-              <dgm:if name="Name86" axis="root ch" ptType="all node" func="cnt" op="equ" val="4">
-                <dgm:presOf axis="root ch desOrSelf" ptType="all node node" st="1 3 1" cnt="1 1 0"/>
-              </dgm:if>
-              <dgm:if name="Name87" axis="root ch" ptType="all node" func="cnt" op="equ" val="5">
-                <dgm:presOf axis="root ch desOrSelf" ptType="all node node" st="1 4 1" cnt="1 1 0"/>
-              </dgm:if>
-              <dgm:if name="Name88" axis="root ch" ptType="all node" func="cnt" op="equ" val="6">
-                <dgm:presOf axis="root ch desOrSelf" ptType="all node node" st="1 5 1" cnt="1 1 0"/>
-              </dgm:if>
-              <dgm:else name="Name89">
-                <dgm:presOf axis="root ch desOrSelf" ptType="all node node" st="1 6 1" cnt="1 1 0"/>
-              </dgm:else>
-            </dgm:choose>
-          </dgm:else>
-        </dgm:choose>
-        <dgm:constrLst>
-          <dgm:constr type="tMarg"/>
-          <dgm:constr type="bMarg"/>
-          <dgm:constr type="lMarg"/>
-          <dgm:constr type="rMarg"/>
-          <dgm:constr type="primFontSz" val="65"/>
-        </dgm:constrLst>
-        <dgm:ruleLst>
-          <dgm:rule type="primFontSz" val="5" fact="NaN" max="NaN"/>
-        </dgm:ruleLst>
-      </dgm:layoutNode>
-    </dgm:forEach>
-    <dgm:forEach name="Name90" axis="ch" ptType="node" st="4" cnt="1">
-      <dgm:layoutNode name="circ4" styleLbl="vennNode1">
-        <dgm:alg type="sp"/>
-        <dgm:shape xmlns:r="http://schemas.openxmlformats.org/officeDocument/2006/relationships" type="ellipse" r:blip="">
-          <dgm:adjLst/>
-        </dgm:shape>
-        <dgm:choose name="Name91">
-          <dgm:if name="Name92" func="var" arg="dir" op="equ" val="norm">
-            <dgm:choose name="Name93">
-              <dgm:if name="Name94" axis="root ch" ptType="all node" func="cnt" op="lte" val="4">
-                <dgm:presOf axis="desOrSelf" ptType="node"/>
-              </dgm:if>
-              <dgm:else name="Name95">
-                <dgm:presOf/>
-              </dgm:else>
-            </dgm:choose>
-          </dgm:if>
-          <dgm:else name="Name96">
-            <dgm:choose name="Name97">
-              <dgm:if name="Name98" axis="root ch" ptType="all node" func="cnt" op="equ" val="4">
-                <dgm:presOf axis="root ch desOrSelf" ptType="all node node" st="1 2 1" cnt="1 1 0"/>
-              </dgm:if>
-              <dgm:else name="Name99">
-                <dgm:presOf/>
-              </dgm:else>
-            </dgm:choose>
-          </dgm:else>
-        </dgm:choose>
-        <dgm:constrLst/>
-        <dgm:ruleLst/>
-      </dgm:layoutNode>
-      <dgm:layoutNode name="circ4Tx" styleLbl="revTx">
-        <dgm:varLst>
-          <dgm:chMax val="0"/>
-          <dgm:chPref val="0"/>
-          <dgm:bulletEnabled val="1"/>
-        </dgm:varLst>
-        <dgm:alg type="tx">
-          <dgm:param type="txAnchorHorzCh" val="ctr"/>
-          <dgm:param type="txAnchorVertCh" val="mid"/>
-        </dgm:alg>
-        <dgm:shape xmlns:r="http://schemas.openxmlformats.org/officeDocument/2006/relationships" type="rect" r:blip="" hideGeom="1">
-          <dgm:adjLst/>
-        </dgm:shape>
-        <dgm:choose name="Name100">
-          <dgm:if name="Name101" func="var" arg="dir" op="equ" val="norm">
-            <dgm:presOf axis="desOrSelf" ptType="node"/>
-          </dgm:if>
-          <dgm:else name="Name102">
-            <dgm:choose name="Name103">
-              <dgm:if name="Name104" axis="root ch" ptType="all node" func="cnt" op="equ" val="4">
-                <dgm:presOf axis="root ch desOrSelf" ptType="all node node" st="1 2 1" cnt="1 1 0"/>
-              </dgm:if>
-              <dgm:if name="Name105" axis="root ch" ptType="all node" func="cnt" op="equ" val="5">
-                <dgm:presOf axis="root ch desOrSelf" ptType="all node node" st="1 3 1" cnt="1 1 0"/>
-              </dgm:if>
-              <dgm:if name="Name106" axis="root ch" ptType="all node" func="cnt" op="equ" val="6">
-                <dgm:presOf axis="root ch desOrSelf" ptType="all node node" st="1 4 1" cnt="1 1 0"/>
-              </dgm:if>
-              <dgm:else name="Name107">
-                <dgm:presOf axis="root ch desOrSelf" ptType="all node node" st="1 5 1" cnt="1 1 0"/>
-              </dgm:else>
-            </dgm:choose>
-          </dgm:else>
-        </dgm:choose>
-        <dgm:constrLst>
-          <dgm:constr type="tMarg"/>
-          <dgm:constr type="bMarg"/>
-          <dgm:constr type="lMarg"/>
-          <dgm:constr type="rMarg"/>
-          <dgm:constr type="primFontSz" val="65"/>
-        </dgm:constrLst>
-        <dgm:ruleLst>
-          <dgm:rule type="primFontSz" val="5" fact="NaN" max="NaN"/>
-        </dgm:ruleLst>
-      </dgm:layoutNode>
-    </dgm:forEach>
-    <dgm:forEach name="Name108" axis="ch" ptType="node" st="5" cnt="1">
-      <dgm:layoutNode name="circ5" styleLbl="vennNode1">
-        <dgm:alg type="sp"/>
-        <dgm:shape xmlns:r="http://schemas.openxmlformats.org/officeDocument/2006/relationships" type="ellipse" r:blip="">
-          <dgm:adjLst/>
-        </dgm:shape>
-        <dgm:presOf/>
-        <dgm:constrLst/>
-        <dgm:ruleLst/>
-      </dgm:layoutNode>
-      <dgm:layoutNode name="circ5Tx" styleLbl="revTx">
-        <dgm:varLst>
-          <dgm:chMax val="0"/>
-          <dgm:chPref val="0"/>
-          <dgm:bulletEnabled val="1"/>
-        </dgm:varLst>
-        <dgm:alg type="tx">
-          <dgm:param type="txAnchorHorzCh" val="ctr"/>
-          <dgm:param type="txAnchorVertCh" val="mid"/>
-        </dgm:alg>
-        <dgm:shape xmlns:r="http://schemas.openxmlformats.org/officeDocument/2006/relationships" type="rect" r:blip="" hideGeom="1">
-          <dgm:adjLst/>
-        </dgm:shape>
-        <dgm:choose name="Name109">
-          <dgm:if name="Name110" func="var" arg="dir" op="equ" val="norm">
-            <dgm:presOf axis="desOrSelf" ptType="node"/>
-          </dgm:if>
-          <dgm:else name="Name111">
-            <dgm:choose name="Name112">
-              <dgm:if name="Name113" axis="root ch" ptType="all node" func="cnt" op="equ" val="5">
-                <dgm:presOf axis="root ch desOrSelf" ptType="all node node" st="1 2 1" cnt="1 1 0"/>
-              </dgm:if>
-              <dgm:if name="Name114" axis="root ch" ptType="all node" func="cnt" op="equ" val="6">
-                <dgm:presOf axis="root ch desOrSelf" ptType="all node node" st="1 3 1" cnt="1 1 0"/>
-              </dgm:if>
-              <dgm:else name="Name115">
-                <dgm:presOf axis="root ch desOrSelf" ptType="all node node" st="1 4 1" cnt="1 1 0"/>
-              </dgm:else>
-            </dgm:choose>
-          </dgm:else>
-        </dgm:choose>
-        <dgm:constrLst>
-          <dgm:constr type="tMarg"/>
-          <dgm:constr type="bMarg"/>
-          <dgm:constr type="lMarg"/>
-          <dgm:constr type="rMarg"/>
-          <dgm:constr type="primFontSz" val="65"/>
-        </dgm:constrLst>
-        <dgm:ruleLst>
-          <dgm:rule type="primFontSz" val="5" fact="NaN" max="NaN"/>
-        </dgm:ruleLst>
-      </dgm:layoutNode>
-    </dgm:forEach>
-    <dgm:forEach name="Name116" axis="ch" ptType="node" st="6" cnt="1">
-      <dgm:layoutNode name="circ6" styleLbl="vennNode1">
-        <dgm:alg type="sp"/>
-        <dgm:shape xmlns:r="http://schemas.openxmlformats.org/officeDocument/2006/relationships" type="ellipse" r:blip="">
-          <dgm:adjLst/>
-        </dgm:shape>
-        <dgm:presOf/>
-        <dgm:constrLst/>
-        <dgm:ruleLst/>
-      </dgm:layoutNode>
-      <dgm:layoutNode name="circ6Tx" styleLbl="revTx">
-        <dgm:varLst>
-          <dgm:chMax val="0"/>
-          <dgm:chPref val="0"/>
-          <dgm:bulletEnabled val="1"/>
-        </dgm:varLst>
-        <dgm:alg type="tx">
-          <dgm:param type="txAnchorHorzCh" val="ctr"/>
-          <dgm:param type="txAnchorVertCh" val="mid"/>
-        </dgm:alg>
-        <dgm:shape xmlns:r="http://schemas.openxmlformats.org/officeDocument/2006/relationships" type="rect" r:blip="" hideGeom="1">
-          <dgm:adjLst/>
-        </dgm:shape>
-        <dgm:choose name="Name117">
-          <dgm:if name="Name118" func="var" arg="dir" op="equ" val="norm">
-            <dgm:presOf axis="desOrSelf" ptType="node"/>
-          </dgm:if>
-          <dgm:else name="Name119">
-            <dgm:choose name="Name120">
-              <dgm:if name="Name121" axis="root ch" ptType="all node" func="cnt" op="equ" val="6">
-                <dgm:presOf axis="root ch desOrSelf" ptType="all node node" st="1 2 1" cnt="1 1 0"/>
-              </dgm:if>
-              <dgm:else name="Name122">
-                <dgm:presOf axis="root ch desOrSelf" ptType="all node node" st="1 3 1" cnt="1 1 0"/>
-              </dgm:else>
-            </dgm:choose>
-          </dgm:else>
-        </dgm:choose>
-        <dgm:constrLst>
-          <dgm:constr type="tMarg"/>
-          <dgm:constr type="bMarg"/>
-          <dgm:constr type="lMarg"/>
-          <dgm:constr type="rMarg"/>
-          <dgm:constr type="primFontSz" val="65"/>
-        </dgm:constrLst>
-        <dgm:ruleLst>
-          <dgm:rule type="primFontSz" val="5" fact="NaN" max="NaN"/>
-        </dgm:ruleLst>
-      </dgm:layoutNode>
-    </dgm:forEach>
-    <dgm:forEach name="Name123" axis="ch" ptType="node" st="7" cnt="1">
-      <dgm:layoutNode name="circ7" styleLbl="vennNode1">
-        <dgm:alg type="sp"/>
-        <dgm:shape xmlns:r="http://schemas.openxmlformats.org/officeDocument/2006/relationships" type="ellipse" r:blip="">
-          <dgm:adjLst/>
-        </dgm:shape>
-        <dgm:presOf/>
-        <dgm:constrLst/>
-        <dgm:ruleLst/>
-      </dgm:layoutNode>
-      <dgm:layoutNode name="circ7Tx" styleLbl="revTx">
-        <dgm:varLst>
-          <dgm:chMax val="0"/>
-          <dgm:chPref val="0"/>
-          <dgm:bulletEnabled val="1"/>
-        </dgm:varLst>
-        <dgm:alg type="tx">
-          <dgm:param type="txAnchorHorzCh" val="ctr"/>
-          <dgm:param type="txAnchorVertCh" val="mid"/>
-        </dgm:alg>
-        <dgm:shape xmlns:r="http://schemas.openxmlformats.org/officeDocument/2006/relationships" type="rect" r:blip="" hideGeom="1">
-          <dgm:adjLst/>
-        </dgm:shape>
-        <dgm:choose name="Name124">
-          <dgm:if name="Name125" func="var" arg="dir" op="equ" val="norm">
-            <dgm:presOf axis="desOrSelf" ptType="node"/>
-          </dgm:if>
-          <dgm:else name="Name126">
-            <dgm:presOf axis="root ch desOrSelf" ptType="all node node" st="1 2 1" cnt="1 1 0"/>
-          </dgm:else>
-        </dgm:choose>
-        <dgm:constrLst>
-          <dgm:constr type="tMarg"/>
-          <dgm:constr type="bMarg"/>
-          <dgm:constr type="lMarg"/>
-          <dgm:constr type="rMarg"/>
-          <dgm:constr type="primFontSz" val="65"/>
-        </dgm:constrLst>
-        <dgm:ruleLst>
-          <dgm:rule type="primFontSz" val="5" fact="NaN" max="NaN"/>
-        </dgm:ruleLst>
-      </dgm:layoutNode>
     </dgm:forEach>
   </dgm:layoutNode>
 </dgm:layoutDef>
@@ -21618,13 +18000,12 @@
 </file>
 
 <file path=ppt/diagrams/layout9.xml><?xml version="1.0" encoding="utf-8"?>
-<dgm:layoutDef xmlns:dgm="http://schemas.openxmlformats.org/drawingml/2006/diagram" xmlns:a="http://schemas.openxmlformats.org/drawingml/2006/main" uniqueId="urn:microsoft.com/office/officeart/2008/layout/AlternatingPictureBlocks">
+<dgm:layoutDef xmlns:dgm="http://schemas.openxmlformats.org/drawingml/2006/diagram" xmlns:a="http://schemas.openxmlformats.org/drawingml/2006/main" uniqueId="urn:microsoft.com/office/officeart/2005/8/layout/venn1">
   <dgm:title val=""/>
   <dgm:desc val=""/>
   <dgm:catLst>
-    <dgm:cat type="picture" pri="15000"/>
-    <dgm:cat type="pictureconvert" pri="15000"/>
-    <dgm:cat type="list" pri="13500"/>
+    <dgm:cat type="relationship" pri="28000"/>
+    <dgm:cat type="convert" pri="19000"/>
   </dgm:catLst>
   <dgm:sampData useDef="1">
     <dgm:dataModel>
@@ -21633,17 +18014,9 @@
       <dgm:whole/>
     </dgm:dataModel>
   </dgm:sampData>
-  <dgm:styleData>
+  <dgm:styleData useDef="1">
     <dgm:dataModel>
-      <dgm:ptLst>
-        <dgm:pt modelId="0" type="doc"/>
-        <dgm:pt modelId="1"/>
-        <dgm:pt modelId="2"/>
-      </dgm:ptLst>
-      <dgm:cxnLst>
-        <dgm:cxn modelId="3" srcId="0" destId="1" srcOrd="0" destOrd="0"/>
-        <dgm:cxn modelId="4" srcId="0" destId="2" srcOrd="1" destOrd="0"/>
-      </dgm:cxnLst>
+      <dgm:ptLst/>
       <dgm:bg/>
       <dgm:whole/>
     </dgm:dataModel>
@@ -21658,140 +18031,844 @@
         <dgm:pt modelId="4"/>
       </dgm:ptLst>
       <dgm:cxnLst>
-        <dgm:cxn modelId="5" srcId="0" destId="1" srcOrd="0" destOrd="0"/>
-        <dgm:cxn modelId="6" srcId="0" destId="2" srcOrd="1" destOrd="0"/>
-        <dgm:cxn modelId="7" srcId="0" destId="3" srcOrd="2" destOrd="0"/>
-        <dgm:cxn modelId="8" srcId="0" destId="4" srcOrd="3" destOrd="0"/>
+        <dgm:cxn modelId="7" srcId="0" destId="1" srcOrd="0" destOrd="0"/>
+        <dgm:cxn modelId="8" srcId="0" destId="2" srcOrd="1" destOrd="0"/>
+        <dgm:cxn modelId="9" srcId="0" destId="3" srcOrd="2" destOrd="0"/>
+        <dgm:cxn modelId="10" srcId="0" destId="4" srcOrd="3" destOrd="0"/>
       </dgm:cxnLst>
       <dgm:bg/>
       <dgm:whole/>
     </dgm:dataModel>
   </dgm:clrData>
-  <dgm:layoutNode name="linearFlow">
+  <dgm:layoutNode name="compositeShape">
     <dgm:varLst>
+      <dgm:chMax val="7"/>
       <dgm:dir/>
       <dgm:resizeHandles val="exact"/>
     </dgm:varLst>
-    <dgm:alg type="lin">
-      <dgm:param type="linDir" val="fromT"/>
-      <dgm:param type="vertAlign" val="mid"/>
-      <dgm:param type="horzAlign" val="ctr"/>
-    </dgm:alg>
+    <dgm:choose name="Name0">
+      <dgm:if name="Name1" axis="ch" ptType="node" func="cnt" op="equ" val="1">
+        <dgm:alg type="composite">
+          <dgm:param type="ar" val="1"/>
+        </dgm:alg>
+      </dgm:if>
+      <dgm:if name="Name2" axis="ch" ptType="node" func="cnt" op="equ" val="2">
+        <dgm:alg type="composite">
+          <dgm:param type="ar" val="1.792"/>
+        </dgm:alg>
+      </dgm:if>
+      <dgm:if name="Name3" axis="ch" ptType="node" func="cnt" op="equ" val="3">
+        <dgm:alg type="composite">
+          <dgm:param type="ar" val="1"/>
+        </dgm:alg>
+      </dgm:if>
+      <dgm:if name="Name4" axis="ch" ptType="node" func="cnt" op="equ" val="4">
+        <dgm:alg type="composite">
+          <dgm:param type="ar" val="1"/>
+        </dgm:alg>
+      </dgm:if>
+      <dgm:if name="Name5" axis="ch" ptType="node" func="cnt" op="equ" val="5">
+        <dgm:alg type="composite">
+          <dgm:param type="ar" val="1.4"/>
+        </dgm:alg>
+      </dgm:if>
+      <dgm:if name="Name6" axis="ch" ptType="node" func="cnt" op="equ" val="6">
+        <dgm:alg type="composite">
+          <dgm:param type="ar" val="1.285"/>
+        </dgm:alg>
+      </dgm:if>
+      <dgm:if name="Name7" axis="ch" ptType="node" func="cnt" op="equ" val="7">
+        <dgm:alg type="composite">
+          <dgm:param type="ar" val="1.359"/>
+        </dgm:alg>
+      </dgm:if>
+      <dgm:else name="Name8">
+        <dgm:alg type="composite">
+          <dgm:param type="ar" val="1.359"/>
+        </dgm:alg>
+      </dgm:else>
+    </dgm:choose>
     <dgm:shape xmlns:r="http://schemas.openxmlformats.org/officeDocument/2006/relationships" r:blip="">
       <dgm:adjLst/>
     </dgm:shape>
     <dgm:presOf/>
-    <dgm:constrLst>
-      <dgm:constr type="primFontSz" for="des" ptType="node" op="equ" val="65"/>
-      <dgm:constr type="w" for="ch" forName="comp" refType="w"/>
-      <dgm:constr type="h" for="ch" forName="comp" refType="h"/>
-      <dgm:constr type="h" for="ch" forName="sibTrans" refType="w" refFor="ch" refForName="comp" op="equ" fact="0.05"/>
-    </dgm:constrLst>
+    <dgm:choose name="Name9">
+      <dgm:if name="Name10" axis="ch" ptType="node" func="cnt" op="equ" val="1">
+        <dgm:constrLst>
+          <dgm:constr type="ctrX" for="ch" forName="circ1TxSh" refType="w" fact="0.5"/>
+          <dgm:constr type="ctrY" for="ch" forName="circ1TxSh" refType="h" fact="0.5"/>
+          <dgm:constr type="w" for="ch" forName="circ1TxSh" refType="w"/>
+          <dgm:constr type="h" for="ch" forName="circ1TxSh" refType="h"/>
+          <dgm:constr type="primFontSz" for="ch" ptType="node" op="equ"/>
+        </dgm:constrLst>
+      </dgm:if>
+      <dgm:if name="Name11" axis="ch" ptType="node" func="cnt" op="equ" val="2">
+        <dgm:constrLst>
+          <dgm:constr type="ctrX" for="ch" forName="circ1" refType="w" fact="0.3"/>
+          <dgm:constr type="ctrY" for="ch" forName="circ1" refType="h" fact="0.5"/>
+          <dgm:constr type="w" for="ch" forName="circ1" refType="w" fact="0.555"/>
+          <dgm:constr type="h" for="ch" forName="circ1" refType="h" fact="0.99456"/>
+          <dgm:constr type="l" for="ch" forName="circ1Tx" refType="w" fact="0.1"/>
+          <dgm:constr type="t" for="ch" forName="circ1Tx" refType="h" fact="0.12"/>
+          <dgm:constr type="w" for="ch" forName="circ1Tx" refType="w" fact="0.32"/>
+          <dgm:constr type="h" for="ch" forName="circ1Tx" refType="h" fact="0.76"/>
+          <dgm:constr type="ctrX" for="ch" forName="circ2" refType="w" fact="0.7"/>
+          <dgm:constr type="ctrY" for="ch" forName="circ2" refType="h" fact="0.5"/>
+          <dgm:constr type="w" for="ch" forName="circ2" refType="w" fact="0.555"/>
+          <dgm:constr type="h" for="ch" forName="circ2" refType="h" fact="0.99456"/>
+          <dgm:constr type="l" for="ch" forName="circ2Tx" refType="w" fact="0.58"/>
+          <dgm:constr type="t" for="ch" forName="circ2Tx" refType="h" fact="0.12"/>
+          <dgm:constr type="w" for="ch" forName="circ2Tx" refType="w" fact="0.32"/>
+          <dgm:constr type="h" for="ch" forName="circ2Tx" refType="h" fact="0.76"/>
+          <dgm:constr type="primFontSz" for="ch" ptType="node" op="equ"/>
+        </dgm:constrLst>
+      </dgm:if>
+      <dgm:if name="Name12" axis="ch" ptType="node" func="cnt" op="equ" val="3">
+        <dgm:constrLst>
+          <dgm:constr type="ctrX" for="ch" forName="circ1" refType="w" fact="0.5"/>
+          <dgm:constr type="ctrY" for="ch" forName="circ1" refType="w" fact="0.25"/>
+          <dgm:constr type="w" for="ch" forName="circ1" refType="w" fact="0.6"/>
+          <dgm:constr type="h" for="ch" forName="circ1" refType="h" fact="0.6"/>
+          <dgm:constr type="l" for="ch" forName="circ1Tx" refType="w" fact="0.28"/>
+          <dgm:constr type="t" for="ch" forName="circ1Tx" refType="h" fact="0.055"/>
+          <dgm:constr type="w" for="ch" forName="circ1Tx" refType="w" fact="0.44"/>
+          <dgm:constr type="h" for="ch" forName="circ1Tx" refType="h" fact="0.27"/>
+          <dgm:constr type="ctrX" for="ch" forName="circ2" refType="w" fact="0.7165"/>
+          <dgm:constr type="ctrY" for="ch" forName="circ2" refType="w" fact="0.625"/>
+          <dgm:constr type="w" for="ch" forName="circ2" refType="w" fact="0.6"/>
+          <dgm:constr type="h" for="ch" forName="circ2" refType="h" fact="0.6"/>
+          <dgm:constr type="l" for="ch" forName="circ2Tx" refType="w" fact="0.6"/>
+          <dgm:constr type="t" for="ch" forName="circ2Tx" refType="h" fact="0.48"/>
+          <dgm:constr type="w" for="ch" forName="circ2Tx" refType="w" fact="0.36"/>
+          <dgm:constr type="h" for="ch" forName="circ2Tx" refType="h" fact="0.33"/>
+          <dgm:constr type="ctrX" for="ch" forName="circ3" refType="w" fact="0.2835"/>
+          <dgm:constr type="ctrY" for="ch" forName="circ3" refType="w" fact="0.625"/>
+          <dgm:constr type="w" for="ch" forName="circ3" refType="w" fact="0.6"/>
+          <dgm:constr type="h" for="ch" forName="circ3" refType="h" fact="0.6"/>
+          <dgm:constr type="l" for="ch" forName="circ3Tx" refType="w" fact="0.04"/>
+          <dgm:constr type="t" for="ch" forName="circ3Tx" refType="h" fact="0.48"/>
+          <dgm:constr type="w" for="ch" forName="circ3Tx" refType="w" fact="0.36"/>
+          <dgm:constr type="h" for="ch" forName="circ3Tx" refType="h" fact="0.33"/>
+          <dgm:constr type="primFontSz" for="ch" ptType="node" op="equ"/>
+        </dgm:constrLst>
+      </dgm:if>
+      <dgm:if name="Name13" axis="ch" ptType="node" func="cnt" op="equ" val="4">
+        <dgm:constrLst>
+          <dgm:constr type="ctrX" for="ch" forName="circ1" refType="w" fact="0.5"/>
+          <dgm:constr type="ctrY" for="ch" forName="circ1" refType="w" fact="0.27"/>
+          <dgm:constr type="w" for="ch" forName="circ1" refType="w" fact="0.52"/>
+          <dgm:constr type="h" for="ch" forName="circ1" refType="h" fact="0.52"/>
+          <dgm:constr type="l" for="ch" forName="circ1Tx" refType="w" fact="0.3"/>
+          <dgm:constr type="t" for="ch" forName="circ1Tx" refType="h" fact="0.08"/>
+          <dgm:constr type="w" for="ch" forName="circ1Tx" refType="w" fact="0.4"/>
+          <dgm:constr type="h" for="ch" forName="circ1Tx" refType="h" fact="0.165"/>
+          <dgm:constr type="ctrX" for="ch" forName="circ2" refType="w" fact="0.73"/>
+          <dgm:constr type="ctrY" for="ch" forName="circ2" refType="w" fact="0.5"/>
+          <dgm:constr type="w" for="ch" forName="circ2" refType="w" fact="0.52"/>
+          <dgm:constr type="h" for="ch" forName="circ2" refType="h" fact="0.52"/>
+          <dgm:constr type="r" for="ch" forName="circ2Tx" refType="w" fact="0.95"/>
+          <dgm:constr type="t" for="ch" forName="circ2Tx" refType="h" fact="0.3"/>
+          <dgm:constr type="w" for="ch" forName="circ2Tx" refType="w" fact="0.2"/>
+          <dgm:constr type="h" for="ch" forName="circ2Tx" refType="h" fact="0.4"/>
+          <dgm:constr type="ctrX" for="ch" forName="circ3" refType="w" fact="0.5"/>
+          <dgm:constr type="ctrY" for="ch" forName="circ3" refType="w" fact="0.73"/>
+          <dgm:constr type="w" for="ch" forName="circ3" refType="w" fact="0.52"/>
+          <dgm:constr type="h" for="ch" forName="circ3" refType="h" fact="0.52"/>
+          <dgm:constr type="l" for="ch" forName="circ3Tx" refType="w" fact="0.3"/>
+          <dgm:constr type="b" for="ch" forName="circ3Tx" refType="h" fact="0.92"/>
+          <dgm:constr type="w" for="ch" forName="circ3Tx" refType="w" fact="0.4"/>
+          <dgm:constr type="h" for="ch" forName="circ3Tx" refType="h" fact="0.165"/>
+          <dgm:constr type="ctrX" for="ch" forName="circ4" refType="w" fact="0.27"/>
+          <dgm:constr type="ctrY" for="ch" forName="circ4" refType="h" fact="0.5"/>
+          <dgm:constr type="w" for="ch" forName="circ4" refType="w" fact="0.52"/>
+          <dgm:constr type="h" for="ch" forName="circ4" refType="h" fact="0.52"/>
+          <dgm:constr type="l" for="ch" forName="circ4Tx" refType="w" fact="0.05"/>
+          <dgm:constr type="t" for="ch" forName="circ4Tx" refType="h" fact="0.3"/>
+          <dgm:constr type="w" for="ch" forName="circ4Tx" refType="w" fact="0.2"/>
+          <dgm:constr type="h" for="ch" forName="circ4Tx" refType="h" fact="0.4"/>
+          <dgm:constr type="primFontSz" for="ch" ptType="node" op="equ"/>
+        </dgm:constrLst>
+      </dgm:if>
+      <dgm:if name="Name14" axis="ch" ptType="node" func="cnt" op="equ" val="5">
+        <dgm:constrLst>
+          <dgm:constr type="ctrX" for="ch" forName="circ1" refType="w" fact="0.5"/>
+          <dgm:constr type="ctrY" for="ch" forName="circ1" refType="h" fact="0.46"/>
+          <dgm:constr type="w" for="ch" forName="circ1" refType="w" fact="0.25"/>
+          <dgm:constr type="h" for="ch" forName="circ1" refType="h" fact="0.35"/>
+          <dgm:constr type="l" for="ch" forName="circ1Tx" refType="w" fact="0.355"/>
+          <dgm:constr type="t" for="ch" forName="circ1Tx"/>
+          <dgm:constr type="w" for="ch" forName="circ1Tx" refType="w" fact="0.29"/>
+          <dgm:constr type="h" for="ch" forName="circ1Tx" refType="h" fact="0.235"/>
+          <dgm:constr type="ctrX" for="ch" forName="circ2" refType="w" fact="0.5951"/>
+          <dgm:constr type="ctrY" for="ch" forName="circ2" refType="h" fact="0.5567"/>
+          <dgm:constr type="w" for="ch" forName="circ2" refType="w" fact="0.25"/>
+          <dgm:constr type="h" for="ch" forName="circ2" refType="h" fact="0.35"/>
+          <dgm:constr type="l" for="ch" forName="circ2Tx" refType="w" fact="0.74"/>
+          <dgm:constr type="t" for="ch" forName="circ2Tx" refType="h" fact="0.31"/>
+          <dgm:constr type="w" for="ch" forName="circ2Tx" refType="w" fact="0.26"/>
+          <dgm:constr type="h" for="ch" forName="circ2Tx" refType="h" fact="0.255"/>
+          <dgm:constr type="ctrX" for="ch" forName="circ3" refType="w" fact="0.5588"/>
+          <dgm:constr type="ctrY" for="ch" forName="circ3" refType="h" fact="0.7133"/>
+          <dgm:constr type="w" for="ch" forName="circ3" refType="w" fact="0.25"/>
+          <dgm:constr type="h" for="ch" forName="circ3" refType="h" fact="0.35"/>
+          <dgm:constr type="l" for="ch" forName="circ3Tx" refType="w" fact="0.7"/>
+          <dgm:constr type="t" for="ch" forName="circ3Tx" refType="h" fact="0.745"/>
+          <dgm:constr type="w" for="ch" forName="circ3Tx" refType="w" fact="0.26"/>
+          <dgm:constr type="h" for="ch" forName="circ3Tx" refType="h" fact="0.255"/>
+          <dgm:constr type="ctrX" for="ch" forName="circ4" refType="w" fact="0.4412"/>
+          <dgm:constr type="ctrY" for="ch" forName="circ4" refType="h" fact="0.7133"/>
+          <dgm:constr type="w" for="ch" forName="circ4" refType="w" fact="0.25"/>
+          <dgm:constr type="h" for="ch" forName="circ4" refType="h" fact="0.35"/>
+          <dgm:constr type="l" for="ch" forName="circ4Tx" refType="w" fact="0.04"/>
+          <dgm:constr type="t" for="ch" forName="circ4Tx" refType="h" fact="0.745"/>
+          <dgm:constr type="w" for="ch" forName="circ4Tx" refType="w" fact="0.26"/>
+          <dgm:constr type="h" for="ch" forName="circ4Tx" refType="h" fact="0.255"/>
+          <dgm:constr type="ctrX" for="ch" forName="circ5" refType="w" fact="0.4049"/>
+          <dgm:constr type="ctrY" for="ch" forName="circ5" refType="h" fact="0.5567"/>
+          <dgm:constr type="w" for="ch" forName="circ5" refType="w" fact="0.25"/>
+          <dgm:constr type="h" for="ch" forName="circ5" refType="h" fact="0.35"/>
+          <dgm:constr type="l" for="ch" forName="circ5Tx"/>
+          <dgm:constr type="t" for="ch" forName="circ5Tx" refType="h" fact="0.31"/>
+          <dgm:constr type="w" for="ch" forName="circ5Tx" refType="w" fact="0.26"/>
+          <dgm:constr type="h" for="ch" forName="circ5Tx" refType="h" fact="0.255"/>
+          <dgm:constr type="primFontSz" for="ch" ptType="node" op="equ"/>
+        </dgm:constrLst>
+      </dgm:if>
+      <dgm:if name="Name15" axis="ch" ptType="node" func="cnt" op="equ" val="6">
+        <dgm:constrLst>
+          <dgm:constr type="ctrX" for="ch" forName="circ1" refType="w" fact="0.5"/>
+          <dgm:constr type="ctrY" for="ch" forName="circ1" refType="h" fact="0.3844"/>
+          <dgm:constr type="w" for="ch" forName="circ1" refType="w" fact="0.24"/>
+          <dgm:constr type="h" for="ch" forName="circ1" refType="h" fact="0.3084"/>
+          <dgm:constr type="l" for="ch" forName="circ1Tx" refType="w" fact="0.35"/>
+          <dgm:constr type="t" for="ch" forName="circ1Tx"/>
+          <dgm:constr type="w" for="ch" forName="circ1Tx" refType="w" fact="0.3"/>
+          <dgm:constr type="h" for="ch" forName="circ1Tx" refType="h" fact="0.21"/>
+          <dgm:constr type="ctrX" for="ch" forName="circ2" refType="w" fact="0.5779"/>
+          <dgm:constr type="ctrY" for="ch" forName="circ2" refType="h" fact="0.4422"/>
+          <dgm:constr type="w" for="ch" forName="circ2" refType="w" fact="0.24"/>
+          <dgm:constr type="h" for="ch" forName="circ2" refType="h" fact="0.3084"/>
+          <dgm:constr type="l" for="ch" forName="circ2Tx" refType="w" fact="0.7157"/>
+          <dgm:constr type="t" for="ch" forName="circ2Tx" refType="h" fact="0.2"/>
+          <dgm:constr type="w" for="ch" forName="circ2Tx" refType="w" fact="0.2843"/>
+          <dgm:constr type="h" for="ch" forName="circ2Tx" refType="h" fact="0.23"/>
+          <dgm:constr type="ctrX" for="ch" forName="circ3" refType="w" fact="0.5779"/>
+          <dgm:constr type="ctrY" for="ch" forName="circ3" refType="h" fact="0.5578"/>
+          <dgm:constr type="w" for="ch" forName="circ3" refType="w" fact="0.24"/>
+          <dgm:constr type="h" for="ch" forName="circ3" refType="h" fact="0.3084"/>
+          <dgm:constr type="l" for="ch" forName="circ3Tx" refType="w" fact="0.7157"/>
+          <dgm:constr type="t" for="ch" forName="circ3Tx" refType="h" fact="0.543"/>
+          <dgm:constr type="w" for="ch" forName="circ3Tx" refType="w" fact="0.2843"/>
+          <dgm:constr type="h" for="ch" forName="circ3Tx" refType="h" fact="0.257"/>
+          <dgm:constr type="ctrX" for="ch" forName="circ4" refType="w" fact="0.5"/>
+          <dgm:constr type="ctrY" for="ch" forName="circ4" refType="h" fact="0.6157"/>
+          <dgm:constr type="w" for="ch" forName="circ4" refType="w" fact="0.24"/>
+          <dgm:constr type="h" for="ch" forName="circ4" refType="h" fact="0.3084"/>
+          <dgm:constr type="l" for="ch" forName="circ4Tx" refType="w" fact="0.35"/>
+          <dgm:constr type="t" for="ch" forName="circ4Tx" refType="h" fact="0.79"/>
+          <dgm:constr type="w" for="ch" forName="circ4Tx" refType="w" fact="0.3"/>
+          <dgm:constr type="h" for="ch" forName="circ4Tx" refType="h" fact="0.21"/>
+          <dgm:constr type="ctrX" for="ch" forName="circ5" refType="w" fact="0.4221"/>
+          <dgm:constr type="ctrY" for="ch" forName="circ5" refType="h" fact="0.5578"/>
+          <dgm:constr type="w" for="ch" forName="circ5" refType="w" fact="0.24"/>
+          <dgm:constr type="h" for="ch" forName="circ5" refType="h" fact="0.3084"/>
+          <dgm:constr type="l" for="ch" forName="circ5Tx" refType="w" fact="0"/>
+          <dgm:constr type="t" for="ch" forName="circ5Tx" refType="h" fact="0.543"/>
+          <dgm:constr type="w" for="ch" forName="circ5Tx" refType="w" fact="0.2843"/>
+          <dgm:constr type="h" for="ch" forName="circ5Tx" refType="h" fact="0.257"/>
+          <dgm:constr type="ctrX" for="ch" forName="circ6" refType="w" fact="0.4221"/>
+          <dgm:constr type="ctrY" for="ch" forName="circ6" refType="h" fact="0.4422"/>
+          <dgm:constr type="w" for="ch" forName="circ6" refType="w" fact="0.24"/>
+          <dgm:constr type="h" for="ch" forName="circ6" refType="h" fact="0.3084"/>
+          <dgm:constr type="l" for="ch" forName="circ6Tx" refType="w" fact="0"/>
+          <dgm:constr type="t" for="ch" forName="circ6Tx" refType="h" fact="0.2"/>
+          <dgm:constr type="w" for="ch" forName="circ6Tx" refType="w" fact="0.2843"/>
+          <dgm:constr type="h" for="ch" forName="circ6Tx" refType="h" fact="0.257"/>
+          <dgm:constr type="primFontSz" for="ch" ptType="node" op="equ"/>
+        </dgm:constrLst>
+      </dgm:if>
+      <dgm:else name="Name16">
+        <dgm:constrLst>
+          <dgm:constr type="ctrX" for="ch" forName="circ1" refType="w" fact="0.5"/>
+          <dgm:constr type="ctrY" for="ch" forName="circ1" refType="h" fact="0.4177"/>
+          <dgm:constr type="w" for="ch" forName="circ1" refType="w" fact="0.24"/>
+          <dgm:constr type="h" for="ch" forName="circ1" refType="h" fact="0.3262"/>
+          <dgm:constr type="l" for="ch" forName="circ1Tx" refType="w" fact="0.3625"/>
+          <dgm:constr type="t" for="ch" forName="circ1Tx"/>
+          <dgm:constr type="w" for="ch" forName="circ1Tx" refType="w" fact="0.275"/>
+          <dgm:constr type="h" for="ch" forName="circ1Tx" refType="h" fact="0.2"/>
+          <dgm:constr type="ctrX" for="ch" forName="circ2" refType="w" fact="0.5704"/>
+          <dgm:constr type="ctrY" for="ch" forName="circ2" refType="h" fact="0.4637"/>
+          <dgm:constr type="w" for="ch" forName="circ2" refType="w" fact="0.24"/>
+          <dgm:constr type="h" for="ch" forName="circ2" refType="h" fact="0.3262"/>
+          <dgm:constr type="l" for="ch" forName="circ2Tx" refType="w" fact="0.72"/>
+          <dgm:constr type="t" for="ch" forName="circ2Tx" refType="h" fact="0.19"/>
+          <dgm:constr type="w" for="ch" forName="circ2Tx" refType="w" fact="0.26"/>
+          <dgm:constr type="h" for="ch" forName="circ2Tx" refType="h" fact="0.22"/>
+          <dgm:constr type="ctrX" for="ch" forName="circ3" refType="w" fact="0.5877"/>
+          <dgm:constr type="ctrY" for="ch" forName="circ3" refType="h" fact="0.5672"/>
+          <dgm:constr type="w" for="ch" forName="circ3" refType="w" fact="0.24"/>
+          <dgm:constr type="h" for="ch" forName="circ3" refType="h" fact="0.3262"/>
+          <dgm:constr type="l" for="ch" forName="circ3Tx" refType="w" fact="0.745"/>
+          <dgm:constr type="t" for="ch" forName="circ3Tx" refType="h" fact="0.47"/>
+          <dgm:constr type="w" for="ch" forName="circ3Tx" refType="w" fact="0.255"/>
+          <dgm:constr type="h" for="ch" forName="circ3Tx" refType="h" fact="0.235"/>
+          <dgm:constr type="ctrX" for="ch" forName="circ4" refType="w" fact="0.539"/>
+          <dgm:constr type="ctrY" for="ch" forName="circ4" refType="h" fact="0.6502"/>
+          <dgm:constr type="w" for="ch" forName="circ4" refType="w" fact="0.24"/>
+          <dgm:constr type="h" for="ch" forName="circ4" refType="h" fact="0.3262"/>
+          <dgm:constr type="l" for="ch" forName="circ4Tx" refType="w" fact="0.635"/>
+          <dgm:constr type="t" for="ch" forName="circ4Tx" refType="h" fact="0.785"/>
+          <dgm:constr type="w" for="ch" forName="circ4Tx" refType="w" fact="0.275"/>
+          <dgm:constr type="h" for="ch" forName="circ4Tx" refType="h" fact="0.215"/>
+          <dgm:constr type="ctrX" for="ch" forName="circ5" refType="w" fact="0.461"/>
+          <dgm:constr type="ctrY" for="ch" forName="circ5" refType="h" fact="0.6502"/>
+          <dgm:constr type="w" for="ch" forName="circ5" refType="w" fact="0.24"/>
+          <dgm:constr type="h" for="ch" forName="circ5" refType="h" fact="0.3262"/>
+          <dgm:constr type="l" for="ch" forName="circ5Tx" refType="w" fact="0.09"/>
+          <dgm:constr type="t" for="ch" forName="circ5Tx" refType="h" fact="0.785"/>
+          <dgm:constr type="w" for="ch" forName="circ5Tx" refType="w" fact="0.275"/>
+          <dgm:constr type="h" for="ch" forName="circ5Tx" refType="h" fact="0.215"/>
+          <dgm:constr type="ctrX" for="ch" forName="circ6" refType="w" fact="0.4123"/>
+          <dgm:constr type="ctrY" for="ch" forName="circ6" refType="h" fact="0.5672"/>
+          <dgm:constr type="w" for="ch" forName="circ6" refType="w" fact="0.24"/>
+          <dgm:constr type="h" for="ch" forName="circ6" refType="h" fact="0.3262"/>
+          <dgm:constr type="l" for="ch" forName="circ6Tx"/>
+          <dgm:constr type="t" for="ch" forName="circ6Tx" refType="h" fact="0.47"/>
+          <dgm:constr type="w" for="ch" forName="circ6Tx" refType="w" fact="0.255"/>
+          <dgm:constr type="h" for="ch" forName="circ6Tx" refType="h" fact="0.235"/>
+          <dgm:constr type="ctrX" for="ch" forName="circ7" refType="w" fact="0.4296"/>
+          <dgm:constr type="ctrY" for="ch" forName="circ7" refType="h" fact="0.4637"/>
+          <dgm:constr type="w" for="ch" forName="circ7" refType="w" fact="0.24"/>
+          <dgm:constr type="h" for="ch" forName="circ7" refType="h" fact="0.3262"/>
+          <dgm:constr type="l" for="ch" forName="circ7Tx" refType="w" fact="0.02"/>
+          <dgm:constr type="t" for="ch" forName="circ7Tx" refType="h" fact="0.19"/>
+          <dgm:constr type="w" for="ch" forName="circ7Tx" refType="w" fact="0.26"/>
+          <dgm:constr type="h" for="ch" forName="circ7Tx" refType="h" fact="0.22"/>
+          <dgm:constr type="primFontSz" for="ch" ptType="node" op="equ"/>
+        </dgm:constrLst>
+      </dgm:else>
+    </dgm:choose>
     <dgm:ruleLst/>
-    <dgm:forEach name="Name0" axis="ch" ptType="node">
-      <dgm:layoutNode name="comp" styleLbl="node1">
-        <dgm:alg type="composite">
-          <dgm:param type="ar" val="3.30"/>
-        </dgm:alg>
-        <dgm:shape xmlns:r="http://schemas.openxmlformats.org/officeDocument/2006/relationships" r:blip="">
+    <dgm:forEach name="Name17" axis="ch" ptType="node" cnt="1">
+      <dgm:choose name="Name18">
+        <dgm:if name="Name19" axis="root ch" ptType="all node" func="cnt" op="equ" val="1">
+          <dgm:layoutNode name="circ1TxSh" styleLbl="vennNode1">
+            <dgm:alg type="tx">
+              <dgm:param type="txAnchorHorzCh" val="ctr"/>
+              <dgm:param type="txAnchorVertCh" val="mid"/>
+            </dgm:alg>
+            <dgm:shape xmlns:r="http://schemas.openxmlformats.org/officeDocument/2006/relationships" type="ellipse" r:blip="">
+              <dgm:adjLst/>
+            </dgm:shape>
+            <dgm:choose name="Name20">
+              <dgm:if name="Name21" func="var" arg="dir" op="equ" val="norm">
+                <dgm:choose name="Name22">
+                  <dgm:if name="Name23" axis="root ch" ptType="all node" func="cnt" op="lte" val="4">
+                    <dgm:presOf axis="desOrSelf" ptType="node"/>
+                  </dgm:if>
+                  <dgm:else name="Name24">
+                    <dgm:presOf/>
+                  </dgm:else>
+                </dgm:choose>
+              </dgm:if>
+              <dgm:else name="Name25">
+                <dgm:choose name="Name26">
+                  <dgm:if name="Name27" axis="root ch" ptType="all node" func="cnt" op="equ" val="2">
+                    <dgm:presOf axis="root ch desOrSelf" ptType="all node node" st="1 2 1" cnt="1 1 0"/>
+                  </dgm:if>
+                  <dgm:else name="Name28">
+                    <dgm:presOf axis="desOrSelf" ptType="node"/>
+                  </dgm:else>
+                </dgm:choose>
+              </dgm:else>
+            </dgm:choose>
+            <dgm:constrLst>
+              <dgm:constr type="tMarg"/>
+              <dgm:constr type="bMarg"/>
+              <dgm:constr type="lMarg"/>
+              <dgm:constr type="rMarg"/>
+              <dgm:constr type="primFontSz" val="65"/>
+            </dgm:constrLst>
+            <dgm:ruleLst>
+              <dgm:rule type="primFontSz" val="5" fact="NaN" max="NaN"/>
+            </dgm:ruleLst>
+          </dgm:layoutNode>
+        </dgm:if>
+        <dgm:else name="Name29">
+          <dgm:layoutNode name="circ1" styleLbl="vennNode1">
+            <dgm:alg type="sp"/>
+            <dgm:shape xmlns:r="http://schemas.openxmlformats.org/officeDocument/2006/relationships" type="ellipse" r:blip="">
+              <dgm:adjLst/>
+            </dgm:shape>
+            <dgm:choose name="Name30">
+              <dgm:if name="Name31" func="var" arg="dir" op="equ" val="norm">
+                <dgm:choose name="Name32">
+                  <dgm:if name="Name33" axis="root ch" ptType="all node" func="cnt" op="lte" val="4">
+                    <dgm:presOf axis="desOrSelf" ptType="node"/>
+                  </dgm:if>
+                  <dgm:else name="Name34">
+                    <dgm:presOf/>
+                  </dgm:else>
+                </dgm:choose>
+              </dgm:if>
+              <dgm:else name="Name35">
+                <dgm:choose name="Name36">
+                  <dgm:if name="Name37" axis="root ch" ptType="all node" func="cnt" op="equ" val="2">
+                    <dgm:presOf axis="root ch desOrSelf" ptType="all node node" st="1 2 1" cnt="1 1 0"/>
+                  </dgm:if>
+                  <dgm:else name="Name38">
+                    <dgm:choose name="Name39">
+                      <dgm:if name="Name40" axis="root ch" ptType="all node" func="cnt" op="lte" val="4">
+                        <dgm:presOf axis="desOrSelf" ptType="node"/>
+                      </dgm:if>
+                      <dgm:else name="Name41">
+                        <dgm:presOf/>
+                      </dgm:else>
+                    </dgm:choose>
+                  </dgm:else>
+                </dgm:choose>
+              </dgm:else>
+            </dgm:choose>
+            <dgm:constrLst/>
+            <dgm:ruleLst/>
+          </dgm:layoutNode>
+          <dgm:layoutNode name="circ1Tx" styleLbl="revTx">
+            <dgm:varLst>
+              <dgm:chMax val="0"/>
+              <dgm:chPref val="0"/>
+              <dgm:bulletEnabled val="1"/>
+            </dgm:varLst>
+            <dgm:alg type="tx">
+              <dgm:param type="txAnchorHorzCh" val="ctr"/>
+              <dgm:param type="txAnchorVertCh" val="mid"/>
+            </dgm:alg>
+            <dgm:shape xmlns:r="http://schemas.openxmlformats.org/officeDocument/2006/relationships" type="rect" r:blip="" hideGeom="1">
+              <dgm:adjLst/>
+            </dgm:shape>
+            <dgm:choose name="Name42">
+              <dgm:if name="Name43" func="var" arg="dir" op="equ" val="norm">
+                <dgm:presOf axis="desOrSelf" ptType="node"/>
+              </dgm:if>
+              <dgm:else name="Name44">
+                <dgm:choose name="Name45">
+                  <dgm:if name="Name46" axis="root ch" ptType="all node" func="cnt" op="equ" val="2">
+                    <dgm:presOf axis="root ch desOrSelf" ptType="all node node" st="1 2 1" cnt="1 1 0"/>
+                  </dgm:if>
+                  <dgm:else name="Name47">
+                    <dgm:presOf axis="desOrSelf" ptType="node"/>
+                  </dgm:else>
+                </dgm:choose>
+              </dgm:else>
+            </dgm:choose>
+            <dgm:constrLst>
+              <dgm:constr type="tMarg"/>
+              <dgm:constr type="bMarg"/>
+              <dgm:constr type="lMarg"/>
+              <dgm:constr type="rMarg"/>
+              <dgm:constr type="primFontSz" val="65"/>
+            </dgm:constrLst>
+            <dgm:ruleLst>
+              <dgm:rule type="primFontSz" val="5" fact="NaN" max="NaN"/>
+            </dgm:ruleLst>
+          </dgm:layoutNode>
+        </dgm:else>
+      </dgm:choose>
+    </dgm:forEach>
+    <dgm:forEach name="Name48" axis="ch" ptType="node" st="2" cnt="1">
+      <dgm:layoutNode name="circ2" styleLbl="vennNode1">
+        <dgm:alg type="sp"/>
+        <dgm:shape xmlns:r="http://schemas.openxmlformats.org/officeDocument/2006/relationships" type="ellipse" r:blip="">
           <dgm:adjLst/>
         </dgm:shape>
-        <dgm:presOf/>
-        <dgm:choose name="Name1">
-          <dgm:if name="Name2" func="var" arg="dir" op="equ" val="norm">
-            <dgm:choose name="Name4">
-              <dgm:if name="Name5" axis="desOrSelf" ptType="node" func="posOdd" op="equ" val="1">
-                <dgm:constrLst>
-                  <dgm:constr type="l" for="ch" forName="rect1" refType="w" fact="0"/>
-                  <dgm:constr type="t" for="ch" forName="rect1" refType="h" fact="0"/>
-                  <dgm:constr type="w" for="ch" forName="rect1" refType="w" fact="0.3"/>
-                  <dgm:constr type="h" for="ch" forName="rect1" refType="h"/>
-                  <dgm:constr type="l" for="ch" forName="rect2" refType="w" fact="0.33"/>
-                  <dgm:constr type="t" for="ch" forName="rect2" refType="h" fact="0"/>
-                  <dgm:constr type="w" for="ch" forName="rect2" refType="w" fact="0.67"/>
-                  <dgm:constr type="h" for="ch" forName="rect2" refType="h"/>
-                </dgm:constrLst>
+        <dgm:choose name="Name49">
+          <dgm:if name="Name50" func="var" arg="dir" op="equ" val="norm">
+            <dgm:choose name="Name51">
+              <dgm:if name="Name52" axis="root ch" ptType="all node" func="cnt" op="lte" val="4">
+                <dgm:presOf axis="desOrSelf" ptType="node"/>
               </dgm:if>
-              <dgm:else name="Name6">
-                <dgm:constrLst>
-                  <dgm:constr type="l" for="ch" forName="rect1" refType="w" fact="0.7"/>
-                  <dgm:constr type="t" for="ch" forName="rect1" refType="h" fact="0"/>
-                  <dgm:constr type="w" for="ch" forName="rect1" refType="w" fact="0.3"/>
-                  <dgm:constr type="h" for="ch" forName="rect1" refType="h"/>
-                  <dgm:constr type="l" for="ch" forName="rect2" refType="w" fact="0"/>
-                  <dgm:constr type="t" for="ch" forName="rect2" refType="h" fact="0"/>
-                  <dgm:constr type="w" for="ch" forName="rect2" refType="w" fact="0.67"/>
-                  <dgm:constr type="h" for="ch" forName="rect2" refType="h"/>
-                </dgm:constrLst>
+              <dgm:else name="Name53">
+                <dgm:presOf/>
               </dgm:else>
             </dgm:choose>
           </dgm:if>
-          <dgm:else name="Name3">
-            <dgm:choose name="Name7">
-              <dgm:if name="Name8" axis="desOrSelf" ptType="node" func="posOdd" op="equ" val="1">
-                <dgm:constrLst>
-                  <dgm:constr type="l" for="ch" forName="rect1" refType="w" fact="0.7"/>
-                  <dgm:constr type="t" for="ch" forName="rect1" refType="h" fact="0"/>
-                  <dgm:constr type="w" for="ch" forName="rect1" refType="w" fact="0.3"/>
-                  <dgm:constr type="h" for="ch" forName="rect1" refType="h"/>
-                  <dgm:constr type="l" for="ch" forName="rect2" refType="w" fact="0"/>
-                  <dgm:constr type="t" for="ch" forName="rect2" refType="h" fact="0"/>
-                  <dgm:constr type="w" for="ch" forName="rect2" refType="w" fact="0.67"/>
-                  <dgm:constr type="h" for="ch" forName="rect2" refType="h"/>
-                </dgm:constrLst>
+          <dgm:else name="Name54">
+            <dgm:choose name="Name55">
+              <dgm:if name="Name56" axis="root ch" ptType="all node" func="cnt" op="equ" val="2">
+                <dgm:presOf axis="root ch desOrSelf" ptType="all node node" st="1 1 1" cnt="1 1 0"/>
               </dgm:if>
-              <dgm:else name="Name9">
-                <dgm:constrLst>
-                  <dgm:constr type="l" for="ch" forName="rect1" refType="w" fact="0"/>
-                  <dgm:constr type="t" for="ch" forName="rect1" refType="h" fact="0"/>
-                  <dgm:constr type="w" for="ch" forName="rect1" refType="w" fact="0.3"/>
-                  <dgm:constr type="h" for="ch" forName="rect1" refType="h"/>
-                  <dgm:constr type="l" for="ch" forName="rect2" refType="w" fact="0.33"/>
-                  <dgm:constr type="t" for="ch" forName="rect2" refType="h" fact="0"/>
-                  <dgm:constr type="w" for="ch" forName="rect2" refType="w" fact="0.67"/>
-                  <dgm:constr type="h" for="ch" forName="rect2" refType="h"/>
-                </dgm:constrLst>
+              <dgm:if name="Name57" axis="root ch" ptType="all node" func="cnt" op="equ" val="3">
+                <dgm:presOf axis="root ch desOrSelf" ptType="all node node" st="1 3 1" cnt="1 1 0"/>
+              </dgm:if>
+              <dgm:if name="Name58" axis="root ch" ptType="all node" func="cnt" op="equ" val="4">
+                <dgm:presOf axis="root ch desOrSelf" ptType="all node node" st="1 4 1" cnt="1 1 0"/>
+              </dgm:if>
+              <dgm:else name="Name59">
+                <dgm:presOf/>
               </dgm:else>
             </dgm:choose>
           </dgm:else>
         </dgm:choose>
+        <dgm:constrLst/>
         <dgm:ruleLst/>
-        <dgm:layoutNode name="rect2" styleLbl="node1">
-          <dgm:varLst>
-            <dgm:bulletEnabled val="1"/>
-          </dgm:varLst>
-          <dgm:alg type="tx"/>
-          <dgm:shape xmlns:r="http://schemas.openxmlformats.org/officeDocument/2006/relationships" type="rect" r:blip="">
-            <dgm:adjLst/>
-          </dgm:shape>
-          <dgm:presOf axis="desOrSelf" ptType="node"/>
-          <dgm:constrLst>
-            <dgm:constr type="primFontSz" val="65"/>
-            <dgm:constr type="lMarg" refType="primFontSz" fact="0.3"/>
-            <dgm:constr type="rMarg" refType="primFontSz" fact="0.3"/>
-            <dgm:constr type="tMarg" refType="primFontSz" fact="0.3"/>
-            <dgm:constr type="bMarg" refType="primFontSz" fact="0.3"/>
-          </dgm:constrLst>
-          <dgm:ruleLst>
-            <dgm:rule type="primFontSz" val="5" fact="NaN" max="NaN"/>
-          </dgm:ruleLst>
-        </dgm:layoutNode>
-        <dgm:layoutNode name="rect1" styleLbl="lnNode1">
-          <dgm:alg type="sp"/>
-          <dgm:shape xmlns:r="http://schemas.openxmlformats.org/officeDocument/2006/relationships" type="rect" r:blip="" blipPhldr="1">
-            <dgm:adjLst/>
-          </dgm:shape>
-          <dgm:presOf/>
-        </dgm:layoutNode>
       </dgm:layoutNode>
-      <dgm:forEach name="sibTransForEach" axis="followSib" ptType="sibTrans" cnt="1">
-        <dgm:layoutNode name="sibTrans">
-          <dgm:alg type="sp"/>
-          <dgm:shape xmlns:r="http://schemas.openxmlformats.org/officeDocument/2006/relationships" r:blip="">
-            <dgm:adjLst/>
-          </dgm:shape>
-        </dgm:layoutNode>
-      </dgm:forEach>
+      <dgm:layoutNode name="circ2Tx" styleLbl="revTx">
+        <dgm:varLst>
+          <dgm:chMax val="0"/>
+          <dgm:chPref val="0"/>
+          <dgm:bulletEnabled val="1"/>
+        </dgm:varLst>
+        <dgm:alg type="tx">
+          <dgm:param type="txAnchorHorzCh" val="ctr"/>
+          <dgm:param type="txAnchorVertCh" val="mid"/>
+        </dgm:alg>
+        <dgm:shape xmlns:r="http://schemas.openxmlformats.org/officeDocument/2006/relationships" type="rect" r:blip="" hideGeom="1">
+          <dgm:adjLst/>
+        </dgm:shape>
+        <dgm:choose name="Name60">
+          <dgm:if name="Name61" func="var" arg="dir" op="equ" val="norm">
+            <dgm:presOf axis="desOrSelf" ptType="node"/>
+          </dgm:if>
+          <dgm:else name="Name62">
+            <dgm:choose name="Name63">
+              <dgm:if name="Name64" axis="root ch" ptType="all node" func="cnt" op="equ" val="2">
+                <dgm:presOf axis="root ch desOrSelf" ptType="all node node" st="1 1 1" cnt="1 1 0"/>
+              </dgm:if>
+              <dgm:if name="Name65" axis="root ch" ptType="all node" func="cnt" op="equ" val="3">
+                <dgm:presOf axis="root ch desOrSelf" ptType="all node node" st="1 3 1" cnt="1 1 0"/>
+              </dgm:if>
+              <dgm:if name="Name66" axis="root ch" ptType="all node" func="cnt" op="equ" val="4">
+                <dgm:presOf axis="root ch desOrSelf" ptType="all node node" st="1 4 1" cnt="1 1 0"/>
+              </dgm:if>
+              <dgm:if name="Name67" axis="root ch" ptType="all node" func="cnt" op="equ" val="5">
+                <dgm:presOf axis="root ch desOrSelf" ptType="all node node" st="1 5 1" cnt="1 1 0"/>
+              </dgm:if>
+              <dgm:if name="Name68" axis="root ch" ptType="all node" func="cnt" op="equ" val="6">
+                <dgm:presOf axis="root ch desOrSelf" ptType="all node node" st="1 6 1" cnt="1 1 0"/>
+              </dgm:if>
+              <dgm:else name="Name69">
+                <dgm:presOf axis="root ch desOrSelf" ptType="all node node" st="1 7 1" cnt="1 1 0"/>
+              </dgm:else>
+            </dgm:choose>
+          </dgm:else>
+        </dgm:choose>
+        <dgm:constrLst>
+          <dgm:constr type="tMarg"/>
+          <dgm:constr type="bMarg"/>
+          <dgm:constr type="lMarg"/>
+          <dgm:constr type="rMarg"/>
+          <dgm:constr type="primFontSz" val="65"/>
+        </dgm:constrLst>
+        <dgm:ruleLst>
+          <dgm:rule type="primFontSz" val="5" fact="NaN" max="NaN"/>
+        </dgm:ruleLst>
+      </dgm:layoutNode>
+    </dgm:forEach>
+    <dgm:forEach name="Name70" axis="ch" ptType="node" st="3" cnt="1">
+      <dgm:layoutNode name="circ3" styleLbl="vennNode1">
+        <dgm:alg type="sp"/>
+        <dgm:shape xmlns:r="http://schemas.openxmlformats.org/officeDocument/2006/relationships" type="ellipse" r:blip="">
+          <dgm:adjLst/>
+        </dgm:shape>
+        <dgm:choose name="Name71">
+          <dgm:if name="Name72" func="var" arg="dir" op="equ" val="norm">
+            <dgm:choose name="Name73">
+              <dgm:if name="Name74" axis="root ch" ptType="all node" func="cnt" op="lte" val="4">
+                <dgm:presOf axis="desOrSelf" ptType="node"/>
+              </dgm:if>
+              <dgm:else name="Name75">
+                <dgm:presOf/>
+              </dgm:else>
+            </dgm:choose>
+          </dgm:if>
+          <dgm:else name="Name76">
+            <dgm:choose name="Name77">
+              <dgm:if name="Name78" axis="root ch" ptType="all node" func="cnt" op="equ" val="3">
+                <dgm:presOf axis="root ch desOrSelf" ptType="all node node" st="1 2 1" cnt="1 1 0"/>
+              </dgm:if>
+              <dgm:if name="Name79" axis="root ch" ptType="all node" func="cnt" op="equ" val="4">
+                <dgm:presOf axis="root ch desOrSelf" ptType="all node node" st="1 3 1" cnt="1 1 0"/>
+              </dgm:if>
+              <dgm:else name="Name80">
+                <dgm:presOf/>
+              </dgm:else>
+            </dgm:choose>
+          </dgm:else>
+        </dgm:choose>
+        <dgm:constrLst/>
+        <dgm:ruleLst/>
+      </dgm:layoutNode>
+      <dgm:layoutNode name="circ3Tx" styleLbl="revTx">
+        <dgm:varLst>
+          <dgm:chMax val="0"/>
+          <dgm:chPref val="0"/>
+          <dgm:bulletEnabled val="1"/>
+        </dgm:varLst>
+        <dgm:alg type="tx">
+          <dgm:param type="txAnchorHorzCh" val="ctr"/>
+          <dgm:param type="txAnchorVertCh" val="mid"/>
+        </dgm:alg>
+        <dgm:shape xmlns:r="http://schemas.openxmlformats.org/officeDocument/2006/relationships" type="rect" r:blip="" hideGeom="1">
+          <dgm:adjLst/>
+        </dgm:shape>
+        <dgm:choose name="Name81">
+          <dgm:if name="Name82" func="var" arg="dir" op="equ" val="norm">
+            <dgm:presOf axis="desOrSelf" ptType="node"/>
+          </dgm:if>
+          <dgm:else name="Name83">
+            <dgm:choose name="Name84">
+              <dgm:if name="Name85" axis="root ch" ptType="all node" func="cnt" op="equ" val="3">
+                <dgm:presOf axis="root ch desOrSelf" ptType="all node node" st="1 2 1" cnt="1 1 0"/>
+              </dgm:if>
+              <dgm:if name="Name86" axis="root ch" ptType="all node" func="cnt" op="equ" val="4">
+                <dgm:presOf axis="root ch desOrSelf" ptType="all node node" st="1 3 1" cnt="1 1 0"/>
+              </dgm:if>
+              <dgm:if name="Name87" axis="root ch" ptType="all node" func="cnt" op="equ" val="5">
+                <dgm:presOf axis="root ch desOrSelf" ptType="all node node" st="1 4 1" cnt="1 1 0"/>
+              </dgm:if>
+              <dgm:if name="Name88" axis="root ch" ptType="all node" func="cnt" op="equ" val="6">
+                <dgm:presOf axis="root ch desOrSelf" ptType="all node node" st="1 5 1" cnt="1 1 0"/>
+              </dgm:if>
+              <dgm:else name="Name89">
+                <dgm:presOf axis="root ch desOrSelf" ptType="all node node" st="1 6 1" cnt="1 1 0"/>
+              </dgm:else>
+            </dgm:choose>
+          </dgm:else>
+        </dgm:choose>
+        <dgm:constrLst>
+          <dgm:constr type="tMarg"/>
+          <dgm:constr type="bMarg"/>
+          <dgm:constr type="lMarg"/>
+          <dgm:constr type="rMarg"/>
+          <dgm:constr type="primFontSz" val="65"/>
+        </dgm:constrLst>
+        <dgm:ruleLst>
+          <dgm:rule type="primFontSz" val="5" fact="NaN" max="NaN"/>
+        </dgm:ruleLst>
+      </dgm:layoutNode>
+    </dgm:forEach>
+    <dgm:forEach name="Name90" axis="ch" ptType="node" st="4" cnt="1">
+      <dgm:layoutNode name="circ4" styleLbl="vennNode1">
+        <dgm:alg type="sp"/>
+        <dgm:shape xmlns:r="http://schemas.openxmlformats.org/officeDocument/2006/relationships" type="ellipse" r:blip="">
+          <dgm:adjLst/>
+        </dgm:shape>
+        <dgm:choose name="Name91">
+          <dgm:if name="Name92" func="var" arg="dir" op="equ" val="norm">
+            <dgm:choose name="Name93">
+              <dgm:if name="Name94" axis="root ch" ptType="all node" func="cnt" op="lte" val="4">
+                <dgm:presOf axis="desOrSelf" ptType="node"/>
+              </dgm:if>
+              <dgm:else name="Name95">
+                <dgm:presOf/>
+              </dgm:else>
+            </dgm:choose>
+          </dgm:if>
+          <dgm:else name="Name96">
+            <dgm:choose name="Name97">
+              <dgm:if name="Name98" axis="root ch" ptType="all node" func="cnt" op="equ" val="4">
+                <dgm:presOf axis="root ch desOrSelf" ptType="all node node" st="1 2 1" cnt="1 1 0"/>
+              </dgm:if>
+              <dgm:else name="Name99">
+                <dgm:presOf/>
+              </dgm:else>
+            </dgm:choose>
+          </dgm:else>
+        </dgm:choose>
+        <dgm:constrLst/>
+        <dgm:ruleLst/>
+      </dgm:layoutNode>
+      <dgm:layoutNode name="circ4Tx" styleLbl="revTx">
+        <dgm:varLst>
+          <dgm:chMax val="0"/>
+          <dgm:chPref val="0"/>
+          <dgm:bulletEnabled val="1"/>
+        </dgm:varLst>
+        <dgm:alg type="tx">
+          <dgm:param type="txAnchorHorzCh" val="ctr"/>
+          <dgm:param type="txAnchorVertCh" val="mid"/>
+        </dgm:alg>
+        <dgm:shape xmlns:r="http://schemas.openxmlformats.org/officeDocument/2006/relationships" type="rect" r:blip="" hideGeom="1">
+          <dgm:adjLst/>
+        </dgm:shape>
+        <dgm:choose name="Name100">
+          <dgm:if name="Name101" func="var" arg="dir" op="equ" val="norm">
+            <dgm:presOf axis="desOrSelf" ptType="node"/>
+          </dgm:if>
+          <dgm:else name="Name102">
+            <dgm:choose name="Name103">
+              <dgm:if name="Name104" axis="root ch" ptType="all node" func="cnt" op="equ" val="4">
+                <dgm:presOf axis="root ch desOrSelf" ptType="all node node" st="1 2 1" cnt="1 1 0"/>
+              </dgm:if>
+              <dgm:if name="Name105" axis="root ch" ptType="all node" func="cnt" op="equ" val="5">
+                <dgm:presOf axis="root ch desOrSelf" ptType="all node node" st="1 3 1" cnt="1 1 0"/>
+              </dgm:if>
+              <dgm:if name="Name106" axis="root ch" ptType="all node" func="cnt" op="equ" val="6">
+                <dgm:presOf axis="root ch desOrSelf" ptType="all node node" st="1 4 1" cnt="1 1 0"/>
+              </dgm:if>
+              <dgm:else name="Name107">
+                <dgm:presOf axis="root ch desOrSelf" ptType="all node node" st="1 5 1" cnt="1 1 0"/>
+              </dgm:else>
+            </dgm:choose>
+          </dgm:else>
+        </dgm:choose>
+        <dgm:constrLst>
+          <dgm:constr type="tMarg"/>
+          <dgm:constr type="bMarg"/>
+          <dgm:constr type="lMarg"/>
+          <dgm:constr type="rMarg"/>
+          <dgm:constr type="primFontSz" val="65"/>
+        </dgm:constrLst>
+        <dgm:ruleLst>
+          <dgm:rule type="primFontSz" val="5" fact="NaN" max="NaN"/>
+        </dgm:ruleLst>
+      </dgm:layoutNode>
+    </dgm:forEach>
+    <dgm:forEach name="Name108" axis="ch" ptType="node" st="5" cnt="1">
+      <dgm:layoutNode name="circ5" styleLbl="vennNode1">
+        <dgm:alg type="sp"/>
+        <dgm:shape xmlns:r="http://schemas.openxmlformats.org/officeDocument/2006/relationships" type="ellipse" r:blip="">
+          <dgm:adjLst/>
+        </dgm:shape>
+        <dgm:presOf/>
+        <dgm:constrLst/>
+        <dgm:ruleLst/>
+      </dgm:layoutNode>
+      <dgm:layoutNode name="circ5Tx" styleLbl="revTx">
+        <dgm:varLst>
+          <dgm:chMax val="0"/>
+          <dgm:chPref val="0"/>
+          <dgm:bulletEnabled val="1"/>
+        </dgm:varLst>
+        <dgm:alg type="tx">
+          <dgm:param type="txAnchorHorzCh" val="ctr"/>
+          <dgm:param type="txAnchorVertCh" val="mid"/>
+        </dgm:alg>
+        <dgm:shape xmlns:r="http://schemas.openxmlformats.org/officeDocument/2006/relationships" type="rect" r:blip="" hideGeom="1">
+          <dgm:adjLst/>
+        </dgm:shape>
+        <dgm:choose name="Name109">
+          <dgm:if name="Name110" func="var" arg="dir" op="equ" val="norm">
+            <dgm:presOf axis="desOrSelf" ptType="node"/>
+          </dgm:if>
+          <dgm:else name="Name111">
+            <dgm:choose name="Name112">
+              <dgm:if name="Name113" axis="root ch" ptType="all node" func="cnt" op="equ" val="5">
+                <dgm:presOf axis="root ch desOrSelf" ptType="all node node" st="1 2 1" cnt="1 1 0"/>
+              </dgm:if>
+              <dgm:if name="Name114" axis="root ch" ptType="all node" func="cnt" op="equ" val="6">
+                <dgm:presOf axis="root ch desOrSelf" ptType="all node node" st="1 3 1" cnt="1 1 0"/>
+              </dgm:if>
+              <dgm:else name="Name115">
+                <dgm:presOf axis="root ch desOrSelf" ptType="all node node" st="1 4 1" cnt="1 1 0"/>
+              </dgm:else>
+            </dgm:choose>
+          </dgm:else>
+        </dgm:choose>
+        <dgm:constrLst>
+          <dgm:constr type="tMarg"/>
+          <dgm:constr type="bMarg"/>
+          <dgm:constr type="lMarg"/>
+          <dgm:constr type="rMarg"/>
+          <dgm:constr type="primFontSz" val="65"/>
+        </dgm:constrLst>
+        <dgm:ruleLst>
+          <dgm:rule type="primFontSz" val="5" fact="NaN" max="NaN"/>
+        </dgm:ruleLst>
+      </dgm:layoutNode>
+    </dgm:forEach>
+    <dgm:forEach name="Name116" axis="ch" ptType="node" st="6" cnt="1">
+      <dgm:layoutNode name="circ6" styleLbl="vennNode1">
+        <dgm:alg type="sp"/>
+        <dgm:shape xmlns:r="http://schemas.openxmlformats.org/officeDocument/2006/relationships" type="ellipse" r:blip="">
+          <dgm:adjLst/>
+        </dgm:shape>
+        <dgm:presOf/>
+        <dgm:constrLst/>
+        <dgm:ruleLst/>
+      </dgm:layoutNode>
+      <dgm:layoutNode name="circ6Tx" styleLbl="revTx">
+        <dgm:varLst>
+          <dgm:chMax val="0"/>
+          <dgm:chPref val="0"/>
+          <dgm:bulletEnabled val="1"/>
+        </dgm:varLst>
+        <dgm:alg type="tx">
+          <dgm:param type="txAnchorHorzCh" val="ctr"/>
+          <dgm:param type="txAnchorVertCh" val="mid"/>
+        </dgm:alg>
+        <dgm:shape xmlns:r="http://schemas.openxmlformats.org/officeDocument/2006/relationships" type="rect" r:blip="" hideGeom="1">
+          <dgm:adjLst/>
+        </dgm:shape>
+        <dgm:choose name="Name117">
+          <dgm:if name="Name118" func="var" arg="dir" op="equ" val="norm">
+            <dgm:presOf axis="desOrSelf" ptType="node"/>
+          </dgm:if>
+          <dgm:else name="Name119">
+            <dgm:choose name="Name120">
+              <dgm:if name="Name121" axis="root ch" ptType="all node" func="cnt" op="equ" val="6">
+                <dgm:presOf axis="root ch desOrSelf" ptType="all node node" st="1 2 1" cnt="1 1 0"/>
+              </dgm:if>
+              <dgm:else name="Name122">
+                <dgm:presOf axis="root ch desOrSelf" ptType="all node node" st="1 3 1" cnt="1 1 0"/>
+              </dgm:else>
+            </dgm:choose>
+          </dgm:else>
+        </dgm:choose>
+        <dgm:constrLst>
+          <dgm:constr type="tMarg"/>
+          <dgm:constr type="bMarg"/>
+          <dgm:constr type="lMarg"/>
+          <dgm:constr type="rMarg"/>
+          <dgm:constr type="primFontSz" val="65"/>
+        </dgm:constrLst>
+        <dgm:ruleLst>
+          <dgm:rule type="primFontSz" val="5" fact="NaN" max="NaN"/>
+        </dgm:ruleLst>
+      </dgm:layoutNode>
+    </dgm:forEach>
+    <dgm:forEach name="Name123" axis="ch" ptType="node" st="7" cnt="1">
+      <dgm:layoutNode name="circ7" styleLbl="vennNode1">
+        <dgm:alg type="sp"/>
+        <dgm:shape xmlns:r="http://schemas.openxmlformats.org/officeDocument/2006/relationships" type="ellipse" r:blip="">
+          <dgm:adjLst/>
+        </dgm:shape>
+        <dgm:presOf/>
+        <dgm:constrLst/>
+        <dgm:ruleLst/>
+      </dgm:layoutNode>
+      <dgm:layoutNode name="circ7Tx" styleLbl="revTx">
+        <dgm:varLst>
+          <dgm:chMax val="0"/>
+          <dgm:chPref val="0"/>
+          <dgm:bulletEnabled val="1"/>
+        </dgm:varLst>
+        <dgm:alg type="tx">
+          <dgm:param type="txAnchorHorzCh" val="ctr"/>
+          <dgm:param type="txAnchorVertCh" val="mid"/>
+        </dgm:alg>
+        <dgm:shape xmlns:r="http://schemas.openxmlformats.org/officeDocument/2006/relationships" type="rect" r:blip="" hideGeom="1">
+          <dgm:adjLst/>
+        </dgm:shape>
+        <dgm:choose name="Name124">
+          <dgm:if name="Name125" func="var" arg="dir" op="equ" val="norm">
+            <dgm:presOf axis="desOrSelf" ptType="node"/>
+          </dgm:if>
+          <dgm:else name="Name126">
+            <dgm:presOf axis="root ch desOrSelf" ptType="all node node" st="1 2 1" cnt="1 1 0"/>
+          </dgm:else>
+        </dgm:choose>
+        <dgm:constrLst>
+          <dgm:constr type="tMarg"/>
+          <dgm:constr type="bMarg"/>
+          <dgm:constr type="lMarg"/>
+          <dgm:constr type="rMarg"/>
+          <dgm:constr type="primFontSz" val="65"/>
+        </dgm:constrLst>
+        <dgm:ruleLst>
+          <dgm:rule type="primFontSz" val="5" fact="NaN" max="NaN"/>
+        </dgm:ruleLst>
+      </dgm:layoutNode>
     </dgm:forEach>
   </dgm:layoutNode>
 </dgm:layoutDef>
@@ -22831,1040 +19908,6 @@
 </dgm:styleDef>
 </file>
 
-<file path=ppt/diagrams/quickStyle10.xml><?xml version="1.0" encoding="utf-8"?>
-<dgm:styleDef xmlns:dgm="http://schemas.openxmlformats.org/drawingml/2006/diagram" xmlns:a="http://schemas.openxmlformats.org/drawingml/2006/main" uniqueId="urn:microsoft.com/office/officeart/2005/8/quickstyle/simple1">
-  <dgm:title val=""/>
-  <dgm:desc val=""/>
-  <dgm:catLst>
-    <dgm:cat type="simple" pri="10100"/>
-  </dgm:catLst>
-  <dgm:scene3d>
-    <a:camera prst="orthographicFront"/>
-    <a:lightRig rig="threePt" dir="t"/>
-  </dgm:scene3d>
-  <dgm:styleLbl name="node0">
-    <dgm:scene3d>
-      <a:camera prst="orthographicFront"/>
-      <a:lightRig rig="threePt" dir="t"/>
-    </dgm:scene3d>
-    <dgm:sp3d/>
-    <dgm:txPr/>
-    <dgm:style>
-      <a:lnRef idx="2">
-        <a:scrgbClr r="0" g="0" b="0"/>
-      </a:lnRef>
-      <a:fillRef idx="1">
-        <a:scrgbClr r="0" g="0" b="0"/>
-      </a:fillRef>
-      <a:effectRef idx="0">
-        <a:scrgbClr r="0" g="0" b="0"/>
-      </a:effectRef>
-      <a:fontRef idx="minor">
-        <a:schemeClr val="lt1"/>
-      </a:fontRef>
-    </dgm:style>
-  </dgm:styleLbl>
-  <dgm:styleLbl name="lnNode1">
-    <dgm:scene3d>
-      <a:camera prst="orthographicFront"/>
-      <a:lightRig rig="threePt" dir="t"/>
-    </dgm:scene3d>
-    <dgm:sp3d/>
-    <dgm:txPr/>
-    <dgm:style>
-      <a:lnRef idx="2">
-        <a:scrgbClr r="0" g="0" b="0"/>
-      </a:lnRef>
-      <a:fillRef idx="1">
-        <a:scrgbClr r="0" g="0" b="0"/>
-      </a:fillRef>
-      <a:effectRef idx="0">
-        <a:scrgbClr r="0" g="0" b="0"/>
-      </a:effectRef>
-      <a:fontRef idx="minor">
-        <a:schemeClr val="lt1"/>
-      </a:fontRef>
-    </dgm:style>
-  </dgm:styleLbl>
-  <dgm:styleLbl name="vennNode1">
-    <dgm:scene3d>
-      <a:camera prst="orthographicFront"/>
-      <a:lightRig rig="threePt" dir="t"/>
-    </dgm:scene3d>
-    <dgm:sp3d/>
-    <dgm:txPr/>
-    <dgm:style>
-      <a:lnRef idx="2">
-        <a:scrgbClr r="0" g="0" b="0"/>
-      </a:lnRef>
-      <a:fillRef idx="1">
-        <a:scrgbClr r="0" g="0" b="0"/>
-      </a:fillRef>
-      <a:effectRef idx="0">
-        <a:scrgbClr r="0" g="0" b="0"/>
-      </a:effectRef>
-      <a:fontRef idx="minor">
-        <a:schemeClr val="tx1"/>
-      </a:fontRef>
-    </dgm:style>
-  </dgm:styleLbl>
-  <dgm:styleLbl name="alignNode1">
-    <dgm:scene3d>
-      <a:camera prst="orthographicFront"/>
-      <a:lightRig rig="threePt" dir="t"/>
-    </dgm:scene3d>
-    <dgm:sp3d/>
-    <dgm:txPr/>
-    <dgm:style>
-      <a:lnRef idx="2">
-        <a:scrgbClr r="0" g="0" b="0"/>
-      </a:lnRef>
-      <a:fillRef idx="1">
-        <a:scrgbClr r="0" g="0" b="0"/>
-      </a:fillRef>
-      <a:effectRef idx="0">
-        <a:scrgbClr r="0" g="0" b="0"/>
-      </a:effectRef>
-      <a:fontRef idx="minor">
-        <a:schemeClr val="lt1"/>
-      </a:fontRef>
-    </dgm:style>
-  </dgm:styleLbl>
-  <dgm:styleLbl name="node1">
-    <dgm:scene3d>
-      <a:camera prst="orthographicFront"/>
-      <a:lightRig rig="threePt" dir="t"/>
-    </dgm:scene3d>
-    <dgm:sp3d/>
-    <dgm:txPr/>
-    <dgm:style>
-      <a:lnRef idx="2">
-        <a:scrgbClr r="0" g="0" b="0"/>
-      </a:lnRef>
-      <a:fillRef idx="1">
-        <a:scrgbClr r="0" g="0" b="0"/>
-      </a:fillRef>
-      <a:effectRef idx="0">
-        <a:scrgbClr r="0" g="0" b="0"/>
-      </a:effectRef>
-      <a:fontRef idx="minor">
-        <a:schemeClr val="lt1"/>
-      </a:fontRef>
-    </dgm:style>
-  </dgm:styleLbl>
-  <dgm:styleLbl name="node2">
-    <dgm:scene3d>
-      <a:camera prst="orthographicFront"/>
-      <a:lightRig rig="threePt" dir="t"/>
-    </dgm:scene3d>
-    <dgm:sp3d/>
-    <dgm:txPr/>
-    <dgm:style>
-      <a:lnRef idx="2">
-        <a:scrgbClr r="0" g="0" b="0"/>
-      </a:lnRef>
-      <a:fillRef idx="1">
-        <a:scrgbClr r="0" g="0" b="0"/>
-      </a:fillRef>
-      <a:effectRef idx="0">
-        <a:scrgbClr r="0" g="0" b="0"/>
-      </a:effectRef>
-      <a:fontRef idx="minor">
-        <a:schemeClr val="lt1"/>
-      </a:fontRef>
-    </dgm:style>
-  </dgm:styleLbl>
-  <dgm:styleLbl name="node3">
-    <dgm:scene3d>
-      <a:camera prst="orthographicFront"/>
-      <a:lightRig rig="threePt" dir="t"/>
-    </dgm:scene3d>
-    <dgm:sp3d/>
-    <dgm:txPr/>
-    <dgm:style>
-      <a:lnRef idx="2">
-        <a:scrgbClr r="0" g="0" b="0"/>
-      </a:lnRef>
-      <a:fillRef idx="1">
-        <a:scrgbClr r="0" g="0" b="0"/>
-      </a:fillRef>
-      <a:effectRef idx="0">
-        <a:scrgbClr r="0" g="0" b="0"/>
-      </a:effectRef>
-      <a:fontRef idx="minor">
-        <a:schemeClr val="lt1"/>
-      </a:fontRef>
-    </dgm:style>
-  </dgm:styleLbl>
-  <dgm:styleLbl name="node4">
-    <dgm:scene3d>
-      <a:camera prst="orthographicFront"/>
-      <a:lightRig rig="threePt" dir="t"/>
-    </dgm:scene3d>
-    <dgm:sp3d/>
-    <dgm:txPr/>
-    <dgm:style>
-      <a:lnRef idx="2">
-        <a:scrgbClr r="0" g="0" b="0"/>
-      </a:lnRef>
-      <a:fillRef idx="1">
-        <a:scrgbClr r="0" g="0" b="0"/>
-      </a:fillRef>
-      <a:effectRef idx="0">
-        <a:scrgbClr r="0" g="0" b="0"/>
-      </a:effectRef>
-      <a:fontRef idx="minor">
-        <a:schemeClr val="lt1"/>
-      </a:fontRef>
-    </dgm:style>
-  </dgm:styleLbl>
-  <dgm:styleLbl name="fgImgPlace1">
-    <dgm:scene3d>
-      <a:camera prst="orthographicFront"/>
-      <a:lightRig rig="threePt" dir="t"/>
-    </dgm:scene3d>
-    <dgm:sp3d/>
-    <dgm:txPr/>
-    <dgm:style>
-      <a:lnRef idx="2">
-        <a:scrgbClr r="0" g="0" b="0"/>
-      </a:lnRef>
-      <a:fillRef idx="1">
-        <a:scrgbClr r="0" g="0" b="0"/>
-      </a:fillRef>
-      <a:effectRef idx="0">
-        <a:scrgbClr r="0" g="0" b="0"/>
-      </a:effectRef>
-      <a:fontRef idx="minor"/>
-    </dgm:style>
-  </dgm:styleLbl>
-  <dgm:styleLbl name="alignImgPlace1">
-    <dgm:scene3d>
-      <a:camera prst="orthographicFront"/>
-      <a:lightRig rig="threePt" dir="t"/>
-    </dgm:scene3d>
-    <dgm:sp3d/>
-    <dgm:txPr/>
-    <dgm:style>
-      <a:lnRef idx="2">
-        <a:scrgbClr r="0" g="0" b="0"/>
-      </a:lnRef>
-      <a:fillRef idx="1">
-        <a:scrgbClr r="0" g="0" b="0"/>
-      </a:fillRef>
-      <a:effectRef idx="0">
-        <a:scrgbClr r="0" g="0" b="0"/>
-      </a:effectRef>
-      <a:fontRef idx="minor"/>
-    </dgm:style>
-  </dgm:styleLbl>
-  <dgm:styleLbl name="bgImgPlace1">
-    <dgm:scene3d>
-      <a:camera prst="orthographicFront"/>
-      <a:lightRig rig="threePt" dir="t"/>
-    </dgm:scene3d>
-    <dgm:sp3d/>
-    <dgm:txPr/>
-    <dgm:style>
-      <a:lnRef idx="2">
-        <a:scrgbClr r="0" g="0" b="0"/>
-      </a:lnRef>
-      <a:fillRef idx="1">
-        <a:scrgbClr r="0" g="0" b="0"/>
-      </a:fillRef>
-      <a:effectRef idx="0">
-        <a:scrgbClr r="0" g="0" b="0"/>
-      </a:effectRef>
-      <a:fontRef idx="minor"/>
-    </dgm:style>
-  </dgm:styleLbl>
-  <dgm:styleLbl name="sibTrans2D1">
-    <dgm:scene3d>
-      <a:camera prst="orthographicFront"/>
-      <a:lightRig rig="threePt" dir="t"/>
-    </dgm:scene3d>
-    <dgm:sp3d/>
-    <dgm:txPr/>
-    <dgm:style>
-      <a:lnRef idx="0">
-        <a:scrgbClr r="0" g="0" b="0"/>
-      </a:lnRef>
-      <a:fillRef idx="1">
-        <a:scrgbClr r="0" g="0" b="0"/>
-      </a:fillRef>
-      <a:effectRef idx="0">
-        <a:scrgbClr r="0" g="0" b="0"/>
-      </a:effectRef>
-      <a:fontRef idx="minor">
-        <a:schemeClr val="lt1"/>
-      </a:fontRef>
-    </dgm:style>
-  </dgm:styleLbl>
-  <dgm:styleLbl name="fgSibTrans2D1">
-    <dgm:scene3d>
-      <a:camera prst="orthographicFront"/>
-      <a:lightRig rig="threePt" dir="t"/>
-    </dgm:scene3d>
-    <dgm:sp3d/>
-    <dgm:txPr/>
-    <dgm:style>
-      <a:lnRef idx="0">
-        <a:scrgbClr r="0" g="0" b="0"/>
-      </a:lnRef>
-      <a:fillRef idx="1">
-        <a:scrgbClr r="0" g="0" b="0"/>
-      </a:fillRef>
-      <a:effectRef idx="0">
-        <a:scrgbClr r="0" g="0" b="0"/>
-      </a:effectRef>
-      <a:fontRef idx="minor">
-        <a:schemeClr val="lt1"/>
-      </a:fontRef>
-    </dgm:style>
-  </dgm:styleLbl>
-  <dgm:styleLbl name="bgSibTrans2D1">
-    <dgm:scene3d>
-      <a:camera prst="orthographicFront"/>
-      <a:lightRig rig="threePt" dir="t"/>
-    </dgm:scene3d>
-    <dgm:sp3d/>
-    <dgm:txPr/>
-    <dgm:style>
-      <a:lnRef idx="0">
-        <a:scrgbClr r="0" g="0" b="0"/>
-      </a:lnRef>
-      <a:fillRef idx="1">
-        <a:scrgbClr r="0" g="0" b="0"/>
-      </a:fillRef>
-      <a:effectRef idx="0">
-        <a:scrgbClr r="0" g="0" b="0"/>
-      </a:effectRef>
-      <a:fontRef idx="minor">
-        <a:schemeClr val="lt1"/>
-      </a:fontRef>
-    </dgm:style>
-  </dgm:styleLbl>
-  <dgm:styleLbl name="sibTrans1D1">
-    <dgm:scene3d>
-      <a:camera prst="orthographicFront"/>
-      <a:lightRig rig="threePt" dir="t"/>
-    </dgm:scene3d>
-    <dgm:sp3d/>
-    <dgm:txPr/>
-    <dgm:style>
-      <a:lnRef idx="1">
-        <a:scrgbClr r="0" g="0" b="0"/>
-      </a:lnRef>
-      <a:fillRef idx="0">
-        <a:scrgbClr r="0" g="0" b="0"/>
-      </a:fillRef>
-      <a:effectRef idx="0">
-        <a:scrgbClr r="0" g="0" b="0"/>
-      </a:effectRef>
-      <a:fontRef idx="minor"/>
-    </dgm:style>
-  </dgm:styleLbl>
-  <dgm:styleLbl name="callout">
-    <dgm:scene3d>
-      <a:camera prst="orthographicFront"/>
-      <a:lightRig rig="threePt" dir="t"/>
-    </dgm:scene3d>
-    <dgm:sp3d/>
-    <dgm:txPr/>
-    <dgm:style>
-      <a:lnRef idx="2">
-        <a:scrgbClr r="0" g="0" b="0"/>
-      </a:lnRef>
-      <a:fillRef idx="1">
-        <a:scrgbClr r="0" g="0" b="0"/>
-      </a:fillRef>
-      <a:effectRef idx="0">
-        <a:scrgbClr r="0" g="0" b="0"/>
-      </a:effectRef>
-      <a:fontRef idx="minor"/>
-    </dgm:style>
-  </dgm:styleLbl>
-  <dgm:styleLbl name="asst0">
-    <dgm:scene3d>
-      <a:camera prst="orthographicFront"/>
-      <a:lightRig rig="threePt" dir="t"/>
-    </dgm:scene3d>
-    <dgm:sp3d/>
-    <dgm:txPr/>
-    <dgm:style>
-      <a:lnRef idx="2">
-        <a:scrgbClr r="0" g="0" b="0"/>
-      </a:lnRef>
-      <a:fillRef idx="1">
-        <a:scrgbClr r="0" g="0" b="0"/>
-      </a:fillRef>
-      <a:effectRef idx="0">
-        <a:scrgbClr r="0" g="0" b="0"/>
-      </a:effectRef>
-      <a:fontRef idx="minor">
-        <a:schemeClr val="lt1"/>
-      </a:fontRef>
-    </dgm:style>
-  </dgm:styleLbl>
-  <dgm:styleLbl name="asst1">
-    <dgm:scene3d>
-      <a:camera prst="orthographicFront"/>
-      <a:lightRig rig="threePt" dir="t"/>
-    </dgm:scene3d>
-    <dgm:sp3d/>
-    <dgm:txPr/>
-    <dgm:style>
-      <a:lnRef idx="2">
-        <a:scrgbClr r="0" g="0" b="0"/>
-      </a:lnRef>
-      <a:fillRef idx="1">
-        <a:scrgbClr r="0" g="0" b="0"/>
-      </a:fillRef>
-      <a:effectRef idx="0">
-        <a:scrgbClr r="0" g="0" b="0"/>
-      </a:effectRef>
-      <a:fontRef idx="minor">
-        <a:schemeClr val="lt1"/>
-      </a:fontRef>
-    </dgm:style>
-  </dgm:styleLbl>
-  <dgm:styleLbl name="asst2">
-    <dgm:scene3d>
-      <a:camera prst="orthographicFront"/>
-      <a:lightRig rig="threePt" dir="t"/>
-    </dgm:scene3d>
-    <dgm:sp3d/>
-    <dgm:txPr/>
-    <dgm:style>
-      <a:lnRef idx="2">
-        <a:scrgbClr r="0" g="0" b="0"/>
-      </a:lnRef>
-      <a:fillRef idx="1">
-        <a:scrgbClr r="0" g="0" b="0"/>
-      </a:fillRef>
-      <a:effectRef idx="0">
-        <a:scrgbClr r="0" g="0" b="0"/>
-      </a:effectRef>
-      <a:fontRef idx="minor">
-        <a:schemeClr val="lt1"/>
-      </a:fontRef>
-    </dgm:style>
-  </dgm:styleLbl>
-  <dgm:styleLbl name="asst3">
-    <dgm:scene3d>
-      <a:camera prst="orthographicFront"/>
-      <a:lightRig rig="threePt" dir="t"/>
-    </dgm:scene3d>
-    <dgm:sp3d/>
-    <dgm:txPr/>
-    <dgm:style>
-      <a:lnRef idx="2">
-        <a:scrgbClr r="0" g="0" b="0"/>
-      </a:lnRef>
-      <a:fillRef idx="1">
-        <a:scrgbClr r="0" g="0" b="0"/>
-      </a:fillRef>
-      <a:effectRef idx="0">
-        <a:scrgbClr r="0" g="0" b="0"/>
-      </a:effectRef>
-      <a:fontRef idx="minor">
-        <a:schemeClr val="lt1"/>
-      </a:fontRef>
-    </dgm:style>
-  </dgm:styleLbl>
-  <dgm:styleLbl name="asst4">
-    <dgm:scene3d>
-      <a:camera prst="orthographicFront"/>
-      <a:lightRig rig="threePt" dir="t"/>
-    </dgm:scene3d>
-    <dgm:sp3d/>
-    <dgm:txPr/>
-    <dgm:style>
-      <a:lnRef idx="2">
-        <a:scrgbClr r="0" g="0" b="0"/>
-      </a:lnRef>
-      <a:fillRef idx="1">
-        <a:scrgbClr r="0" g="0" b="0"/>
-      </a:fillRef>
-      <a:effectRef idx="0">
-        <a:scrgbClr r="0" g="0" b="0"/>
-      </a:effectRef>
-      <a:fontRef idx="minor">
-        <a:schemeClr val="lt1"/>
-      </a:fontRef>
-    </dgm:style>
-  </dgm:styleLbl>
-  <dgm:styleLbl name="parChTrans2D1">
-    <dgm:scene3d>
-      <a:camera prst="orthographicFront"/>
-      <a:lightRig rig="threePt" dir="t"/>
-    </dgm:scene3d>
-    <dgm:sp3d/>
-    <dgm:txPr/>
-    <dgm:style>
-      <a:lnRef idx="2">
-        <a:scrgbClr r="0" g="0" b="0"/>
-      </a:lnRef>
-      <a:fillRef idx="1">
-        <a:scrgbClr r="0" g="0" b="0"/>
-      </a:fillRef>
-      <a:effectRef idx="0">
-        <a:scrgbClr r="0" g="0" b="0"/>
-      </a:effectRef>
-      <a:fontRef idx="minor">
-        <a:schemeClr val="lt1"/>
-      </a:fontRef>
-    </dgm:style>
-  </dgm:styleLbl>
-  <dgm:styleLbl name="parChTrans2D2">
-    <dgm:scene3d>
-      <a:camera prst="orthographicFront"/>
-      <a:lightRig rig="threePt" dir="t"/>
-    </dgm:scene3d>
-    <dgm:sp3d/>
-    <dgm:txPr/>
-    <dgm:style>
-      <a:lnRef idx="2">
-        <a:scrgbClr r="0" g="0" b="0"/>
-      </a:lnRef>
-      <a:fillRef idx="1">
-        <a:scrgbClr r="0" g="0" b="0"/>
-      </a:fillRef>
-      <a:effectRef idx="0">
-        <a:scrgbClr r="0" g="0" b="0"/>
-      </a:effectRef>
-      <a:fontRef idx="minor">
-        <a:schemeClr val="lt1"/>
-      </a:fontRef>
-    </dgm:style>
-  </dgm:styleLbl>
-  <dgm:styleLbl name="parChTrans2D3">
-    <dgm:scene3d>
-      <a:camera prst="orthographicFront"/>
-      <a:lightRig rig="threePt" dir="t"/>
-    </dgm:scene3d>
-    <dgm:sp3d/>
-    <dgm:txPr/>
-    <dgm:style>
-      <a:lnRef idx="2">
-        <a:scrgbClr r="0" g="0" b="0"/>
-      </a:lnRef>
-      <a:fillRef idx="1">
-        <a:scrgbClr r="0" g="0" b="0"/>
-      </a:fillRef>
-      <a:effectRef idx="0">
-        <a:scrgbClr r="0" g="0" b="0"/>
-      </a:effectRef>
-      <a:fontRef idx="minor">
-        <a:schemeClr val="lt1"/>
-      </a:fontRef>
-    </dgm:style>
-  </dgm:styleLbl>
-  <dgm:styleLbl name="parChTrans2D4">
-    <dgm:scene3d>
-      <a:camera prst="orthographicFront"/>
-      <a:lightRig rig="threePt" dir="t"/>
-    </dgm:scene3d>
-    <dgm:sp3d/>
-    <dgm:txPr/>
-    <dgm:style>
-      <a:lnRef idx="2">
-        <a:scrgbClr r="0" g="0" b="0"/>
-      </a:lnRef>
-      <a:fillRef idx="1">
-        <a:scrgbClr r="0" g="0" b="0"/>
-      </a:fillRef>
-      <a:effectRef idx="0">
-        <a:scrgbClr r="0" g="0" b="0"/>
-      </a:effectRef>
-      <a:fontRef idx="minor">
-        <a:schemeClr val="lt1"/>
-      </a:fontRef>
-    </dgm:style>
-  </dgm:styleLbl>
-  <dgm:styleLbl name="parChTrans1D1">
-    <dgm:scene3d>
-      <a:camera prst="orthographicFront"/>
-      <a:lightRig rig="threePt" dir="t"/>
-    </dgm:scene3d>
-    <dgm:sp3d/>
-    <dgm:txPr/>
-    <dgm:style>
-      <a:lnRef idx="2">
-        <a:scrgbClr r="0" g="0" b="0"/>
-      </a:lnRef>
-      <a:fillRef idx="0">
-        <a:scrgbClr r="0" g="0" b="0"/>
-      </a:fillRef>
-      <a:effectRef idx="0">
-        <a:scrgbClr r="0" g="0" b="0"/>
-      </a:effectRef>
-      <a:fontRef idx="minor"/>
-    </dgm:style>
-  </dgm:styleLbl>
-  <dgm:styleLbl name="parChTrans1D2">
-    <dgm:scene3d>
-      <a:camera prst="orthographicFront"/>
-      <a:lightRig rig="threePt" dir="t"/>
-    </dgm:scene3d>
-    <dgm:sp3d/>
-    <dgm:txPr/>
-    <dgm:style>
-      <a:lnRef idx="2">
-        <a:scrgbClr r="0" g="0" b="0"/>
-      </a:lnRef>
-      <a:fillRef idx="0">
-        <a:scrgbClr r="0" g="0" b="0"/>
-      </a:fillRef>
-      <a:effectRef idx="0">
-        <a:scrgbClr r="0" g="0" b="0"/>
-      </a:effectRef>
-      <a:fontRef idx="minor"/>
-    </dgm:style>
-  </dgm:styleLbl>
-  <dgm:styleLbl name="parChTrans1D3">
-    <dgm:scene3d>
-      <a:camera prst="orthographicFront"/>
-      <a:lightRig rig="threePt" dir="t"/>
-    </dgm:scene3d>
-    <dgm:sp3d/>
-    <dgm:txPr/>
-    <dgm:style>
-      <a:lnRef idx="2">
-        <a:scrgbClr r="0" g="0" b="0"/>
-      </a:lnRef>
-      <a:fillRef idx="0">
-        <a:scrgbClr r="0" g="0" b="0"/>
-      </a:fillRef>
-      <a:effectRef idx="0">
-        <a:scrgbClr r="0" g="0" b="0"/>
-      </a:effectRef>
-      <a:fontRef idx="minor"/>
-    </dgm:style>
-  </dgm:styleLbl>
-  <dgm:styleLbl name="parChTrans1D4">
-    <dgm:scene3d>
-      <a:camera prst="orthographicFront"/>
-      <a:lightRig rig="threePt" dir="t"/>
-    </dgm:scene3d>
-    <dgm:sp3d/>
-    <dgm:txPr/>
-    <dgm:style>
-      <a:lnRef idx="2">
-        <a:scrgbClr r="0" g="0" b="0"/>
-      </a:lnRef>
-      <a:fillRef idx="0">
-        <a:scrgbClr r="0" g="0" b="0"/>
-      </a:fillRef>
-      <a:effectRef idx="0">
-        <a:scrgbClr r="0" g="0" b="0"/>
-      </a:effectRef>
-      <a:fontRef idx="minor"/>
-    </dgm:style>
-  </dgm:styleLbl>
-  <dgm:styleLbl name="fgAcc1">
-    <dgm:scene3d>
-      <a:camera prst="orthographicFront"/>
-      <a:lightRig rig="threePt" dir="t"/>
-    </dgm:scene3d>
-    <dgm:sp3d/>
-    <dgm:txPr/>
-    <dgm:style>
-      <a:lnRef idx="2">
-        <a:scrgbClr r="0" g="0" b="0"/>
-      </a:lnRef>
-      <a:fillRef idx="1">
-        <a:scrgbClr r="0" g="0" b="0"/>
-      </a:fillRef>
-      <a:effectRef idx="0">
-        <a:scrgbClr r="0" g="0" b="0"/>
-      </a:effectRef>
-      <a:fontRef idx="minor"/>
-    </dgm:style>
-  </dgm:styleLbl>
-  <dgm:styleLbl name="conFgAcc1">
-    <dgm:scene3d>
-      <a:camera prst="orthographicFront"/>
-      <a:lightRig rig="threePt" dir="t"/>
-    </dgm:scene3d>
-    <dgm:sp3d/>
-    <dgm:txPr/>
-    <dgm:style>
-      <a:lnRef idx="2">
-        <a:scrgbClr r="0" g="0" b="0"/>
-      </a:lnRef>
-      <a:fillRef idx="1">
-        <a:scrgbClr r="0" g="0" b="0"/>
-      </a:fillRef>
-      <a:effectRef idx="0">
-        <a:scrgbClr r="0" g="0" b="0"/>
-      </a:effectRef>
-      <a:fontRef idx="minor"/>
-    </dgm:style>
-  </dgm:styleLbl>
-  <dgm:styleLbl name="alignAcc1">
-    <dgm:scene3d>
-      <a:camera prst="orthographicFront"/>
-      <a:lightRig rig="threePt" dir="t"/>
-    </dgm:scene3d>
-    <dgm:sp3d/>
-    <dgm:txPr/>
-    <dgm:style>
-      <a:lnRef idx="2">
-        <a:scrgbClr r="0" g="0" b="0"/>
-      </a:lnRef>
-      <a:fillRef idx="1">
-        <a:scrgbClr r="0" g="0" b="0"/>
-      </a:fillRef>
-      <a:effectRef idx="0">
-        <a:scrgbClr r="0" g="0" b="0"/>
-      </a:effectRef>
-      <a:fontRef idx="minor"/>
-    </dgm:style>
-  </dgm:styleLbl>
-  <dgm:styleLbl name="trAlignAcc1">
-    <dgm:scene3d>
-      <a:camera prst="orthographicFront"/>
-      <a:lightRig rig="threePt" dir="t"/>
-    </dgm:scene3d>
-    <dgm:sp3d/>
-    <dgm:txPr/>
-    <dgm:style>
-      <a:lnRef idx="1">
-        <a:scrgbClr r="0" g="0" b="0"/>
-      </a:lnRef>
-      <a:fillRef idx="1">
-        <a:scrgbClr r="0" g="0" b="0"/>
-      </a:fillRef>
-      <a:effectRef idx="0">
-        <a:scrgbClr r="0" g="0" b="0"/>
-      </a:effectRef>
-      <a:fontRef idx="minor"/>
-    </dgm:style>
-  </dgm:styleLbl>
-  <dgm:styleLbl name="bgAcc1">
-    <dgm:scene3d>
-      <a:camera prst="orthographicFront"/>
-      <a:lightRig rig="threePt" dir="t"/>
-    </dgm:scene3d>
-    <dgm:sp3d/>
-    <dgm:txPr/>
-    <dgm:style>
-      <a:lnRef idx="2">
-        <a:scrgbClr r="0" g="0" b="0"/>
-      </a:lnRef>
-      <a:fillRef idx="1">
-        <a:scrgbClr r="0" g="0" b="0"/>
-      </a:fillRef>
-      <a:effectRef idx="0">
-        <a:scrgbClr r="0" g="0" b="0"/>
-      </a:effectRef>
-      <a:fontRef idx="minor"/>
-    </dgm:style>
-  </dgm:styleLbl>
-  <dgm:styleLbl name="solidFgAcc1">
-    <dgm:scene3d>
-      <a:camera prst="orthographicFront"/>
-      <a:lightRig rig="threePt" dir="t"/>
-    </dgm:scene3d>
-    <dgm:sp3d/>
-    <dgm:txPr/>
-    <dgm:style>
-      <a:lnRef idx="2">
-        <a:scrgbClr r="0" g="0" b="0"/>
-      </a:lnRef>
-      <a:fillRef idx="1">
-        <a:scrgbClr r="0" g="0" b="0"/>
-      </a:fillRef>
-      <a:effectRef idx="0">
-        <a:scrgbClr r="0" g="0" b="0"/>
-      </a:effectRef>
-      <a:fontRef idx="minor"/>
-    </dgm:style>
-  </dgm:styleLbl>
-  <dgm:styleLbl name="solidAlignAcc1">
-    <dgm:scene3d>
-      <a:camera prst="orthographicFront"/>
-      <a:lightRig rig="threePt" dir="t"/>
-    </dgm:scene3d>
-    <dgm:sp3d/>
-    <dgm:txPr/>
-    <dgm:style>
-      <a:lnRef idx="2">
-        <a:scrgbClr r="0" g="0" b="0"/>
-      </a:lnRef>
-      <a:fillRef idx="1">
-        <a:scrgbClr r="0" g="0" b="0"/>
-      </a:fillRef>
-      <a:effectRef idx="0">
-        <a:scrgbClr r="0" g="0" b="0"/>
-      </a:effectRef>
-      <a:fontRef idx="minor"/>
-    </dgm:style>
-  </dgm:styleLbl>
-  <dgm:styleLbl name="solidBgAcc1">
-    <dgm:scene3d>
-      <a:camera prst="orthographicFront"/>
-      <a:lightRig rig="threePt" dir="t"/>
-    </dgm:scene3d>
-    <dgm:sp3d/>
-    <dgm:txPr/>
-    <dgm:style>
-      <a:lnRef idx="2">
-        <a:scrgbClr r="0" g="0" b="0"/>
-      </a:lnRef>
-      <a:fillRef idx="1">
-        <a:scrgbClr r="0" g="0" b="0"/>
-      </a:fillRef>
-      <a:effectRef idx="0">
-        <a:scrgbClr r="0" g="0" b="0"/>
-      </a:effectRef>
-      <a:fontRef idx="minor"/>
-    </dgm:style>
-  </dgm:styleLbl>
-  <dgm:styleLbl name="fgAccFollowNode1">
-    <dgm:scene3d>
-      <a:camera prst="orthographicFront"/>
-      <a:lightRig rig="threePt" dir="t"/>
-    </dgm:scene3d>
-    <dgm:sp3d/>
-    <dgm:txPr/>
-    <dgm:style>
-      <a:lnRef idx="2">
-        <a:scrgbClr r="0" g="0" b="0"/>
-      </a:lnRef>
-      <a:fillRef idx="1">
-        <a:scrgbClr r="0" g="0" b="0"/>
-      </a:fillRef>
-      <a:effectRef idx="0">
-        <a:scrgbClr r="0" g="0" b="0"/>
-      </a:effectRef>
-      <a:fontRef idx="minor"/>
-    </dgm:style>
-  </dgm:styleLbl>
-  <dgm:styleLbl name="alignAccFollowNode1">
-    <dgm:scene3d>
-      <a:camera prst="orthographicFront"/>
-      <a:lightRig rig="threePt" dir="t"/>
-    </dgm:scene3d>
-    <dgm:sp3d/>
-    <dgm:txPr/>
-    <dgm:style>
-      <a:lnRef idx="2">
-        <a:scrgbClr r="0" g="0" b="0"/>
-      </a:lnRef>
-      <a:fillRef idx="1">
-        <a:scrgbClr r="0" g="0" b="0"/>
-      </a:fillRef>
-      <a:effectRef idx="0">
-        <a:scrgbClr r="0" g="0" b="0"/>
-      </a:effectRef>
-      <a:fontRef idx="minor"/>
-    </dgm:style>
-  </dgm:styleLbl>
-  <dgm:styleLbl name="bgAccFollowNode1">
-    <dgm:scene3d>
-      <a:camera prst="orthographicFront"/>
-      <a:lightRig rig="threePt" dir="t"/>
-    </dgm:scene3d>
-    <dgm:sp3d/>
-    <dgm:txPr/>
-    <dgm:style>
-      <a:lnRef idx="2">
-        <a:scrgbClr r="0" g="0" b="0"/>
-      </a:lnRef>
-      <a:fillRef idx="1">
-        <a:scrgbClr r="0" g="0" b="0"/>
-      </a:fillRef>
-      <a:effectRef idx="0">
-        <a:scrgbClr r="0" g="0" b="0"/>
-      </a:effectRef>
-      <a:fontRef idx="minor"/>
-    </dgm:style>
-  </dgm:styleLbl>
-  <dgm:styleLbl name="fgAcc0">
-    <dgm:scene3d>
-      <a:camera prst="orthographicFront"/>
-      <a:lightRig rig="threePt" dir="t"/>
-    </dgm:scene3d>
-    <dgm:sp3d/>
-    <dgm:txPr/>
-    <dgm:style>
-      <a:lnRef idx="2">
-        <a:scrgbClr r="0" g="0" b="0"/>
-      </a:lnRef>
-      <a:fillRef idx="1">
-        <a:scrgbClr r="0" g="0" b="0"/>
-      </a:fillRef>
-      <a:effectRef idx="0">
-        <a:scrgbClr r="0" g="0" b="0"/>
-      </a:effectRef>
-      <a:fontRef idx="minor"/>
-    </dgm:style>
-  </dgm:styleLbl>
-  <dgm:styleLbl name="fgAcc2">
-    <dgm:scene3d>
-      <a:camera prst="orthographicFront"/>
-      <a:lightRig rig="threePt" dir="t"/>
-    </dgm:scene3d>
-    <dgm:sp3d/>
-    <dgm:txPr/>
-    <dgm:style>
-      <a:lnRef idx="2">
-        <a:scrgbClr r="0" g="0" b="0"/>
-      </a:lnRef>
-      <a:fillRef idx="1">
-        <a:scrgbClr r="0" g="0" b="0"/>
-      </a:fillRef>
-      <a:effectRef idx="0">
-        <a:scrgbClr r="0" g="0" b="0"/>
-      </a:effectRef>
-      <a:fontRef idx="minor"/>
-    </dgm:style>
-  </dgm:styleLbl>
-  <dgm:styleLbl name="fgAcc3">
-    <dgm:scene3d>
-      <a:camera prst="orthographicFront"/>
-      <a:lightRig rig="threePt" dir="t"/>
-    </dgm:scene3d>
-    <dgm:sp3d/>
-    <dgm:txPr/>
-    <dgm:style>
-      <a:lnRef idx="2">
-        <a:scrgbClr r="0" g="0" b="0"/>
-      </a:lnRef>
-      <a:fillRef idx="1">
-        <a:scrgbClr r="0" g="0" b="0"/>
-      </a:fillRef>
-      <a:effectRef idx="0">
-        <a:scrgbClr r="0" g="0" b="0"/>
-      </a:effectRef>
-      <a:fontRef idx="minor"/>
-    </dgm:style>
-  </dgm:styleLbl>
-  <dgm:styleLbl name="fgAcc4">
-    <dgm:scene3d>
-      <a:camera prst="orthographicFront"/>
-      <a:lightRig rig="threePt" dir="t"/>
-    </dgm:scene3d>
-    <dgm:sp3d/>
-    <dgm:txPr/>
-    <dgm:style>
-      <a:lnRef idx="2">
-        <a:scrgbClr r="0" g="0" b="0"/>
-      </a:lnRef>
-      <a:fillRef idx="1">
-        <a:scrgbClr r="0" g="0" b="0"/>
-      </a:fillRef>
-      <a:effectRef idx="0">
-        <a:scrgbClr r="0" g="0" b="0"/>
-      </a:effectRef>
-      <a:fontRef idx="minor"/>
-    </dgm:style>
-  </dgm:styleLbl>
-  <dgm:styleLbl name="bgShp">
-    <dgm:scene3d>
-      <a:camera prst="orthographicFront"/>
-      <a:lightRig rig="threePt" dir="t"/>
-    </dgm:scene3d>
-    <dgm:sp3d/>
-    <dgm:txPr/>
-    <dgm:style>
-      <a:lnRef idx="0">
-        <a:scrgbClr r="0" g="0" b="0"/>
-      </a:lnRef>
-      <a:fillRef idx="1">
-        <a:scrgbClr r="0" g="0" b="0"/>
-      </a:fillRef>
-      <a:effectRef idx="0">
-        <a:scrgbClr r="0" g="0" b="0"/>
-      </a:effectRef>
-      <a:fontRef idx="minor"/>
-    </dgm:style>
-  </dgm:styleLbl>
-  <dgm:styleLbl name="dkBgShp">
-    <dgm:scene3d>
-      <a:camera prst="orthographicFront"/>
-      <a:lightRig rig="threePt" dir="t"/>
-    </dgm:scene3d>
-    <dgm:sp3d/>
-    <dgm:txPr/>
-    <dgm:style>
-      <a:lnRef idx="0">
-        <a:scrgbClr r="0" g="0" b="0"/>
-      </a:lnRef>
-      <a:fillRef idx="1">
-        <a:scrgbClr r="0" g="0" b="0"/>
-      </a:fillRef>
-      <a:effectRef idx="0">
-        <a:scrgbClr r="0" g="0" b="0"/>
-      </a:effectRef>
-      <a:fontRef idx="minor"/>
-    </dgm:style>
-  </dgm:styleLbl>
-  <dgm:styleLbl name="trBgShp">
-    <dgm:scene3d>
-      <a:camera prst="orthographicFront"/>
-      <a:lightRig rig="threePt" dir="t"/>
-    </dgm:scene3d>
-    <dgm:sp3d/>
-    <dgm:txPr/>
-    <dgm:style>
-      <a:lnRef idx="0">
-        <a:scrgbClr r="0" g="0" b="0"/>
-      </a:lnRef>
-      <a:fillRef idx="1">
-        <a:scrgbClr r="0" g="0" b="0"/>
-      </a:fillRef>
-      <a:effectRef idx="0">
-        <a:scrgbClr r="0" g="0" b="0"/>
-      </a:effectRef>
-      <a:fontRef idx="minor"/>
-    </dgm:style>
-  </dgm:styleLbl>
-  <dgm:styleLbl name="fgShp">
-    <dgm:scene3d>
-      <a:camera prst="orthographicFront"/>
-      <a:lightRig rig="threePt" dir="t"/>
-    </dgm:scene3d>
-    <dgm:sp3d/>
-    <dgm:txPr/>
-    <dgm:style>
-      <a:lnRef idx="2">
-        <a:scrgbClr r="0" g="0" b="0"/>
-      </a:lnRef>
-      <a:fillRef idx="1">
-        <a:scrgbClr r="0" g="0" b="0"/>
-      </a:fillRef>
-      <a:effectRef idx="0">
-        <a:scrgbClr r="0" g="0" b="0"/>
-      </a:effectRef>
-      <a:fontRef idx="minor"/>
-    </dgm:style>
-  </dgm:styleLbl>
-  <dgm:styleLbl name="revTx">
-    <dgm:scene3d>
-      <a:camera prst="orthographicFront"/>
-      <a:lightRig rig="threePt" dir="t"/>
-    </dgm:scene3d>
-    <dgm:sp3d/>
-    <dgm:txPr/>
-    <dgm:style>
-      <a:lnRef idx="0">
-        <a:scrgbClr r="0" g="0" b="0"/>
-      </a:lnRef>
-      <a:fillRef idx="0">
-        <a:scrgbClr r="0" g="0" b="0"/>
-      </a:fillRef>
-      <a:effectRef idx="0">
-        <a:scrgbClr r="0" g="0" b="0"/>
-      </a:effectRef>
-      <a:fontRef idx="minor"/>
-    </dgm:style>
-  </dgm:styleLbl>
-</dgm:styleDef>
-</file>
-
 <file path=ppt/diagrams/quickStyle2.xml><?xml version="1.0" encoding="utf-8"?>
 <dgm:styleDef xmlns:dgm="http://schemas.openxmlformats.org/drawingml/2006/diagram" xmlns:a="http://schemas.openxmlformats.org/drawingml/2006/main" uniqueId="urn:microsoft.com/office/officeart/2005/8/quickstyle/simple1">
   <dgm:title val=""/>
@@ -31104,11 +27147,11 @@
 </file>
 
 <file path=ppt/diagrams/quickStyle9.xml><?xml version="1.0" encoding="utf-8"?>
-<dgm:styleDef xmlns:dgm="http://schemas.openxmlformats.org/drawingml/2006/diagram" xmlns:a="http://schemas.openxmlformats.org/drawingml/2006/main" uniqueId="urn:microsoft.com/office/officeart/2005/8/quickstyle/simple2">
+<dgm:styleDef xmlns:dgm="http://schemas.openxmlformats.org/drawingml/2006/diagram" xmlns:a="http://schemas.openxmlformats.org/drawingml/2006/main" uniqueId="urn:microsoft.com/office/officeart/2005/8/quickstyle/simple1">
   <dgm:title val=""/>
   <dgm:desc val=""/>
   <dgm:catLst>
-    <dgm:cat type="simple" pri="10200"/>
+    <dgm:cat type="simple" pri="10100"/>
   </dgm:catLst>
   <dgm:scene3d>
     <a:camera prst="orthographicFront"/>
@@ -31122,13 +27165,13 @@
     <dgm:sp3d/>
     <dgm:txPr/>
     <dgm:style>
-      <a:lnRef idx="3">
-        <a:scrgbClr r="0" g="0" b="0"/>
-      </a:lnRef>
-      <a:fillRef idx="1">
-        <a:scrgbClr r="0" g="0" b="0"/>
-      </a:fillRef>
-      <a:effectRef idx="1">
+      <a:lnRef idx="2">
+        <a:scrgbClr r="0" g="0" b="0"/>
+      </a:lnRef>
+      <a:fillRef idx="1">
+        <a:scrgbClr r="0" g="0" b="0"/>
+      </a:fillRef>
+      <a:effectRef idx="0">
         <a:scrgbClr r="0" g="0" b="0"/>
       </a:effectRef>
       <a:fontRef idx="minor">
@@ -31144,13 +27187,13 @@
     <dgm:sp3d/>
     <dgm:txPr/>
     <dgm:style>
-      <a:lnRef idx="3">
-        <a:scrgbClr r="0" g="0" b="0"/>
-      </a:lnRef>
-      <a:fillRef idx="1">
-        <a:scrgbClr r="0" g="0" b="0"/>
-      </a:fillRef>
-      <a:effectRef idx="1">
+      <a:lnRef idx="2">
+        <a:scrgbClr r="0" g="0" b="0"/>
+      </a:lnRef>
+      <a:fillRef idx="1">
+        <a:scrgbClr r="0" g="0" b="0"/>
+      </a:fillRef>
+      <a:effectRef idx="0">
         <a:scrgbClr r="0" g="0" b="0"/>
       </a:effectRef>
       <a:fontRef idx="minor">
@@ -31166,7 +27209,7 @@
     <dgm:sp3d/>
     <dgm:txPr/>
     <dgm:style>
-      <a:lnRef idx="3">
+      <a:lnRef idx="2">
         <a:scrgbClr r="0" g="0" b="0"/>
       </a:lnRef>
       <a:fillRef idx="1">
@@ -31194,7 +27237,7 @@
       <a:fillRef idx="1">
         <a:scrgbClr r="0" g="0" b="0"/>
       </a:fillRef>
-      <a:effectRef idx="1">
+      <a:effectRef idx="0">
         <a:scrgbClr r="0" g="0" b="0"/>
       </a:effectRef>
       <a:fontRef idx="minor">
@@ -31210,13 +27253,13 @@
     <dgm:sp3d/>
     <dgm:txPr/>
     <dgm:style>
-      <a:lnRef idx="3">
-        <a:scrgbClr r="0" g="0" b="0"/>
-      </a:lnRef>
-      <a:fillRef idx="1">
-        <a:scrgbClr r="0" g="0" b="0"/>
-      </a:fillRef>
-      <a:effectRef idx="1">
+      <a:lnRef idx="2">
+        <a:scrgbClr r="0" g="0" b="0"/>
+      </a:lnRef>
+      <a:fillRef idx="1">
+        <a:scrgbClr r="0" g="0" b="0"/>
+      </a:fillRef>
+      <a:effectRef idx="0">
         <a:scrgbClr r="0" g="0" b="0"/>
       </a:effectRef>
       <a:fontRef idx="minor">
@@ -31232,13 +27275,13 @@
     <dgm:sp3d/>
     <dgm:txPr/>
     <dgm:style>
-      <a:lnRef idx="3">
-        <a:scrgbClr r="0" g="0" b="0"/>
-      </a:lnRef>
-      <a:fillRef idx="1">
-        <a:scrgbClr r="0" g="0" b="0"/>
-      </a:fillRef>
-      <a:effectRef idx="1">
+      <a:lnRef idx="2">
+        <a:scrgbClr r="0" g="0" b="0"/>
+      </a:lnRef>
+      <a:fillRef idx="1">
+        <a:scrgbClr r="0" g="0" b="0"/>
+      </a:fillRef>
+      <a:effectRef idx="0">
         <a:scrgbClr r="0" g="0" b="0"/>
       </a:effectRef>
       <a:fontRef idx="minor">
@@ -31254,13 +27297,13 @@
     <dgm:sp3d/>
     <dgm:txPr/>
     <dgm:style>
-      <a:lnRef idx="3">
-        <a:scrgbClr r="0" g="0" b="0"/>
-      </a:lnRef>
-      <a:fillRef idx="1">
-        <a:scrgbClr r="0" g="0" b="0"/>
-      </a:fillRef>
-      <a:effectRef idx="1">
+      <a:lnRef idx="2">
+        <a:scrgbClr r="0" g="0" b="0"/>
+      </a:lnRef>
+      <a:fillRef idx="1">
+        <a:scrgbClr r="0" g="0" b="0"/>
+      </a:fillRef>
+      <a:effectRef idx="0">
         <a:scrgbClr r="0" g="0" b="0"/>
       </a:effectRef>
       <a:fontRef idx="minor">
@@ -31276,13 +27319,13 @@
     <dgm:sp3d/>
     <dgm:txPr/>
     <dgm:style>
-      <a:lnRef idx="3">
-        <a:scrgbClr r="0" g="0" b="0"/>
-      </a:lnRef>
-      <a:fillRef idx="1">
-        <a:scrgbClr r="0" g="0" b="0"/>
-      </a:fillRef>
-      <a:effectRef idx="1">
+      <a:lnRef idx="2">
+        <a:scrgbClr r="0" g="0" b="0"/>
+      </a:lnRef>
+      <a:fillRef idx="1">
+        <a:scrgbClr r="0" g="0" b="0"/>
+      </a:fillRef>
+      <a:effectRef idx="0">
         <a:scrgbClr r="0" g="0" b="0"/>
       </a:effectRef>
       <a:fontRef idx="minor">
@@ -31298,13 +27341,13 @@
     <dgm:sp3d/>
     <dgm:txPr/>
     <dgm:style>
-      <a:lnRef idx="3">
-        <a:scrgbClr r="0" g="0" b="0"/>
-      </a:lnRef>
-      <a:fillRef idx="1">
-        <a:scrgbClr r="0" g="0" b="0"/>
-      </a:fillRef>
-      <a:effectRef idx="1">
+      <a:lnRef idx="2">
+        <a:scrgbClr r="0" g="0" b="0"/>
+      </a:lnRef>
+      <a:fillRef idx="1">
+        <a:scrgbClr r="0" g="0" b="0"/>
+      </a:fillRef>
+      <a:effectRef idx="0">
         <a:scrgbClr r="0" g="0" b="0"/>
       </a:effectRef>
       <a:fontRef idx="minor"/>
@@ -31318,13 +27361,13 @@
     <dgm:sp3d/>
     <dgm:txPr/>
     <dgm:style>
-      <a:lnRef idx="3">
-        <a:scrgbClr r="0" g="0" b="0"/>
-      </a:lnRef>
-      <a:fillRef idx="1">
-        <a:scrgbClr r="0" g="0" b="0"/>
-      </a:fillRef>
-      <a:effectRef idx="1">
+      <a:lnRef idx="2">
+        <a:scrgbClr r="0" g="0" b="0"/>
+      </a:lnRef>
+      <a:fillRef idx="1">
+        <a:scrgbClr r="0" g="0" b="0"/>
+      </a:fillRef>
+      <a:effectRef idx="0">
         <a:scrgbClr r="0" g="0" b="0"/>
       </a:effectRef>
       <a:fontRef idx="minor"/>
@@ -31338,13 +27381,13 @@
     <dgm:sp3d/>
     <dgm:txPr/>
     <dgm:style>
-      <a:lnRef idx="3">
-        <a:scrgbClr r="0" g="0" b="0"/>
-      </a:lnRef>
-      <a:fillRef idx="1">
-        <a:scrgbClr r="0" g="0" b="0"/>
-      </a:fillRef>
-      <a:effectRef idx="1">
+      <a:lnRef idx="2">
+        <a:scrgbClr r="0" g="0" b="0"/>
+      </a:lnRef>
+      <a:fillRef idx="1">
+        <a:scrgbClr r="0" g="0" b="0"/>
+      </a:fillRef>
+      <a:effectRef idx="0">
         <a:scrgbClr r="0" g="0" b="0"/>
       </a:effectRef>
       <a:fontRef idx="minor"/>
@@ -31364,7 +27407,7 @@
       <a:fillRef idx="1">
         <a:scrgbClr r="0" g="0" b="0"/>
       </a:fillRef>
-      <a:effectRef idx="1">
+      <a:effectRef idx="0">
         <a:scrgbClr r="0" g="0" b="0"/>
       </a:effectRef>
       <a:fontRef idx="minor">
@@ -31386,7 +27429,7 @@
       <a:fillRef idx="1">
         <a:scrgbClr r="0" g="0" b="0"/>
       </a:fillRef>
-      <a:effectRef idx="1">
+      <a:effectRef idx="0">
         <a:scrgbClr r="0" g="0" b="0"/>
       </a:effectRef>
       <a:fontRef idx="minor">
@@ -31408,7 +27451,7 @@
       <a:fillRef idx="1">
         <a:scrgbClr r="0" g="0" b="0"/>
       </a:fillRef>
-      <a:effectRef idx="1">
+      <a:effectRef idx="0">
         <a:scrgbClr r="0" g="0" b="0"/>
       </a:effectRef>
       <a:fontRef idx="minor">
@@ -31450,7 +27493,7 @@
       <a:fillRef idx="1">
         <a:scrgbClr r="0" g="0" b="0"/>
       </a:fillRef>
-      <a:effectRef idx="1">
+      <a:effectRef idx="0">
         <a:scrgbClr r="0" g="0" b="0"/>
       </a:effectRef>
       <a:fontRef idx="minor"/>
@@ -31464,13 +27507,13 @@
     <dgm:sp3d/>
     <dgm:txPr/>
     <dgm:style>
-      <a:lnRef idx="3">
-        <a:scrgbClr r="0" g="0" b="0"/>
-      </a:lnRef>
-      <a:fillRef idx="1">
-        <a:scrgbClr r="0" g="0" b="0"/>
-      </a:fillRef>
-      <a:effectRef idx="1">
+      <a:lnRef idx="2">
+        <a:scrgbClr r="0" g="0" b="0"/>
+      </a:lnRef>
+      <a:fillRef idx="1">
+        <a:scrgbClr r="0" g="0" b="0"/>
+      </a:fillRef>
+      <a:effectRef idx="0">
         <a:scrgbClr r="0" g="0" b="0"/>
       </a:effectRef>
       <a:fontRef idx="minor">
@@ -31486,13 +27529,13 @@
     <dgm:sp3d/>
     <dgm:txPr/>
     <dgm:style>
-      <a:lnRef idx="3">
-        <a:scrgbClr r="0" g="0" b="0"/>
-      </a:lnRef>
-      <a:fillRef idx="1">
-        <a:scrgbClr r="0" g="0" b="0"/>
-      </a:fillRef>
-      <a:effectRef idx="1">
+      <a:lnRef idx="2">
+        <a:scrgbClr r="0" g="0" b="0"/>
+      </a:lnRef>
+      <a:fillRef idx="1">
+        <a:scrgbClr r="0" g="0" b="0"/>
+      </a:fillRef>
+      <a:effectRef idx="0">
         <a:scrgbClr r="0" g="0" b="0"/>
       </a:effectRef>
       <a:fontRef idx="minor">
@@ -31508,13 +27551,13 @@
     <dgm:sp3d/>
     <dgm:txPr/>
     <dgm:style>
-      <a:lnRef idx="3">
-        <a:scrgbClr r="0" g="0" b="0"/>
-      </a:lnRef>
-      <a:fillRef idx="1">
-        <a:scrgbClr r="0" g="0" b="0"/>
-      </a:fillRef>
-      <a:effectRef idx="1">
+      <a:lnRef idx="2">
+        <a:scrgbClr r="0" g="0" b="0"/>
+      </a:lnRef>
+      <a:fillRef idx="1">
+        <a:scrgbClr r="0" g="0" b="0"/>
+      </a:fillRef>
+      <a:effectRef idx="0">
         <a:scrgbClr r="0" g="0" b="0"/>
       </a:effectRef>
       <a:fontRef idx="minor">
@@ -31530,13 +27573,13 @@
     <dgm:sp3d/>
     <dgm:txPr/>
     <dgm:style>
-      <a:lnRef idx="3">
-        <a:scrgbClr r="0" g="0" b="0"/>
-      </a:lnRef>
-      <a:fillRef idx="1">
-        <a:scrgbClr r="0" g="0" b="0"/>
-      </a:fillRef>
-      <a:effectRef idx="1">
+      <a:lnRef idx="2">
+        <a:scrgbClr r="0" g="0" b="0"/>
+      </a:lnRef>
+      <a:fillRef idx="1">
+        <a:scrgbClr r="0" g="0" b="0"/>
+      </a:fillRef>
+      <a:effectRef idx="0">
         <a:scrgbClr r="0" g="0" b="0"/>
       </a:effectRef>
       <a:fontRef idx="minor">
@@ -31552,13 +27595,13 @@
     <dgm:sp3d/>
     <dgm:txPr/>
     <dgm:style>
-      <a:lnRef idx="3">
-        <a:scrgbClr r="0" g="0" b="0"/>
-      </a:lnRef>
-      <a:fillRef idx="1">
-        <a:scrgbClr r="0" g="0" b="0"/>
-      </a:fillRef>
-      <a:effectRef idx="1">
+      <a:lnRef idx="2">
+        <a:scrgbClr r="0" g="0" b="0"/>
+      </a:lnRef>
+      <a:fillRef idx="1">
+        <a:scrgbClr r="0" g="0" b="0"/>
+      </a:fillRef>
+      <a:effectRef idx="0">
         <a:scrgbClr r="0" g="0" b="0"/>
       </a:effectRef>
       <a:fontRef idx="minor">
@@ -31574,13 +27617,13 @@
     <dgm:sp3d/>
     <dgm:txPr/>
     <dgm:style>
-      <a:lnRef idx="3">
-        <a:scrgbClr r="0" g="0" b="0"/>
-      </a:lnRef>
-      <a:fillRef idx="1">
-        <a:scrgbClr r="0" g="0" b="0"/>
-      </a:fillRef>
-      <a:effectRef idx="1">
+      <a:lnRef idx="2">
+        <a:scrgbClr r="0" g="0" b="0"/>
+      </a:lnRef>
+      <a:fillRef idx="1">
+        <a:scrgbClr r="0" g="0" b="0"/>
+      </a:fillRef>
+      <a:effectRef idx="0">
         <a:scrgbClr r="0" g="0" b="0"/>
       </a:effectRef>
       <a:fontRef idx="minor">
@@ -31596,13 +27639,13 @@
     <dgm:sp3d/>
     <dgm:txPr/>
     <dgm:style>
-      <a:lnRef idx="3">
-        <a:scrgbClr r="0" g="0" b="0"/>
-      </a:lnRef>
-      <a:fillRef idx="1">
-        <a:scrgbClr r="0" g="0" b="0"/>
-      </a:fillRef>
-      <a:effectRef idx="1">
+      <a:lnRef idx="2">
+        <a:scrgbClr r="0" g="0" b="0"/>
+      </a:lnRef>
+      <a:fillRef idx="1">
+        <a:scrgbClr r="0" g="0" b="0"/>
+      </a:fillRef>
+      <a:effectRef idx="0">
         <a:scrgbClr r="0" g="0" b="0"/>
       </a:effectRef>
       <a:fontRef idx="minor">
@@ -31618,13 +27661,13 @@
     <dgm:sp3d/>
     <dgm:txPr/>
     <dgm:style>
-      <a:lnRef idx="3">
-        <a:scrgbClr r="0" g="0" b="0"/>
-      </a:lnRef>
-      <a:fillRef idx="1">
-        <a:scrgbClr r="0" g="0" b="0"/>
-      </a:fillRef>
-      <a:effectRef idx="1">
+      <a:lnRef idx="2">
+        <a:scrgbClr r="0" g="0" b="0"/>
+      </a:lnRef>
+      <a:fillRef idx="1">
+        <a:scrgbClr r="0" g="0" b="0"/>
+      </a:fillRef>
+      <a:effectRef idx="0">
         <a:scrgbClr r="0" g="0" b="0"/>
       </a:effectRef>
       <a:fontRef idx="minor">
@@ -31640,13 +27683,13 @@
     <dgm:sp3d/>
     <dgm:txPr/>
     <dgm:style>
-      <a:lnRef idx="3">
-        <a:scrgbClr r="0" g="0" b="0"/>
-      </a:lnRef>
-      <a:fillRef idx="1">
-        <a:scrgbClr r="0" g="0" b="0"/>
-      </a:fillRef>
-      <a:effectRef idx="1">
+      <a:lnRef idx="2">
+        <a:scrgbClr r="0" g="0" b="0"/>
+      </a:lnRef>
+      <a:fillRef idx="1">
+        <a:scrgbClr r="0" g="0" b="0"/>
+      </a:fillRef>
+      <a:effectRef idx="0">
         <a:scrgbClr r="0" g="0" b="0"/>
       </a:effectRef>
       <a:fontRef idx="minor">
@@ -32102,13 +28145,13 @@
     <dgm:sp3d/>
     <dgm:txPr/>
     <dgm:style>
-      <a:lnRef idx="3">
-        <a:scrgbClr r="0" g="0" b="0"/>
-      </a:lnRef>
-      <a:fillRef idx="1">
-        <a:scrgbClr r="0" g="0" b="0"/>
-      </a:fillRef>
-      <a:effectRef idx="1">
+      <a:lnRef idx="2">
+        <a:scrgbClr r="0" g="0" b="0"/>
+      </a:lnRef>
+      <a:fillRef idx="1">
+        <a:scrgbClr r="0" g="0" b="0"/>
+      </a:fillRef>
+      <a:effectRef idx="0">
         <a:scrgbClr r="0" g="0" b="0"/>
       </a:effectRef>
       <a:fontRef idx="minor"/>
@@ -32219,7 +28262,7 @@
           <a:p>
             <a:fld id="{7FFAF631-221E-4B34-9B45-72414ABD575C}" type="datetimeFigureOut">
               <a:rPr lang="en-US" smtClean="0"/>
-              <a:t>2/14/2012</a:t>
+              <a:t>2/16/2012</a:t>
             </a:fld>
             <a:endParaRPr lang="en-US"/>
           </a:p>
@@ -32764,7 +28807,7 @@
           <a:p>
             <a:fld id="{0585B250-7936-4AEB-A7A4-35C788BAD0B9}" type="datetimeFigureOut">
               <a:rPr lang="en-US" smtClean="0"/>
-              <a:t>2/14/2012</a:t>
+              <a:t>2/16/2012</a:t>
             </a:fld>
             <a:endParaRPr lang="en-US"/>
           </a:p>
@@ -33029,7 +29072,7 @@
           <a:p>
             <a:fld id="{0585B250-7936-4AEB-A7A4-35C788BAD0B9}" type="datetimeFigureOut">
               <a:rPr lang="en-US" smtClean="0"/>
-              <a:t>2/14/2012</a:t>
+              <a:t>2/16/2012</a:t>
             </a:fld>
             <a:endParaRPr lang="en-US"/>
           </a:p>
@@ -33204,7 +29247,7 @@
           <a:p>
             <a:fld id="{0585B250-7936-4AEB-A7A4-35C788BAD0B9}" type="datetimeFigureOut">
               <a:rPr lang="en-US" smtClean="0"/>
-              <a:t>2/14/2012</a:t>
+              <a:t>2/16/2012</a:t>
             </a:fld>
             <a:endParaRPr lang="en-US"/>
           </a:p>
@@ -33369,7 +29412,7 @@
           <a:p>
             <a:fld id="{0585B250-7936-4AEB-A7A4-35C788BAD0B9}" type="datetimeFigureOut">
               <a:rPr lang="en-US" smtClean="0"/>
-              <a:t>2/14/2012</a:t>
+              <a:t>2/16/2012</a:t>
             </a:fld>
             <a:endParaRPr lang="en-US"/>
           </a:p>
@@ -33618,7 +29661,7 @@
           <a:p>
             <a:fld id="{0585B250-7936-4AEB-A7A4-35C788BAD0B9}" type="datetimeFigureOut">
               <a:rPr lang="en-US" smtClean="0"/>
-              <a:t>2/14/2012</a:t>
+              <a:t>2/16/2012</a:t>
             </a:fld>
             <a:endParaRPr lang="en-US"/>
           </a:p>
@@ -33901,7 +29944,7 @@
           <a:p>
             <a:fld id="{0585B250-7936-4AEB-A7A4-35C788BAD0B9}" type="datetimeFigureOut">
               <a:rPr lang="en-US" smtClean="0"/>
-              <a:t>2/14/2012</a:t>
+              <a:t>2/16/2012</a:t>
             </a:fld>
             <a:endParaRPr lang="en-US"/>
           </a:p>
@@ -34340,7 +30383,7 @@
           <a:p>
             <a:fld id="{0585B250-7936-4AEB-A7A4-35C788BAD0B9}" type="datetimeFigureOut">
               <a:rPr lang="en-US" smtClean="0"/>
-              <a:t>2/14/2012</a:t>
+              <a:t>2/16/2012</a:t>
             </a:fld>
             <a:endParaRPr lang="en-US"/>
           </a:p>
@@ -34453,7 +30496,7 @@
           <a:p>
             <a:fld id="{0585B250-7936-4AEB-A7A4-35C788BAD0B9}" type="datetimeFigureOut">
               <a:rPr lang="en-US" smtClean="0"/>
-              <a:t>2/14/2012</a:t>
+              <a:t>2/16/2012</a:t>
             </a:fld>
             <a:endParaRPr lang="en-US"/>
           </a:p>
@@ -34543,7 +30586,7 @@
           <a:p>
             <a:fld id="{0585B250-7936-4AEB-A7A4-35C788BAD0B9}" type="datetimeFigureOut">
               <a:rPr lang="en-US" smtClean="0"/>
-              <a:t>2/14/2012</a:t>
+              <a:t>2/16/2012</a:t>
             </a:fld>
             <a:endParaRPr lang="en-US"/>
           </a:p>
@@ -34785,7 +30828,7 @@
           <a:p>
             <a:fld id="{0585B250-7936-4AEB-A7A4-35C788BAD0B9}" type="datetimeFigureOut">
               <a:rPr lang="en-US" smtClean="0"/>
-              <a:t>2/14/2012</a:t>
+              <a:t>2/16/2012</a:t>
             </a:fld>
             <a:endParaRPr lang="en-US"/>
           </a:p>
@@ -35079,7 +31122,7 @@
           <a:p>
             <a:fld id="{0585B250-7936-4AEB-A7A4-35C788BAD0B9}" type="datetimeFigureOut">
               <a:rPr lang="en-US" smtClean="0"/>
-              <a:t>2/14/2012</a:t>
+              <a:t>2/16/2012</a:t>
             </a:fld>
             <a:endParaRPr lang="en-US"/>
           </a:p>
@@ -35373,7 +31416,7 @@
           <a:p>
             <a:fld id="{0585B250-7936-4AEB-A7A4-35C788BAD0B9}" type="datetimeFigureOut">
               <a:rPr lang="en-US" smtClean="0"/>
-              <a:t>2/14/2012</a:t>
+              <a:t>2/16/2012</a:t>
             </a:fld>
             <a:endParaRPr lang="en-US"/>
           </a:p>
@@ -40763,84 +36806,6 @@
           <a:p>
             <a:r>
               <a:rPr lang="en-US" dirty="0" smtClean="0"/>
-              <a:t>Special Thanks</a:t>
-            </a:r>
-            <a:endParaRPr lang="en-US" dirty="0"/>
-          </a:p>
-        </p:txBody>
-      </p:sp>
-      <p:graphicFrame>
-        <p:nvGraphicFramePr>
-          <p:cNvPr id="4" name="Content Placeholder 3"/>
-          <p:cNvGraphicFramePr>
-            <a:graphicFrameLocks noGrp="1"/>
-          </p:cNvGraphicFramePr>
-          <p:nvPr>
-            <p:ph idx="1"/>
-            <p:extLst>
-              <p:ext uri="{D42A27DB-BD31-4B8C-83A1-F6EECF244321}">
-                <p14:modId xmlns:p14="http://schemas.microsoft.com/office/powerpoint/2010/main" val="1350804702"/>
-              </p:ext>
-            </p:extLst>
-          </p:nvPr>
-        </p:nvGraphicFramePr>
-        <p:xfrm>
-          <a:off x="457200" y="1752600"/>
-          <a:ext cx="7620000" cy="4373563"/>
-        </p:xfrm>
-        <a:graphic>
-          <a:graphicData uri="http://schemas.openxmlformats.org/drawingml/2006/diagram">
-            <dgm:relIds xmlns:dgm="http://schemas.openxmlformats.org/drawingml/2006/diagram" xmlns:r="http://schemas.openxmlformats.org/officeDocument/2006/relationships" r:dm="rId2" r:lo="rId3" r:qs="rId4" r:cs="rId5"/>
-          </a:graphicData>
-        </a:graphic>
-      </p:graphicFrame>
-    </p:spTree>
-    <p:extLst>
-      <p:ext uri="{BB962C8B-B14F-4D97-AF65-F5344CB8AC3E}">
-        <p14:creationId xmlns:p14="http://schemas.microsoft.com/office/powerpoint/2010/main" val="105852329"/>
-      </p:ext>
-    </p:extLst>
-  </p:cSld>
-  <p:clrMapOvr>
-    <a:masterClrMapping/>
-  </p:clrMapOvr>
-</p:sld>
-</file>
-
-<file path=ppt/slides/slide29.xml><?xml version="1.0" encoding="utf-8"?>
-<p:sld xmlns:a="http://schemas.openxmlformats.org/drawingml/2006/main" xmlns:r="http://schemas.openxmlformats.org/officeDocument/2006/relationships" xmlns:p="http://schemas.openxmlformats.org/presentationml/2006/main">
-  <p:cSld>
-    <p:spTree>
-      <p:nvGrpSpPr>
-        <p:cNvPr id="1" name=""/>
-        <p:cNvGrpSpPr/>
-        <p:nvPr/>
-      </p:nvGrpSpPr>
-      <p:grpSpPr>
-        <a:xfrm>
-          <a:off x="0" y="0"/>
-          <a:ext cx="0" cy="0"/>
-          <a:chOff x="0" y="0"/>
-          <a:chExt cx="0" cy="0"/>
-        </a:xfrm>
-      </p:grpSpPr>
-      <p:sp>
-        <p:nvSpPr>
-          <p:cNvPr id="3" name="Title 2"/>
-          <p:cNvSpPr>
-            <a:spLocks noGrp="1"/>
-          </p:cNvSpPr>
-          <p:nvPr>
-            <p:ph type="title"/>
-          </p:nvPr>
-        </p:nvSpPr>
-        <p:spPr/>
-        <p:txBody>
-          <a:bodyPr/>
-          <a:lstStyle/>
-          <a:p>
-            <a:r>
-              <a:rPr lang="en-US" dirty="0" smtClean="0"/>
               <a:t>QA</a:t>
             </a:r>
             <a:endParaRPr lang="en-US" dirty="0"/>

--- a/The Super-Awesome Game Deck.pptx
+++ b/The Super-Awesome Game Deck.pptx
@@ -3126,11 +3126,11 @@
 </file>
 
 <file path=ppt/diagrams/colors5.xml><?xml version="1.0" encoding="utf-8"?>
-<dgm:colorsDef xmlns:dgm="http://schemas.openxmlformats.org/drawingml/2006/diagram" xmlns:a="http://schemas.openxmlformats.org/drawingml/2006/main" uniqueId="urn:microsoft.com/office/officeart/2005/8/colors/accent1_2">
+<dgm:colorsDef xmlns:dgm="http://schemas.openxmlformats.org/drawingml/2006/diagram" xmlns:a="http://schemas.openxmlformats.org/drawingml/2006/main" uniqueId="urn:microsoft.com/office/officeart/2005/8/colors/colorful2">
   <dgm:title val=""/>
   <dgm:desc val=""/>
   <dgm:catLst>
-    <dgm:cat type="accent1" pri="11200"/>
+    <dgm:cat type="colorful" pri="10200"/>
   </dgm:catLst>
   <dgm:styleLbl name="node0">
     <dgm:fillClrLst meth="repeat">
@@ -3144,21 +3144,10 @@
     <dgm:txFillClrLst/>
     <dgm:txEffectClrLst/>
   </dgm:styleLbl>
-  <dgm:styleLbl name="alignNode1">
-    <dgm:fillClrLst meth="repeat">
-      <a:schemeClr val="accent1"/>
-    </dgm:fillClrLst>
-    <dgm:linClrLst meth="repeat">
-      <a:schemeClr val="accent1"/>
-    </dgm:linClrLst>
-    <dgm:effectClrLst/>
-    <dgm:txLinClrLst/>
-    <dgm:txFillClrLst/>
-    <dgm:txEffectClrLst/>
-  </dgm:styleLbl>
   <dgm:styleLbl name="node1">
-    <dgm:fillClrLst meth="repeat">
-      <a:schemeClr val="accent1"/>
+    <dgm:fillClrLst>
+      <a:schemeClr val="accent2"/>
+      <a:schemeClr val="accent3"/>
     </dgm:fillClrLst>
     <dgm:linClrLst meth="repeat">
       <a:schemeClr val="lt1"/>
@@ -3168,9 +3157,24 @@
     <dgm:txFillClrLst/>
     <dgm:txEffectClrLst/>
   </dgm:styleLbl>
+  <dgm:styleLbl name="alignNode1">
+    <dgm:fillClrLst>
+      <a:schemeClr val="accent2"/>
+      <a:schemeClr val="accent3"/>
+    </dgm:fillClrLst>
+    <dgm:linClrLst>
+      <a:schemeClr val="accent2"/>
+      <a:schemeClr val="accent3"/>
+    </dgm:linClrLst>
+    <dgm:effectClrLst/>
+    <dgm:txLinClrLst/>
+    <dgm:txFillClrLst/>
+    <dgm:txEffectClrLst/>
+  </dgm:styleLbl>
   <dgm:styleLbl name="lnNode1">
-    <dgm:fillClrLst meth="repeat">
-      <a:schemeClr val="accent1"/>
+    <dgm:fillClrLst>
+      <a:schemeClr val="accent2"/>
+      <a:schemeClr val="accent3"/>
     </dgm:fillClrLst>
     <dgm:linClrLst meth="repeat">
       <a:schemeClr val="lt1"/>
@@ -3181,10 +3185,13 @@
     <dgm:txEffectClrLst/>
   </dgm:styleLbl>
   <dgm:styleLbl name="vennNode1">
-    <dgm:fillClrLst meth="repeat">
-      <a:schemeClr val="accent1">
+    <dgm:fillClrLst>
+      <a:schemeClr val="accent2">
         <a:alpha val="50000"/>
       </a:schemeClr>
+      <a:schemeClr val="accent3">
+        <a:alpha val="50000"/>
+      </a:schemeClr>
     </dgm:fillClrLst>
     <dgm:linClrLst meth="repeat">
       <a:schemeClr val="lt1"/>
@@ -3195,8 +3202,8 @@
     <dgm:txEffectClrLst/>
   </dgm:styleLbl>
   <dgm:styleLbl name="node2">
-    <dgm:fillClrLst meth="repeat">
-      <a:schemeClr val="accent1"/>
+    <dgm:fillClrLst>
+      <a:schemeClr val="accent3"/>
     </dgm:fillClrLst>
     <dgm:linClrLst meth="repeat">
       <a:schemeClr val="lt1"/>
@@ -3207,8 +3214,8 @@
     <dgm:txEffectClrLst/>
   </dgm:styleLbl>
   <dgm:styleLbl name="node3">
-    <dgm:fillClrLst meth="repeat">
-      <a:schemeClr val="accent1"/>
+    <dgm:fillClrLst>
+      <a:schemeClr val="accent4"/>
     </dgm:fillClrLst>
     <dgm:linClrLst meth="repeat">
       <a:schemeClr val="lt1"/>
@@ -3219,8 +3226,8 @@
     <dgm:txEffectClrLst/>
   </dgm:styleLbl>
   <dgm:styleLbl name="node4">
-    <dgm:fillClrLst meth="repeat">
-      <a:schemeClr val="accent1"/>
+    <dgm:fillClrLst>
+      <a:schemeClr val="accent5"/>
     </dgm:fillClrLst>
     <dgm:linClrLst meth="repeat">
       <a:schemeClr val="lt1"/>
@@ -3231,8 +3238,11 @@
     <dgm:txEffectClrLst/>
   </dgm:styleLbl>
   <dgm:styleLbl name="fgImgPlace1">
-    <dgm:fillClrLst meth="repeat">
-      <a:schemeClr val="accent1">
+    <dgm:fillClrLst>
+      <a:schemeClr val="accent2">
+        <a:tint val="50000"/>
+      </a:schemeClr>
+      <a:schemeClr val="accent3">
         <a:tint val="50000"/>
       </a:schemeClr>
     </dgm:fillClrLst>
@@ -3247,9 +3257,12 @@
     <dgm:txEffectClrLst/>
   </dgm:styleLbl>
   <dgm:styleLbl name="alignImgPlace1">
-    <dgm:fillClrLst meth="repeat">
-      <a:schemeClr val="accent1">
+    <dgm:fillClrLst>
+      <a:schemeClr val="accent2">
         <a:tint val="50000"/>
+      </a:schemeClr>
+      <a:schemeClr val="accent3">
+        <a:tint val="20000"/>
       </a:schemeClr>
     </dgm:fillClrLst>
     <dgm:linClrLst meth="repeat">
@@ -3263,9 +3276,12 @@
     <dgm:txEffectClrLst/>
   </dgm:styleLbl>
   <dgm:styleLbl name="bgImgPlace1">
-    <dgm:fillClrLst meth="repeat">
-      <a:schemeClr val="accent1">
+    <dgm:fillClrLst>
+      <a:schemeClr val="accent2">
         <a:tint val="50000"/>
+      </a:schemeClr>
+      <a:schemeClr val="accent3">
+        <a:tint val="20000"/>
       </a:schemeClr>
     </dgm:fillClrLst>
     <dgm:linClrLst meth="repeat">
@@ -3279,15 +3295,12 @@
     <dgm:txEffectClrLst/>
   </dgm:styleLbl>
   <dgm:styleLbl name="sibTrans2D1">
-    <dgm:fillClrLst meth="repeat">
-      <a:schemeClr val="accent1">
-        <a:tint val="60000"/>
-      </a:schemeClr>
+    <dgm:fillClrLst>
+      <a:schemeClr val="accent2"/>
+      <a:schemeClr val="accent3"/>
     </dgm:fillClrLst>
     <dgm:linClrLst meth="repeat">
-      <a:schemeClr val="accent1">
-        <a:tint val="60000"/>
-      </a:schemeClr>
+      <a:schemeClr val="lt1"/>
     </dgm:linClrLst>
     <dgm:effectClrLst/>
     <dgm:txLinClrLst/>
@@ -3295,43 +3308,40 @@
     <dgm:txEffectClrLst/>
   </dgm:styleLbl>
   <dgm:styleLbl name="fgSibTrans2D1">
-    <dgm:fillClrLst meth="repeat">
-      <a:schemeClr val="accent1">
-        <a:tint val="60000"/>
-      </a:schemeClr>
+    <dgm:fillClrLst>
+      <a:schemeClr val="accent2"/>
+      <a:schemeClr val="accent3"/>
     </dgm:fillClrLst>
     <dgm:linClrLst meth="repeat">
-      <a:schemeClr val="accent1">
-        <a:tint val="60000"/>
-      </a:schemeClr>
-    </dgm:linClrLst>
-    <dgm:effectClrLst/>
-    <dgm:txLinClrLst/>
-    <dgm:txFillClrLst/>
+      <a:schemeClr val="lt1"/>
+    </dgm:linClrLst>
+    <dgm:effectClrLst/>
+    <dgm:txLinClrLst/>
+    <dgm:txFillClrLst meth="repeat">
+      <a:schemeClr val="lt1"/>
+    </dgm:txFillClrLst>
     <dgm:txEffectClrLst/>
   </dgm:styleLbl>
   <dgm:styleLbl name="bgSibTrans2D1">
-    <dgm:fillClrLst meth="repeat">
-      <a:schemeClr val="accent1">
-        <a:tint val="60000"/>
-      </a:schemeClr>
+    <dgm:fillClrLst>
+      <a:schemeClr val="accent2"/>
+      <a:schemeClr val="accent3"/>
     </dgm:fillClrLst>
     <dgm:linClrLst meth="repeat">
-      <a:schemeClr val="accent1">
-        <a:tint val="60000"/>
-      </a:schemeClr>
-    </dgm:linClrLst>
-    <dgm:effectClrLst/>
-    <dgm:txLinClrLst/>
-    <dgm:txFillClrLst/>
+      <a:schemeClr val="lt1"/>
+    </dgm:linClrLst>
+    <dgm:effectClrLst/>
+    <dgm:txLinClrLst/>
+    <dgm:txFillClrLst meth="repeat">
+      <a:schemeClr val="lt1"/>
+    </dgm:txFillClrLst>
     <dgm:txEffectClrLst/>
   </dgm:styleLbl>
   <dgm:styleLbl name="sibTrans1D1">
-    <dgm:fillClrLst meth="repeat">
-      <a:schemeClr val="accent1"/>
-    </dgm:fillClrLst>
-    <dgm:linClrLst meth="repeat">
-      <a:schemeClr val="accent1"/>
+    <dgm:fillClrLst/>
+    <dgm:linClrLst>
+      <a:schemeClr val="accent2"/>
+      <a:schemeClr val="accent3"/>
     </dgm:linClrLst>
     <dgm:effectClrLst/>
     <dgm:txLinClrLst/>
@@ -3342,10 +3352,10 @@
   </dgm:styleLbl>
   <dgm:styleLbl name="callout">
     <dgm:fillClrLst meth="repeat">
-      <a:schemeClr val="accent1"/>
+      <a:schemeClr val="accent2"/>
     </dgm:fillClrLst>
     <dgm:linClrLst meth="repeat">
-      <a:schemeClr val="accent1">
+      <a:schemeClr val="accent2">
         <a:tint val="50000"/>
       </a:schemeClr>
     </dgm:linClrLst>
@@ -3358,7 +3368,35 @@
   </dgm:styleLbl>
   <dgm:styleLbl name="asst0">
     <dgm:fillClrLst meth="repeat">
-      <a:schemeClr val="accent1"/>
+      <a:schemeClr val="accent2"/>
+    </dgm:fillClrLst>
+    <dgm:linClrLst meth="repeat">
+      <a:schemeClr val="lt1">
+        <a:shade val="80000"/>
+      </a:schemeClr>
+    </dgm:linClrLst>
+    <dgm:effectClrLst/>
+    <dgm:txLinClrLst/>
+    <dgm:txFillClrLst/>
+    <dgm:txEffectClrLst/>
+  </dgm:styleLbl>
+  <dgm:styleLbl name="asst1">
+    <dgm:fillClrLst meth="repeat">
+      <a:schemeClr val="accent3"/>
+    </dgm:fillClrLst>
+    <dgm:linClrLst meth="repeat">
+      <a:schemeClr val="lt1">
+        <a:shade val="80000"/>
+      </a:schemeClr>
+    </dgm:linClrLst>
+    <dgm:effectClrLst/>
+    <dgm:txLinClrLst/>
+    <dgm:txFillClrLst/>
+    <dgm:txEffectClrLst/>
+  </dgm:styleLbl>
+  <dgm:styleLbl name="asst2">
+    <dgm:fillClrLst>
+      <a:schemeClr val="accent4"/>
     </dgm:fillClrLst>
     <dgm:linClrLst meth="repeat">
       <a:schemeClr val="lt1"/>
@@ -3368,9 +3406,9 @@
     <dgm:txFillClrLst/>
     <dgm:txEffectClrLst/>
   </dgm:styleLbl>
-  <dgm:styleLbl name="asst1">
-    <dgm:fillClrLst meth="repeat">
-      <a:schemeClr val="accent1"/>
+  <dgm:styleLbl name="asst3">
+    <dgm:fillClrLst>
+      <a:schemeClr val="accent5"/>
     </dgm:fillClrLst>
     <dgm:linClrLst meth="repeat">
       <a:schemeClr val="lt1"/>
@@ -3380,9 +3418,9 @@
     <dgm:txFillClrLst/>
     <dgm:txEffectClrLst/>
   </dgm:styleLbl>
-  <dgm:styleLbl name="asst2">
-    <dgm:fillClrLst meth="repeat">
-      <a:schemeClr val="accent1"/>
+  <dgm:styleLbl name="asst4">
+    <dgm:fillClrLst>
+      <a:schemeClr val="accent6"/>
     </dgm:fillClrLst>
     <dgm:linClrLst meth="repeat">
       <a:schemeClr val="lt1"/>
@@ -3392,40 +3430,12 @@
     <dgm:txFillClrLst/>
     <dgm:txEffectClrLst/>
   </dgm:styleLbl>
-  <dgm:styleLbl name="asst3">
+  <dgm:styleLbl name="parChTrans2D1">
     <dgm:fillClrLst meth="repeat">
-      <a:schemeClr val="accent1"/>
+      <a:schemeClr val="accent2"/>
     </dgm:fillClrLst>
     <dgm:linClrLst meth="repeat">
       <a:schemeClr val="lt1"/>
-    </dgm:linClrLst>
-    <dgm:effectClrLst/>
-    <dgm:txLinClrLst/>
-    <dgm:txFillClrLst/>
-    <dgm:txEffectClrLst/>
-  </dgm:styleLbl>
-  <dgm:styleLbl name="asst4">
-    <dgm:fillClrLst meth="repeat">
-      <a:schemeClr val="accent1"/>
-    </dgm:fillClrLst>
-    <dgm:linClrLst meth="repeat">
-      <a:schemeClr val="lt1"/>
-    </dgm:linClrLst>
-    <dgm:effectClrLst/>
-    <dgm:txLinClrLst/>
-    <dgm:txFillClrLst/>
-    <dgm:txEffectClrLst/>
-  </dgm:styleLbl>
-  <dgm:styleLbl name="parChTrans2D1">
-    <dgm:fillClrLst meth="repeat">
-      <a:schemeClr val="accent1">
-        <a:tint val="60000"/>
-      </a:schemeClr>
-    </dgm:fillClrLst>
-    <dgm:linClrLst meth="repeat">
-      <a:schemeClr val="accent1">
-        <a:tint val="60000"/>
-      </a:schemeClr>
     </dgm:linClrLst>
     <dgm:effectClrLst/>
     <dgm:txLinClrLst/>
@@ -3436,10 +3446,34 @@
   </dgm:styleLbl>
   <dgm:styleLbl name="parChTrans2D2">
     <dgm:fillClrLst meth="repeat">
-      <a:schemeClr val="accent1"/>
+      <a:schemeClr val="accent3"/>
     </dgm:fillClrLst>
     <dgm:linClrLst meth="repeat">
-      <a:schemeClr val="accent1"/>
+      <a:schemeClr val="lt1"/>
+    </dgm:linClrLst>
+    <dgm:effectClrLst/>
+    <dgm:txLinClrLst/>
+    <dgm:txFillClrLst/>
+    <dgm:txEffectClrLst/>
+  </dgm:styleLbl>
+  <dgm:styleLbl name="parChTrans2D3">
+    <dgm:fillClrLst meth="repeat">
+      <a:schemeClr val="accent4"/>
+    </dgm:fillClrLst>
+    <dgm:linClrLst meth="repeat">
+      <a:schemeClr val="lt1"/>
+    </dgm:linClrLst>
+    <dgm:effectClrLst/>
+    <dgm:txLinClrLst/>
+    <dgm:txFillClrLst/>
+    <dgm:txEffectClrLst/>
+  </dgm:styleLbl>
+  <dgm:styleLbl name="parChTrans2D4">
+    <dgm:fillClrLst meth="repeat">
+      <a:schemeClr val="accent5"/>
+    </dgm:fillClrLst>
+    <dgm:linClrLst meth="repeat">
+      <a:schemeClr val="lt1"/>
     </dgm:linClrLst>
     <dgm:effectClrLst/>
     <dgm:txLinClrLst/>
@@ -3448,42 +3482,12 @@
     </dgm:txFillClrLst>
     <dgm:txEffectClrLst/>
   </dgm:styleLbl>
-  <dgm:styleLbl name="parChTrans2D3">
-    <dgm:fillClrLst meth="repeat">
-      <a:schemeClr val="accent1"/>
-    </dgm:fillClrLst>
-    <dgm:linClrLst meth="repeat">
-      <a:schemeClr val="accent1"/>
-    </dgm:linClrLst>
-    <dgm:effectClrLst/>
-    <dgm:txLinClrLst/>
-    <dgm:txFillClrLst meth="repeat">
-      <a:schemeClr val="lt1"/>
-    </dgm:txFillClrLst>
-    <dgm:txEffectClrLst/>
-  </dgm:styleLbl>
-  <dgm:styleLbl name="parChTrans2D4">
-    <dgm:fillClrLst meth="repeat">
-      <a:schemeClr val="accent1"/>
-    </dgm:fillClrLst>
-    <dgm:linClrLst meth="repeat">
-      <a:schemeClr val="accent1"/>
-    </dgm:linClrLst>
-    <dgm:effectClrLst/>
-    <dgm:txLinClrLst/>
-    <dgm:txFillClrLst meth="repeat">
-      <a:schemeClr val="lt1"/>
-    </dgm:txFillClrLst>
-    <dgm:txEffectClrLst/>
-  </dgm:styleLbl>
   <dgm:styleLbl name="parChTrans1D1">
     <dgm:fillClrLst meth="repeat">
-      <a:schemeClr val="accent1"/>
+      <a:schemeClr val="accent2"/>
     </dgm:fillClrLst>
     <dgm:linClrLst meth="repeat">
-      <a:schemeClr val="accent1">
-        <a:shade val="60000"/>
-      </a:schemeClr>
+      <a:schemeClr val="accent2"/>
     </dgm:linClrLst>
     <dgm:effectClrLst/>
     <dgm:txLinClrLst/>
@@ -3494,12 +3498,12 @@
   </dgm:styleLbl>
   <dgm:styleLbl name="parChTrans1D2">
     <dgm:fillClrLst meth="repeat">
-      <a:schemeClr val="accent1"/>
+      <a:schemeClr val="accent2">
+        <a:tint val="90000"/>
+      </a:schemeClr>
     </dgm:fillClrLst>
     <dgm:linClrLst meth="repeat">
-      <a:schemeClr val="accent1">
-        <a:shade val="60000"/>
-      </a:schemeClr>
+      <a:schemeClr val="accent3"/>
     </dgm:linClrLst>
     <dgm:effectClrLst/>
     <dgm:txLinClrLst/>
@@ -3510,12 +3514,12 @@
   </dgm:styleLbl>
   <dgm:styleLbl name="parChTrans1D3">
     <dgm:fillClrLst meth="repeat">
-      <a:schemeClr val="accent1"/>
+      <a:schemeClr val="accent2">
+        <a:tint val="70000"/>
+      </a:schemeClr>
     </dgm:fillClrLst>
     <dgm:linClrLst meth="repeat">
-      <a:schemeClr val="accent1">
-        <a:shade val="80000"/>
-      </a:schemeClr>
+      <a:schemeClr val="accent4"/>
     </dgm:linClrLst>
     <dgm:effectClrLst/>
     <dgm:txLinClrLst/>
@@ -3526,12 +3530,12 @@
   </dgm:styleLbl>
   <dgm:styleLbl name="parChTrans1D4">
     <dgm:fillClrLst meth="repeat">
-      <a:schemeClr val="accent1"/>
+      <a:schemeClr val="accent2">
+        <a:tint val="50000"/>
+      </a:schemeClr>
     </dgm:fillClrLst>
     <dgm:linClrLst meth="repeat">
-      <a:schemeClr val="accent1">
-        <a:shade val="80000"/>
-      </a:schemeClr>
+      <a:schemeClr val="accent5"/>
     </dgm:linClrLst>
     <dgm:effectClrLst/>
     <dgm:txLinClrLst/>
@@ -3546,8 +3550,9 @@
         <a:alpha val="90000"/>
       </a:schemeClr>
     </dgm:fillClrLst>
-    <dgm:linClrLst meth="repeat">
-      <a:schemeClr val="accent1"/>
+    <dgm:linClrLst>
+      <a:schemeClr val="accent2"/>
+      <a:schemeClr val="accent3"/>
     </dgm:linClrLst>
     <dgm:effectClrLst/>
     <dgm:txLinClrLst/>
@@ -3562,8 +3567,9 @@
         <a:alpha val="90000"/>
       </a:schemeClr>
     </dgm:fillClrLst>
-    <dgm:linClrLst meth="repeat">
-      <a:schemeClr val="accent1"/>
+    <dgm:linClrLst>
+      <a:schemeClr val="accent2"/>
+      <a:schemeClr val="accent3"/>
     </dgm:linClrLst>
     <dgm:effectClrLst/>
     <dgm:txLinClrLst/>
@@ -3578,8 +3584,9 @@
         <a:alpha val="90000"/>
       </a:schemeClr>
     </dgm:fillClrLst>
-    <dgm:linClrLst meth="repeat">
-      <a:schemeClr val="accent1"/>
+    <dgm:linClrLst>
+      <a:schemeClr val="accent2"/>
+      <a:schemeClr val="accent3"/>
     </dgm:linClrLst>
     <dgm:effectClrLst/>
     <dgm:txLinClrLst/>
@@ -3595,7 +3602,7 @@
       </a:schemeClr>
     </dgm:fillClrLst>
     <dgm:linClrLst meth="repeat">
-      <a:schemeClr val="accent1"/>
+      <a:schemeClr val="accent2"/>
     </dgm:linClrLst>
     <dgm:effectClrLst/>
     <dgm:txLinClrLst/>
@@ -3610,8 +3617,9 @@
         <a:alpha val="90000"/>
       </a:schemeClr>
     </dgm:fillClrLst>
-    <dgm:linClrLst meth="repeat">
-      <a:schemeClr val="accent1"/>
+    <dgm:linClrLst>
+      <a:schemeClr val="accent2"/>
+      <a:schemeClr val="accent3"/>
     </dgm:linClrLst>
     <dgm:effectClrLst/>
     <dgm:txLinClrLst/>
@@ -3624,8 +3632,9 @@
     <dgm:fillClrLst meth="repeat">
       <a:schemeClr val="lt1"/>
     </dgm:fillClrLst>
-    <dgm:linClrLst meth="repeat">
-      <a:schemeClr val="accent1"/>
+    <dgm:linClrLst>
+      <a:schemeClr val="accent2"/>
+      <a:schemeClr val="accent3"/>
     </dgm:linClrLst>
     <dgm:effectClrLst/>
     <dgm:txLinClrLst/>
@@ -3638,8 +3647,9 @@
     <dgm:fillClrLst meth="repeat">
       <a:schemeClr val="lt1"/>
     </dgm:fillClrLst>
-    <dgm:linClrLst meth="repeat">
-      <a:schemeClr val="accent1"/>
+    <dgm:linClrLst>
+      <a:schemeClr val="accent2"/>
+      <a:schemeClr val="accent3"/>
     </dgm:linClrLst>
     <dgm:effectClrLst/>
     <dgm:txLinClrLst/>
@@ -3652,8 +3662,9 @@
     <dgm:fillClrLst meth="repeat">
       <a:schemeClr val="lt1"/>
     </dgm:fillClrLst>
-    <dgm:linClrLst meth="repeat">
-      <a:schemeClr val="accent1"/>
+    <dgm:linClrLst>
+      <a:schemeClr val="accent2"/>
+      <a:schemeClr val="accent3"/>
     </dgm:linClrLst>
     <dgm:effectClrLst/>
     <dgm:txLinClrLst/>
@@ -3663,16 +3674,24 @@
     <dgm:txEffectClrLst/>
   </dgm:styleLbl>
   <dgm:styleLbl name="fgAccFollowNode1">
-    <dgm:fillClrLst meth="repeat">
-      <a:schemeClr val="accent1">
+    <dgm:fillClrLst>
+      <a:schemeClr val="accent2">
+        <a:tint val="40000"/>
         <a:alpha val="90000"/>
+      </a:schemeClr>
+      <a:schemeClr val="accent3">
         <a:tint val="40000"/>
+        <a:alpha val="90000"/>
       </a:schemeClr>
     </dgm:fillClrLst>
-    <dgm:linClrLst meth="repeat">
-      <a:schemeClr val="accent1">
+    <dgm:linClrLst>
+      <a:schemeClr val="accent2">
+        <a:tint val="40000"/>
         <a:alpha val="90000"/>
+      </a:schemeClr>
+      <a:schemeClr val="accent3">
         <a:tint val="40000"/>
+        <a:alpha val="90000"/>
       </a:schemeClr>
     </dgm:linClrLst>
     <dgm:effectClrLst/>
@@ -3683,16 +3702,24 @@
     <dgm:txEffectClrLst/>
   </dgm:styleLbl>
   <dgm:styleLbl name="alignAccFollowNode1">
-    <dgm:fillClrLst meth="repeat">
-      <a:schemeClr val="accent1">
+    <dgm:fillClrLst>
+      <a:schemeClr val="accent2">
+        <a:tint val="40000"/>
         <a:alpha val="90000"/>
+      </a:schemeClr>
+      <a:schemeClr val="accent3">
         <a:tint val="40000"/>
+        <a:alpha val="90000"/>
       </a:schemeClr>
     </dgm:fillClrLst>
-    <dgm:linClrLst meth="repeat">
-      <a:schemeClr val="accent1">
+    <dgm:linClrLst>
+      <a:schemeClr val="accent2">
+        <a:tint val="40000"/>
         <a:alpha val="90000"/>
+      </a:schemeClr>
+      <a:schemeClr val="accent3">
         <a:tint val="40000"/>
+        <a:alpha val="90000"/>
       </a:schemeClr>
     </dgm:linClrLst>
     <dgm:effectClrLst/>
@@ -3703,16 +3730,24 @@
     <dgm:txEffectClrLst/>
   </dgm:styleLbl>
   <dgm:styleLbl name="bgAccFollowNode1">
-    <dgm:fillClrLst meth="repeat">
-      <a:schemeClr val="accent1">
+    <dgm:fillClrLst>
+      <a:schemeClr val="accent2">
+        <a:tint val="40000"/>
         <a:alpha val="90000"/>
+      </a:schemeClr>
+      <a:schemeClr val="accent3">
         <a:tint val="40000"/>
+        <a:alpha val="90000"/>
       </a:schemeClr>
     </dgm:fillClrLst>
-    <dgm:linClrLst meth="repeat">
-      <a:schemeClr val="accent1">
+    <dgm:linClrLst>
+      <a:schemeClr val="accent2">
+        <a:tint val="40000"/>
         <a:alpha val="90000"/>
+      </a:schemeClr>
+      <a:schemeClr val="accent3">
         <a:tint val="40000"/>
+        <a:alpha val="90000"/>
       </a:schemeClr>
     </dgm:linClrLst>
     <dgm:effectClrLst/>
@@ -3728,7 +3763,7 @@
         <a:alpha val="90000"/>
       </a:schemeClr>
     </dgm:fillClrLst>
-    <dgm:linClrLst meth="repeat">
+    <dgm:linClrLst>
       <a:schemeClr val="accent1"/>
     </dgm:linClrLst>
     <dgm:effectClrLst/>
@@ -3744,8 +3779,8 @@
         <a:alpha val="90000"/>
       </a:schemeClr>
     </dgm:fillClrLst>
-    <dgm:linClrLst meth="repeat">
-      <a:schemeClr val="accent1"/>
+    <dgm:linClrLst>
+      <a:schemeClr val="accent3"/>
     </dgm:linClrLst>
     <dgm:effectClrLst/>
     <dgm:txLinClrLst/>
@@ -3760,8 +3795,8 @@
         <a:alpha val="90000"/>
       </a:schemeClr>
     </dgm:fillClrLst>
-    <dgm:linClrLst meth="repeat">
-      <a:schemeClr val="accent1"/>
+    <dgm:linClrLst>
+      <a:schemeClr val="accent4"/>
     </dgm:linClrLst>
     <dgm:effectClrLst/>
     <dgm:txLinClrLst/>
@@ -3776,8 +3811,8 @@
         <a:alpha val="90000"/>
       </a:schemeClr>
     </dgm:fillClrLst>
-    <dgm:linClrLst meth="repeat">
-      <a:schemeClr val="accent1"/>
+    <dgm:linClrLst>
+      <a:schemeClr val="accent5"/>
     </dgm:linClrLst>
     <dgm:effectClrLst/>
     <dgm:txLinClrLst/>
@@ -3788,12 +3823,12 @@
   </dgm:styleLbl>
   <dgm:styleLbl name="bgShp">
     <dgm:fillClrLst meth="repeat">
-      <a:schemeClr val="accent1">
+      <a:schemeClr val="accent2">
         <a:tint val="40000"/>
       </a:schemeClr>
     </dgm:fillClrLst>
     <dgm:linClrLst meth="repeat">
-      <a:schemeClr val="accent1"/>
+      <a:schemeClr val="dk1"/>
     </dgm:linClrLst>
     <dgm:effectClrLst/>
     <dgm:txLinClrLst/>
@@ -3804,12 +3839,12 @@
   </dgm:styleLbl>
   <dgm:styleLbl name="dkBgShp">
     <dgm:fillClrLst meth="repeat">
-      <a:schemeClr val="accent1">
-        <a:shade val="80000"/>
+      <a:schemeClr val="accent2">
+        <a:shade val="90000"/>
       </a:schemeClr>
     </dgm:fillClrLst>
     <dgm:linClrLst meth="repeat">
-      <a:schemeClr val="accent1"/>
+      <a:schemeClr val="dk1"/>
     </dgm:linClrLst>
     <dgm:effectClrLst/>
     <dgm:txLinClrLst/>
@@ -3820,13 +3855,13 @@
   </dgm:styleLbl>
   <dgm:styleLbl name="trBgShp">
     <dgm:fillClrLst meth="repeat">
-      <a:schemeClr val="accent1">
+      <a:schemeClr val="accent2">
         <a:tint val="50000"/>
         <a:alpha val="40000"/>
       </a:schemeClr>
     </dgm:fillClrLst>
     <dgm:linClrLst meth="repeat">
-      <a:schemeClr val="accent1"/>
+      <a:schemeClr val="accent2"/>
     </dgm:linClrLst>
     <dgm:effectClrLst/>
     <dgm:txLinClrLst/>
@@ -3837,8 +3872,8 @@
   </dgm:styleLbl>
   <dgm:styleLbl name="fgShp">
     <dgm:fillClrLst meth="repeat">
-      <a:schemeClr val="accent1">
-        <a:tint val="60000"/>
+      <a:schemeClr val="accent2">
+        <a:tint val="40000"/>
       </a:schemeClr>
     </dgm:fillClrLst>
     <dgm:linClrLst meth="repeat">
@@ -6865,158 +6900,6 @@
   <dgm:ptLst>
     <dgm:pt modelId="{63E67CAA-DB66-4C69-9CD7-22FB961DCA0D}" type="doc">
       <dgm:prSet loTypeId="urn:microsoft.com/office/officeart/2005/8/layout/vList2" loCatId="list" qsTypeId="urn:microsoft.com/office/officeart/2005/8/quickstyle/simple1" qsCatId="simple" csTypeId="urn:microsoft.com/office/officeart/2005/8/colors/accent1_2" csCatId="accent1" phldr="1"/>
-      <dgm:spPr/>
-      <dgm:t>
-        <a:bodyPr/>
-        <a:lstStyle/>
-        <a:p>
-          <a:endParaRPr lang="en-US"/>
-        </a:p>
-      </dgm:t>
-    </dgm:pt>
-    <dgm:pt modelId="{5962DBD1-FE6D-4403-8F95-50C423735362}">
-      <dgm:prSet/>
-      <dgm:spPr/>
-      <dgm:t>
-        <a:bodyPr/>
-        <a:lstStyle/>
-        <a:p>
-          <a:pPr rtl="0"/>
-          <a:r>
-            <a:rPr lang="en-US" b="0" i="0" baseline="0" dirty="0" smtClean="0"/>
-            <a:t>Purpose:</a:t>
-          </a:r>
-          <a:endParaRPr lang="en-US" dirty="0"/>
-        </a:p>
-      </dgm:t>
-    </dgm:pt>
-    <dgm:pt modelId="{7D0291D0-92A0-4AF7-8287-8979A6CE8026}" type="parTrans" cxnId="{A4FB8865-A75F-40BB-BB82-C1A1B6245B43}">
-      <dgm:prSet/>
-      <dgm:spPr/>
-      <dgm:t>
-        <a:bodyPr/>
-        <a:lstStyle/>
-        <a:p>
-          <a:endParaRPr lang="en-US"/>
-        </a:p>
-      </dgm:t>
-    </dgm:pt>
-    <dgm:pt modelId="{EDAD917F-F468-4141-ABFB-0C2FC61A7643}" type="sibTrans" cxnId="{A4FB8865-A75F-40BB-BB82-C1A1B6245B43}">
-      <dgm:prSet/>
-      <dgm:spPr/>
-      <dgm:t>
-        <a:bodyPr/>
-        <a:lstStyle/>
-        <a:p>
-          <a:endParaRPr lang="en-US"/>
-        </a:p>
-      </dgm:t>
-    </dgm:pt>
-    <dgm:pt modelId="{AE4F594B-E10C-415F-8C6F-C0A5C6D8A856}">
-      <dgm:prSet/>
-      <dgm:spPr/>
-      <dgm:t>
-        <a:bodyPr/>
-        <a:lstStyle/>
-        <a:p>
-          <a:pPr rtl="0"/>
-          <a:r>
-            <a:rPr lang="en-US" dirty="0" smtClean="0"/>
-            <a:t>I wanted to learn how to use the XNA framework</a:t>
-          </a:r>
-          <a:endParaRPr lang="en-US" dirty="0"/>
-        </a:p>
-      </dgm:t>
-    </dgm:pt>
-    <dgm:pt modelId="{28275281-050C-44A7-BBC6-97EF6EF5542F}" type="parTrans" cxnId="{F07D7875-ED4B-49AE-9F77-5B010EED131E}">
-      <dgm:prSet/>
-      <dgm:spPr/>
-      <dgm:t>
-        <a:bodyPr/>
-        <a:lstStyle/>
-        <a:p>
-          <a:endParaRPr lang="en-US"/>
-        </a:p>
-      </dgm:t>
-    </dgm:pt>
-    <dgm:pt modelId="{93173621-92F0-48F7-8C13-5DC8563EC034}" type="sibTrans" cxnId="{F07D7875-ED4B-49AE-9F77-5B010EED131E}">
-      <dgm:prSet/>
-      <dgm:spPr/>
-      <dgm:t>
-        <a:bodyPr/>
-        <a:lstStyle/>
-        <a:p>
-          <a:endParaRPr lang="en-US"/>
-        </a:p>
-      </dgm:t>
-    </dgm:pt>
-    <dgm:pt modelId="{FD5485BE-8FC1-4179-81FF-C0C68C19932B}">
-      <dgm:prSet/>
-      <dgm:spPr/>
-      <dgm:t>
-        <a:bodyPr/>
-        <a:lstStyle/>
-        <a:p>
-          <a:pPr rtl="0"/>
-          <a:r>
-            <a:rPr lang="en-US" dirty="0" smtClean="0"/>
-            <a:t>I like writing games</a:t>
-          </a:r>
-          <a:endParaRPr lang="en-US" dirty="0"/>
-        </a:p>
-      </dgm:t>
-    </dgm:pt>
-    <dgm:pt modelId="{B816AC35-381A-47B8-A1F5-6561722A4F9D}" type="parTrans" cxnId="{709BCF06-94ED-4D99-BE56-DCE12BEA41F0}">
-      <dgm:prSet/>
-      <dgm:spPr/>
-      <dgm:t>
-        <a:bodyPr/>
-        <a:lstStyle/>
-        <a:p>
-          <a:endParaRPr lang="en-US"/>
-        </a:p>
-      </dgm:t>
-    </dgm:pt>
-    <dgm:pt modelId="{C792E126-A4B2-4999-91FF-9739038126C7}" type="sibTrans" cxnId="{709BCF06-94ED-4D99-BE56-DCE12BEA41F0}">
-      <dgm:prSet/>
-      <dgm:spPr/>
-      <dgm:t>
-        <a:bodyPr/>
-        <a:lstStyle/>
-        <a:p>
-          <a:endParaRPr lang="en-US"/>
-        </a:p>
-      </dgm:t>
-    </dgm:pt>
-    <dgm:pt modelId="{DB7FF2C6-4F46-4B68-9471-FBAB426D73C0}">
-      <dgm:prSet/>
-      <dgm:spPr/>
-      <dgm:t>
-        <a:bodyPr/>
-        <a:lstStyle/>
-        <a:p>
-          <a:pPr rtl="0"/>
-          <a:r>
-            <a:rPr lang="en-US" b="0" i="0" baseline="0" smtClean="0"/>
-            <a:t>Learning: </a:t>
-          </a:r>
-          <a:endParaRPr lang="en-US"/>
-        </a:p>
-      </dgm:t>
-    </dgm:pt>
-    <dgm:pt modelId="{3E925D34-DFF2-4AD9-83D2-BAD266FB3233}" type="parTrans" cxnId="{84BF19B6-7B52-43C7-9ECF-612D26D975BA}">
-      <dgm:prSet/>
-      <dgm:spPr/>
-      <dgm:t>
-        <a:bodyPr/>
-        <a:lstStyle/>
-        <a:p>
-          <a:endParaRPr lang="en-US"/>
-        </a:p>
-      </dgm:t>
-    </dgm:pt>
-    <dgm:pt modelId="{C256A0CB-2C10-4434-B3ED-84ECC04957C2}" type="sibTrans" cxnId="{84BF19B6-7B52-43C7-9ECF-612D26D975BA}">
-      <dgm:prSet/>
       <dgm:spPr/>
       <dgm:t>
         <a:bodyPr/>
@@ -7292,6 +7175,44 @@
         </a:p>
       </dgm:t>
     </dgm:pt>
+    <dgm:pt modelId="{DB7FF2C6-4F46-4B68-9471-FBAB426D73C0}">
+      <dgm:prSet/>
+      <dgm:spPr/>
+      <dgm:t>
+        <a:bodyPr/>
+        <a:lstStyle/>
+        <a:p>
+          <a:pPr rtl="0"/>
+          <a:r>
+            <a:rPr lang="en-US" b="0" i="0" baseline="0" dirty="0" smtClean="0"/>
+            <a:t>Learning: </a:t>
+          </a:r>
+          <a:endParaRPr lang="en-US" dirty="0"/>
+        </a:p>
+      </dgm:t>
+    </dgm:pt>
+    <dgm:pt modelId="{C256A0CB-2C10-4434-B3ED-84ECC04957C2}" type="sibTrans" cxnId="{84BF19B6-7B52-43C7-9ECF-612D26D975BA}">
+      <dgm:prSet/>
+      <dgm:spPr/>
+      <dgm:t>
+        <a:bodyPr/>
+        <a:lstStyle/>
+        <a:p>
+          <a:endParaRPr lang="en-US"/>
+        </a:p>
+      </dgm:t>
+    </dgm:pt>
+    <dgm:pt modelId="{3E925D34-DFF2-4AD9-83D2-BAD266FB3233}" type="parTrans" cxnId="{84BF19B6-7B52-43C7-9ECF-612D26D975BA}">
+      <dgm:prSet/>
+      <dgm:spPr/>
+      <dgm:t>
+        <a:bodyPr/>
+        <a:lstStyle/>
+        <a:p>
+          <a:endParaRPr lang="en-US"/>
+        </a:p>
+      </dgm:t>
+    </dgm:pt>
     <dgm:pt modelId="{3A90D3A2-310A-4A8B-9799-4ABEB18806E1}" type="pres">
       <dgm:prSet presAssocID="{63E67CAA-DB66-4C69-9CD7-22FB961DCA0D}" presName="linear" presStyleCnt="0">
         <dgm:presLayoutVars>
@@ -7308,39 +7229,8 @@
         </a:p>
       </dgm:t>
     </dgm:pt>
-    <dgm:pt modelId="{91CFFA7C-DA35-49C5-A818-33A1244856E0}" type="pres">
-      <dgm:prSet presAssocID="{5962DBD1-FE6D-4403-8F95-50C423735362}" presName="parentText" presStyleLbl="node1" presStyleIdx="0" presStyleCnt="3">
-        <dgm:presLayoutVars>
-          <dgm:chMax val="0"/>
-          <dgm:bulletEnabled val="1"/>
-        </dgm:presLayoutVars>
-      </dgm:prSet>
-      <dgm:spPr/>
-      <dgm:t>
-        <a:bodyPr/>
-        <a:lstStyle/>
-        <a:p>
-          <a:endParaRPr lang="en-US"/>
-        </a:p>
-      </dgm:t>
-    </dgm:pt>
-    <dgm:pt modelId="{D515420E-96DF-4C9B-A50F-1E0E10173BBB}" type="pres">
-      <dgm:prSet presAssocID="{5962DBD1-FE6D-4403-8F95-50C423735362}" presName="childText" presStyleLbl="revTx" presStyleIdx="0" presStyleCnt="3">
-        <dgm:presLayoutVars>
-          <dgm:bulletEnabled val="1"/>
-        </dgm:presLayoutVars>
-      </dgm:prSet>
-      <dgm:spPr/>
-      <dgm:t>
-        <a:bodyPr/>
-        <a:lstStyle/>
-        <a:p>
-          <a:endParaRPr lang="en-US"/>
-        </a:p>
-      </dgm:t>
-    </dgm:pt>
     <dgm:pt modelId="{2AC19BD8-D3A3-4669-9178-F4C528DC8E51}" type="pres">
-      <dgm:prSet presAssocID="{DB7FF2C6-4F46-4B68-9471-FBAB426D73C0}" presName="parentText" presStyleLbl="node1" presStyleIdx="1" presStyleCnt="3">
+      <dgm:prSet presAssocID="{DB7FF2C6-4F46-4B68-9471-FBAB426D73C0}" presName="parentText" presStyleLbl="node1" presStyleIdx="0" presStyleCnt="2">
         <dgm:presLayoutVars>
           <dgm:chMax val="0"/>
           <dgm:bulletEnabled val="1"/>
@@ -7356,7 +7246,7 @@
       </dgm:t>
     </dgm:pt>
     <dgm:pt modelId="{AC4F97E0-F7BB-445D-94A8-2C7139F1D396}" type="pres">
-      <dgm:prSet presAssocID="{DB7FF2C6-4F46-4B68-9471-FBAB426D73C0}" presName="childText" presStyleLbl="revTx" presStyleIdx="1" presStyleCnt="3">
+      <dgm:prSet presAssocID="{DB7FF2C6-4F46-4B68-9471-FBAB426D73C0}" presName="childText" presStyleLbl="revTx" presStyleIdx="0" presStyleCnt="2">
         <dgm:presLayoutVars>
           <dgm:bulletEnabled val="1"/>
         </dgm:presLayoutVars>
@@ -7371,7 +7261,7 @@
       </dgm:t>
     </dgm:pt>
     <dgm:pt modelId="{585BDC65-F056-48DC-B65F-85CDEAE1B9DB}" type="pres">
-      <dgm:prSet presAssocID="{B403F4F3-F047-4E84-A413-5D71A165F9B6}" presName="parentText" presStyleLbl="node1" presStyleIdx="2" presStyleCnt="3">
+      <dgm:prSet presAssocID="{B403F4F3-F047-4E84-A413-5D71A165F9B6}" presName="parentText" presStyleLbl="node1" presStyleIdx="1" presStyleCnt="2">
         <dgm:presLayoutVars>
           <dgm:chMax val="0"/>
           <dgm:bulletEnabled val="1"/>
@@ -7387,7 +7277,7 @@
       </dgm:t>
     </dgm:pt>
     <dgm:pt modelId="{045A43DC-0322-4412-A4DA-1ADAAD097C79}" type="pres">
-      <dgm:prSet presAssocID="{B403F4F3-F047-4E84-A413-5D71A165F9B6}" presName="childText" presStyleLbl="revTx" presStyleIdx="2" presStyleCnt="3">
+      <dgm:prSet presAssocID="{B403F4F3-F047-4E84-A413-5D71A165F9B6}" presName="childText" presStyleLbl="revTx" presStyleIdx="1" presStyleCnt="2">
         <dgm:presLayoutVars>
           <dgm:bulletEnabled val="1"/>
         </dgm:presLayoutVars>
@@ -7403,35 +7293,27 @@
     </dgm:pt>
   </dgm:ptLst>
   <dgm:cxnLst>
-    <dgm:cxn modelId="{709BCF06-94ED-4D99-BE56-DCE12BEA41F0}" srcId="{5962DBD1-FE6D-4403-8F95-50C423735362}" destId="{FD5485BE-8FC1-4179-81FF-C0C68C19932B}" srcOrd="1" destOrd="0" parTransId="{B816AC35-381A-47B8-A1F5-6561722A4F9D}" sibTransId="{C792E126-A4B2-4999-91FF-9739038126C7}"/>
     <dgm:cxn modelId="{12284681-40AD-4D63-BDF0-1ABA64106F90}" type="presOf" srcId="{B403F4F3-F047-4E84-A413-5D71A165F9B6}" destId="{585BDC65-F056-48DC-B65F-85CDEAE1B9DB}" srcOrd="0" destOrd="0" presId="urn:microsoft.com/office/officeart/2005/8/layout/vList2"/>
-    <dgm:cxn modelId="{F07D7875-ED4B-49AE-9F77-5B010EED131E}" srcId="{5962DBD1-FE6D-4403-8F95-50C423735362}" destId="{AE4F594B-E10C-415F-8C6F-C0A5C6D8A856}" srcOrd="0" destOrd="0" parTransId="{28275281-050C-44A7-BBC6-97EF6EF5542F}" sibTransId="{93173621-92F0-48F7-8C13-5DC8563EC034}"/>
     <dgm:cxn modelId="{C157A648-0824-42F1-9816-6BF59F28CB25}" type="presOf" srcId="{977FD349-4796-4D7C-AD93-552CADD55754}" destId="{045A43DC-0322-4412-A4DA-1ADAAD097C79}" srcOrd="0" destOrd="1" presId="urn:microsoft.com/office/officeart/2005/8/layout/vList2"/>
-    <dgm:cxn modelId="{E1F88760-6300-4A37-AF6B-3F29681F4144}" srcId="{63E67CAA-DB66-4C69-9CD7-22FB961DCA0D}" destId="{B403F4F3-F047-4E84-A413-5D71A165F9B6}" srcOrd="2" destOrd="0" parTransId="{16B224F5-9107-4A19-ACA3-5C81792581A1}" sibTransId="{27AE5C1F-4EE9-460E-B3DF-28EA1624D77A}"/>
+    <dgm:cxn modelId="{E1F88760-6300-4A37-AF6B-3F29681F4144}" srcId="{63E67CAA-DB66-4C69-9CD7-22FB961DCA0D}" destId="{B403F4F3-F047-4E84-A413-5D71A165F9B6}" srcOrd="1" destOrd="0" parTransId="{16B224F5-9107-4A19-ACA3-5C81792581A1}" sibTransId="{27AE5C1F-4EE9-460E-B3DF-28EA1624D77A}"/>
+    <dgm:cxn modelId="{12EE72F6-CB93-495E-8ED1-57970FF9C718}" type="presOf" srcId="{AACFBDEB-E621-49D3-A537-7B8E7ACB9C96}" destId="{AC4F97E0-F7BB-445D-94A8-2C7139F1D396}" srcOrd="0" destOrd="2" presId="urn:microsoft.com/office/officeart/2005/8/layout/vList2"/>
     <dgm:cxn modelId="{5B4A1891-30FA-4384-8C06-04F27D51FB29}" type="presOf" srcId="{0F198A91-2AC0-4F10-9458-BDB200FD814A}" destId="{AC4F97E0-F7BB-445D-94A8-2C7139F1D396}" srcOrd="0" destOrd="0" presId="urn:microsoft.com/office/officeart/2005/8/layout/vList2"/>
-    <dgm:cxn modelId="{12EE72F6-CB93-495E-8ED1-57970FF9C718}" type="presOf" srcId="{AACFBDEB-E621-49D3-A537-7B8E7ACB9C96}" destId="{AC4F97E0-F7BB-445D-94A8-2C7139F1D396}" srcOrd="0" destOrd="2" presId="urn:microsoft.com/office/officeart/2005/8/layout/vList2"/>
     <dgm:cxn modelId="{63EB99AA-B1F5-48D2-8545-2A34B61ACB2B}" type="presOf" srcId="{3ED7B964-2B54-4DCB-86DF-91AB5EDC44D9}" destId="{045A43DC-0322-4412-A4DA-1ADAAD097C79}" srcOrd="0" destOrd="0" presId="urn:microsoft.com/office/officeart/2005/8/layout/vList2"/>
-    <dgm:cxn modelId="{84BF19B6-7B52-43C7-9ECF-612D26D975BA}" srcId="{63E67CAA-DB66-4C69-9CD7-22FB961DCA0D}" destId="{DB7FF2C6-4F46-4B68-9471-FBAB426D73C0}" srcOrd="1" destOrd="0" parTransId="{3E925D34-DFF2-4AD9-83D2-BAD266FB3233}" sibTransId="{C256A0CB-2C10-4434-B3ED-84ECC04957C2}"/>
+    <dgm:cxn modelId="{84BF19B6-7B52-43C7-9ECF-612D26D975BA}" srcId="{63E67CAA-DB66-4C69-9CD7-22FB961DCA0D}" destId="{DB7FF2C6-4F46-4B68-9471-FBAB426D73C0}" srcOrd="0" destOrd="0" parTransId="{3E925D34-DFF2-4AD9-83D2-BAD266FB3233}" sibTransId="{C256A0CB-2C10-4434-B3ED-84ECC04957C2}"/>
     <dgm:cxn modelId="{5BE3BEAB-5419-408D-BCB2-CAF496161D01}" srcId="{DB7FF2C6-4F46-4B68-9471-FBAB426D73C0}" destId="{0F198A91-2AC0-4F10-9458-BDB200FD814A}" srcOrd="0" destOrd="0" parTransId="{D3CCFC18-EE77-438C-817E-E38C506ED573}" sibTransId="{527AC3C7-8AFF-4282-AEBD-67BCFB3EC669}"/>
     <dgm:cxn modelId="{67A24AD4-6387-45F0-AE16-ABCF6D4B021E}" type="presOf" srcId="{C68EBA3E-A622-4829-9C08-83ACD74B2403}" destId="{AC4F97E0-F7BB-445D-94A8-2C7139F1D396}" srcOrd="0" destOrd="1" presId="urn:microsoft.com/office/officeart/2005/8/layout/vList2"/>
     <dgm:cxn modelId="{AB8AD108-FA5D-46C6-A6BF-ED629FB5C8EA}" srcId="{DB7FF2C6-4F46-4B68-9471-FBAB426D73C0}" destId="{AACFBDEB-E621-49D3-A537-7B8E7ACB9C96}" srcOrd="2" destOrd="0" parTransId="{7AA2FE87-72BC-4C37-B1FD-9B599B55AE73}" sibTransId="{4861CFA1-172E-45C4-A8BC-90E83B5EA69B}"/>
     <dgm:cxn modelId="{DEA41D7C-9462-48F2-B466-B453539948E6}" srcId="{DB7FF2C6-4F46-4B68-9471-FBAB426D73C0}" destId="{C68EBA3E-A622-4829-9C08-83ACD74B2403}" srcOrd="1" destOrd="0" parTransId="{2DDE53CD-007A-4DB0-81D6-6A37ED338B8F}" sibTransId="{757C4D4E-500F-407E-ABB1-C0E1350B09D1}"/>
     <dgm:cxn modelId="{CCA6C35A-8759-4443-BF1C-29D33C02BF91}" type="presOf" srcId="{2273ADAE-3599-4F8F-ACAC-8C5D515A9E9A}" destId="{045A43DC-0322-4412-A4DA-1ADAAD097C79}" srcOrd="0" destOrd="2" presId="urn:microsoft.com/office/officeart/2005/8/layout/vList2"/>
-    <dgm:cxn modelId="{83C69E28-4F15-4D81-8B30-915C69CE84A4}" type="presOf" srcId="{5962DBD1-FE6D-4403-8F95-50C423735362}" destId="{91CFFA7C-DA35-49C5-A818-33A1244856E0}" srcOrd="0" destOrd="0" presId="urn:microsoft.com/office/officeart/2005/8/layout/vList2"/>
-    <dgm:cxn modelId="{55284A0B-A91C-4A8A-B704-5E06299DC04E}" type="presOf" srcId="{AE4F594B-E10C-415F-8C6F-C0A5C6D8A856}" destId="{D515420E-96DF-4C9B-A50F-1E0E10173BBB}" srcOrd="0" destOrd="0" presId="urn:microsoft.com/office/officeart/2005/8/layout/vList2"/>
-    <dgm:cxn modelId="{B0A5F61E-A8E8-4CFE-898E-AAC4D4E5CE62}" type="presOf" srcId="{FD5485BE-8FC1-4179-81FF-C0C68C19932B}" destId="{D515420E-96DF-4C9B-A50F-1E0E10173BBB}" srcOrd="0" destOrd="1" presId="urn:microsoft.com/office/officeart/2005/8/layout/vList2"/>
-    <dgm:cxn modelId="{A4FB8865-A75F-40BB-BB82-C1A1B6245B43}" srcId="{63E67CAA-DB66-4C69-9CD7-22FB961DCA0D}" destId="{5962DBD1-FE6D-4403-8F95-50C423735362}" srcOrd="0" destOrd="0" parTransId="{7D0291D0-92A0-4AF7-8287-8979A6CE8026}" sibTransId="{EDAD917F-F468-4141-ABFB-0C2FC61A7643}"/>
+    <dgm:cxn modelId="{2F7CB9A0-6D68-46D0-A3F2-DD2F8786F214}" type="presOf" srcId="{63E67CAA-DB66-4C69-9CD7-22FB961DCA0D}" destId="{3A90D3A2-310A-4A8B-9799-4ABEB18806E1}" srcOrd="0" destOrd="0" presId="urn:microsoft.com/office/officeart/2005/8/layout/vList2"/>
     <dgm:cxn modelId="{8D839A5B-6748-4546-8EA9-CD2D95EC1B4D}" type="presOf" srcId="{DB7FF2C6-4F46-4B68-9471-FBAB426D73C0}" destId="{2AC19BD8-D3A3-4669-9178-F4C528DC8E51}" srcOrd="0" destOrd="0" presId="urn:microsoft.com/office/officeart/2005/8/layout/vList2"/>
-    <dgm:cxn modelId="{2F7CB9A0-6D68-46D0-A3F2-DD2F8786F214}" type="presOf" srcId="{63E67CAA-DB66-4C69-9CD7-22FB961DCA0D}" destId="{3A90D3A2-310A-4A8B-9799-4ABEB18806E1}" srcOrd="0" destOrd="0" presId="urn:microsoft.com/office/officeart/2005/8/layout/vList2"/>
     <dgm:cxn modelId="{9490D326-2246-407B-942C-7B75F589F038}" srcId="{B403F4F3-F047-4E84-A413-5D71A165F9B6}" destId="{3ED7B964-2B54-4DCB-86DF-91AB5EDC44D9}" srcOrd="0" destOrd="0" parTransId="{4E506014-79BC-4E56-99CA-7A8189267A25}" sibTransId="{F6893C3F-C66B-443E-BB86-0FEC66ACE192}"/>
     <dgm:cxn modelId="{8DD7F7C8-B01E-4450-B403-755F8B94503C}" srcId="{B403F4F3-F047-4E84-A413-5D71A165F9B6}" destId="{2273ADAE-3599-4F8F-ACAC-8C5D515A9E9A}" srcOrd="2" destOrd="0" parTransId="{DFCD194E-D5A1-4657-B134-4939EA6874DE}" sibTransId="{CF60D263-4331-4F3D-80C5-8A1EEB251F89}"/>
     <dgm:cxn modelId="{B5C8E140-FE03-4477-98FD-582F28AE3EF8}" srcId="{B403F4F3-F047-4E84-A413-5D71A165F9B6}" destId="{977FD349-4796-4D7C-AD93-552CADD55754}" srcOrd="1" destOrd="0" parTransId="{A42BA49F-D5E1-4B60-8CC8-887EA2D2293D}" sibTransId="{33CE2A6C-DBBE-4401-81C3-5FD585665A9A}"/>
-    <dgm:cxn modelId="{8FB0DF1C-87AC-4721-A740-79E753AA99A6}" type="presParOf" srcId="{3A90D3A2-310A-4A8B-9799-4ABEB18806E1}" destId="{91CFFA7C-DA35-49C5-A818-33A1244856E0}" srcOrd="0" destOrd="0" presId="urn:microsoft.com/office/officeart/2005/8/layout/vList2"/>
-    <dgm:cxn modelId="{8759D579-E479-42E8-8E30-BEA047831A64}" type="presParOf" srcId="{3A90D3A2-310A-4A8B-9799-4ABEB18806E1}" destId="{D515420E-96DF-4C9B-A50F-1E0E10173BBB}" srcOrd="1" destOrd="0" presId="urn:microsoft.com/office/officeart/2005/8/layout/vList2"/>
-    <dgm:cxn modelId="{15759FA7-A2C7-433C-AED4-194542B4D3BB}" type="presParOf" srcId="{3A90D3A2-310A-4A8B-9799-4ABEB18806E1}" destId="{2AC19BD8-D3A3-4669-9178-F4C528DC8E51}" srcOrd="2" destOrd="0" presId="urn:microsoft.com/office/officeart/2005/8/layout/vList2"/>
-    <dgm:cxn modelId="{8E19A9AC-F33B-47E4-A01B-A051C8815E7D}" type="presParOf" srcId="{3A90D3A2-310A-4A8B-9799-4ABEB18806E1}" destId="{AC4F97E0-F7BB-445D-94A8-2C7139F1D396}" srcOrd="3" destOrd="0" presId="urn:microsoft.com/office/officeart/2005/8/layout/vList2"/>
-    <dgm:cxn modelId="{9AE6B673-8C95-4654-B5BB-E0402BE25920}" type="presParOf" srcId="{3A90D3A2-310A-4A8B-9799-4ABEB18806E1}" destId="{585BDC65-F056-48DC-B65F-85CDEAE1B9DB}" srcOrd="4" destOrd="0" presId="urn:microsoft.com/office/officeart/2005/8/layout/vList2"/>
-    <dgm:cxn modelId="{4301471F-63B3-4F56-9F96-D3D8E0DA1488}" type="presParOf" srcId="{3A90D3A2-310A-4A8B-9799-4ABEB18806E1}" destId="{045A43DC-0322-4412-A4DA-1ADAAD097C79}" srcOrd="5" destOrd="0" presId="urn:microsoft.com/office/officeart/2005/8/layout/vList2"/>
+    <dgm:cxn modelId="{15759FA7-A2C7-433C-AED4-194542B4D3BB}" type="presParOf" srcId="{3A90D3A2-310A-4A8B-9799-4ABEB18806E1}" destId="{2AC19BD8-D3A3-4669-9178-F4C528DC8E51}" srcOrd="0" destOrd="0" presId="urn:microsoft.com/office/officeart/2005/8/layout/vList2"/>
+    <dgm:cxn modelId="{8E19A9AC-F33B-47E4-A01B-A051C8815E7D}" type="presParOf" srcId="{3A90D3A2-310A-4A8B-9799-4ABEB18806E1}" destId="{AC4F97E0-F7BB-445D-94A8-2C7139F1D396}" srcOrd="1" destOrd="0" presId="urn:microsoft.com/office/officeart/2005/8/layout/vList2"/>
+    <dgm:cxn modelId="{9AE6B673-8C95-4654-B5BB-E0402BE25920}" type="presParOf" srcId="{3A90D3A2-310A-4A8B-9799-4ABEB18806E1}" destId="{585BDC65-F056-48DC-B65F-85CDEAE1B9DB}" srcOrd="2" destOrd="0" presId="urn:microsoft.com/office/officeart/2005/8/layout/vList2"/>
+    <dgm:cxn modelId="{4301471F-63B3-4F56-9F96-D3D8E0DA1488}" type="presParOf" srcId="{3A90D3A2-310A-4A8B-9799-4ABEB18806E1}" destId="{045A43DC-0322-4412-A4DA-1ADAAD097C79}" srcOrd="3" destOrd="0" presId="urn:microsoft.com/office/officeart/2005/8/layout/vList2"/>
   </dgm:cxnLst>
   <dgm:bg/>
   <dgm:whole/>
@@ -7504,10 +7386,10 @@
         <a:p>
           <a:pPr rtl="0"/>
           <a:r>
-            <a:rPr lang="en-US" smtClean="0"/>
+            <a:rPr lang="en-US" dirty="0" smtClean="0"/>
             <a:t>Windows Phone</a:t>
           </a:r>
-          <a:endParaRPr lang="en-US"/>
+          <a:endParaRPr lang="en-US" dirty="0"/>
         </a:p>
       </dgm:t>
     </dgm:pt>
@@ -7542,10 +7424,10 @@
         <a:p>
           <a:pPr rtl="0"/>
           <a:r>
-            <a:rPr lang="en-US" smtClean="0"/>
+            <a:rPr lang="en-US" dirty="0" smtClean="0"/>
             <a:t>Xbox 360 console</a:t>
           </a:r>
-          <a:endParaRPr lang="en-US"/>
+          <a:endParaRPr lang="en-US" dirty="0"/>
         </a:p>
       </dgm:t>
     </dgm:pt>
@@ -8503,8 +8385,8 @@
     <dgm:cxn modelId="{67010E97-2FDD-4CDA-8BB4-68AE08AE2982}" srcId="{E49FE2FB-CCD6-427D-8DFF-F210424F53ED}" destId="{ACD74A20-6EE7-4029-B856-CAC6A3B4EA01}" srcOrd="0" destOrd="0" parTransId="{7D98A753-6F8D-4B91-8694-667FB5555BD6}" sibTransId="{314E7E3B-93F0-4D49-985B-8349068FBD7A}"/>
     <dgm:cxn modelId="{81A891AA-AFA9-4ED4-9F45-B19075770DF6}" type="presOf" srcId="{29D69831-8C32-4509-B1BA-0890F8CECD3A}" destId="{91BBA3B8-CBE3-4E5D-B6FB-F37446C7B347}" srcOrd="0" destOrd="1" presId="urn:microsoft.com/office/officeart/2005/8/layout/radial2"/>
     <dgm:cxn modelId="{F2A26368-2796-4DD3-AE08-0A87830EA40A}" srcId="{673E915D-C9B6-4D38-A808-C38A3510FC8B}" destId="{29D69831-8C32-4509-B1BA-0890F8CECD3A}" srcOrd="1" destOrd="0" parTransId="{0A19D9F7-1371-44D0-876D-0C967F123B92}" sibTransId="{93D959E8-0737-4D26-B09C-149F40D7AE2E}"/>
+    <dgm:cxn modelId="{4D8EF8ED-71C0-4040-AB39-7ED282449218}" type="presOf" srcId="{E49FE2FB-CCD6-427D-8DFF-F210424F53ED}" destId="{902D3592-90A3-4CAE-9532-73E6DDEA5BA2}" srcOrd="0" destOrd="0" presId="urn:microsoft.com/office/officeart/2005/8/layout/radial2"/>
     <dgm:cxn modelId="{0E2D652A-7F47-4A37-9A81-1AA3E96BA654}" type="presOf" srcId="{7D98A753-6F8D-4B91-8694-667FB5555BD6}" destId="{820D5DE3-8FDE-4B00-B2E6-72D07A038ADB}" srcOrd="0" destOrd="0" presId="urn:microsoft.com/office/officeart/2005/8/layout/radial2"/>
-    <dgm:cxn modelId="{4D8EF8ED-71C0-4040-AB39-7ED282449218}" type="presOf" srcId="{E49FE2FB-CCD6-427D-8DFF-F210424F53ED}" destId="{902D3592-90A3-4CAE-9532-73E6DDEA5BA2}" srcOrd="0" destOrd="0" presId="urn:microsoft.com/office/officeart/2005/8/layout/radial2"/>
     <dgm:cxn modelId="{3BE0791D-0AE6-4F34-BD33-04F951C5DCC2}" type="presOf" srcId="{ACD74A20-6EE7-4029-B856-CAC6A3B4EA01}" destId="{46605084-03DD-4879-9969-BCE69F9ED407}" srcOrd="0" destOrd="0" presId="urn:microsoft.com/office/officeart/2005/8/layout/radial2"/>
     <dgm:cxn modelId="{EAD78F13-1FDC-4719-8D4C-EC239382B11C}" type="presParOf" srcId="{902D3592-90A3-4CAE-9532-73E6DDEA5BA2}" destId="{CD3F6EB8-24A9-4815-AB21-027C7C786F61}" srcOrd="0" destOrd="0" presId="urn:microsoft.com/office/officeart/2005/8/layout/radial2"/>
     <dgm:cxn modelId="{7F6F3A82-CF28-4A83-9354-3C04A193FDA3}" type="presParOf" srcId="{CD3F6EB8-24A9-4815-AB21-027C7C786F61}" destId="{005230A2-669D-4D04-98C4-0A4565BBB939}" srcOrd="0" destOrd="0" presId="urn:microsoft.com/office/officeart/2005/8/layout/radial2"/>
@@ -9283,7 +9165,7 @@
 <dgm:dataModel xmlns:dgm="http://schemas.openxmlformats.org/drawingml/2006/diagram" xmlns:a="http://schemas.openxmlformats.org/drawingml/2006/main">
   <dgm:ptLst>
     <dgm:pt modelId="{12FCC4D5-9AFE-482C-8FC1-92955B1A85F9}" type="doc">
-      <dgm:prSet loTypeId="urn:microsoft.com/office/officeart/2005/8/layout/gear1" loCatId="relationship" qsTypeId="urn:microsoft.com/office/officeart/2005/8/quickstyle/simple2" qsCatId="simple" csTypeId="urn:microsoft.com/office/officeart/2005/8/colors/accent1_2" csCatId="accent1" phldr="1"/>
+      <dgm:prSet loTypeId="urn:microsoft.com/office/officeart/2005/8/layout/gear1" loCatId="relationship" qsTypeId="urn:microsoft.com/office/officeart/2005/8/quickstyle/simple2" qsCatId="simple" csTypeId="urn:microsoft.com/office/officeart/2005/8/colors/colorful2" csCatId="colorful" phldr="1"/>
       <dgm:spPr/>
       <dgm:t>
         <a:bodyPr/>
@@ -9302,7 +9184,7 @@
         <a:p>
           <a:pPr rtl="0"/>
           <a:r>
-            <a:rPr lang="en-US" sz="1200" dirty="0" smtClean="0">
+            <a:rPr lang="en-US" sz="1200" smtClean="0">
               <a:latin typeface="Bernard MT Condensed" pitchFamily="18" charset="0"/>
             </a:rPr>
             <a:t>Draw(t)</a:t>
@@ -9344,7 +9226,7 @@
         <a:p>
           <a:pPr rtl="0"/>
           <a:r>
-            <a:rPr lang="en-US" sz="1050" dirty="0" smtClean="0">
+            <a:rPr lang="en-US" sz="1050" smtClean="0">
               <a:latin typeface="Bernard MT Condensed" pitchFamily="18" charset="0"/>
             </a:rPr>
             <a:t>Update(t)</a:t>
@@ -10047,21 +9929,21 @@
     </dgm:pt>
   </dgm:ptLst>
   <dgm:cxnLst>
+    <dgm:cxn modelId="{62593FC6-FBDA-4559-9BFB-A9F5E70153CA}" type="presOf" srcId="{B01C2DA6-3986-439E-BB0A-5C993E1C5986}" destId="{18AF2910-C5F8-44A0-A4FF-8B46C19CC17C}" srcOrd="0" destOrd="0" presId="urn:microsoft.com/office/officeart/2005/8/layout/venn1"/>
+    <dgm:cxn modelId="{84B87200-2D05-45E7-AC4A-8D1A4448B477}" type="presOf" srcId="{CF229431-DC75-4889-B02D-3E90134F7845}" destId="{DF6F56B8-899E-4918-8B30-33E336602C9F}" srcOrd="0" destOrd="0" presId="urn:microsoft.com/office/officeart/2005/8/layout/venn1"/>
+    <dgm:cxn modelId="{12FB053C-D030-4612-86C8-33EADF19B674}" type="presOf" srcId="{AD585D2A-BD98-4423-A323-F59FB6C24EBE}" destId="{2E215ACE-1F5C-47E1-BCAF-41901A2B2A0E}" srcOrd="0" destOrd="0" presId="urn:microsoft.com/office/officeart/2005/8/layout/venn1"/>
+    <dgm:cxn modelId="{78FEF155-B753-4D4C-A129-FB6D9BF37B7E}" type="presOf" srcId="{23B7C48E-D782-42BF-A085-9AB18866CE78}" destId="{18AF2910-C5F8-44A0-A4FF-8B46C19CC17C}" srcOrd="0" destOrd="1" presId="urn:microsoft.com/office/officeart/2005/8/layout/venn1"/>
+    <dgm:cxn modelId="{15525D27-6CD1-4D28-B5F3-4FA07F7DEDA2}" srcId="{AD585D2A-BD98-4423-A323-F59FB6C24EBE}" destId="{B01C2DA6-3986-439E-BB0A-5C993E1C5986}" srcOrd="4" destOrd="0" parTransId="{FA57528F-BC6E-4E99-9A7E-7256D872BEEF}" sibTransId="{0B696C42-2974-46A6-95BA-470E95F12951}"/>
+    <dgm:cxn modelId="{F75C965D-974D-4305-9C10-E6890B3DE6D7}" type="presOf" srcId="{43FDD1EF-7DF7-4A64-851F-93B556CF901C}" destId="{E9196014-9E5B-4C3F-8F33-C284264F4BA4}" srcOrd="0" destOrd="0" presId="urn:microsoft.com/office/officeart/2005/8/layout/venn1"/>
+    <dgm:cxn modelId="{F14B6426-7658-4980-8CF8-7800C6107576}" srcId="{CF229431-DC75-4889-B02D-3E90134F7845}" destId="{17C55B73-C0A6-4216-BF3F-9EEEDAC723FA}" srcOrd="0" destOrd="0" parTransId="{F3B1A6D4-5B15-4E75-97E1-2385E1056576}" sibTransId="{A4EF57A0-3D92-4D34-8A72-BACD8057D000}"/>
+    <dgm:cxn modelId="{D6C7AD0C-96ED-42E0-A820-EAF334818626}" type="presOf" srcId="{FEA8EF67-86BC-4860-83D7-F2127EAB0598}" destId="{3415F99B-58D5-4081-BEDC-31BE1C73741F}" srcOrd="0" destOrd="0" presId="urn:microsoft.com/office/officeart/2005/8/layout/venn1"/>
+    <dgm:cxn modelId="{1B9F4F10-A2A9-419C-B8EB-36F7733D457D}" srcId="{AD585D2A-BD98-4423-A323-F59FB6C24EBE}" destId="{43FDD1EF-7DF7-4A64-851F-93B556CF901C}" srcOrd="3" destOrd="0" parTransId="{B707B244-3FB9-42B8-ADF8-FC64EDF94DDD}" sibTransId="{15C5A4DD-5C16-4AF9-A892-F151494A4AA3}"/>
     <dgm:cxn modelId="{FB9C65FF-8409-4B82-81B8-AE78673530F9}" srcId="{AD585D2A-BD98-4423-A323-F59FB6C24EBE}" destId="{7DF51727-7D49-4E4D-ADCE-B82E6DEAC7B3}" srcOrd="1" destOrd="0" parTransId="{862BA507-5C6B-4858-B791-DE766CDCC19F}" sibTransId="{F114D7E6-AF48-4D7D-B990-6C894561F015}"/>
-    <dgm:cxn modelId="{78FEF155-B753-4D4C-A129-FB6D9BF37B7E}" type="presOf" srcId="{23B7C48E-D782-42BF-A085-9AB18866CE78}" destId="{18AF2910-C5F8-44A0-A4FF-8B46C19CC17C}" srcOrd="0" destOrd="1" presId="urn:microsoft.com/office/officeart/2005/8/layout/venn1"/>
     <dgm:cxn modelId="{2055CDCB-4D2B-4E55-BD1B-243409EFD552}" srcId="{AD585D2A-BD98-4423-A323-F59FB6C24EBE}" destId="{FEA8EF67-86BC-4860-83D7-F2127EAB0598}" srcOrd="2" destOrd="0" parTransId="{584781AC-FBD8-47B5-89D2-6BE97095B4B3}" sibTransId="{E470AA65-9B5A-46A4-838B-C5F91ECFEA73}"/>
-    <dgm:cxn modelId="{12FB053C-D030-4612-86C8-33EADF19B674}" type="presOf" srcId="{AD585D2A-BD98-4423-A323-F59FB6C24EBE}" destId="{2E215ACE-1F5C-47E1-BCAF-41901A2B2A0E}" srcOrd="0" destOrd="0" presId="urn:microsoft.com/office/officeart/2005/8/layout/venn1"/>
-    <dgm:cxn modelId="{84B87200-2D05-45E7-AC4A-8D1A4448B477}" type="presOf" srcId="{CF229431-DC75-4889-B02D-3E90134F7845}" destId="{DF6F56B8-899E-4918-8B30-33E336602C9F}" srcOrd="0" destOrd="0" presId="urn:microsoft.com/office/officeart/2005/8/layout/venn1"/>
-    <dgm:cxn modelId="{15525D27-6CD1-4D28-B5F3-4FA07F7DEDA2}" srcId="{AD585D2A-BD98-4423-A323-F59FB6C24EBE}" destId="{B01C2DA6-3986-439E-BB0A-5C993E1C5986}" srcOrd="4" destOrd="0" parTransId="{FA57528F-BC6E-4E99-9A7E-7256D872BEEF}" sibTransId="{0B696C42-2974-46A6-95BA-470E95F12951}"/>
+    <dgm:cxn modelId="{F70C2A6B-56C0-4B17-8D80-61E3686A463B}" type="presOf" srcId="{17C55B73-C0A6-4216-BF3F-9EEEDAC723FA}" destId="{DF6F56B8-899E-4918-8B30-33E336602C9F}" srcOrd="0" destOrd="1" presId="urn:microsoft.com/office/officeart/2005/8/layout/venn1"/>
+    <dgm:cxn modelId="{845206DC-613F-4C5E-856C-52FBC29FDD75}" srcId="{B01C2DA6-3986-439E-BB0A-5C993E1C5986}" destId="{23B7C48E-D782-42BF-A085-9AB18866CE78}" srcOrd="0" destOrd="0" parTransId="{AC65D05B-C12B-435F-8219-95B508E11BD3}" sibTransId="{BFC4291B-5911-4373-BFA1-FC26C829F616}"/>
     <dgm:cxn modelId="{70FA6E01-07A5-49F7-8E78-041CF9DE5978}" srcId="{AD585D2A-BD98-4423-A323-F59FB6C24EBE}" destId="{CF229431-DC75-4889-B02D-3E90134F7845}" srcOrd="0" destOrd="0" parTransId="{69F1B076-D2EA-4D10-809F-35903262017E}" sibTransId="{A4EB8BDA-9C77-40C8-ADE1-39C3558189F6}"/>
-    <dgm:cxn modelId="{F14B6426-7658-4980-8CF8-7800C6107576}" srcId="{CF229431-DC75-4889-B02D-3E90134F7845}" destId="{17C55B73-C0A6-4216-BF3F-9EEEDAC723FA}" srcOrd="0" destOrd="0" parTransId="{F3B1A6D4-5B15-4E75-97E1-2385E1056576}" sibTransId="{A4EF57A0-3D92-4D34-8A72-BACD8057D000}"/>
-    <dgm:cxn modelId="{1B9F4F10-A2A9-419C-B8EB-36F7733D457D}" srcId="{AD585D2A-BD98-4423-A323-F59FB6C24EBE}" destId="{43FDD1EF-7DF7-4A64-851F-93B556CF901C}" srcOrd="3" destOrd="0" parTransId="{B707B244-3FB9-42B8-ADF8-FC64EDF94DDD}" sibTransId="{15C5A4DD-5C16-4AF9-A892-F151494A4AA3}"/>
     <dgm:cxn modelId="{C8C8C83D-3E6F-4845-BC72-9F9884E9856E}" type="presOf" srcId="{7DF51727-7D49-4E4D-ADCE-B82E6DEAC7B3}" destId="{6023D327-C4B4-491A-ACAA-5B7E867FADD4}" srcOrd="0" destOrd="0" presId="urn:microsoft.com/office/officeart/2005/8/layout/venn1"/>
-    <dgm:cxn modelId="{F70C2A6B-56C0-4B17-8D80-61E3686A463B}" type="presOf" srcId="{17C55B73-C0A6-4216-BF3F-9EEEDAC723FA}" destId="{DF6F56B8-899E-4918-8B30-33E336602C9F}" srcOrd="0" destOrd="1" presId="urn:microsoft.com/office/officeart/2005/8/layout/venn1"/>
-    <dgm:cxn modelId="{62593FC6-FBDA-4559-9BFB-A9F5E70153CA}" type="presOf" srcId="{B01C2DA6-3986-439E-BB0A-5C993E1C5986}" destId="{18AF2910-C5F8-44A0-A4FF-8B46C19CC17C}" srcOrd="0" destOrd="0" presId="urn:microsoft.com/office/officeart/2005/8/layout/venn1"/>
-    <dgm:cxn modelId="{F75C965D-974D-4305-9C10-E6890B3DE6D7}" type="presOf" srcId="{43FDD1EF-7DF7-4A64-851F-93B556CF901C}" destId="{E9196014-9E5B-4C3F-8F33-C284264F4BA4}" srcOrd="0" destOrd="0" presId="urn:microsoft.com/office/officeart/2005/8/layout/venn1"/>
-    <dgm:cxn modelId="{845206DC-613F-4C5E-856C-52FBC29FDD75}" srcId="{B01C2DA6-3986-439E-BB0A-5C993E1C5986}" destId="{23B7C48E-D782-42BF-A085-9AB18866CE78}" srcOrd="0" destOrd="0" parTransId="{AC65D05B-C12B-435F-8219-95B508E11BD3}" sibTransId="{BFC4291B-5911-4373-BFA1-FC26C829F616}"/>
-    <dgm:cxn modelId="{D6C7AD0C-96ED-42E0-A820-EAF334818626}" type="presOf" srcId="{FEA8EF67-86BC-4860-83D7-F2127EAB0598}" destId="{3415F99B-58D5-4081-BEDC-31BE1C73741F}" srcOrd="0" destOrd="0" presId="urn:microsoft.com/office/officeart/2005/8/layout/venn1"/>
     <dgm:cxn modelId="{C826A8F4-F292-455F-B363-68E6C0610854}" type="presParOf" srcId="{2E215ACE-1F5C-47E1-BCAF-41901A2B2A0E}" destId="{463817C5-9CCE-42F4-9804-FF05FA16BE16}" srcOrd="0" destOrd="0" presId="urn:microsoft.com/office/officeart/2005/8/layout/venn1"/>
     <dgm:cxn modelId="{CA941DA3-5336-40FF-A2C1-B9D2265CCC0F}" type="presParOf" srcId="{2E215ACE-1F5C-47E1-BCAF-41901A2B2A0E}" destId="{DF6F56B8-899E-4918-8B30-33E336602C9F}" srcOrd="1" destOrd="0" presId="urn:microsoft.com/office/officeart/2005/8/layout/venn1"/>
     <dgm:cxn modelId="{992783E4-DBFF-4362-BB8C-5B7927FB4B42}" type="presParOf" srcId="{2E215ACE-1F5C-47E1-BCAF-41901A2B2A0E}" destId="{1A88DF17-8052-4724-BC94-5A3EED5B0DAD}" srcOrd="2" destOrd="0" presId="urn:microsoft.com/office/officeart/2005/8/layout/venn1"/>
@@ -10824,10 +10706,10 @@
         <a:p>
           <a:pPr rtl="0"/>
           <a:r>
-            <a:rPr lang="en-US" b="0" i="0" baseline="0" smtClean="0"/>
+            <a:rPr lang="en-US" b="0" i="0" baseline="0" dirty="0" smtClean="0"/>
             <a:t>Unfortunately, cancelled in favor of play time!</a:t>
           </a:r>
-          <a:endParaRPr lang="en-US"/>
+          <a:endParaRPr lang="en-US" dirty="0"/>
         </a:p>
       </dgm:t>
     </dgm:pt>
@@ -10906,15 +10788,15 @@
       <dsp:cNvGrpSpPr/>
     </dsp:nvGrpSpPr>
     <dsp:grpSpPr/>
-    <dsp:sp modelId="{91CFFA7C-DA35-49C5-A818-33A1244856E0}">
+    <dsp:sp modelId="{2AC19BD8-D3A3-4669-9178-F4C528DC8E51}">
       <dsp:nvSpPr>
         <dsp:cNvPr id="0" name=""/>
         <dsp:cNvSpPr/>
       </dsp:nvSpPr>
       <dsp:spPr>
         <a:xfrm>
-          <a:off x="0" y="89961"/>
-          <a:ext cx="7620000" cy="561599"/>
+          <a:off x="0" y="27456"/>
+          <a:ext cx="7620000" cy="818999"/>
         </a:xfrm>
         <a:prstGeom prst="roundRect">
           <a:avLst/>
@@ -10955,12 +10837,12 @@
         </a:fontRef>
       </dsp:style>
       <dsp:txBody>
-        <a:bodyPr spcFirstLastPara="0" vert="horz" wrap="square" lIns="91440" tIns="91440" rIns="91440" bIns="91440" numCol="1" spcCol="1270" anchor="ctr" anchorCtr="0">
+        <a:bodyPr spcFirstLastPara="0" vert="horz" wrap="square" lIns="133350" tIns="133350" rIns="133350" bIns="133350" numCol="1" spcCol="1270" anchor="ctr" anchorCtr="0">
           <a:noAutofit/>
         </a:bodyPr>
         <a:lstStyle/>
         <a:p>
-          <a:pPr lvl="0" algn="l" defTabSz="1066800" rtl="0">
+          <a:pPr lvl="0" algn="l" defTabSz="1555750" rtl="0">
             <a:lnSpc>
               <a:spcPct val="90000"/>
             </a:lnSpc>
@@ -10972,26 +10854,26 @@
             </a:spcAft>
           </a:pPr>
           <a:r>
-            <a:rPr lang="en-US" sz="2400" b="0" i="0" kern="1200" baseline="0" dirty="0" smtClean="0"/>
-            <a:t>Purpose:</a:t>
+            <a:rPr lang="en-US" sz="3500" b="0" i="0" kern="1200" baseline="0" dirty="0" smtClean="0"/>
+            <a:t>Learning: </a:t>
           </a:r>
-          <a:endParaRPr lang="en-US" sz="2400" kern="1200" dirty="0"/>
+          <a:endParaRPr lang="en-US" sz="3500" kern="1200" dirty="0"/>
         </a:p>
       </dsp:txBody>
       <dsp:txXfrm>
-        <a:off x="27415" y="117376"/>
-        <a:ext cx="7565170" cy="506769"/>
+        <a:off x="39980" y="67436"/>
+        <a:ext cx="7540040" cy="739039"/>
       </dsp:txXfrm>
     </dsp:sp>
-    <dsp:sp modelId="{D515420E-96DF-4C9B-A50F-1E0E10173BBB}">
+    <dsp:sp modelId="{AC4F97E0-F7BB-445D-94A8-2C7139F1D396}">
       <dsp:nvSpPr>
         <dsp:cNvPr id="0" name=""/>
         <dsp:cNvSpPr/>
       </dsp:nvSpPr>
       <dsp:spPr>
         <a:xfrm>
-          <a:off x="0" y="651561"/>
-          <a:ext cx="7620000" cy="621000"/>
+          <a:off x="0" y="846456"/>
+          <a:ext cx="7620000" cy="1340325"/>
         </a:xfrm>
         <a:prstGeom prst="rect">
           <a:avLst/>
@@ -11015,12 +10897,12 @@
         <a:fontRef idx="minor"/>
       </dsp:style>
       <dsp:txBody>
-        <a:bodyPr spcFirstLastPara="0" vert="horz" wrap="square" lIns="241935" tIns="30480" rIns="170688" bIns="30480" numCol="1" spcCol="1270" anchor="t" anchorCtr="0">
+        <a:bodyPr spcFirstLastPara="0" vert="horz" wrap="square" lIns="241935" tIns="44450" rIns="248920" bIns="44450" numCol="1" spcCol="1270" anchor="t" anchorCtr="0">
           <a:noAutofit/>
         </a:bodyPr>
         <a:lstStyle/>
         <a:p>
-          <a:pPr marL="171450" lvl="1" indent="-171450" algn="l" defTabSz="844550" rtl="0">
+          <a:pPr marL="228600" lvl="1" indent="-228600" algn="l" defTabSz="1200150" rtl="0">
             <a:lnSpc>
               <a:spcPct val="90000"/>
             </a:lnSpc>
@@ -11033,13 +10915,13 @@
             <a:buChar char="••"/>
           </a:pPr>
           <a:r>
-            <a:rPr lang="en-US" sz="1900" kern="1200" dirty="0" smtClean="0"/>
-            <a:t>I wanted to learn how to use the XNA framework</a:t>
+            <a:rPr lang="en-US" sz="2700" kern="1200" dirty="0" smtClean="0"/>
+            <a:t>What is the XNA 4.0 framework?</a:t>
           </a:r>
-          <a:endParaRPr lang="en-US" sz="1900" kern="1200" dirty="0"/>
+          <a:endParaRPr lang="en-US" sz="2700" kern="1200" dirty="0"/>
         </a:p>
         <a:p>
-          <a:pPr marL="171450" lvl="1" indent="-171450" algn="l" defTabSz="844550" rtl="0">
+          <a:pPr marL="228600" lvl="1" indent="-228600" algn="l" defTabSz="1200150" rtl="0">
             <a:lnSpc>
               <a:spcPct val="90000"/>
             </a:lnSpc>
@@ -11052,26 +10934,45 @@
             <a:buChar char="••"/>
           </a:pPr>
           <a:r>
-            <a:rPr lang="en-US" sz="1900" kern="1200" dirty="0" smtClean="0"/>
-            <a:t>I like writing games</a:t>
+            <a:rPr lang="en-US" sz="2700" kern="1200" smtClean="0"/>
+            <a:t>Common game engine design</a:t>
           </a:r>
-          <a:endParaRPr lang="en-US" sz="1900" kern="1200" dirty="0"/>
+          <a:endParaRPr lang="en-US" sz="2700" kern="1200"/>
+        </a:p>
+        <a:p>
+          <a:pPr marL="228600" lvl="1" indent="-228600" algn="l" defTabSz="1200150" rtl="0">
+            <a:lnSpc>
+              <a:spcPct val="90000"/>
+            </a:lnSpc>
+            <a:spcBef>
+              <a:spcPct val="0"/>
+            </a:spcBef>
+            <a:spcAft>
+              <a:spcPct val="20000"/>
+            </a:spcAft>
+            <a:buChar char="••"/>
+          </a:pPr>
+          <a:r>
+            <a:rPr lang="en-US" sz="2700" kern="1200" dirty="0" smtClean="0"/>
+            <a:t>Game’s source code examples</a:t>
+          </a:r>
+          <a:endParaRPr lang="en-US" sz="2700" kern="1200" dirty="0"/>
         </a:p>
       </dsp:txBody>
       <dsp:txXfrm>
-        <a:off x="0" y="651561"/>
-        <a:ext cx="7620000" cy="621000"/>
+        <a:off x="0" y="846456"/>
+        <a:ext cx="7620000" cy="1340325"/>
       </dsp:txXfrm>
     </dsp:sp>
-    <dsp:sp modelId="{2AC19BD8-D3A3-4669-9178-F4C528DC8E51}">
+    <dsp:sp modelId="{585BDC65-F056-48DC-B65F-85CDEAE1B9DB}">
       <dsp:nvSpPr>
         <dsp:cNvPr id="0" name=""/>
         <dsp:cNvSpPr/>
       </dsp:nvSpPr>
       <dsp:spPr>
         <a:xfrm>
-          <a:off x="0" y="1272561"/>
-          <a:ext cx="7620000" cy="561599"/>
+          <a:off x="0" y="2186781"/>
+          <a:ext cx="7620000" cy="818999"/>
         </a:xfrm>
         <a:prstGeom prst="roundRect">
           <a:avLst/>
@@ -11112,12 +11013,12 @@
         </a:fontRef>
       </dsp:style>
       <dsp:txBody>
-        <a:bodyPr spcFirstLastPara="0" vert="horz" wrap="square" lIns="91440" tIns="91440" rIns="91440" bIns="91440" numCol="1" spcCol="1270" anchor="ctr" anchorCtr="0">
+        <a:bodyPr spcFirstLastPara="0" vert="horz" wrap="square" lIns="133350" tIns="133350" rIns="133350" bIns="133350" numCol="1" spcCol="1270" anchor="ctr" anchorCtr="0">
           <a:noAutofit/>
         </a:bodyPr>
         <a:lstStyle/>
         <a:p>
-          <a:pPr lvl="0" algn="l" defTabSz="1066800" rtl="0">
+          <a:pPr lvl="0" algn="l" defTabSz="1555750" rtl="0">
             <a:lnSpc>
               <a:spcPct val="90000"/>
             </a:lnSpc>
@@ -11129,26 +11030,26 @@
             </a:spcAft>
           </a:pPr>
           <a:r>
-            <a:rPr lang="en-US" sz="2400" b="0" i="0" kern="1200" baseline="0" smtClean="0"/>
-            <a:t>Learning: </a:t>
+            <a:rPr lang="en-US" sz="3500" b="0" i="0" kern="1200" baseline="0" smtClean="0"/>
+            <a:t>Playing:</a:t>
           </a:r>
-          <a:endParaRPr lang="en-US" sz="2400" kern="1200"/>
+          <a:endParaRPr lang="en-US" sz="3500" kern="1200"/>
         </a:p>
       </dsp:txBody>
       <dsp:txXfrm>
-        <a:off x="27415" y="1299976"/>
-        <a:ext cx="7565170" cy="506769"/>
+        <a:off x="39980" y="2226761"/>
+        <a:ext cx="7540040" cy="739039"/>
       </dsp:txXfrm>
     </dsp:sp>
-    <dsp:sp modelId="{AC4F97E0-F7BB-445D-94A8-2C7139F1D396}">
+    <dsp:sp modelId="{045A43DC-0322-4412-A4DA-1ADAAD097C79}">
       <dsp:nvSpPr>
         <dsp:cNvPr id="0" name=""/>
         <dsp:cNvSpPr/>
       </dsp:nvSpPr>
       <dsp:spPr>
         <a:xfrm>
-          <a:off x="0" y="1834161"/>
-          <a:ext cx="7620000" cy="943920"/>
+          <a:off x="0" y="3005781"/>
+          <a:ext cx="7620000" cy="1340325"/>
         </a:xfrm>
         <a:prstGeom prst="rect">
           <a:avLst/>
@@ -11172,12 +11073,12 @@
         <a:fontRef idx="minor"/>
       </dsp:style>
       <dsp:txBody>
-        <a:bodyPr spcFirstLastPara="0" vert="horz" wrap="square" lIns="241935" tIns="30480" rIns="170688" bIns="30480" numCol="1" spcCol="1270" anchor="t" anchorCtr="0">
+        <a:bodyPr spcFirstLastPara="0" vert="horz" wrap="square" lIns="241935" tIns="44450" rIns="248920" bIns="44450" numCol="1" spcCol="1270" anchor="t" anchorCtr="0">
           <a:noAutofit/>
         </a:bodyPr>
         <a:lstStyle/>
         <a:p>
-          <a:pPr marL="171450" lvl="1" indent="-171450" algn="l" defTabSz="844550" rtl="0">
+          <a:pPr marL="228600" lvl="1" indent="-228600" algn="l" defTabSz="1200150" rtl="0">
             <a:lnSpc>
               <a:spcPct val="90000"/>
             </a:lnSpc>
@@ -11190,13 +11091,13 @@
             <a:buChar char="••"/>
           </a:pPr>
           <a:r>
-            <a:rPr lang="en-US" sz="1900" kern="1200" dirty="0" smtClean="0"/>
-            <a:t>What is the XNA 4.0 framework?</a:t>
+            <a:rPr lang="en-US" sz="2700" kern="1200" smtClean="0"/>
+            <a:t>About the game</a:t>
           </a:r>
-          <a:endParaRPr lang="en-US" sz="1900" kern="1200" dirty="0"/>
+          <a:endParaRPr lang="en-US" sz="2700" kern="1200"/>
         </a:p>
         <a:p>
-          <a:pPr marL="171450" lvl="1" indent="-171450" algn="l" defTabSz="844550" rtl="0">
+          <a:pPr marL="228600" lvl="1" indent="-228600" algn="l" defTabSz="1200150" rtl="0">
             <a:lnSpc>
               <a:spcPct val="90000"/>
             </a:lnSpc>
@@ -11209,13 +11110,13 @@
             <a:buChar char="••"/>
           </a:pPr>
           <a:r>
-            <a:rPr lang="en-US" sz="1900" kern="1200" smtClean="0"/>
-            <a:t>Common game engine design</a:t>
+            <a:rPr lang="en-US" sz="2700" kern="1200" smtClean="0"/>
+            <a:t>How to play</a:t>
           </a:r>
-          <a:endParaRPr lang="en-US" sz="1900" kern="1200"/>
+          <a:endParaRPr lang="en-US" sz="2700" kern="1200"/>
         </a:p>
         <a:p>
-          <a:pPr marL="171450" lvl="1" indent="-171450" algn="l" defTabSz="844550" rtl="0">
+          <a:pPr marL="228600" lvl="1" indent="-228600" algn="l" defTabSz="1200150" rtl="0">
             <a:lnSpc>
               <a:spcPct val="90000"/>
             </a:lnSpc>
@@ -11228,191 +11129,15 @@
             <a:buChar char="••"/>
           </a:pPr>
           <a:r>
-            <a:rPr lang="en-US" sz="1900" kern="1200" dirty="0" smtClean="0"/>
-            <a:t>Game’s source code examples</a:t>
+            <a:rPr lang="en-US" sz="2700" kern="1200" smtClean="0"/>
+            <a:t>Controls</a:t>
           </a:r>
-          <a:endParaRPr lang="en-US" sz="1900" kern="1200" dirty="0"/>
+          <a:endParaRPr lang="en-US" sz="2700" kern="1200"/>
         </a:p>
       </dsp:txBody>
       <dsp:txXfrm>
-        <a:off x="0" y="1834161"/>
-        <a:ext cx="7620000" cy="943920"/>
-      </dsp:txXfrm>
-    </dsp:sp>
-    <dsp:sp modelId="{585BDC65-F056-48DC-B65F-85CDEAE1B9DB}">
-      <dsp:nvSpPr>
-        <dsp:cNvPr id="0" name=""/>
-        <dsp:cNvSpPr/>
-      </dsp:nvSpPr>
-      <dsp:spPr>
-        <a:xfrm>
-          <a:off x="0" y="2778081"/>
-          <a:ext cx="7620000" cy="561599"/>
-        </a:xfrm>
-        <a:prstGeom prst="roundRect">
-          <a:avLst/>
-        </a:prstGeom>
-        <a:solidFill>
-          <a:schemeClr val="accent1">
-            <a:hueOff val="0"/>
-            <a:satOff val="0"/>
-            <a:lumOff val="0"/>
-            <a:alphaOff val="0"/>
-          </a:schemeClr>
-        </a:solidFill>
-        <a:ln w="28575" cap="flat" cmpd="sng" algn="ctr">
-          <a:solidFill>
-            <a:schemeClr val="lt1">
-              <a:hueOff val="0"/>
-              <a:satOff val="0"/>
-              <a:lumOff val="0"/>
-              <a:alphaOff val="0"/>
-            </a:schemeClr>
-          </a:solidFill>
-          <a:prstDash val="solid"/>
-        </a:ln>
-        <a:effectLst/>
-      </dsp:spPr>
-      <dsp:style>
-        <a:lnRef idx="2">
-          <a:scrgbClr r="0" g="0" b="0"/>
-        </a:lnRef>
-        <a:fillRef idx="1">
-          <a:scrgbClr r="0" g="0" b="0"/>
-        </a:fillRef>
-        <a:effectRef idx="0">
-          <a:scrgbClr r="0" g="0" b="0"/>
-        </a:effectRef>
-        <a:fontRef idx="minor">
-          <a:schemeClr val="lt1"/>
-        </a:fontRef>
-      </dsp:style>
-      <dsp:txBody>
-        <a:bodyPr spcFirstLastPara="0" vert="horz" wrap="square" lIns="91440" tIns="91440" rIns="91440" bIns="91440" numCol="1" spcCol="1270" anchor="ctr" anchorCtr="0">
-          <a:noAutofit/>
-        </a:bodyPr>
-        <a:lstStyle/>
-        <a:p>
-          <a:pPr lvl="0" algn="l" defTabSz="1066800" rtl="0">
-            <a:lnSpc>
-              <a:spcPct val="90000"/>
-            </a:lnSpc>
-            <a:spcBef>
-              <a:spcPct val="0"/>
-            </a:spcBef>
-            <a:spcAft>
-              <a:spcPct val="35000"/>
-            </a:spcAft>
-          </a:pPr>
-          <a:r>
-            <a:rPr lang="en-US" sz="2400" b="0" i="0" kern="1200" baseline="0" smtClean="0"/>
-            <a:t>Playing:</a:t>
-          </a:r>
-          <a:endParaRPr lang="en-US" sz="2400" kern="1200"/>
-        </a:p>
-      </dsp:txBody>
-      <dsp:txXfrm>
-        <a:off x="27415" y="2805496"/>
-        <a:ext cx="7565170" cy="506769"/>
-      </dsp:txXfrm>
-    </dsp:sp>
-    <dsp:sp modelId="{045A43DC-0322-4412-A4DA-1ADAAD097C79}">
-      <dsp:nvSpPr>
-        <dsp:cNvPr id="0" name=""/>
-        <dsp:cNvSpPr/>
-      </dsp:nvSpPr>
-      <dsp:spPr>
-        <a:xfrm>
-          <a:off x="0" y="3339681"/>
-          <a:ext cx="7620000" cy="943920"/>
-        </a:xfrm>
-        <a:prstGeom prst="rect">
-          <a:avLst/>
-        </a:prstGeom>
-        <a:noFill/>
-        <a:ln>
-          <a:noFill/>
-        </a:ln>
-        <a:effectLst/>
-      </dsp:spPr>
-      <dsp:style>
-        <a:lnRef idx="0">
-          <a:scrgbClr r="0" g="0" b="0"/>
-        </a:lnRef>
-        <a:fillRef idx="0">
-          <a:scrgbClr r="0" g="0" b="0"/>
-        </a:fillRef>
-        <a:effectRef idx="0">
-          <a:scrgbClr r="0" g="0" b="0"/>
-        </a:effectRef>
-        <a:fontRef idx="minor"/>
-      </dsp:style>
-      <dsp:txBody>
-        <a:bodyPr spcFirstLastPara="0" vert="horz" wrap="square" lIns="241935" tIns="30480" rIns="170688" bIns="30480" numCol="1" spcCol="1270" anchor="t" anchorCtr="0">
-          <a:noAutofit/>
-        </a:bodyPr>
-        <a:lstStyle/>
-        <a:p>
-          <a:pPr marL="171450" lvl="1" indent="-171450" algn="l" defTabSz="844550" rtl="0">
-            <a:lnSpc>
-              <a:spcPct val="90000"/>
-            </a:lnSpc>
-            <a:spcBef>
-              <a:spcPct val="0"/>
-            </a:spcBef>
-            <a:spcAft>
-              <a:spcPct val="20000"/>
-            </a:spcAft>
-            <a:buChar char="••"/>
-          </a:pPr>
-          <a:r>
-            <a:rPr lang="en-US" sz="1900" kern="1200" smtClean="0"/>
-            <a:t>About the game</a:t>
-          </a:r>
-          <a:endParaRPr lang="en-US" sz="1900" kern="1200"/>
-        </a:p>
-        <a:p>
-          <a:pPr marL="171450" lvl="1" indent="-171450" algn="l" defTabSz="844550" rtl="0">
-            <a:lnSpc>
-              <a:spcPct val="90000"/>
-            </a:lnSpc>
-            <a:spcBef>
-              <a:spcPct val="0"/>
-            </a:spcBef>
-            <a:spcAft>
-              <a:spcPct val="20000"/>
-            </a:spcAft>
-            <a:buChar char="••"/>
-          </a:pPr>
-          <a:r>
-            <a:rPr lang="en-US" sz="1900" kern="1200" smtClean="0"/>
-            <a:t>How to play</a:t>
-          </a:r>
-          <a:endParaRPr lang="en-US" sz="1900" kern="1200"/>
-        </a:p>
-        <a:p>
-          <a:pPr marL="171450" lvl="1" indent="-171450" algn="l" defTabSz="844550" rtl="0">
-            <a:lnSpc>
-              <a:spcPct val="90000"/>
-            </a:lnSpc>
-            <a:spcBef>
-              <a:spcPct val="0"/>
-            </a:spcBef>
-            <a:spcAft>
-              <a:spcPct val="20000"/>
-            </a:spcAft>
-            <a:buChar char="••"/>
-          </a:pPr>
-          <a:r>
-            <a:rPr lang="en-US" sz="1900" kern="1200" smtClean="0"/>
-            <a:t>Controls</a:t>
-          </a:r>
-          <a:endParaRPr lang="en-US" sz="1900" kern="1200"/>
-        </a:p>
-      </dsp:txBody>
-      <dsp:txXfrm>
-        <a:off x="0" y="3339681"/>
-        <a:ext cx="7620000" cy="943920"/>
+        <a:off x="0" y="3005781"/>
+        <a:ext cx="7620000" cy="1340325"/>
       </dsp:txXfrm>
     </dsp:sp>
   </dsp:spTree>
@@ -11496,10 +11221,10 @@
             <a:buChar char="••"/>
           </a:pPr>
           <a:r>
-            <a:rPr lang="en-US" sz="2100" kern="1200" smtClean="0"/>
+            <a:rPr lang="en-US" sz="2100" kern="1200" dirty="0" smtClean="0"/>
             <a:t>Windows Phone</a:t>
           </a:r>
-          <a:endParaRPr lang="en-US" sz="2100" kern="1200"/>
+          <a:endParaRPr lang="en-US" sz="2100" kern="1200" dirty="0"/>
         </a:p>
         <a:p>
           <a:pPr marL="228600" lvl="1" indent="-228600" algn="l" defTabSz="933450" rtl="0">
@@ -11515,10 +11240,10 @@
             <a:buChar char="••"/>
           </a:pPr>
           <a:r>
-            <a:rPr lang="en-US" sz="2100" kern="1200" smtClean="0"/>
+            <a:rPr lang="en-US" sz="2100" kern="1200" dirty="0" smtClean="0"/>
             <a:t>Xbox 360 console</a:t>
           </a:r>
-          <a:endParaRPr lang="en-US" sz="2100" kern="1200"/>
+          <a:endParaRPr lang="en-US" sz="2100" kern="1200" dirty="0"/>
         </a:p>
         <a:p>
           <a:pPr marL="228600" lvl="1" indent="-228600" algn="l" defTabSz="933450" rtl="0">
@@ -14137,7 +13862,7 @@
           <a:avLst/>
         </a:prstGeom>
         <a:solidFill>
-          <a:schemeClr val="accent1">
+          <a:schemeClr val="accent2">
             <a:hueOff val="0"/>
             <a:satOff val="0"/>
             <a:lumOff val="0"/>
@@ -14224,10 +13949,10 @@
           <a:avLst/>
         </a:prstGeom>
         <a:solidFill>
-          <a:schemeClr val="accent1">
-            <a:hueOff val="0"/>
-            <a:satOff val="0"/>
-            <a:lumOff val="0"/>
+          <a:schemeClr val="accent2">
+            <a:hueOff val="5259187"/>
+            <a:satOff val="-30948"/>
+            <a:lumOff val="1178"/>
             <a:alphaOff val="0"/>
           </a:schemeClr>
         </a:solidFill>
@@ -14276,7 +14001,7 @@
             </a:spcAft>
           </a:pPr>
           <a:r>
-            <a:rPr lang="en-US" sz="1050" kern="1200" dirty="0" smtClean="0">
+            <a:rPr lang="en-US" sz="1050" kern="1200" smtClean="0">
               <a:latin typeface="Bernard MT Condensed" pitchFamily="18" charset="0"/>
             </a:rPr>
             <a:t>Update(t)</a:t>
@@ -14305,10 +14030,10 @@
           <a:avLst/>
         </a:prstGeom>
         <a:solidFill>
-          <a:schemeClr val="accent1">
-            <a:hueOff val="0"/>
-            <a:satOff val="0"/>
-            <a:lumOff val="0"/>
+          <a:schemeClr val="accent2">
+            <a:hueOff val="10518374"/>
+            <a:satOff val="-61895"/>
+            <a:lumOff val="2355"/>
             <a:alphaOff val="0"/>
           </a:schemeClr>
         </a:solidFill>
@@ -14357,7 +14082,7 @@
             </a:spcAft>
           </a:pPr>
           <a:r>
-            <a:rPr lang="en-US" sz="1200" kern="1200" dirty="0" smtClean="0">
+            <a:rPr lang="en-US" sz="1200" kern="1200" smtClean="0">
               <a:latin typeface="Bernard MT Condensed" pitchFamily="18" charset="0"/>
             </a:rPr>
             <a:t>Draw(t)</a:t>
@@ -14392,8 +14117,7 @@
           </a:avLst>
         </a:prstGeom>
         <a:solidFill>
-          <a:schemeClr val="accent1">
-            <a:tint val="60000"/>
+          <a:schemeClr val="accent2">
             <a:hueOff val="0"/>
             <a:satOff val="0"/>
             <a:lumOff val="0"/>
@@ -14440,11 +14164,10 @@
           </a:avLst>
         </a:prstGeom>
         <a:solidFill>
-          <a:schemeClr val="accent1">
-            <a:tint val="60000"/>
-            <a:hueOff val="0"/>
-            <a:satOff val="0"/>
-            <a:lumOff val="0"/>
+          <a:schemeClr val="accent2">
+            <a:hueOff val="5259187"/>
+            <a:satOff val="-30948"/>
+            <a:lumOff val="1178"/>
             <a:alphaOff val="0"/>
           </a:schemeClr>
         </a:solidFill>
@@ -14488,11 +14211,10 @@
           </a:avLst>
         </a:prstGeom>
         <a:solidFill>
-          <a:schemeClr val="accent1">
-            <a:tint val="60000"/>
-            <a:hueOff val="0"/>
-            <a:satOff val="0"/>
-            <a:lumOff val="0"/>
+          <a:schemeClr val="accent2">
+            <a:hueOff val="10518374"/>
+            <a:satOff val="-61895"/>
+            <a:lumOff val="2355"/>
             <a:alphaOff val="0"/>
           </a:schemeClr>
         </a:solidFill>
@@ -14528,6 +14250,599 @@
       <dsp:cNvGrpSpPr/>
     </dsp:nvGrpSpPr>
     <dsp:grpSpPr/>
+    <dsp:sp modelId="{463817C5-9CCE-42F4-9804-FF05FA16BE16}">
+      <dsp:nvSpPr>
+        <dsp:cNvPr id="0" name=""/>
+        <dsp:cNvSpPr/>
+      </dsp:nvSpPr>
+      <dsp:spPr>
+        <a:xfrm>
+          <a:off x="3044626" y="1246465"/>
+          <a:ext cx="1530747" cy="1530747"/>
+        </a:xfrm>
+        <a:prstGeom prst="ellipse">
+          <a:avLst/>
+        </a:prstGeom>
+        <a:solidFill>
+          <a:schemeClr val="accent1">
+            <a:alpha val="50000"/>
+            <a:hueOff val="0"/>
+            <a:satOff val="0"/>
+            <a:lumOff val="0"/>
+            <a:alphaOff val="0"/>
+          </a:schemeClr>
+        </a:solidFill>
+        <a:ln w="28575" cap="flat" cmpd="sng" algn="ctr">
+          <a:solidFill>
+            <a:schemeClr val="lt1">
+              <a:hueOff val="0"/>
+              <a:satOff val="0"/>
+              <a:lumOff val="0"/>
+              <a:alphaOff val="0"/>
+            </a:schemeClr>
+          </a:solidFill>
+          <a:prstDash val="solid"/>
+        </a:ln>
+        <a:effectLst/>
+      </dsp:spPr>
+      <dsp:style>
+        <a:lnRef idx="2">
+          <a:scrgbClr r="0" g="0" b="0"/>
+        </a:lnRef>
+        <a:fillRef idx="1">
+          <a:scrgbClr r="0" g="0" b="0"/>
+        </a:fillRef>
+        <a:effectRef idx="0">
+          <a:scrgbClr r="0" g="0" b="0"/>
+        </a:effectRef>
+        <a:fontRef idx="minor">
+          <a:schemeClr val="tx1"/>
+        </a:fontRef>
+      </dsp:style>
+    </dsp:sp>
+    <dsp:sp modelId="{DF6F56B8-899E-4918-8B30-33E336602C9F}">
+      <dsp:nvSpPr>
+        <dsp:cNvPr id="0" name=""/>
+        <dsp:cNvSpPr/>
+      </dsp:nvSpPr>
+      <dsp:spPr>
+        <a:xfrm>
+          <a:off x="2922166" y="0"/>
+          <a:ext cx="1775666" cy="1027787"/>
+        </a:xfrm>
+        <a:prstGeom prst="rect">
+          <a:avLst/>
+        </a:prstGeom>
+        <a:noFill/>
+        <a:ln>
+          <a:noFill/>
+        </a:ln>
+        <a:effectLst/>
+        <a:sp3d/>
+      </dsp:spPr>
+      <dsp:style>
+        <a:lnRef idx="0">
+          <a:scrgbClr r="0" g="0" b="0"/>
+        </a:lnRef>
+        <a:fillRef idx="0">
+          <a:scrgbClr r="0" g="0" b="0"/>
+        </a:fillRef>
+        <a:effectRef idx="0">
+          <a:scrgbClr r="0" g="0" b="0"/>
+        </a:effectRef>
+        <a:fontRef idx="minor"/>
+      </dsp:style>
+      <dsp:txBody>
+        <a:bodyPr spcFirstLastPara="0" vert="horz" wrap="square" lIns="0" tIns="0" rIns="0" bIns="0" numCol="1" spcCol="1270" anchor="ctr" anchorCtr="1">
+          <a:noAutofit/>
+        </a:bodyPr>
+        <a:lstStyle/>
+        <a:p>
+          <a:pPr lvl="0" algn="l" defTabSz="1155700" rtl="0">
+            <a:lnSpc>
+              <a:spcPct val="90000"/>
+            </a:lnSpc>
+            <a:spcBef>
+              <a:spcPct val="0"/>
+            </a:spcBef>
+            <a:spcAft>
+              <a:spcPct val="35000"/>
+            </a:spcAft>
+          </a:pPr>
+          <a:r>
+            <a:rPr lang="en-US" sz="2600" b="0" i="0" kern="1200" baseline="0" smtClean="0"/>
+            <a:t>FlatRedBall </a:t>
+          </a:r>
+          <a:endParaRPr lang="en-US" sz="2600" kern="1200"/>
+        </a:p>
+        <a:p>
+          <a:pPr marL="228600" lvl="1" indent="-228600" algn="l" defTabSz="889000" rtl="0">
+            <a:lnSpc>
+              <a:spcPct val="90000"/>
+            </a:lnSpc>
+            <a:spcBef>
+              <a:spcPct val="0"/>
+            </a:spcBef>
+            <a:spcAft>
+              <a:spcPct val="15000"/>
+            </a:spcAft>
+            <a:buChar char="••"/>
+          </a:pPr>
+          <a:r>
+            <a:rPr lang="en-US" sz="2000" b="0" i="0" kern="1200" baseline="0" smtClean="0"/>
+            <a:t>XNA-based</a:t>
+          </a:r>
+          <a:endParaRPr lang="en-US" sz="2000" kern="1200"/>
+        </a:p>
+      </dsp:txBody>
+      <dsp:txXfrm>
+        <a:off x="2922166" y="0"/>
+        <a:ext cx="1775666" cy="1027787"/>
+      </dsp:txXfrm>
+    </dsp:sp>
+    <dsp:sp modelId="{1A88DF17-8052-4724-BC94-5A3EED5B0DAD}">
+      <dsp:nvSpPr>
+        <dsp:cNvPr id="0" name=""/>
+        <dsp:cNvSpPr/>
+      </dsp:nvSpPr>
+      <dsp:spPr>
+        <a:xfrm>
+          <a:off x="3626922" y="1669388"/>
+          <a:ext cx="1530747" cy="1530747"/>
+        </a:xfrm>
+        <a:prstGeom prst="ellipse">
+          <a:avLst/>
+        </a:prstGeom>
+        <a:solidFill>
+          <a:schemeClr val="accent1">
+            <a:alpha val="50000"/>
+            <a:hueOff val="0"/>
+            <a:satOff val="0"/>
+            <a:lumOff val="0"/>
+            <a:alphaOff val="0"/>
+          </a:schemeClr>
+        </a:solidFill>
+        <a:ln w="28575" cap="flat" cmpd="sng" algn="ctr">
+          <a:solidFill>
+            <a:schemeClr val="lt1">
+              <a:hueOff val="0"/>
+              <a:satOff val="0"/>
+              <a:lumOff val="0"/>
+              <a:alphaOff val="0"/>
+            </a:schemeClr>
+          </a:solidFill>
+          <a:prstDash val="solid"/>
+        </a:ln>
+        <a:effectLst/>
+      </dsp:spPr>
+      <dsp:style>
+        <a:lnRef idx="2">
+          <a:scrgbClr r="0" g="0" b="0"/>
+        </a:lnRef>
+        <a:fillRef idx="1">
+          <a:scrgbClr r="0" g="0" b="0"/>
+        </a:fillRef>
+        <a:effectRef idx="0">
+          <a:scrgbClr r="0" g="0" b="0"/>
+        </a:effectRef>
+        <a:fontRef idx="minor">
+          <a:schemeClr val="tx1"/>
+        </a:fontRef>
+      </dsp:style>
+    </dsp:sp>
+    <dsp:sp modelId="{6023D327-C4B4-491A-ACAA-5B7E867FADD4}">
+      <dsp:nvSpPr>
+        <dsp:cNvPr id="0" name=""/>
+        <dsp:cNvSpPr/>
+      </dsp:nvSpPr>
+      <dsp:spPr>
+        <a:xfrm>
+          <a:off x="5279517" y="1355804"/>
+          <a:ext cx="1591976" cy="1115258"/>
+        </a:xfrm>
+        <a:prstGeom prst="rect">
+          <a:avLst/>
+        </a:prstGeom>
+        <a:noFill/>
+        <a:ln>
+          <a:noFill/>
+        </a:ln>
+        <a:effectLst/>
+        <a:sp3d/>
+      </dsp:spPr>
+      <dsp:style>
+        <a:lnRef idx="0">
+          <a:scrgbClr r="0" g="0" b="0"/>
+        </a:lnRef>
+        <a:fillRef idx="0">
+          <a:scrgbClr r="0" g="0" b="0"/>
+        </a:fillRef>
+        <a:effectRef idx="0">
+          <a:scrgbClr r="0" g="0" b="0"/>
+        </a:effectRef>
+        <a:fontRef idx="minor"/>
+      </dsp:style>
+      <dsp:txBody>
+        <a:bodyPr spcFirstLastPara="0" vert="horz" wrap="square" lIns="0" tIns="0" rIns="0" bIns="0" numCol="1" spcCol="1270" anchor="ctr" anchorCtr="0">
+          <a:noAutofit/>
+        </a:bodyPr>
+        <a:lstStyle/>
+        <a:p>
+          <a:pPr lvl="0" algn="ctr" defTabSz="1155700" rtl="0">
+            <a:lnSpc>
+              <a:spcPct val="90000"/>
+            </a:lnSpc>
+            <a:spcBef>
+              <a:spcPct val="0"/>
+            </a:spcBef>
+            <a:spcAft>
+              <a:spcPct val="35000"/>
+            </a:spcAft>
+          </a:pPr>
+          <a:r>
+            <a:rPr lang="en-US" sz="2600" b="0" i="0" kern="1200" baseline="0" smtClean="0"/>
+            <a:t>Cocos2D</a:t>
+          </a:r>
+          <a:endParaRPr lang="en-US" sz="2600" kern="1200"/>
+        </a:p>
+      </dsp:txBody>
+      <dsp:txXfrm>
+        <a:off x="5279517" y="1355804"/>
+        <a:ext cx="1591976" cy="1115258"/>
+      </dsp:txXfrm>
+    </dsp:sp>
+    <dsp:sp modelId="{AEAE7657-07EF-4B30-9FFF-69808B7BCAA3}">
+      <dsp:nvSpPr>
+        <dsp:cNvPr id="0" name=""/>
+        <dsp:cNvSpPr/>
+      </dsp:nvSpPr>
+      <dsp:spPr>
+        <a:xfrm>
+          <a:off x="3404658" y="2354288"/>
+          <a:ext cx="1530747" cy="1530747"/>
+        </a:xfrm>
+        <a:prstGeom prst="ellipse">
+          <a:avLst/>
+        </a:prstGeom>
+        <a:solidFill>
+          <a:schemeClr val="accent1">
+            <a:alpha val="50000"/>
+            <a:hueOff val="0"/>
+            <a:satOff val="0"/>
+            <a:lumOff val="0"/>
+            <a:alphaOff val="0"/>
+          </a:schemeClr>
+        </a:solidFill>
+        <a:ln w="28575" cap="flat" cmpd="sng" algn="ctr">
+          <a:solidFill>
+            <a:schemeClr val="lt1">
+              <a:hueOff val="0"/>
+              <a:satOff val="0"/>
+              <a:lumOff val="0"/>
+              <a:alphaOff val="0"/>
+            </a:schemeClr>
+          </a:solidFill>
+          <a:prstDash val="solid"/>
+        </a:ln>
+        <a:effectLst/>
+      </dsp:spPr>
+      <dsp:style>
+        <a:lnRef idx="2">
+          <a:scrgbClr r="0" g="0" b="0"/>
+        </a:lnRef>
+        <a:fillRef idx="1">
+          <a:scrgbClr r="0" g="0" b="0"/>
+        </a:fillRef>
+        <a:effectRef idx="0">
+          <a:scrgbClr r="0" g="0" b="0"/>
+        </a:effectRef>
+        <a:fontRef idx="minor">
+          <a:schemeClr val="tx1"/>
+        </a:fontRef>
+      </dsp:style>
+    </dsp:sp>
+    <dsp:sp modelId="{3415F99B-58D5-4081-BEDC-31BE1C73741F}">
+      <dsp:nvSpPr>
+        <dsp:cNvPr id="0" name=""/>
+        <dsp:cNvSpPr/>
+      </dsp:nvSpPr>
+      <dsp:spPr>
+        <a:xfrm>
+          <a:off x="5034597" y="3258304"/>
+          <a:ext cx="1591976" cy="1115258"/>
+        </a:xfrm>
+        <a:prstGeom prst="rect">
+          <a:avLst/>
+        </a:prstGeom>
+        <a:noFill/>
+        <a:ln>
+          <a:noFill/>
+        </a:ln>
+        <a:effectLst/>
+        <a:sp3d/>
+      </dsp:spPr>
+      <dsp:style>
+        <a:lnRef idx="0">
+          <a:scrgbClr r="0" g="0" b="0"/>
+        </a:lnRef>
+        <a:fillRef idx="0">
+          <a:scrgbClr r="0" g="0" b="0"/>
+        </a:fillRef>
+        <a:effectRef idx="0">
+          <a:scrgbClr r="0" g="0" b="0"/>
+        </a:effectRef>
+        <a:fontRef idx="minor"/>
+      </dsp:style>
+      <dsp:txBody>
+        <a:bodyPr spcFirstLastPara="0" vert="horz" wrap="square" lIns="0" tIns="0" rIns="0" bIns="0" numCol="1" spcCol="1270" anchor="ctr" anchorCtr="0">
+          <a:noAutofit/>
+        </a:bodyPr>
+        <a:lstStyle/>
+        <a:p>
+          <a:pPr lvl="0" algn="ctr" defTabSz="1155700" rtl="0">
+            <a:lnSpc>
+              <a:spcPct val="90000"/>
+            </a:lnSpc>
+            <a:spcBef>
+              <a:spcPct val="0"/>
+            </a:spcBef>
+            <a:spcAft>
+              <a:spcPct val="35000"/>
+            </a:spcAft>
+          </a:pPr>
+          <a:r>
+            <a:rPr lang="en-US" sz="2600" b="0" i="0" kern="1200" baseline="0" smtClean="0"/>
+            <a:t>Unity </a:t>
+          </a:r>
+          <a:endParaRPr lang="en-US" sz="2600" kern="1200"/>
+        </a:p>
+      </dsp:txBody>
+      <dsp:txXfrm>
+        <a:off x="5034597" y="3258304"/>
+        <a:ext cx="1591976" cy="1115258"/>
+      </dsp:txXfrm>
+    </dsp:sp>
+    <dsp:sp modelId="{9C1C3E67-83BE-43C0-91FA-4B96E1711F82}">
+      <dsp:nvSpPr>
+        <dsp:cNvPr id="0" name=""/>
+        <dsp:cNvSpPr/>
+      </dsp:nvSpPr>
+      <dsp:spPr>
+        <a:xfrm>
+          <a:off x="2684594" y="2354288"/>
+          <a:ext cx="1530747" cy="1530747"/>
+        </a:xfrm>
+        <a:prstGeom prst="ellipse">
+          <a:avLst/>
+        </a:prstGeom>
+        <a:solidFill>
+          <a:schemeClr val="accent1">
+            <a:alpha val="50000"/>
+            <a:hueOff val="0"/>
+            <a:satOff val="0"/>
+            <a:lumOff val="0"/>
+            <a:alphaOff val="0"/>
+          </a:schemeClr>
+        </a:solidFill>
+        <a:ln w="28575" cap="flat" cmpd="sng" algn="ctr">
+          <a:solidFill>
+            <a:schemeClr val="lt1">
+              <a:hueOff val="0"/>
+              <a:satOff val="0"/>
+              <a:lumOff val="0"/>
+              <a:alphaOff val="0"/>
+            </a:schemeClr>
+          </a:solidFill>
+          <a:prstDash val="solid"/>
+        </a:ln>
+        <a:effectLst/>
+      </dsp:spPr>
+      <dsp:style>
+        <a:lnRef idx="2">
+          <a:scrgbClr r="0" g="0" b="0"/>
+        </a:lnRef>
+        <a:fillRef idx="1">
+          <a:scrgbClr r="0" g="0" b="0"/>
+        </a:fillRef>
+        <a:effectRef idx="0">
+          <a:scrgbClr r="0" g="0" b="0"/>
+        </a:effectRef>
+        <a:fontRef idx="minor">
+          <a:schemeClr val="tx1"/>
+        </a:fontRef>
+      </dsp:style>
+    </dsp:sp>
+    <dsp:sp modelId="{E9196014-9E5B-4C3F-8F33-C284264F4BA4}">
+      <dsp:nvSpPr>
+        <dsp:cNvPr id="0" name=""/>
+        <dsp:cNvSpPr/>
+      </dsp:nvSpPr>
+      <dsp:spPr>
+        <a:xfrm>
+          <a:off x="993425" y="3258304"/>
+          <a:ext cx="1591976" cy="1115258"/>
+        </a:xfrm>
+        <a:prstGeom prst="rect">
+          <a:avLst/>
+        </a:prstGeom>
+        <a:noFill/>
+        <a:ln>
+          <a:noFill/>
+        </a:ln>
+        <a:effectLst/>
+        <a:sp3d/>
+      </dsp:spPr>
+      <dsp:style>
+        <a:lnRef idx="0">
+          <a:scrgbClr r="0" g="0" b="0"/>
+        </a:lnRef>
+        <a:fillRef idx="0">
+          <a:scrgbClr r="0" g="0" b="0"/>
+        </a:fillRef>
+        <a:effectRef idx="0">
+          <a:scrgbClr r="0" g="0" b="0"/>
+        </a:effectRef>
+        <a:fontRef idx="minor"/>
+      </dsp:style>
+      <dsp:txBody>
+        <a:bodyPr spcFirstLastPara="0" vert="horz" wrap="square" lIns="0" tIns="0" rIns="0" bIns="0" numCol="1" spcCol="1270" anchor="ctr" anchorCtr="0">
+          <a:noAutofit/>
+        </a:bodyPr>
+        <a:lstStyle/>
+        <a:p>
+          <a:pPr lvl="0" algn="ctr" defTabSz="1155700" rtl="0">
+            <a:lnSpc>
+              <a:spcPct val="90000"/>
+            </a:lnSpc>
+            <a:spcBef>
+              <a:spcPct val="0"/>
+            </a:spcBef>
+            <a:spcAft>
+              <a:spcPct val="35000"/>
+            </a:spcAft>
+          </a:pPr>
+          <a:r>
+            <a:rPr lang="en-US" sz="2600" b="0" i="0" kern="1200" baseline="0" smtClean="0"/>
+            <a:t>Game Maker</a:t>
+          </a:r>
+          <a:endParaRPr lang="en-US" sz="2600" kern="1200"/>
+        </a:p>
+      </dsp:txBody>
+      <dsp:txXfrm>
+        <a:off x="993425" y="3258304"/>
+        <a:ext cx="1591976" cy="1115258"/>
+      </dsp:txXfrm>
+    </dsp:sp>
+    <dsp:sp modelId="{F7A8CD29-72A0-4D82-978A-F656C2C42A2F}">
+      <dsp:nvSpPr>
+        <dsp:cNvPr id="0" name=""/>
+        <dsp:cNvSpPr/>
+      </dsp:nvSpPr>
+      <dsp:spPr>
+        <a:xfrm>
+          <a:off x="2462330" y="1669388"/>
+          <a:ext cx="1530747" cy="1530747"/>
+        </a:xfrm>
+        <a:prstGeom prst="ellipse">
+          <a:avLst/>
+        </a:prstGeom>
+        <a:solidFill>
+          <a:schemeClr val="accent1">
+            <a:alpha val="50000"/>
+            <a:hueOff val="0"/>
+            <a:satOff val="0"/>
+            <a:lumOff val="0"/>
+            <a:alphaOff val="0"/>
+          </a:schemeClr>
+        </a:solidFill>
+        <a:ln w="28575" cap="flat" cmpd="sng" algn="ctr">
+          <a:solidFill>
+            <a:schemeClr val="lt1">
+              <a:hueOff val="0"/>
+              <a:satOff val="0"/>
+              <a:lumOff val="0"/>
+              <a:alphaOff val="0"/>
+            </a:schemeClr>
+          </a:solidFill>
+          <a:prstDash val="solid"/>
+        </a:ln>
+        <a:effectLst/>
+      </dsp:spPr>
+      <dsp:style>
+        <a:lnRef idx="2">
+          <a:scrgbClr r="0" g="0" b="0"/>
+        </a:lnRef>
+        <a:fillRef idx="1">
+          <a:scrgbClr r="0" g="0" b="0"/>
+        </a:fillRef>
+        <a:effectRef idx="0">
+          <a:scrgbClr r="0" g="0" b="0"/>
+        </a:effectRef>
+        <a:fontRef idx="minor">
+          <a:schemeClr val="tx1"/>
+        </a:fontRef>
+      </dsp:style>
+    </dsp:sp>
+    <dsp:sp modelId="{18AF2910-C5F8-44A0-A4FF-8B46C19CC17C}">
+      <dsp:nvSpPr>
+        <dsp:cNvPr id="0" name=""/>
+        <dsp:cNvSpPr/>
+      </dsp:nvSpPr>
+      <dsp:spPr>
+        <a:xfrm>
+          <a:off x="748505" y="1355804"/>
+          <a:ext cx="1591976" cy="1115258"/>
+        </a:xfrm>
+        <a:prstGeom prst="rect">
+          <a:avLst/>
+        </a:prstGeom>
+        <a:noFill/>
+        <a:ln>
+          <a:noFill/>
+        </a:ln>
+        <a:effectLst/>
+        <a:sp3d/>
+      </dsp:spPr>
+      <dsp:style>
+        <a:lnRef idx="0">
+          <a:scrgbClr r="0" g="0" b="0"/>
+        </a:lnRef>
+        <a:fillRef idx="0">
+          <a:scrgbClr r="0" g="0" b="0"/>
+        </a:fillRef>
+        <a:effectRef idx="0">
+          <a:scrgbClr r="0" g="0" b="0"/>
+        </a:effectRef>
+        <a:fontRef idx="minor"/>
+      </dsp:style>
+      <dsp:txBody>
+        <a:bodyPr spcFirstLastPara="0" vert="horz" wrap="square" lIns="0" tIns="0" rIns="0" bIns="0" numCol="1" spcCol="1270" anchor="ctr" anchorCtr="1">
+          <a:noAutofit/>
+        </a:bodyPr>
+        <a:lstStyle/>
+        <a:p>
+          <a:pPr lvl="0" algn="l" defTabSz="1155700" rtl="0">
+            <a:lnSpc>
+              <a:spcPct val="90000"/>
+            </a:lnSpc>
+            <a:spcBef>
+              <a:spcPct val="0"/>
+            </a:spcBef>
+            <a:spcAft>
+              <a:spcPct val="35000"/>
+            </a:spcAft>
+          </a:pPr>
+          <a:r>
+            <a:rPr lang="en-US" sz="2600" b="0" i="0" kern="1200" baseline="0" smtClean="0"/>
+            <a:t>Unreal Engine</a:t>
+          </a:r>
+          <a:endParaRPr lang="en-US" sz="2600" kern="1200"/>
+        </a:p>
+        <a:p>
+          <a:pPr marL="228600" lvl="1" indent="-228600" algn="l" defTabSz="889000" rtl="0">
+            <a:lnSpc>
+              <a:spcPct val="90000"/>
+            </a:lnSpc>
+            <a:spcBef>
+              <a:spcPct val="0"/>
+            </a:spcBef>
+            <a:spcAft>
+              <a:spcPct val="15000"/>
+            </a:spcAft>
+            <a:buChar char="••"/>
+          </a:pPr>
+          <a:r>
+            <a:rPr lang="en-US" sz="2000" b="0" i="0" kern="1200" baseline="0" smtClean="0"/>
+            <a:t>AAA</a:t>
+          </a:r>
+          <a:endParaRPr lang="en-US" sz="2000" kern="1200"/>
+        </a:p>
+      </dsp:txBody>
+      <dsp:txXfrm>
+        <a:off x="748505" y="1355804"/>
+        <a:ext cx="1591976" cy="1115258"/>
+      </dsp:txXfrm>
+    </dsp:sp>
   </dsp:spTree>
 </dsp:drawing>
 </file>
@@ -14540,6 +14855,464 @@
       <dsp:cNvGrpSpPr/>
     </dsp:nvGrpSpPr>
     <dsp:grpSpPr/>
+    <dsp:sp modelId="{1CA3943B-EBE0-4C97-8974-BF32FBE0217C}">
+      <dsp:nvSpPr>
+        <dsp:cNvPr id="0" name=""/>
+        <dsp:cNvSpPr/>
+      </dsp:nvSpPr>
+      <dsp:spPr>
+        <a:xfrm>
+          <a:off x="571499" y="0"/>
+          <a:ext cx="6477000" cy="4373563"/>
+        </a:xfrm>
+        <a:prstGeom prst="rightArrow">
+          <a:avLst/>
+        </a:prstGeom>
+        <a:solidFill>
+          <a:schemeClr val="accent1">
+            <a:tint val="40000"/>
+            <a:hueOff val="0"/>
+            <a:satOff val="0"/>
+            <a:lumOff val="0"/>
+            <a:alphaOff val="0"/>
+          </a:schemeClr>
+        </a:solidFill>
+        <a:ln>
+          <a:noFill/>
+        </a:ln>
+        <a:effectLst/>
+      </dsp:spPr>
+      <dsp:style>
+        <a:lnRef idx="0">
+          <a:scrgbClr r="0" g="0" b="0"/>
+        </a:lnRef>
+        <a:fillRef idx="1">
+          <a:scrgbClr r="0" g="0" b="0"/>
+        </a:fillRef>
+        <a:effectRef idx="0">
+          <a:scrgbClr r="0" g="0" b="0"/>
+        </a:effectRef>
+        <a:fontRef idx="minor"/>
+      </dsp:style>
+    </dsp:sp>
+    <dsp:sp modelId="{931455E4-89A7-41C9-9744-6ABD783C67D4}">
+      <dsp:nvSpPr>
+        <dsp:cNvPr id="0" name=""/>
+        <dsp:cNvSpPr/>
+      </dsp:nvSpPr>
+      <dsp:spPr>
+        <a:xfrm>
+          <a:off x="3348" y="1312068"/>
+          <a:ext cx="1464096" cy="1749425"/>
+        </a:xfrm>
+        <a:prstGeom prst="roundRect">
+          <a:avLst/>
+        </a:prstGeom>
+        <a:solidFill>
+          <a:schemeClr val="accent1">
+            <a:hueOff val="0"/>
+            <a:satOff val="0"/>
+            <a:lumOff val="0"/>
+            <a:alphaOff val="0"/>
+          </a:schemeClr>
+        </a:solidFill>
+        <a:ln w="28575" cap="flat" cmpd="sng" algn="ctr">
+          <a:solidFill>
+            <a:schemeClr val="lt1">
+              <a:hueOff val="0"/>
+              <a:satOff val="0"/>
+              <a:lumOff val="0"/>
+              <a:alphaOff val="0"/>
+            </a:schemeClr>
+          </a:solidFill>
+          <a:prstDash val="solid"/>
+        </a:ln>
+        <a:effectLst/>
+      </dsp:spPr>
+      <dsp:style>
+        <a:lnRef idx="2">
+          <a:scrgbClr r="0" g="0" b="0"/>
+        </a:lnRef>
+        <a:fillRef idx="1">
+          <a:scrgbClr r="0" g="0" b="0"/>
+        </a:fillRef>
+        <a:effectRef idx="0">
+          <a:scrgbClr r="0" g="0" b="0"/>
+        </a:effectRef>
+        <a:fontRef idx="minor">
+          <a:schemeClr val="lt1"/>
+        </a:fontRef>
+      </dsp:style>
+      <dsp:txBody>
+        <a:bodyPr spcFirstLastPara="0" vert="horz" wrap="square" lIns="57150" tIns="57150" rIns="57150" bIns="57150" numCol="1" spcCol="1270" anchor="ctr" anchorCtr="0">
+          <a:noAutofit/>
+        </a:bodyPr>
+        <a:lstStyle/>
+        <a:p>
+          <a:pPr lvl="0" algn="ctr" defTabSz="666750">
+            <a:lnSpc>
+              <a:spcPct val="90000"/>
+            </a:lnSpc>
+            <a:spcBef>
+              <a:spcPct val="0"/>
+            </a:spcBef>
+            <a:spcAft>
+              <a:spcPct val="35000"/>
+            </a:spcAft>
+          </a:pPr>
+          <a:r>
+            <a:rPr lang="en-US" sz="1500" kern="1200" dirty="0"/>
+            <a:t>Inspired by a game called </a:t>
+          </a:r>
+          <a:r>
+            <a:rPr lang="en-US" sz="1500" kern="1200" dirty="0" err="1"/>
+            <a:t>Nidhogg</a:t>
+          </a:r>
+          <a:r>
+            <a:rPr lang="en-US" sz="1500" kern="1200" dirty="0"/>
+            <a:t>, an indie sword fighting game</a:t>
+          </a:r>
+        </a:p>
+      </dsp:txBody>
+      <dsp:txXfrm>
+        <a:off x="74819" y="1383539"/>
+        <a:ext cx="1321154" cy="1606483"/>
+      </dsp:txXfrm>
+    </dsp:sp>
+    <dsp:sp modelId="{DDDFA1CB-2AAD-4268-AEFA-4F149C418B70}">
+      <dsp:nvSpPr>
+        <dsp:cNvPr id="0" name=""/>
+        <dsp:cNvSpPr/>
+      </dsp:nvSpPr>
+      <dsp:spPr>
+        <a:xfrm>
+          <a:off x="1540650" y="1312068"/>
+          <a:ext cx="1464096" cy="1749425"/>
+        </a:xfrm>
+        <a:prstGeom prst="roundRect">
+          <a:avLst/>
+        </a:prstGeom>
+        <a:solidFill>
+          <a:schemeClr val="accent1">
+            <a:hueOff val="0"/>
+            <a:satOff val="0"/>
+            <a:lumOff val="0"/>
+            <a:alphaOff val="0"/>
+          </a:schemeClr>
+        </a:solidFill>
+        <a:ln w="28575" cap="flat" cmpd="sng" algn="ctr">
+          <a:solidFill>
+            <a:schemeClr val="lt1">
+              <a:hueOff val="0"/>
+              <a:satOff val="0"/>
+              <a:lumOff val="0"/>
+              <a:alphaOff val="0"/>
+            </a:schemeClr>
+          </a:solidFill>
+          <a:prstDash val="solid"/>
+        </a:ln>
+        <a:effectLst/>
+      </dsp:spPr>
+      <dsp:style>
+        <a:lnRef idx="2">
+          <a:scrgbClr r="0" g="0" b="0"/>
+        </a:lnRef>
+        <a:fillRef idx="1">
+          <a:scrgbClr r="0" g="0" b="0"/>
+        </a:fillRef>
+        <a:effectRef idx="0">
+          <a:scrgbClr r="0" g="0" b="0"/>
+        </a:effectRef>
+        <a:fontRef idx="minor">
+          <a:schemeClr val="lt1"/>
+        </a:fontRef>
+      </dsp:style>
+      <dsp:txBody>
+        <a:bodyPr spcFirstLastPara="0" vert="horz" wrap="square" lIns="57150" tIns="57150" rIns="57150" bIns="57150" numCol="1" spcCol="1270" anchor="ctr" anchorCtr="0">
+          <a:noAutofit/>
+        </a:bodyPr>
+        <a:lstStyle/>
+        <a:p>
+          <a:pPr lvl="0" algn="ctr" defTabSz="666750">
+            <a:lnSpc>
+              <a:spcPct val="90000"/>
+            </a:lnSpc>
+            <a:spcBef>
+              <a:spcPct val="0"/>
+            </a:spcBef>
+            <a:spcAft>
+              <a:spcPct val="35000"/>
+            </a:spcAft>
+          </a:pPr>
+          <a:r>
+            <a:rPr lang="en-US" sz="1500" kern="1200" dirty="0" smtClean="0"/>
+            <a:t>Created for </a:t>
+          </a:r>
+          <a:r>
+            <a:rPr lang="en-US" sz="1500" kern="1200" dirty="0" err="1" smtClean="0"/>
+            <a:t>theHackathon</a:t>
+          </a:r>
+          <a:r>
+            <a:rPr lang="en-US" sz="1500" kern="1200" dirty="0" smtClean="0"/>
+            <a:t> </a:t>
+          </a:r>
+          <a:r>
+            <a:rPr lang="en-US" sz="1500" kern="1200" dirty="0" err="1" smtClean="0"/>
+            <a:t>Vlad</a:t>
+          </a:r>
+          <a:r>
+            <a:rPr lang="en-US" sz="1500" kern="1200" dirty="0" smtClean="0"/>
+            <a:t> started but I scope-</a:t>
+          </a:r>
+          <a:r>
+            <a:rPr lang="en-US" sz="1500" kern="1200" dirty="0" err="1" smtClean="0"/>
+            <a:t>creeped</a:t>
+          </a:r>
+          <a:r>
+            <a:rPr lang="en-US" sz="1500" kern="1200" dirty="0" smtClean="0"/>
+            <a:t> myself.</a:t>
+          </a:r>
+          <a:endParaRPr lang="en-US" sz="1500" kern="1200" dirty="0"/>
+        </a:p>
+      </dsp:txBody>
+      <dsp:txXfrm>
+        <a:off x="1612121" y="1383539"/>
+        <a:ext cx="1321154" cy="1606483"/>
+      </dsp:txXfrm>
+    </dsp:sp>
+    <dsp:sp modelId="{F3A9AF42-C76C-446E-BB68-85ED5B179656}">
+      <dsp:nvSpPr>
+        <dsp:cNvPr id="0" name=""/>
+        <dsp:cNvSpPr/>
+      </dsp:nvSpPr>
+      <dsp:spPr>
+        <a:xfrm>
+          <a:off x="3077951" y="1312068"/>
+          <a:ext cx="1464096" cy="1749425"/>
+        </a:xfrm>
+        <a:prstGeom prst="roundRect">
+          <a:avLst/>
+        </a:prstGeom>
+        <a:solidFill>
+          <a:schemeClr val="accent1">
+            <a:hueOff val="0"/>
+            <a:satOff val="0"/>
+            <a:lumOff val="0"/>
+            <a:alphaOff val="0"/>
+          </a:schemeClr>
+        </a:solidFill>
+        <a:ln w="28575" cap="flat" cmpd="sng" algn="ctr">
+          <a:solidFill>
+            <a:schemeClr val="lt1">
+              <a:hueOff val="0"/>
+              <a:satOff val="0"/>
+              <a:lumOff val="0"/>
+              <a:alphaOff val="0"/>
+            </a:schemeClr>
+          </a:solidFill>
+          <a:prstDash val="solid"/>
+        </a:ln>
+        <a:effectLst/>
+      </dsp:spPr>
+      <dsp:style>
+        <a:lnRef idx="2">
+          <a:scrgbClr r="0" g="0" b="0"/>
+        </a:lnRef>
+        <a:fillRef idx="1">
+          <a:scrgbClr r="0" g="0" b="0"/>
+        </a:fillRef>
+        <a:effectRef idx="0">
+          <a:scrgbClr r="0" g="0" b="0"/>
+        </a:effectRef>
+        <a:fontRef idx="minor">
+          <a:schemeClr val="lt1"/>
+        </a:fontRef>
+      </dsp:style>
+      <dsp:txBody>
+        <a:bodyPr spcFirstLastPara="0" vert="horz" wrap="square" lIns="57150" tIns="57150" rIns="57150" bIns="57150" numCol="1" spcCol="1270" anchor="ctr" anchorCtr="0">
+          <a:noAutofit/>
+        </a:bodyPr>
+        <a:lstStyle/>
+        <a:p>
+          <a:pPr lvl="0" algn="ctr" defTabSz="666750">
+            <a:lnSpc>
+              <a:spcPct val="90000"/>
+            </a:lnSpc>
+            <a:spcBef>
+              <a:spcPct val="0"/>
+            </a:spcBef>
+            <a:spcAft>
+              <a:spcPct val="35000"/>
+            </a:spcAft>
+          </a:pPr>
+          <a:r>
+            <a:rPr lang="en-US" sz="1500" kern="1200" dirty="0"/>
+            <a:t>I wanted to create a simple and fun game while learning the XNA 4.0 Framework</a:t>
+          </a:r>
+        </a:p>
+      </dsp:txBody>
+      <dsp:txXfrm>
+        <a:off x="3149422" y="1383539"/>
+        <a:ext cx="1321154" cy="1606483"/>
+      </dsp:txXfrm>
+    </dsp:sp>
+    <dsp:sp modelId="{8561C458-A7E1-43DA-8FBD-5DE6A153409B}">
+      <dsp:nvSpPr>
+        <dsp:cNvPr id="0" name=""/>
+        <dsp:cNvSpPr/>
+      </dsp:nvSpPr>
+      <dsp:spPr>
+        <a:xfrm>
+          <a:off x="4615253" y="1312068"/>
+          <a:ext cx="1464096" cy="1749425"/>
+        </a:xfrm>
+        <a:prstGeom prst="roundRect">
+          <a:avLst/>
+        </a:prstGeom>
+        <a:solidFill>
+          <a:schemeClr val="accent1">
+            <a:hueOff val="0"/>
+            <a:satOff val="0"/>
+            <a:lumOff val="0"/>
+            <a:alphaOff val="0"/>
+          </a:schemeClr>
+        </a:solidFill>
+        <a:ln w="28575" cap="flat" cmpd="sng" algn="ctr">
+          <a:solidFill>
+            <a:schemeClr val="lt1">
+              <a:hueOff val="0"/>
+              <a:satOff val="0"/>
+              <a:lumOff val="0"/>
+              <a:alphaOff val="0"/>
+            </a:schemeClr>
+          </a:solidFill>
+          <a:prstDash val="solid"/>
+        </a:ln>
+        <a:effectLst/>
+      </dsp:spPr>
+      <dsp:style>
+        <a:lnRef idx="2">
+          <a:scrgbClr r="0" g="0" b="0"/>
+        </a:lnRef>
+        <a:fillRef idx="1">
+          <a:scrgbClr r="0" g="0" b="0"/>
+        </a:fillRef>
+        <a:effectRef idx="0">
+          <a:scrgbClr r="0" g="0" b="0"/>
+        </a:effectRef>
+        <a:fontRef idx="minor">
+          <a:schemeClr val="lt1"/>
+        </a:fontRef>
+      </dsp:style>
+      <dsp:txBody>
+        <a:bodyPr spcFirstLastPara="0" vert="horz" wrap="square" lIns="57150" tIns="57150" rIns="57150" bIns="57150" numCol="1" spcCol="1270" anchor="ctr" anchorCtr="0">
+          <a:noAutofit/>
+        </a:bodyPr>
+        <a:lstStyle/>
+        <a:p>
+          <a:pPr lvl="0" algn="ctr" defTabSz="666750">
+            <a:lnSpc>
+              <a:spcPct val="90000"/>
+            </a:lnSpc>
+            <a:spcBef>
+              <a:spcPct val="0"/>
+            </a:spcBef>
+            <a:spcAft>
+              <a:spcPct val="35000"/>
+            </a:spcAft>
+          </a:pPr>
+          <a:r>
+            <a:rPr lang="en-US" sz="1500" kern="1200" dirty="0"/>
+            <a:t>So I can work on Windows Phone or equivalent projects</a:t>
+          </a:r>
+        </a:p>
+      </dsp:txBody>
+      <dsp:txXfrm>
+        <a:off x="4686724" y="1383539"/>
+        <a:ext cx="1321154" cy="1606483"/>
+      </dsp:txXfrm>
+    </dsp:sp>
+    <dsp:sp modelId="{1C16B0A3-1D5A-4FD1-B6A1-FD0ECB00E178}">
+      <dsp:nvSpPr>
+        <dsp:cNvPr id="0" name=""/>
+        <dsp:cNvSpPr/>
+      </dsp:nvSpPr>
+      <dsp:spPr>
+        <a:xfrm>
+          <a:off x="6152554" y="1312068"/>
+          <a:ext cx="1464096" cy="1749425"/>
+        </a:xfrm>
+        <a:prstGeom prst="roundRect">
+          <a:avLst/>
+        </a:prstGeom>
+        <a:solidFill>
+          <a:schemeClr val="accent1">
+            <a:hueOff val="0"/>
+            <a:satOff val="0"/>
+            <a:lumOff val="0"/>
+            <a:alphaOff val="0"/>
+          </a:schemeClr>
+        </a:solidFill>
+        <a:ln w="28575" cap="flat" cmpd="sng" algn="ctr">
+          <a:solidFill>
+            <a:schemeClr val="lt1">
+              <a:hueOff val="0"/>
+              <a:satOff val="0"/>
+              <a:lumOff val="0"/>
+              <a:alphaOff val="0"/>
+            </a:schemeClr>
+          </a:solidFill>
+          <a:prstDash val="solid"/>
+        </a:ln>
+        <a:effectLst/>
+      </dsp:spPr>
+      <dsp:style>
+        <a:lnRef idx="2">
+          <a:scrgbClr r="0" g="0" b="0"/>
+        </a:lnRef>
+        <a:fillRef idx="1">
+          <a:scrgbClr r="0" g="0" b="0"/>
+        </a:fillRef>
+        <a:effectRef idx="0">
+          <a:scrgbClr r="0" g="0" b="0"/>
+        </a:effectRef>
+        <a:fontRef idx="minor">
+          <a:schemeClr val="lt1"/>
+        </a:fontRef>
+      </dsp:style>
+      <dsp:txBody>
+        <a:bodyPr spcFirstLastPara="0" vert="horz" wrap="square" lIns="57150" tIns="57150" rIns="57150" bIns="57150" numCol="1" spcCol="1270" anchor="ctr" anchorCtr="0">
+          <a:noAutofit/>
+        </a:bodyPr>
+        <a:lstStyle/>
+        <a:p>
+          <a:pPr lvl="0" algn="ctr" defTabSz="666750">
+            <a:lnSpc>
+              <a:spcPct val="90000"/>
+            </a:lnSpc>
+            <a:spcBef>
+              <a:spcPct val="0"/>
+            </a:spcBef>
+            <a:spcAft>
+              <a:spcPct val="35000"/>
+            </a:spcAft>
+          </a:pPr>
+          <a:r>
+            <a:rPr lang="en-US" sz="1500" kern="1200" dirty="0"/>
+            <a:t>Hint </a:t>
+          </a:r>
+          <a:r>
+            <a:rPr lang="en-US" sz="1500" kern="1200" dirty="0" err="1"/>
+            <a:t>Hint</a:t>
+          </a:r>
+          <a:endParaRPr lang="en-US" sz="1500" kern="1200" dirty="0"/>
+        </a:p>
+      </dsp:txBody>
+      <dsp:txXfrm>
+        <a:off x="6224025" y="1383539"/>
+        <a:ext cx="1321154" cy="1606483"/>
+      </dsp:txXfrm>
+    </dsp:sp>
   </dsp:spTree>
 </dsp:drawing>
 </file>
@@ -15011,10 +15784,10 @@
             </a:spcAft>
           </a:pPr>
           <a:r>
-            <a:rPr lang="en-US" sz="3900" b="0" i="0" kern="1200" baseline="0" smtClean="0"/>
+            <a:rPr lang="en-US" sz="3900" b="0" i="0" kern="1200" baseline="0" dirty="0" smtClean="0"/>
             <a:t>Unfortunately, cancelled in favor of play time!</a:t>
           </a:r>
-          <a:endParaRPr lang="en-US" sz="3900" kern="1200"/>
+          <a:endParaRPr lang="en-US" sz="3900" kern="1200" dirty="0"/>
         </a:p>
       </dsp:txBody>
       <dsp:txXfrm>
@@ -32721,7 +33494,237 @@
   <p:timing>
     <p:tnLst>
       <p:par>
-        <p:cTn id="1" dur="indefinite" restart="never" nodeType="tmRoot"/>
+        <p:cTn id="1" dur="indefinite" restart="never" nodeType="tmRoot">
+          <p:childTnLst>
+            <p:seq concurrent="1" nextAc="seek">
+              <p:cTn id="2" dur="indefinite" nodeType="mainSeq">
+                <p:childTnLst>
+                  <p:par>
+                    <p:cTn id="3" fill="hold">
+                      <p:stCondLst>
+                        <p:cond delay="indefinite"/>
+                      </p:stCondLst>
+                      <p:childTnLst>
+                        <p:par>
+                          <p:cTn id="4" fill="hold">
+                            <p:stCondLst>
+                              <p:cond delay="0"/>
+                            </p:stCondLst>
+                            <p:childTnLst>
+                              <p:par>
+                                <p:cTn id="5" presetID="1" presetClass="entr" presetSubtype="0" fill="hold" nodeType="clickEffect">
+                                  <p:stCondLst>
+                                    <p:cond delay="0"/>
+                                  </p:stCondLst>
+                                  <p:childTnLst>
+                                    <p:set>
+                                      <p:cBhvr>
+                                        <p:cTn id="6" dur="1" fill="hold">
+                                          <p:stCondLst>
+                                            <p:cond delay="0"/>
+                                          </p:stCondLst>
+                                        </p:cTn>
+                                        <p:tgtEl>
+                                          <p:spTgt spid="2051"/>
+                                        </p:tgtEl>
+                                        <p:attrNameLst>
+                                          <p:attrName>style.visibility</p:attrName>
+                                        </p:attrNameLst>
+                                      </p:cBhvr>
+                                      <p:to>
+                                        <p:strVal val="visible"/>
+                                      </p:to>
+                                    </p:set>
+                                  </p:childTnLst>
+                                </p:cTn>
+                              </p:par>
+                              <p:par>
+                                <p:cTn id="7" presetID="1" presetClass="entr" presetSubtype="0" fill="hold" nodeType="withEffect">
+                                  <p:stCondLst>
+                                    <p:cond delay="0"/>
+                                  </p:stCondLst>
+                                  <p:childTnLst>
+                                    <p:set>
+                                      <p:cBhvr>
+                                        <p:cTn id="8" dur="1" fill="hold">
+                                          <p:stCondLst>
+                                            <p:cond delay="0"/>
+                                          </p:stCondLst>
+                                        </p:cTn>
+                                        <p:tgtEl>
+                                          <p:spTgt spid="2052"/>
+                                        </p:tgtEl>
+                                        <p:attrNameLst>
+                                          <p:attrName>style.visibility</p:attrName>
+                                        </p:attrNameLst>
+                                      </p:cBhvr>
+                                      <p:to>
+                                        <p:strVal val="visible"/>
+                                      </p:to>
+                                    </p:set>
+                                  </p:childTnLst>
+                                </p:cTn>
+                              </p:par>
+                              <p:par>
+                                <p:cTn id="9" presetID="1" presetClass="entr" presetSubtype="0" fill="hold" nodeType="withEffect">
+                                  <p:stCondLst>
+                                    <p:cond delay="0"/>
+                                  </p:stCondLst>
+                                  <p:childTnLst>
+                                    <p:set>
+                                      <p:cBhvr>
+                                        <p:cTn id="10" dur="1" fill="hold">
+                                          <p:stCondLst>
+                                            <p:cond delay="0"/>
+                                          </p:stCondLst>
+                                        </p:cTn>
+                                        <p:tgtEl>
+                                          <p:spTgt spid="2053"/>
+                                        </p:tgtEl>
+                                        <p:attrNameLst>
+                                          <p:attrName>style.visibility</p:attrName>
+                                        </p:attrNameLst>
+                                      </p:cBhvr>
+                                      <p:to>
+                                        <p:strVal val="visible"/>
+                                      </p:to>
+                                    </p:set>
+                                  </p:childTnLst>
+                                </p:cTn>
+                              </p:par>
+                              <p:par>
+                                <p:cTn id="11" presetID="1" presetClass="entr" presetSubtype="0" fill="hold" nodeType="withEffect">
+                                  <p:stCondLst>
+                                    <p:cond delay="0"/>
+                                  </p:stCondLst>
+                                  <p:childTnLst>
+                                    <p:set>
+                                      <p:cBhvr>
+                                        <p:cTn id="12" dur="1" fill="hold">
+                                          <p:stCondLst>
+                                            <p:cond delay="0"/>
+                                          </p:stCondLst>
+                                        </p:cTn>
+                                        <p:tgtEl>
+                                          <p:spTgt spid="2055"/>
+                                        </p:tgtEl>
+                                        <p:attrNameLst>
+                                          <p:attrName>style.visibility</p:attrName>
+                                        </p:attrNameLst>
+                                      </p:cBhvr>
+                                      <p:to>
+                                        <p:strVal val="visible"/>
+                                      </p:to>
+                                    </p:set>
+                                  </p:childTnLst>
+                                </p:cTn>
+                              </p:par>
+                              <p:par>
+                                <p:cTn id="13" presetID="1" presetClass="entr" presetSubtype="0" fill="hold" nodeType="withEffect">
+                                  <p:stCondLst>
+                                    <p:cond delay="0"/>
+                                  </p:stCondLst>
+                                  <p:childTnLst>
+                                    <p:set>
+                                      <p:cBhvr>
+                                        <p:cTn id="14" dur="1" fill="hold">
+                                          <p:stCondLst>
+                                            <p:cond delay="0"/>
+                                          </p:stCondLst>
+                                        </p:cTn>
+                                        <p:tgtEl>
+                                          <p:spTgt spid="2056"/>
+                                        </p:tgtEl>
+                                        <p:attrNameLst>
+                                          <p:attrName>style.visibility</p:attrName>
+                                        </p:attrNameLst>
+                                      </p:cBhvr>
+                                      <p:to>
+                                        <p:strVal val="visible"/>
+                                      </p:to>
+                                    </p:set>
+                                  </p:childTnLst>
+                                </p:cTn>
+                              </p:par>
+                              <p:par>
+                                <p:cTn id="15" presetID="1" presetClass="entr" presetSubtype="0" fill="hold" nodeType="withEffect">
+                                  <p:stCondLst>
+                                    <p:cond delay="0"/>
+                                  </p:stCondLst>
+                                  <p:childTnLst>
+                                    <p:set>
+                                      <p:cBhvr>
+                                        <p:cTn id="16" dur="1" fill="hold">
+                                          <p:stCondLst>
+                                            <p:cond delay="0"/>
+                                          </p:stCondLst>
+                                        </p:cTn>
+                                        <p:tgtEl>
+                                          <p:spTgt spid="2057"/>
+                                        </p:tgtEl>
+                                        <p:attrNameLst>
+                                          <p:attrName>style.visibility</p:attrName>
+                                        </p:attrNameLst>
+                                      </p:cBhvr>
+                                      <p:to>
+                                        <p:strVal val="visible"/>
+                                      </p:to>
+                                    </p:set>
+                                  </p:childTnLst>
+                                </p:cTn>
+                              </p:par>
+                              <p:par>
+                                <p:cTn id="17" presetID="1" presetClass="entr" presetSubtype="0" fill="hold" nodeType="withEffect">
+                                  <p:stCondLst>
+                                    <p:cond delay="0"/>
+                                  </p:stCondLst>
+                                  <p:childTnLst>
+                                    <p:set>
+                                      <p:cBhvr>
+                                        <p:cTn id="18" dur="1" fill="hold">
+                                          <p:stCondLst>
+                                            <p:cond delay="0"/>
+                                          </p:stCondLst>
+                                        </p:cTn>
+                                        <p:tgtEl>
+                                          <p:spTgt spid="2058"/>
+                                        </p:tgtEl>
+                                        <p:attrNameLst>
+                                          <p:attrName>style.visibility</p:attrName>
+                                        </p:attrNameLst>
+                                      </p:cBhvr>
+                                      <p:to>
+                                        <p:strVal val="visible"/>
+                                      </p:to>
+                                    </p:set>
+                                  </p:childTnLst>
+                                </p:cTn>
+                              </p:par>
+                            </p:childTnLst>
+                          </p:cTn>
+                        </p:par>
+                      </p:childTnLst>
+                    </p:cTn>
+                  </p:par>
+                </p:childTnLst>
+              </p:cTn>
+              <p:prevCondLst>
+                <p:cond evt="onPrev" delay="0">
+                  <p:tgtEl>
+                    <p:sldTgt/>
+                  </p:tgtEl>
+                </p:cond>
+              </p:prevCondLst>
+              <p:nextCondLst>
+                <p:cond evt="onNext" delay="0">
+                  <p:tgtEl>
+                    <p:sldTgt/>
+                  </p:tgtEl>
+                </p:cond>
+              </p:nextCondLst>
+            </p:seq>
+          </p:childTnLst>
+        </p:cTn>
       </p:par>
     </p:tnLst>
   </p:timing>
@@ -32840,9 +33843,344 @@
   <p:timing>
     <p:tnLst>
       <p:par>
-        <p:cTn id="1" dur="indefinite" restart="never" nodeType="tmRoot"/>
+        <p:cTn id="1" dur="indefinite" restart="never" nodeType="tmRoot">
+          <p:childTnLst>
+            <p:seq concurrent="1" nextAc="seek">
+              <p:cTn id="2" dur="indefinite" nodeType="mainSeq">
+                <p:childTnLst>
+                  <p:par>
+                    <p:cTn id="3" fill="hold">
+                      <p:stCondLst>
+                        <p:cond delay="indefinite"/>
+                      </p:stCondLst>
+                      <p:childTnLst>
+                        <p:par>
+                          <p:cTn id="4" fill="hold">
+                            <p:stCondLst>
+                              <p:cond delay="0"/>
+                            </p:stCondLst>
+                            <p:childTnLst>
+                              <p:par>
+                                <p:cTn id="5" presetID="2" presetClass="entr" presetSubtype="4" fill="hold" grpId="0" nodeType="clickEffect">
+                                  <p:stCondLst>
+                                    <p:cond delay="0"/>
+                                  </p:stCondLst>
+                                  <p:childTnLst>
+                                    <p:set>
+                                      <p:cBhvr>
+                                        <p:cTn id="6" dur="1" fill="hold">
+                                          <p:stCondLst>
+                                            <p:cond delay="0"/>
+                                          </p:stCondLst>
+                                        </p:cTn>
+                                        <p:tgtEl>
+                                          <p:spTgt spid="2">
+                                            <p:txEl>
+                                              <p:pRg st="0" end="0"/>
+                                            </p:txEl>
+                                          </p:spTgt>
+                                        </p:tgtEl>
+                                        <p:attrNameLst>
+                                          <p:attrName>style.visibility</p:attrName>
+                                        </p:attrNameLst>
+                                      </p:cBhvr>
+                                      <p:to>
+                                        <p:strVal val="visible"/>
+                                      </p:to>
+                                    </p:set>
+                                    <p:anim calcmode="lin" valueType="num">
+                                      <p:cBhvr additive="base">
+                                        <p:cTn id="7" dur="500" fill="hold"/>
+                                        <p:tgtEl>
+                                          <p:spTgt spid="2">
+                                            <p:txEl>
+                                              <p:pRg st="0" end="0"/>
+                                            </p:txEl>
+                                          </p:spTgt>
+                                        </p:tgtEl>
+                                        <p:attrNameLst>
+                                          <p:attrName>ppt_x</p:attrName>
+                                        </p:attrNameLst>
+                                      </p:cBhvr>
+                                      <p:tavLst>
+                                        <p:tav tm="0">
+                                          <p:val>
+                                            <p:strVal val="#ppt_x"/>
+                                          </p:val>
+                                        </p:tav>
+                                        <p:tav tm="100000">
+                                          <p:val>
+                                            <p:strVal val="#ppt_x"/>
+                                          </p:val>
+                                        </p:tav>
+                                      </p:tavLst>
+                                    </p:anim>
+                                    <p:anim calcmode="lin" valueType="num">
+                                      <p:cBhvr additive="base">
+                                        <p:cTn id="8" dur="500" fill="hold"/>
+                                        <p:tgtEl>
+                                          <p:spTgt spid="2">
+                                            <p:txEl>
+                                              <p:pRg st="0" end="0"/>
+                                            </p:txEl>
+                                          </p:spTgt>
+                                        </p:tgtEl>
+                                        <p:attrNameLst>
+                                          <p:attrName>ppt_y</p:attrName>
+                                        </p:attrNameLst>
+                                      </p:cBhvr>
+                                      <p:tavLst>
+                                        <p:tav tm="0">
+                                          <p:val>
+                                            <p:strVal val="1+#ppt_h/2"/>
+                                          </p:val>
+                                        </p:tav>
+                                        <p:tav tm="100000">
+                                          <p:val>
+                                            <p:strVal val="#ppt_y"/>
+                                          </p:val>
+                                        </p:tav>
+                                      </p:tavLst>
+                                    </p:anim>
+                                  </p:childTnLst>
+                                </p:cTn>
+                              </p:par>
+                            </p:childTnLst>
+                          </p:cTn>
+                        </p:par>
+                      </p:childTnLst>
+                    </p:cTn>
+                  </p:par>
+                  <p:par>
+                    <p:cTn id="9" fill="hold">
+                      <p:stCondLst>
+                        <p:cond delay="indefinite"/>
+                      </p:stCondLst>
+                      <p:childTnLst>
+                        <p:par>
+                          <p:cTn id="10" fill="hold">
+                            <p:stCondLst>
+                              <p:cond delay="0"/>
+                            </p:stCondLst>
+                            <p:childTnLst>
+                              <p:par>
+                                <p:cTn id="11" presetID="2" presetClass="entr" presetSubtype="4" fill="hold" grpId="0" nodeType="clickEffect">
+                                  <p:stCondLst>
+                                    <p:cond delay="0"/>
+                                  </p:stCondLst>
+                                  <p:childTnLst>
+                                    <p:set>
+                                      <p:cBhvr>
+                                        <p:cTn id="12" dur="1" fill="hold">
+                                          <p:stCondLst>
+                                            <p:cond delay="0"/>
+                                          </p:stCondLst>
+                                        </p:cTn>
+                                        <p:tgtEl>
+                                          <p:spTgt spid="2">
+                                            <p:txEl>
+                                              <p:pRg st="1" end="1"/>
+                                            </p:txEl>
+                                          </p:spTgt>
+                                        </p:tgtEl>
+                                        <p:attrNameLst>
+                                          <p:attrName>style.visibility</p:attrName>
+                                        </p:attrNameLst>
+                                      </p:cBhvr>
+                                      <p:to>
+                                        <p:strVal val="visible"/>
+                                      </p:to>
+                                    </p:set>
+                                    <p:anim calcmode="lin" valueType="num">
+                                      <p:cBhvr additive="base">
+                                        <p:cTn id="13" dur="500" fill="hold"/>
+                                        <p:tgtEl>
+                                          <p:spTgt spid="2">
+                                            <p:txEl>
+                                              <p:pRg st="1" end="1"/>
+                                            </p:txEl>
+                                          </p:spTgt>
+                                        </p:tgtEl>
+                                        <p:attrNameLst>
+                                          <p:attrName>ppt_x</p:attrName>
+                                        </p:attrNameLst>
+                                      </p:cBhvr>
+                                      <p:tavLst>
+                                        <p:tav tm="0">
+                                          <p:val>
+                                            <p:strVal val="#ppt_x"/>
+                                          </p:val>
+                                        </p:tav>
+                                        <p:tav tm="100000">
+                                          <p:val>
+                                            <p:strVal val="#ppt_x"/>
+                                          </p:val>
+                                        </p:tav>
+                                      </p:tavLst>
+                                    </p:anim>
+                                    <p:anim calcmode="lin" valueType="num">
+                                      <p:cBhvr additive="base">
+                                        <p:cTn id="14" dur="500" fill="hold"/>
+                                        <p:tgtEl>
+                                          <p:spTgt spid="2">
+                                            <p:txEl>
+                                              <p:pRg st="1" end="1"/>
+                                            </p:txEl>
+                                          </p:spTgt>
+                                        </p:tgtEl>
+                                        <p:attrNameLst>
+                                          <p:attrName>ppt_y</p:attrName>
+                                        </p:attrNameLst>
+                                      </p:cBhvr>
+                                      <p:tavLst>
+                                        <p:tav tm="0">
+                                          <p:val>
+                                            <p:strVal val="1+#ppt_h/2"/>
+                                          </p:val>
+                                        </p:tav>
+                                        <p:tav tm="100000">
+                                          <p:val>
+                                            <p:strVal val="#ppt_y"/>
+                                          </p:val>
+                                        </p:tav>
+                                      </p:tavLst>
+                                    </p:anim>
+                                  </p:childTnLst>
+                                </p:cTn>
+                              </p:par>
+                            </p:childTnLst>
+                          </p:cTn>
+                        </p:par>
+                      </p:childTnLst>
+                    </p:cTn>
+                  </p:par>
+                  <p:par>
+                    <p:cTn id="15" fill="hold">
+                      <p:stCondLst>
+                        <p:cond delay="indefinite"/>
+                      </p:stCondLst>
+                      <p:childTnLst>
+                        <p:par>
+                          <p:cTn id="16" fill="hold">
+                            <p:stCondLst>
+                              <p:cond delay="0"/>
+                            </p:stCondLst>
+                            <p:childTnLst>
+                              <p:par>
+                                <p:cTn id="17" presetID="2" presetClass="entr" presetSubtype="4" fill="hold" grpId="0" nodeType="clickEffect">
+                                  <p:stCondLst>
+                                    <p:cond delay="0"/>
+                                  </p:stCondLst>
+                                  <p:childTnLst>
+                                    <p:set>
+                                      <p:cBhvr>
+                                        <p:cTn id="18" dur="1" fill="hold">
+                                          <p:stCondLst>
+                                            <p:cond delay="0"/>
+                                          </p:stCondLst>
+                                        </p:cTn>
+                                        <p:tgtEl>
+                                          <p:spTgt spid="2">
+                                            <p:txEl>
+                                              <p:pRg st="2" end="2"/>
+                                            </p:txEl>
+                                          </p:spTgt>
+                                        </p:tgtEl>
+                                        <p:attrNameLst>
+                                          <p:attrName>style.visibility</p:attrName>
+                                        </p:attrNameLst>
+                                      </p:cBhvr>
+                                      <p:to>
+                                        <p:strVal val="visible"/>
+                                      </p:to>
+                                    </p:set>
+                                    <p:anim calcmode="lin" valueType="num">
+                                      <p:cBhvr additive="base">
+                                        <p:cTn id="19" dur="500" fill="hold"/>
+                                        <p:tgtEl>
+                                          <p:spTgt spid="2">
+                                            <p:txEl>
+                                              <p:pRg st="2" end="2"/>
+                                            </p:txEl>
+                                          </p:spTgt>
+                                        </p:tgtEl>
+                                        <p:attrNameLst>
+                                          <p:attrName>ppt_x</p:attrName>
+                                        </p:attrNameLst>
+                                      </p:cBhvr>
+                                      <p:tavLst>
+                                        <p:tav tm="0">
+                                          <p:val>
+                                            <p:strVal val="#ppt_x"/>
+                                          </p:val>
+                                        </p:tav>
+                                        <p:tav tm="100000">
+                                          <p:val>
+                                            <p:strVal val="#ppt_x"/>
+                                          </p:val>
+                                        </p:tav>
+                                      </p:tavLst>
+                                    </p:anim>
+                                    <p:anim calcmode="lin" valueType="num">
+                                      <p:cBhvr additive="base">
+                                        <p:cTn id="20" dur="500" fill="hold"/>
+                                        <p:tgtEl>
+                                          <p:spTgt spid="2">
+                                            <p:txEl>
+                                              <p:pRg st="2" end="2"/>
+                                            </p:txEl>
+                                          </p:spTgt>
+                                        </p:tgtEl>
+                                        <p:attrNameLst>
+                                          <p:attrName>ppt_y</p:attrName>
+                                        </p:attrNameLst>
+                                      </p:cBhvr>
+                                      <p:tavLst>
+                                        <p:tav tm="0">
+                                          <p:val>
+                                            <p:strVal val="1+#ppt_h/2"/>
+                                          </p:val>
+                                        </p:tav>
+                                        <p:tav tm="100000">
+                                          <p:val>
+                                            <p:strVal val="#ppt_y"/>
+                                          </p:val>
+                                        </p:tav>
+                                      </p:tavLst>
+                                    </p:anim>
+                                  </p:childTnLst>
+                                </p:cTn>
+                              </p:par>
+                            </p:childTnLst>
+                          </p:cTn>
+                        </p:par>
+                      </p:childTnLst>
+                    </p:cTn>
+                  </p:par>
+                </p:childTnLst>
+              </p:cTn>
+              <p:prevCondLst>
+                <p:cond evt="onPrev" delay="0">
+                  <p:tgtEl>
+                    <p:sldTgt/>
+                  </p:tgtEl>
+                </p:cond>
+              </p:prevCondLst>
+              <p:nextCondLst>
+                <p:cond evt="onNext" delay="0">
+                  <p:tgtEl>
+                    <p:sldTgt/>
+                  </p:tgtEl>
+                </p:cond>
+              </p:nextCondLst>
+            </p:seq>
+          </p:childTnLst>
+        </p:cTn>
       </p:par>
     </p:tnLst>
+    <p:bldLst>
+      <p:bldP spid="2" grpId="0" build="p"/>
+    </p:bldLst>
   </p:timing>
 </p:sld>
 </file>
@@ -32925,9 +34263,657 @@
   <p:timing>
     <p:tnLst>
       <p:par>
-        <p:cTn id="1" dur="indefinite" restart="never" nodeType="tmRoot"/>
+        <p:cTn id="1" dur="indefinite" restart="never" nodeType="tmRoot">
+          <p:childTnLst>
+            <p:seq concurrent="1" nextAc="seek">
+              <p:cTn id="2" dur="indefinite" nodeType="mainSeq">
+                <p:childTnLst>
+                  <p:par>
+                    <p:cTn id="3" fill="hold">
+                      <p:stCondLst>
+                        <p:cond delay="indefinite"/>
+                      </p:stCondLst>
+                      <p:childTnLst>
+                        <p:par>
+                          <p:cTn id="4" fill="hold">
+                            <p:stCondLst>
+                              <p:cond delay="0"/>
+                            </p:stCondLst>
+                            <p:childTnLst>
+                              <p:par>
+                                <p:cTn id="5" presetID="2" presetClass="entr" presetSubtype="4" fill="hold" grpId="0" nodeType="clickEffect">
+                                  <p:stCondLst>
+                                    <p:cond delay="0"/>
+                                  </p:stCondLst>
+                                  <p:childTnLst>
+                                    <p:set>
+                                      <p:cBhvr>
+                                        <p:cTn id="6" dur="1" fill="hold">
+                                          <p:stCondLst>
+                                            <p:cond delay="0"/>
+                                          </p:stCondLst>
+                                        </p:cTn>
+                                        <p:tgtEl>
+                                          <p:spTgt spid="4">
+                                            <p:graphicEl>
+                                              <a:dgm id="{1CA3943B-EBE0-4C97-8974-BF32FBE0217C}"/>
+                                            </p:graphicEl>
+                                          </p:spTgt>
+                                        </p:tgtEl>
+                                        <p:attrNameLst>
+                                          <p:attrName>style.visibility</p:attrName>
+                                        </p:attrNameLst>
+                                      </p:cBhvr>
+                                      <p:to>
+                                        <p:strVal val="visible"/>
+                                      </p:to>
+                                    </p:set>
+                                    <p:anim calcmode="lin" valueType="num">
+                                      <p:cBhvr additive="base">
+                                        <p:cTn id="7" dur="500" fill="hold"/>
+                                        <p:tgtEl>
+                                          <p:spTgt spid="4">
+                                            <p:graphicEl>
+                                              <a:dgm id="{1CA3943B-EBE0-4C97-8974-BF32FBE0217C}"/>
+                                            </p:graphicEl>
+                                          </p:spTgt>
+                                        </p:tgtEl>
+                                        <p:attrNameLst>
+                                          <p:attrName>ppt_x</p:attrName>
+                                        </p:attrNameLst>
+                                      </p:cBhvr>
+                                      <p:tavLst>
+                                        <p:tav tm="0">
+                                          <p:val>
+                                            <p:strVal val="#ppt_x"/>
+                                          </p:val>
+                                        </p:tav>
+                                        <p:tav tm="100000">
+                                          <p:val>
+                                            <p:strVal val="#ppt_x"/>
+                                          </p:val>
+                                        </p:tav>
+                                      </p:tavLst>
+                                    </p:anim>
+                                    <p:anim calcmode="lin" valueType="num">
+                                      <p:cBhvr additive="base">
+                                        <p:cTn id="8" dur="500" fill="hold"/>
+                                        <p:tgtEl>
+                                          <p:spTgt spid="4">
+                                            <p:graphicEl>
+                                              <a:dgm id="{1CA3943B-EBE0-4C97-8974-BF32FBE0217C}"/>
+                                            </p:graphicEl>
+                                          </p:spTgt>
+                                        </p:tgtEl>
+                                        <p:attrNameLst>
+                                          <p:attrName>ppt_y</p:attrName>
+                                        </p:attrNameLst>
+                                      </p:cBhvr>
+                                      <p:tavLst>
+                                        <p:tav tm="0">
+                                          <p:val>
+                                            <p:strVal val="1+#ppt_h/2"/>
+                                          </p:val>
+                                        </p:tav>
+                                        <p:tav tm="100000">
+                                          <p:val>
+                                            <p:strVal val="#ppt_y"/>
+                                          </p:val>
+                                        </p:tav>
+                                      </p:tavLst>
+                                    </p:anim>
+                                  </p:childTnLst>
+                                </p:cTn>
+                              </p:par>
+                            </p:childTnLst>
+                          </p:cTn>
+                        </p:par>
+                      </p:childTnLst>
+                    </p:cTn>
+                  </p:par>
+                  <p:par>
+                    <p:cTn id="9" fill="hold">
+                      <p:stCondLst>
+                        <p:cond delay="indefinite"/>
+                      </p:stCondLst>
+                      <p:childTnLst>
+                        <p:par>
+                          <p:cTn id="10" fill="hold">
+                            <p:stCondLst>
+                              <p:cond delay="0"/>
+                            </p:stCondLst>
+                            <p:childTnLst>
+                              <p:par>
+                                <p:cTn id="11" presetID="2" presetClass="entr" presetSubtype="4" fill="hold" grpId="0" nodeType="clickEffect">
+                                  <p:stCondLst>
+                                    <p:cond delay="0"/>
+                                  </p:stCondLst>
+                                  <p:childTnLst>
+                                    <p:set>
+                                      <p:cBhvr>
+                                        <p:cTn id="12" dur="1" fill="hold">
+                                          <p:stCondLst>
+                                            <p:cond delay="0"/>
+                                          </p:stCondLst>
+                                        </p:cTn>
+                                        <p:tgtEl>
+                                          <p:spTgt spid="4">
+                                            <p:graphicEl>
+                                              <a:dgm id="{931455E4-89A7-41C9-9744-6ABD783C67D4}"/>
+                                            </p:graphicEl>
+                                          </p:spTgt>
+                                        </p:tgtEl>
+                                        <p:attrNameLst>
+                                          <p:attrName>style.visibility</p:attrName>
+                                        </p:attrNameLst>
+                                      </p:cBhvr>
+                                      <p:to>
+                                        <p:strVal val="visible"/>
+                                      </p:to>
+                                    </p:set>
+                                    <p:anim calcmode="lin" valueType="num">
+                                      <p:cBhvr additive="base">
+                                        <p:cTn id="13" dur="500" fill="hold"/>
+                                        <p:tgtEl>
+                                          <p:spTgt spid="4">
+                                            <p:graphicEl>
+                                              <a:dgm id="{931455E4-89A7-41C9-9744-6ABD783C67D4}"/>
+                                            </p:graphicEl>
+                                          </p:spTgt>
+                                        </p:tgtEl>
+                                        <p:attrNameLst>
+                                          <p:attrName>ppt_x</p:attrName>
+                                        </p:attrNameLst>
+                                      </p:cBhvr>
+                                      <p:tavLst>
+                                        <p:tav tm="0">
+                                          <p:val>
+                                            <p:strVal val="#ppt_x"/>
+                                          </p:val>
+                                        </p:tav>
+                                        <p:tav tm="100000">
+                                          <p:val>
+                                            <p:strVal val="#ppt_x"/>
+                                          </p:val>
+                                        </p:tav>
+                                      </p:tavLst>
+                                    </p:anim>
+                                    <p:anim calcmode="lin" valueType="num">
+                                      <p:cBhvr additive="base">
+                                        <p:cTn id="14" dur="500" fill="hold"/>
+                                        <p:tgtEl>
+                                          <p:spTgt spid="4">
+                                            <p:graphicEl>
+                                              <a:dgm id="{931455E4-89A7-41C9-9744-6ABD783C67D4}"/>
+                                            </p:graphicEl>
+                                          </p:spTgt>
+                                        </p:tgtEl>
+                                        <p:attrNameLst>
+                                          <p:attrName>ppt_y</p:attrName>
+                                        </p:attrNameLst>
+                                      </p:cBhvr>
+                                      <p:tavLst>
+                                        <p:tav tm="0">
+                                          <p:val>
+                                            <p:strVal val="1+#ppt_h/2"/>
+                                          </p:val>
+                                        </p:tav>
+                                        <p:tav tm="100000">
+                                          <p:val>
+                                            <p:strVal val="#ppt_y"/>
+                                          </p:val>
+                                        </p:tav>
+                                      </p:tavLst>
+                                    </p:anim>
+                                  </p:childTnLst>
+                                </p:cTn>
+                              </p:par>
+                            </p:childTnLst>
+                          </p:cTn>
+                        </p:par>
+                      </p:childTnLst>
+                    </p:cTn>
+                  </p:par>
+                  <p:par>
+                    <p:cTn id="15" fill="hold">
+                      <p:stCondLst>
+                        <p:cond delay="indefinite"/>
+                      </p:stCondLst>
+                      <p:childTnLst>
+                        <p:par>
+                          <p:cTn id="16" fill="hold">
+                            <p:stCondLst>
+                              <p:cond delay="0"/>
+                            </p:stCondLst>
+                            <p:childTnLst>
+                              <p:par>
+                                <p:cTn id="17" presetID="2" presetClass="entr" presetSubtype="4" fill="hold" grpId="0" nodeType="clickEffect">
+                                  <p:stCondLst>
+                                    <p:cond delay="0"/>
+                                  </p:stCondLst>
+                                  <p:childTnLst>
+                                    <p:set>
+                                      <p:cBhvr>
+                                        <p:cTn id="18" dur="1" fill="hold">
+                                          <p:stCondLst>
+                                            <p:cond delay="0"/>
+                                          </p:stCondLst>
+                                        </p:cTn>
+                                        <p:tgtEl>
+                                          <p:spTgt spid="4">
+                                            <p:graphicEl>
+                                              <a:dgm id="{DDDFA1CB-2AAD-4268-AEFA-4F149C418B70}"/>
+                                            </p:graphicEl>
+                                          </p:spTgt>
+                                        </p:tgtEl>
+                                        <p:attrNameLst>
+                                          <p:attrName>style.visibility</p:attrName>
+                                        </p:attrNameLst>
+                                      </p:cBhvr>
+                                      <p:to>
+                                        <p:strVal val="visible"/>
+                                      </p:to>
+                                    </p:set>
+                                    <p:anim calcmode="lin" valueType="num">
+                                      <p:cBhvr additive="base">
+                                        <p:cTn id="19" dur="500" fill="hold"/>
+                                        <p:tgtEl>
+                                          <p:spTgt spid="4">
+                                            <p:graphicEl>
+                                              <a:dgm id="{DDDFA1CB-2AAD-4268-AEFA-4F149C418B70}"/>
+                                            </p:graphicEl>
+                                          </p:spTgt>
+                                        </p:tgtEl>
+                                        <p:attrNameLst>
+                                          <p:attrName>ppt_x</p:attrName>
+                                        </p:attrNameLst>
+                                      </p:cBhvr>
+                                      <p:tavLst>
+                                        <p:tav tm="0">
+                                          <p:val>
+                                            <p:strVal val="#ppt_x"/>
+                                          </p:val>
+                                        </p:tav>
+                                        <p:tav tm="100000">
+                                          <p:val>
+                                            <p:strVal val="#ppt_x"/>
+                                          </p:val>
+                                        </p:tav>
+                                      </p:tavLst>
+                                    </p:anim>
+                                    <p:anim calcmode="lin" valueType="num">
+                                      <p:cBhvr additive="base">
+                                        <p:cTn id="20" dur="500" fill="hold"/>
+                                        <p:tgtEl>
+                                          <p:spTgt spid="4">
+                                            <p:graphicEl>
+                                              <a:dgm id="{DDDFA1CB-2AAD-4268-AEFA-4F149C418B70}"/>
+                                            </p:graphicEl>
+                                          </p:spTgt>
+                                        </p:tgtEl>
+                                        <p:attrNameLst>
+                                          <p:attrName>ppt_y</p:attrName>
+                                        </p:attrNameLst>
+                                      </p:cBhvr>
+                                      <p:tavLst>
+                                        <p:tav tm="0">
+                                          <p:val>
+                                            <p:strVal val="1+#ppt_h/2"/>
+                                          </p:val>
+                                        </p:tav>
+                                        <p:tav tm="100000">
+                                          <p:val>
+                                            <p:strVal val="#ppt_y"/>
+                                          </p:val>
+                                        </p:tav>
+                                      </p:tavLst>
+                                    </p:anim>
+                                  </p:childTnLst>
+                                </p:cTn>
+                              </p:par>
+                            </p:childTnLst>
+                          </p:cTn>
+                        </p:par>
+                      </p:childTnLst>
+                    </p:cTn>
+                  </p:par>
+                  <p:par>
+                    <p:cTn id="21" fill="hold">
+                      <p:stCondLst>
+                        <p:cond delay="indefinite"/>
+                      </p:stCondLst>
+                      <p:childTnLst>
+                        <p:par>
+                          <p:cTn id="22" fill="hold">
+                            <p:stCondLst>
+                              <p:cond delay="0"/>
+                            </p:stCondLst>
+                            <p:childTnLst>
+                              <p:par>
+                                <p:cTn id="23" presetID="2" presetClass="entr" presetSubtype="4" fill="hold" grpId="0" nodeType="clickEffect">
+                                  <p:stCondLst>
+                                    <p:cond delay="0"/>
+                                  </p:stCondLst>
+                                  <p:childTnLst>
+                                    <p:set>
+                                      <p:cBhvr>
+                                        <p:cTn id="24" dur="1" fill="hold">
+                                          <p:stCondLst>
+                                            <p:cond delay="0"/>
+                                          </p:stCondLst>
+                                        </p:cTn>
+                                        <p:tgtEl>
+                                          <p:spTgt spid="4">
+                                            <p:graphicEl>
+                                              <a:dgm id="{F3A9AF42-C76C-446E-BB68-85ED5B179656}"/>
+                                            </p:graphicEl>
+                                          </p:spTgt>
+                                        </p:tgtEl>
+                                        <p:attrNameLst>
+                                          <p:attrName>style.visibility</p:attrName>
+                                        </p:attrNameLst>
+                                      </p:cBhvr>
+                                      <p:to>
+                                        <p:strVal val="visible"/>
+                                      </p:to>
+                                    </p:set>
+                                    <p:anim calcmode="lin" valueType="num">
+                                      <p:cBhvr additive="base">
+                                        <p:cTn id="25" dur="500" fill="hold"/>
+                                        <p:tgtEl>
+                                          <p:spTgt spid="4">
+                                            <p:graphicEl>
+                                              <a:dgm id="{F3A9AF42-C76C-446E-BB68-85ED5B179656}"/>
+                                            </p:graphicEl>
+                                          </p:spTgt>
+                                        </p:tgtEl>
+                                        <p:attrNameLst>
+                                          <p:attrName>ppt_x</p:attrName>
+                                        </p:attrNameLst>
+                                      </p:cBhvr>
+                                      <p:tavLst>
+                                        <p:tav tm="0">
+                                          <p:val>
+                                            <p:strVal val="#ppt_x"/>
+                                          </p:val>
+                                        </p:tav>
+                                        <p:tav tm="100000">
+                                          <p:val>
+                                            <p:strVal val="#ppt_x"/>
+                                          </p:val>
+                                        </p:tav>
+                                      </p:tavLst>
+                                    </p:anim>
+                                    <p:anim calcmode="lin" valueType="num">
+                                      <p:cBhvr additive="base">
+                                        <p:cTn id="26" dur="500" fill="hold"/>
+                                        <p:tgtEl>
+                                          <p:spTgt spid="4">
+                                            <p:graphicEl>
+                                              <a:dgm id="{F3A9AF42-C76C-446E-BB68-85ED5B179656}"/>
+                                            </p:graphicEl>
+                                          </p:spTgt>
+                                        </p:tgtEl>
+                                        <p:attrNameLst>
+                                          <p:attrName>ppt_y</p:attrName>
+                                        </p:attrNameLst>
+                                      </p:cBhvr>
+                                      <p:tavLst>
+                                        <p:tav tm="0">
+                                          <p:val>
+                                            <p:strVal val="1+#ppt_h/2"/>
+                                          </p:val>
+                                        </p:tav>
+                                        <p:tav tm="100000">
+                                          <p:val>
+                                            <p:strVal val="#ppt_y"/>
+                                          </p:val>
+                                        </p:tav>
+                                      </p:tavLst>
+                                    </p:anim>
+                                  </p:childTnLst>
+                                </p:cTn>
+                              </p:par>
+                            </p:childTnLst>
+                          </p:cTn>
+                        </p:par>
+                      </p:childTnLst>
+                    </p:cTn>
+                  </p:par>
+                  <p:par>
+                    <p:cTn id="27" fill="hold">
+                      <p:stCondLst>
+                        <p:cond delay="indefinite"/>
+                      </p:stCondLst>
+                      <p:childTnLst>
+                        <p:par>
+                          <p:cTn id="28" fill="hold">
+                            <p:stCondLst>
+                              <p:cond delay="0"/>
+                            </p:stCondLst>
+                            <p:childTnLst>
+                              <p:par>
+                                <p:cTn id="29" presetID="2" presetClass="entr" presetSubtype="4" fill="hold" grpId="0" nodeType="clickEffect">
+                                  <p:stCondLst>
+                                    <p:cond delay="0"/>
+                                  </p:stCondLst>
+                                  <p:childTnLst>
+                                    <p:set>
+                                      <p:cBhvr>
+                                        <p:cTn id="30" dur="1" fill="hold">
+                                          <p:stCondLst>
+                                            <p:cond delay="0"/>
+                                          </p:stCondLst>
+                                        </p:cTn>
+                                        <p:tgtEl>
+                                          <p:spTgt spid="4">
+                                            <p:graphicEl>
+                                              <a:dgm id="{8561C458-A7E1-43DA-8FBD-5DE6A153409B}"/>
+                                            </p:graphicEl>
+                                          </p:spTgt>
+                                        </p:tgtEl>
+                                        <p:attrNameLst>
+                                          <p:attrName>style.visibility</p:attrName>
+                                        </p:attrNameLst>
+                                      </p:cBhvr>
+                                      <p:to>
+                                        <p:strVal val="visible"/>
+                                      </p:to>
+                                    </p:set>
+                                    <p:anim calcmode="lin" valueType="num">
+                                      <p:cBhvr additive="base">
+                                        <p:cTn id="31" dur="500" fill="hold"/>
+                                        <p:tgtEl>
+                                          <p:spTgt spid="4">
+                                            <p:graphicEl>
+                                              <a:dgm id="{8561C458-A7E1-43DA-8FBD-5DE6A153409B}"/>
+                                            </p:graphicEl>
+                                          </p:spTgt>
+                                        </p:tgtEl>
+                                        <p:attrNameLst>
+                                          <p:attrName>ppt_x</p:attrName>
+                                        </p:attrNameLst>
+                                      </p:cBhvr>
+                                      <p:tavLst>
+                                        <p:tav tm="0">
+                                          <p:val>
+                                            <p:strVal val="#ppt_x"/>
+                                          </p:val>
+                                        </p:tav>
+                                        <p:tav tm="100000">
+                                          <p:val>
+                                            <p:strVal val="#ppt_x"/>
+                                          </p:val>
+                                        </p:tav>
+                                      </p:tavLst>
+                                    </p:anim>
+                                    <p:anim calcmode="lin" valueType="num">
+                                      <p:cBhvr additive="base">
+                                        <p:cTn id="32" dur="500" fill="hold"/>
+                                        <p:tgtEl>
+                                          <p:spTgt spid="4">
+                                            <p:graphicEl>
+                                              <a:dgm id="{8561C458-A7E1-43DA-8FBD-5DE6A153409B}"/>
+                                            </p:graphicEl>
+                                          </p:spTgt>
+                                        </p:tgtEl>
+                                        <p:attrNameLst>
+                                          <p:attrName>ppt_y</p:attrName>
+                                        </p:attrNameLst>
+                                      </p:cBhvr>
+                                      <p:tavLst>
+                                        <p:tav tm="0">
+                                          <p:val>
+                                            <p:strVal val="1+#ppt_h/2"/>
+                                          </p:val>
+                                        </p:tav>
+                                        <p:tav tm="100000">
+                                          <p:val>
+                                            <p:strVal val="#ppt_y"/>
+                                          </p:val>
+                                        </p:tav>
+                                      </p:tavLst>
+                                    </p:anim>
+                                  </p:childTnLst>
+                                </p:cTn>
+                              </p:par>
+                            </p:childTnLst>
+                          </p:cTn>
+                        </p:par>
+                      </p:childTnLst>
+                    </p:cTn>
+                  </p:par>
+                  <p:par>
+                    <p:cTn id="33" fill="hold">
+                      <p:stCondLst>
+                        <p:cond delay="indefinite"/>
+                      </p:stCondLst>
+                      <p:childTnLst>
+                        <p:par>
+                          <p:cTn id="34" fill="hold">
+                            <p:stCondLst>
+                              <p:cond delay="0"/>
+                            </p:stCondLst>
+                            <p:childTnLst>
+                              <p:par>
+                                <p:cTn id="35" presetID="2" presetClass="entr" presetSubtype="4" fill="hold" grpId="0" nodeType="clickEffect">
+                                  <p:stCondLst>
+                                    <p:cond delay="0"/>
+                                  </p:stCondLst>
+                                  <p:childTnLst>
+                                    <p:set>
+                                      <p:cBhvr>
+                                        <p:cTn id="36" dur="1" fill="hold">
+                                          <p:stCondLst>
+                                            <p:cond delay="0"/>
+                                          </p:stCondLst>
+                                        </p:cTn>
+                                        <p:tgtEl>
+                                          <p:spTgt spid="4">
+                                            <p:graphicEl>
+                                              <a:dgm id="{1C16B0A3-1D5A-4FD1-B6A1-FD0ECB00E178}"/>
+                                            </p:graphicEl>
+                                          </p:spTgt>
+                                        </p:tgtEl>
+                                        <p:attrNameLst>
+                                          <p:attrName>style.visibility</p:attrName>
+                                        </p:attrNameLst>
+                                      </p:cBhvr>
+                                      <p:to>
+                                        <p:strVal val="visible"/>
+                                      </p:to>
+                                    </p:set>
+                                    <p:anim calcmode="lin" valueType="num">
+                                      <p:cBhvr additive="base">
+                                        <p:cTn id="37" dur="500" fill="hold"/>
+                                        <p:tgtEl>
+                                          <p:spTgt spid="4">
+                                            <p:graphicEl>
+                                              <a:dgm id="{1C16B0A3-1D5A-4FD1-B6A1-FD0ECB00E178}"/>
+                                            </p:graphicEl>
+                                          </p:spTgt>
+                                        </p:tgtEl>
+                                        <p:attrNameLst>
+                                          <p:attrName>ppt_x</p:attrName>
+                                        </p:attrNameLst>
+                                      </p:cBhvr>
+                                      <p:tavLst>
+                                        <p:tav tm="0">
+                                          <p:val>
+                                            <p:strVal val="#ppt_x"/>
+                                          </p:val>
+                                        </p:tav>
+                                        <p:tav tm="100000">
+                                          <p:val>
+                                            <p:strVal val="#ppt_x"/>
+                                          </p:val>
+                                        </p:tav>
+                                      </p:tavLst>
+                                    </p:anim>
+                                    <p:anim calcmode="lin" valueType="num">
+                                      <p:cBhvr additive="base">
+                                        <p:cTn id="38" dur="500" fill="hold"/>
+                                        <p:tgtEl>
+                                          <p:spTgt spid="4">
+                                            <p:graphicEl>
+                                              <a:dgm id="{1C16B0A3-1D5A-4FD1-B6A1-FD0ECB00E178}"/>
+                                            </p:graphicEl>
+                                          </p:spTgt>
+                                        </p:tgtEl>
+                                        <p:attrNameLst>
+                                          <p:attrName>ppt_y</p:attrName>
+                                        </p:attrNameLst>
+                                      </p:cBhvr>
+                                      <p:tavLst>
+                                        <p:tav tm="0">
+                                          <p:val>
+                                            <p:strVal val="1+#ppt_h/2"/>
+                                          </p:val>
+                                        </p:tav>
+                                        <p:tav tm="100000">
+                                          <p:val>
+                                            <p:strVal val="#ppt_y"/>
+                                          </p:val>
+                                        </p:tav>
+                                      </p:tavLst>
+                                    </p:anim>
+                                  </p:childTnLst>
+                                </p:cTn>
+                              </p:par>
+                            </p:childTnLst>
+                          </p:cTn>
+                        </p:par>
+                      </p:childTnLst>
+                    </p:cTn>
+                  </p:par>
+                </p:childTnLst>
+              </p:cTn>
+              <p:prevCondLst>
+                <p:cond evt="onPrev" delay="0">
+                  <p:tgtEl>
+                    <p:sldTgt/>
+                  </p:tgtEl>
+                </p:cond>
+              </p:prevCondLst>
+              <p:nextCondLst>
+                <p:cond evt="onNext" delay="0">
+                  <p:tgtEl>
+                    <p:sldTgt/>
+                  </p:tgtEl>
+                </p:cond>
+              </p:nextCondLst>
+            </p:seq>
+          </p:childTnLst>
+        </p:cTn>
       </p:par>
     </p:tnLst>
+    <p:bldLst>
+      <p:bldGraphic spid="4" grpId="0">
+        <p:bldSub>
+          <a:bldDgm bld="one"/>
+        </p:bldSub>
+      </p:bldGraphic>
+    </p:bldLst>
   </p:timing>
 </p:sld>
 </file>
@@ -33851,7 +35837,12 @@
             <p:ph type="title"/>
           </p:nvPr>
         </p:nvSpPr>
-        <p:spPr/>
+        <p:spPr>
+          <a:xfrm>
+            <a:off x="1676400" y="152718"/>
+            <a:ext cx="5791200" cy="1371600"/>
+          </a:xfrm>
+        </p:spPr>
         <p:txBody>
           <a:bodyPr>
             <a:normAutofit fontScale="90000"/>
@@ -33921,7 +35912,83 @@
   <p:timing>
     <p:tnLst>
       <p:par>
-        <p:cTn id="1" dur="indefinite" restart="never" nodeType="tmRoot"/>
+        <p:cTn id="1" dur="indefinite" restart="never" nodeType="tmRoot">
+          <p:childTnLst>
+            <p:seq concurrent="1" nextAc="seek">
+              <p:cTn id="2" dur="indefinite" nodeType="mainSeq">
+                <p:childTnLst>
+                  <p:par>
+                    <p:cTn id="3" fill="hold">
+                      <p:stCondLst>
+                        <p:cond delay="indefinite"/>
+                      </p:stCondLst>
+                      <p:childTnLst>
+                        <p:par>
+                          <p:cTn id="4" fill="hold">
+                            <p:stCondLst>
+                              <p:cond delay="0"/>
+                            </p:stCondLst>
+                            <p:childTnLst>
+                              <p:par>
+                                <p:cTn id="5" presetID="6" presetClass="entr" presetSubtype="16" fill="hold" nodeType="clickEffect">
+                                  <p:stCondLst>
+                                    <p:cond delay="0"/>
+                                  </p:stCondLst>
+                                  <p:childTnLst>
+                                    <p:set>
+                                      <p:cBhvr>
+                                        <p:cTn id="6" dur="1" fill="hold">
+                                          <p:stCondLst>
+                                            <p:cond delay="0"/>
+                                          </p:stCondLst>
+                                        </p:cTn>
+                                        <p:tgtEl>
+                                          <p:spTgt spid="3074"/>
+                                        </p:tgtEl>
+                                        <p:attrNameLst>
+                                          <p:attrName>style.visibility</p:attrName>
+                                        </p:attrNameLst>
+                                      </p:cBhvr>
+                                      <p:to>
+                                        <p:strVal val="visible"/>
+                                      </p:to>
+                                    </p:set>
+                                    <p:animEffect transition="in" filter="circle(in)">
+                                      <p:cBhvr>
+                                        <p:cTn id="7" dur="2000"/>
+                                        <p:tgtEl>
+                                          <p:spTgt spid="3074"/>
+                                        </p:tgtEl>
+                                      </p:cBhvr>
+                                    </p:animEffect>
+                                  </p:childTnLst>
+                                </p:cTn>
+                              </p:par>
+                            </p:childTnLst>
+                          </p:cTn>
+                        </p:par>
+                      </p:childTnLst>
+                    </p:cTn>
+                  </p:par>
+                </p:childTnLst>
+              </p:cTn>
+              <p:prevCondLst>
+                <p:cond evt="onPrev" delay="0">
+                  <p:tgtEl>
+                    <p:sldTgt/>
+                  </p:tgtEl>
+                </p:cond>
+              </p:prevCondLst>
+              <p:nextCondLst>
+                <p:cond evt="onNext" delay="0">
+                  <p:tgtEl>
+                    <p:sldTgt/>
+                  </p:tgtEl>
+                </p:cond>
+              </p:nextCondLst>
+            </p:seq>
+          </p:childTnLst>
+        </p:cTn>
       </p:par>
     </p:tnLst>
   </p:timing>
@@ -33955,7 +36022,12 @@
             <p:ph type="title"/>
           </p:nvPr>
         </p:nvSpPr>
-        <p:spPr/>
+        <p:spPr>
+          <a:xfrm>
+            <a:off x="1676400" y="152718"/>
+            <a:ext cx="5791200" cy="1371600"/>
+          </a:xfrm>
+        </p:spPr>
         <p:txBody>
           <a:bodyPr/>
           <a:lstStyle/>
@@ -34794,6 +36866,13 @@
   <p:clrMapOvr>
     <a:masterClrMapping/>
   </p:clrMapOvr>
+  <p:timing>
+    <p:tnLst>
+      <p:par>
+        <p:cTn id="1" dur="indefinite" restart="never" nodeType="tmRoot"/>
+      </p:par>
+    </p:tnLst>
+  </p:timing>
 </p:sld>
 </file>
 
@@ -34847,7 +36926,7 @@
             <p:ph idx="1"/>
             <p:extLst>
               <p:ext uri="{D42A27DB-BD31-4B8C-83A1-F6EECF244321}">
-                <p14:modId xmlns:p14="http://schemas.microsoft.com/office/powerpoint/2010/main" val="3484620720"/>
+                <p14:modId xmlns:p14="http://schemas.microsoft.com/office/powerpoint/2010/main" val="1068744049"/>
               </p:ext>
             </p:extLst>
           </p:nvPr>
@@ -34887,9 +36966,451 @@
   <p:timing>
     <p:tnLst>
       <p:par>
-        <p:cTn id="1" dur="indefinite" restart="never" nodeType="tmRoot"/>
+        <p:cTn id="1" dur="indefinite" restart="never" nodeType="tmRoot">
+          <p:childTnLst>
+            <p:seq concurrent="1" nextAc="seek">
+              <p:cTn id="2" dur="indefinite" nodeType="mainSeq">
+                <p:childTnLst>
+                  <p:par>
+                    <p:cTn id="3" fill="hold">
+                      <p:stCondLst>
+                        <p:cond delay="indefinite"/>
+                      </p:stCondLst>
+                      <p:childTnLst>
+                        <p:par>
+                          <p:cTn id="4" fill="hold">
+                            <p:stCondLst>
+                              <p:cond delay="0"/>
+                            </p:stCondLst>
+                            <p:childTnLst>
+                              <p:par>
+                                <p:cTn id="5" presetID="2" presetClass="entr" presetSubtype="4" fill="hold" grpId="0" nodeType="clickEffect">
+                                  <p:stCondLst>
+                                    <p:cond delay="0"/>
+                                  </p:stCondLst>
+                                  <p:childTnLst>
+                                    <p:set>
+                                      <p:cBhvr>
+                                        <p:cTn id="6" dur="1" fill="hold">
+                                          <p:stCondLst>
+                                            <p:cond delay="0"/>
+                                          </p:stCondLst>
+                                        </p:cTn>
+                                        <p:tgtEl>
+                                          <p:spTgt spid="6">
+                                            <p:graphicEl>
+                                              <a:dgm id="{2AC19BD8-D3A3-4669-9178-F4C528DC8E51}"/>
+                                            </p:graphicEl>
+                                          </p:spTgt>
+                                        </p:tgtEl>
+                                        <p:attrNameLst>
+                                          <p:attrName>style.visibility</p:attrName>
+                                        </p:attrNameLst>
+                                      </p:cBhvr>
+                                      <p:to>
+                                        <p:strVal val="visible"/>
+                                      </p:to>
+                                    </p:set>
+                                    <p:anim calcmode="lin" valueType="num">
+                                      <p:cBhvr additive="base">
+                                        <p:cTn id="7" dur="500" fill="hold"/>
+                                        <p:tgtEl>
+                                          <p:spTgt spid="6">
+                                            <p:graphicEl>
+                                              <a:dgm id="{2AC19BD8-D3A3-4669-9178-F4C528DC8E51}"/>
+                                            </p:graphicEl>
+                                          </p:spTgt>
+                                        </p:tgtEl>
+                                        <p:attrNameLst>
+                                          <p:attrName>ppt_x</p:attrName>
+                                        </p:attrNameLst>
+                                      </p:cBhvr>
+                                      <p:tavLst>
+                                        <p:tav tm="0">
+                                          <p:val>
+                                            <p:strVal val="#ppt_x"/>
+                                          </p:val>
+                                        </p:tav>
+                                        <p:tav tm="100000">
+                                          <p:val>
+                                            <p:strVal val="#ppt_x"/>
+                                          </p:val>
+                                        </p:tav>
+                                      </p:tavLst>
+                                    </p:anim>
+                                    <p:anim calcmode="lin" valueType="num">
+                                      <p:cBhvr additive="base">
+                                        <p:cTn id="8" dur="500" fill="hold"/>
+                                        <p:tgtEl>
+                                          <p:spTgt spid="6">
+                                            <p:graphicEl>
+                                              <a:dgm id="{2AC19BD8-D3A3-4669-9178-F4C528DC8E51}"/>
+                                            </p:graphicEl>
+                                          </p:spTgt>
+                                        </p:tgtEl>
+                                        <p:attrNameLst>
+                                          <p:attrName>ppt_y</p:attrName>
+                                        </p:attrNameLst>
+                                      </p:cBhvr>
+                                      <p:tavLst>
+                                        <p:tav tm="0">
+                                          <p:val>
+                                            <p:strVal val="1+#ppt_h/2"/>
+                                          </p:val>
+                                        </p:tav>
+                                        <p:tav tm="100000">
+                                          <p:val>
+                                            <p:strVal val="#ppt_y"/>
+                                          </p:val>
+                                        </p:tav>
+                                      </p:tavLst>
+                                    </p:anim>
+                                  </p:childTnLst>
+                                </p:cTn>
+                              </p:par>
+                            </p:childTnLst>
+                          </p:cTn>
+                        </p:par>
+                      </p:childTnLst>
+                    </p:cTn>
+                  </p:par>
+                  <p:par>
+                    <p:cTn id="9" fill="hold">
+                      <p:stCondLst>
+                        <p:cond delay="indefinite"/>
+                      </p:stCondLst>
+                      <p:childTnLst>
+                        <p:par>
+                          <p:cTn id="10" fill="hold">
+                            <p:stCondLst>
+                              <p:cond delay="0"/>
+                            </p:stCondLst>
+                            <p:childTnLst>
+                              <p:par>
+                                <p:cTn id="11" presetID="2" presetClass="entr" presetSubtype="4" fill="hold" grpId="0" nodeType="clickEffect">
+                                  <p:stCondLst>
+                                    <p:cond delay="0"/>
+                                  </p:stCondLst>
+                                  <p:childTnLst>
+                                    <p:set>
+                                      <p:cBhvr>
+                                        <p:cTn id="12" dur="1" fill="hold">
+                                          <p:stCondLst>
+                                            <p:cond delay="0"/>
+                                          </p:stCondLst>
+                                        </p:cTn>
+                                        <p:tgtEl>
+                                          <p:spTgt spid="6">
+                                            <p:graphicEl>
+                                              <a:dgm id="{AC4F97E0-F7BB-445D-94A8-2C7139F1D396}"/>
+                                            </p:graphicEl>
+                                          </p:spTgt>
+                                        </p:tgtEl>
+                                        <p:attrNameLst>
+                                          <p:attrName>style.visibility</p:attrName>
+                                        </p:attrNameLst>
+                                      </p:cBhvr>
+                                      <p:to>
+                                        <p:strVal val="visible"/>
+                                      </p:to>
+                                    </p:set>
+                                    <p:anim calcmode="lin" valueType="num">
+                                      <p:cBhvr additive="base">
+                                        <p:cTn id="13" dur="500" fill="hold"/>
+                                        <p:tgtEl>
+                                          <p:spTgt spid="6">
+                                            <p:graphicEl>
+                                              <a:dgm id="{AC4F97E0-F7BB-445D-94A8-2C7139F1D396}"/>
+                                            </p:graphicEl>
+                                          </p:spTgt>
+                                        </p:tgtEl>
+                                        <p:attrNameLst>
+                                          <p:attrName>ppt_x</p:attrName>
+                                        </p:attrNameLst>
+                                      </p:cBhvr>
+                                      <p:tavLst>
+                                        <p:tav tm="0">
+                                          <p:val>
+                                            <p:strVal val="#ppt_x"/>
+                                          </p:val>
+                                        </p:tav>
+                                        <p:tav tm="100000">
+                                          <p:val>
+                                            <p:strVal val="#ppt_x"/>
+                                          </p:val>
+                                        </p:tav>
+                                      </p:tavLst>
+                                    </p:anim>
+                                    <p:anim calcmode="lin" valueType="num">
+                                      <p:cBhvr additive="base">
+                                        <p:cTn id="14" dur="500" fill="hold"/>
+                                        <p:tgtEl>
+                                          <p:spTgt spid="6">
+                                            <p:graphicEl>
+                                              <a:dgm id="{AC4F97E0-F7BB-445D-94A8-2C7139F1D396}"/>
+                                            </p:graphicEl>
+                                          </p:spTgt>
+                                        </p:tgtEl>
+                                        <p:attrNameLst>
+                                          <p:attrName>ppt_y</p:attrName>
+                                        </p:attrNameLst>
+                                      </p:cBhvr>
+                                      <p:tavLst>
+                                        <p:tav tm="0">
+                                          <p:val>
+                                            <p:strVal val="1+#ppt_h/2"/>
+                                          </p:val>
+                                        </p:tav>
+                                        <p:tav tm="100000">
+                                          <p:val>
+                                            <p:strVal val="#ppt_y"/>
+                                          </p:val>
+                                        </p:tav>
+                                      </p:tavLst>
+                                    </p:anim>
+                                  </p:childTnLst>
+                                </p:cTn>
+                              </p:par>
+                            </p:childTnLst>
+                          </p:cTn>
+                        </p:par>
+                      </p:childTnLst>
+                    </p:cTn>
+                  </p:par>
+                  <p:par>
+                    <p:cTn id="15" fill="hold">
+                      <p:stCondLst>
+                        <p:cond delay="indefinite"/>
+                      </p:stCondLst>
+                      <p:childTnLst>
+                        <p:par>
+                          <p:cTn id="16" fill="hold">
+                            <p:stCondLst>
+                              <p:cond delay="0"/>
+                            </p:stCondLst>
+                            <p:childTnLst>
+                              <p:par>
+                                <p:cTn id="17" presetID="2" presetClass="entr" presetSubtype="4" fill="hold" grpId="0" nodeType="clickEffect">
+                                  <p:stCondLst>
+                                    <p:cond delay="0"/>
+                                  </p:stCondLst>
+                                  <p:childTnLst>
+                                    <p:set>
+                                      <p:cBhvr>
+                                        <p:cTn id="18" dur="1" fill="hold">
+                                          <p:stCondLst>
+                                            <p:cond delay="0"/>
+                                          </p:stCondLst>
+                                        </p:cTn>
+                                        <p:tgtEl>
+                                          <p:spTgt spid="6">
+                                            <p:graphicEl>
+                                              <a:dgm id="{585BDC65-F056-48DC-B65F-85CDEAE1B9DB}"/>
+                                            </p:graphicEl>
+                                          </p:spTgt>
+                                        </p:tgtEl>
+                                        <p:attrNameLst>
+                                          <p:attrName>style.visibility</p:attrName>
+                                        </p:attrNameLst>
+                                      </p:cBhvr>
+                                      <p:to>
+                                        <p:strVal val="visible"/>
+                                      </p:to>
+                                    </p:set>
+                                    <p:anim calcmode="lin" valueType="num">
+                                      <p:cBhvr additive="base">
+                                        <p:cTn id="19" dur="500" fill="hold"/>
+                                        <p:tgtEl>
+                                          <p:spTgt spid="6">
+                                            <p:graphicEl>
+                                              <a:dgm id="{585BDC65-F056-48DC-B65F-85CDEAE1B9DB}"/>
+                                            </p:graphicEl>
+                                          </p:spTgt>
+                                        </p:tgtEl>
+                                        <p:attrNameLst>
+                                          <p:attrName>ppt_x</p:attrName>
+                                        </p:attrNameLst>
+                                      </p:cBhvr>
+                                      <p:tavLst>
+                                        <p:tav tm="0">
+                                          <p:val>
+                                            <p:strVal val="#ppt_x"/>
+                                          </p:val>
+                                        </p:tav>
+                                        <p:tav tm="100000">
+                                          <p:val>
+                                            <p:strVal val="#ppt_x"/>
+                                          </p:val>
+                                        </p:tav>
+                                      </p:tavLst>
+                                    </p:anim>
+                                    <p:anim calcmode="lin" valueType="num">
+                                      <p:cBhvr additive="base">
+                                        <p:cTn id="20" dur="500" fill="hold"/>
+                                        <p:tgtEl>
+                                          <p:spTgt spid="6">
+                                            <p:graphicEl>
+                                              <a:dgm id="{585BDC65-F056-48DC-B65F-85CDEAE1B9DB}"/>
+                                            </p:graphicEl>
+                                          </p:spTgt>
+                                        </p:tgtEl>
+                                        <p:attrNameLst>
+                                          <p:attrName>ppt_y</p:attrName>
+                                        </p:attrNameLst>
+                                      </p:cBhvr>
+                                      <p:tavLst>
+                                        <p:tav tm="0">
+                                          <p:val>
+                                            <p:strVal val="1+#ppt_h/2"/>
+                                          </p:val>
+                                        </p:tav>
+                                        <p:tav tm="100000">
+                                          <p:val>
+                                            <p:strVal val="#ppt_y"/>
+                                          </p:val>
+                                        </p:tav>
+                                      </p:tavLst>
+                                    </p:anim>
+                                  </p:childTnLst>
+                                </p:cTn>
+                              </p:par>
+                            </p:childTnLst>
+                          </p:cTn>
+                        </p:par>
+                      </p:childTnLst>
+                    </p:cTn>
+                  </p:par>
+                  <p:par>
+                    <p:cTn id="21" fill="hold">
+                      <p:stCondLst>
+                        <p:cond delay="indefinite"/>
+                      </p:stCondLst>
+                      <p:childTnLst>
+                        <p:par>
+                          <p:cTn id="22" fill="hold">
+                            <p:stCondLst>
+                              <p:cond delay="0"/>
+                            </p:stCondLst>
+                            <p:childTnLst>
+                              <p:par>
+                                <p:cTn id="23" presetID="2" presetClass="entr" presetSubtype="4" fill="hold" grpId="0" nodeType="clickEffect">
+                                  <p:stCondLst>
+                                    <p:cond delay="0"/>
+                                  </p:stCondLst>
+                                  <p:childTnLst>
+                                    <p:set>
+                                      <p:cBhvr>
+                                        <p:cTn id="24" dur="1" fill="hold">
+                                          <p:stCondLst>
+                                            <p:cond delay="0"/>
+                                          </p:stCondLst>
+                                        </p:cTn>
+                                        <p:tgtEl>
+                                          <p:spTgt spid="6">
+                                            <p:graphicEl>
+                                              <a:dgm id="{045A43DC-0322-4412-A4DA-1ADAAD097C79}"/>
+                                            </p:graphicEl>
+                                          </p:spTgt>
+                                        </p:tgtEl>
+                                        <p:attrNameLst>
+                                          <p:attrName>style.visibility</p:attrName>
+                                        </p:attrNameLst>
+                                      </p:cBhvr>
+                                      <p:to>
+                                        <p:strVal val="visible"/>
+                                      </p:to>
+                                    </p:set>
+                                    <p:anim calcmode="lin" valueType="num">
+                                      <p:cBhvr additive="base">
+                                        <p:cTn id="25" dur="500" fill="hold"/>
+                                        <p:tgtEl>
+                                          <p:spTgt spid="6">
+                                            <p:graphicEl>
+                                              <a:dgm id="{045A43DC-0322-4412-A4DA-1ADAAD097C79}"/>
+                                            </p:graphicEl>
+                                          </p:spTgt>
+                                        </p:tgtEl>
+                                        <p:attrNameLst>
+                                          <p:attrName>ppt_x</p:attrName>
+                                        </p:attrNameLst>
+                                      </p:cBhvr>
+                                      <p:tavLst>
+                                        <p:tav tm="0">
+                                          <p:val>
+                                            <p:strVal val="#ppt_x"/>
+                                          </p:val>
+                                        </p:tav>
+                                        <p:tav tm="100000">
+                                          <p:val>
+                                            <p:strVal val="#ppt_x"/>
+                                          </p:val>
+                                        </p:tav>
+                                      </p:tavLst>
+                                    </p:anim>
+                                    <p:anim calcmode="lin" valueType="num">
+                                      <p:cBhvr additive="base">
+                                        <p:cTn id="26" dur="500" fill="hold"/>
+                                        <p:tgtEl>
+                                          <p:spTgt spid="6">
+                                            <p:graphicEl>
+                                              <a:dgm id="{045A43DC-0322-4412-A4DA-1ADAAD097C79}"/>
+                                            </p:graphicEl>
+                                          </p:spTgt>
+                                        </p:tgtEl>
+                                        <p:attrNameLst>
+                                          <p:attrName>ppt_y</p:attrName>
+                                        </p:attrNameLst>
+                                      </p:cBhvr>
+                                      <p:tavLst>
+                                        <p:tav tm="0">
+                                          <p:val>
+                                            <p:strVal val="1+#ppt_h/2"/>
+                                          </p:val>
+                                        </p:tav>
+                                        <p:tav tm="100000">
+                                          <p:val>
+                                            <p:strVal val="#ppt_y"/>
+                                          </p:val>
+                                        </p:tav>
+                                      </p:tavLst>
+                                    </p:anim>
+                                  </p:childTnLst>
+                                </p:cTn>
+                              </p:par>
+                            </p:childTnLst>
+                          </p:cTn>
+                        </p:par>
+                      </p:childTnLst>
+                    </p:cTn>
+                  </p:par>
+                </p:childTnLst>
+              </p:cTn>
+              <p:prevCondLst>
+                <p:cond evt="onPrev" delay="0">
+                  <p:tgtEl>
+                    <p:sldTgt/>
+                  </p:tgtEl>
+                </p:cond>
+              </p:prevCondLst>
+              <p:nextCondLst>
+                <p:cond evt="onNext" delay="0">
+                  <p:tgtEl>
+                    <p:sldTgt/>
+                  </p:tgtEl>
+                </p:cond>
+              </p:nextCondLst>
+            </p:seq>
+          </p:childTnLst>
+        </p:cTn>
       </p:par>
     </p:tnLst>
+    <p:bldLst>
+      <p:bldGraphic spid="6" grpId="0">
+        <p:bldSub>
+          <a:bldDgm bld="one"/>
+        </p:bldSub>
+      </p:bldGraphic>
+    </p:bldLst>
   </p:timing>
 </p:sld>
 </file>
@@ -35093,6 +37614,13 @@
   <p:clrMapOvr>
     <a:masterClrMapping/>
   </p:clrMapOvr>
+  <p:timing>
+    <p:tnLst>
+      <p:par>
+        <p:cTn id="1" dur="indefinite" restart="never" nodeType="tmRoot"/>
+      </p:par>
+    </p:tnLst>
+  </p:timing>
 </p:sld>
 </file>
 
@@ -35558,6 +38086,13 @@
   <p:clrMapOvr>
     <a:masterClrMapping/>
   </p:clrMapOvr>
+  <p:timing>
+    <p:tnLst>
+      <p:par>
+        <p:cTn id="1" dur="indefinite" restart="never" nodeType="tmRoot"/>
+      </p:par>
+    </p:tnLst>
+  </p:timing>
 </p:sld>
 </file>
 
@@ -35965,6 +38500,13 @@
   <p:clrMapOvr>
     <a:masterClrMapping/>
   </p:clrMapOvr>
+  <p:timing>
+    <p:tnLst>
+      <p:par>
+        <p:cTn id="1" dur="indefinite" restart="never" nodeType="tmRoot"/>
+      </p:par>
+    </p:tnLst>
+  </p:timing>
 </p:sld>
 </file>
 
@@ -36287,6 +38829,13 @@
   <p:clrMapOvr>
     <a:masterClrMapping/>
   </p:clrMapOvr>
+  <p:timing>
+    <p:tnLst>
+      <p:par>
+        <p:cTn id="1" dur="indefinite" restart="never" nodeType="tmRoot"/>
+      </p:par>
+    </p:tnLst>
+  </p:timing>
 </p:sld>
 </file>
 
@@ -36444,6 +38993,13 @@
   <p:clrMapOvr>
     <a:masterClrMapping/>
   </p:clrMapOvr>
+  <p:timing>
+    <p:tnLst>
+      <p:par>
+        <p:cTn id="1" dur="indefinite" restart="never" nodeType="tmRoot"/>
+      </p:par>
+    </p:tnLst>
+  </p:timing>
 </p:sld>
 </file>
 
@@ -36583,6 +39139,13 @@
   <p:clrMapOvr>
     <a:masterClrMapping/>
   </p:clrMapOvr>
+  <p:timing>
+    <p:tnLst>
+      <p:par>
+        <p:cTn id="1" dur="indefinite" restart="never" nodeType="tmRoot"/>
+      </p:par>
+    </p:tnLst>
+  </p:timing>
 </p:sld>
 </file>
 
@@ -36661,6 +39224,607 @@
   <p:clrMapOvr>
     <a:masterClrMapping/>
   </p:clrMapOvr>
+  <p:timing>
+    <p:tnLst>
+      <p:par>
+        <p:cTn id="1" dur="indefinite" restart="never" nodeType="tmRoot">
+          <p:childTnLst>
+            <p:seq concurrent="1" nextAc="seek">
+              <p:cTn id="2" dur="indefinite" nodeType="mainSeq">
+                <p:childTnLst>
+                  <p:par>
+                    <p:cTn id="3" fill="hold">
+                      <p:stCondLst>
+                        <p:cond delay="indefinite"/>
+                      </p:stCondLst>
+                      <p:childTnLst>
+                        <p:par>
+                          <p:cTn id="4" fill="hold">
+                            <p:stCondLst>
+                              <p:cond delay="0"/>
+                            </p:stCondLst>
+                            <p:childTnLst>
+                              <p:par>
+                                <p:cTn id="5" presetID="2" presetClass="entr" presetSubtype="4" fill="hold" grpId="0" nodeType="clickEffect">
+                                  <p:stCondLst>
+                                    <p:cond delay="0"/>
+                                  </p:stCondLst>
+                                  <p:childTnLst>
+                                    <p:set>
+                                      <p:cBhvr>
+                                        <p:cTn id="6" dur="1" fill="hold">
+                                          <p:stCondLst>
+                                            <p:cond delay="0"/>
+                                          </p:stCondLst>
+                                        </p:cTn>
+                                        <p:tgtEl>
+                                          <p:spTgt spid="4">
+                                            <p:graphicEl>
+                                              <a:dgm id="{121A9FC7-F236-4B48-B5AC-2C027BB2735A}"/>
+                                            </p:graphicEl>
+                                          </p:spTgt>
+                                        </p:tgtEl>
+                                        <p:attrNameLst>
+                                          <p:attrName>style.visibility</p:attrName>
+                                        </p:attrNameLst>
+                                      </p:cBhvr>
+                                      <p:to>
+                                        <p:strVal val="visible"/>
+                                      </p:to>
+                                    </p:set>
+                                    <p:anim calcmode="lin" valueType="num">
+                                      <p:cBhvr additive="base">
+                                        <p:cTn id="7" dur="500" fill="hold"/>
+                                        <p:tgtEl>
+                                          <p:spTgt spid="4">
+                                            <p:graphicEl>
+                                              <a:dgm id="{121A9FC7-F236-4B48-B5AC-2C027BB2735A}"/>
+                                            </p:graphicEl>
+                                          </p:spTgt>
+                                        </p:tgtEl>
+                                        <p:attrNameLst>
+                                          <p:attrName>ppt_x</p:attrName>
+                                        </p:attrNameLst>
+                                      </p:cBhvr>
+                                      <p:tavLst>
+                                        <p:tav tm="0">
+                                          <p:val>
+                                            <p:strVal val="#ppt_x"/>
+                                          </p:val>
+                                        </p:tav>
+                                        <p:tav tm="100000">
+                                          <p:val>
+                                            <p:strVal val="#ppt_x"/>
+                                          </p:val>
+                                        </p:tav>
+                                      </p:tavLst>
+                                    </p:anim>
+                                    <p:anim calcmode="lin" valueType="num">
+                                      <p:cBhvr additive="base">
+                                        <p:cTn id="8" dur="500" fill="hold"/>
+                                        <p:tgtEl>
+                                          <p:spTgt spid="4">
+                                            <p:graphicEl>
+                                              <a:dgm id="{121A9FC7-F236-4B48-B5AC-2C027BB2735A}"/>
+                                            </p:graphicEl>
+                                          </p:spTgt>
+                                        </p:tgtEl>
+                                        <p:attrNameLst>
+                                          <p:attrName>ppt_y</p:attrName>
+                                        </p:attrNameLst>
+                                      </p:cBhvr>
+                                      <p:tavLst>
+                                        <p:tav tm="0">
+                                          <p:val>
+                                            <p:strVal val="1+#ppt_h/2"/>
+                                          </p:val>
+                                        </p:tav>
+                                        <p:tav tm="100000">
+                                          <p:val>
+                                            <p:strVal val="#ppt_y"/>
+                                          </p:val>
+                                        </p:tav>
+                                      </p:tavLst>
+                                    </p:anim>
+                                  </p:childTnLst>
+                                </p:cTn>
+                              </p:par>
+                              <p:par>
+                                <p:cTn id="9" presetID="2" presetClass="entr" presetSubtype="4" fill="hold" grpId="0" nodeType="withEffect">
+                                  <p:stCondLst>
+                                    <p:cond delay="0"/>
+                                  </p:stCondLst>
+                                  <p:childTnLst>
+                                    <p:set>
+                                      <p:cBhvr>
+                                        <p:cTn id="10" dur="1" fill="hold">
+                                          <p:stCondLst>
+                                            <p:cond delay="0"/>
+                                          </p:stCondLst>
+                                        </p:cTn>
+                                        <p:tgtEl>
+                                          <p:spTgt spid="4">
+                                            <p:graphicEl>
+                                              <a:dgm id="{095330C4-629D-4686-8941-46A7C4A9933F}"/>
+                                            </p:graphicEl>
+                                          </p:spTgt>
+                                        </p:tgtEl>
+                                        <p:attrNameLst>
+                                          <p:attrName>style.visibility</p:attrName>
+                                        </p:attrNameLst>
+                                      </p:cBhvr>
+                                      <p:to>
+                                        <p:strVal val="visible"/>
+                                      </p:to>
+                                    </p:set>
+                                    <p:anim calcmode="lin" valueType="num">
+                                      <p:cBhvr additive="base">
+                                        <p:cTn id="11" dur="500" fill="hold"/>
+                                        <p:tgtEl>
+                                          <p:spTgt spid="4">
+                                            <p:graphicEl>
+                                              <a:dgm id="{095330C4-629D-4686-8941-46A7C4A9933F}"/>
+                                            </p:graphicEl>
+                                          </p:spTgt>
+                                        </p:tgtEl>
+                                        <p:attrNameLst>
+                                          <p:attrName>ppt_x</p:attrName>
+                                        </p:attrNameLst>
+                                      </p:cBhvr>
+                                      <p:tavLst>
+                                        <p:tav tm="0">
+                                          <p:val>
+                                            <p:strVal val="#ppt_x"/>
+                                          </p:val>
+                                        </p:tav>
+                                        <p:tav tm="100000">
+                                          <p:val>
+                                            <p:strVal val="#ppt_x"/>
+                                          </p:val>
+                                        </p:tav>
+                                      </p:tavLst>
+                                    </p:anim>
+                                    <p:anim calcmode="lin" valueType="num">
+                                      <p:cBhvr additive="base">
+                                        <p:cTn id="12" dur="500" fill="hold"/>
+                                        <p:tgtEl>
+                                          <p:spTgt spid="4">
+                                            <p:graphicEl>
+                                              <a:dgm id="{095330C4-629D-4686-8941-46A7C4A9933F}"/>
+                                            </p:graphicEl>
+                                          </p:spTgt>
+                                        </p:tgtEl>
+                                        <p:attrNameLst>
+                                          <p:attrName>ppt_y</p:attrName>
+                                        </p:attrNameLst>
+                                      </p:cBhvr>
+                                      <p:tavLst>
+                                        <p:tav tm="0">
+                                          <p:val>
+                                            <p:strVal val="1+#ppt_h/2"/>
+                                          </p:val>
+                                        </p:tav>
+                                        <p:tav tm="100000">
+                                          <p:val>
+                                            <p:strVal val="#ppt_y"/>
+                                          </p:val>
+                                        </p:tav>
+                                      </p:tavLst>
+                                    </p:anim>
+                                  </p:childTnLst>
+                                </p:cTn>
+                              </p:par>
+                            </p:childTnLst>
+                          </p:cTn>
+                        </p:par>
+                      </p:childTnLst>
+                    </p:cTn>
+                  </p:par>
+                  <p:par>
+                    <p:cTn id="13" fill="hold">
+                      <p:stCondLst>
+                        <p:cond delay="indefinite"/>
+                      </p:stCondLst>
+                      <p:childTnLst>
+                        <p:par>
+                          <p:cTn id="14" fill="hold">
+                            <p:stCondLst>
+                              <p:cond delay="0"/>
+                            </p:stCondLst>
+                            <p:childTnLst>
+                              <p:par>
+                                <p:cTn id="15" presetID="2" presetClass="entr" presetSubtype="4" fill="hold" grpId="0" nodeType="clickEffect">
+                                  <p:stCondLst>
+                                    <p:cond delay="0"/>
+                                  </p:stCondLst>
+                                  <p:childTnLst>
+                                    <p:set>
+                                      <p:cBhvr>
+                                        <p:cTn id="16" dur="1" fill="hold">
+                                          <p:stCondLst>
+                                            <p:cond delay="0"/>
+                                          </p:stCondLst>
+                                        </p:cTn>
+                                        <p:tgtEl>
+                                          <p:spTgt spid="4">
+                                            <p:graphicEl>
+                                              <a:dgm id="{50ED0A6D-09A7-4156-AB9C-033B22D9A09F}"/>
+                                            </p:graphicEl>
+                                          </p:spTgt>
+                                        </p:tgtEl>
+                                        <p:attrNameLst>
+                                          <p:attrName>style.visibility</p:attrName>
+                                        </p:attrNameLst>
+                                      </p:cBhvr>
+                                      <p:to>
+                                        <p:strVal val="visible"/>
+                                      </p:to>
+                                    </p:set>
+                                    <p:anim calcmode="lin" valueType="num">
+                                      <p:cBhvr additive="base">
+                                        <p:cTn id="17" dur="500" fill="hold"/>
+                                        <p:tgtEl>
+                                          <p:spTgt spid="4">
+                                            <p:graphicEl>
+                                              <a:dgm id="{50ED0A6D-09A7-4156-AB9C-033B22D9A09F}"/>
+                                            </p:graphicEl>
+                                          </p:spTgt>
+                                        </p:tgtEl>
+                                        <p:attrNameLst>
+                                          <p:attrName>ppt_x</p:attrName>
+                                        </p:attrNameLst>
+                                      </p:cBhvr>
+                                      <p:tavLst>
+                                        <p:tav tm="0">
+                                          <p:val>
+                                            <p:strVal val="#ppt_x"/>
+                                          </p:val>
+                                        </p:tav>
+                                        <p:tav tm="100000">
+                                          <p:val>
+                                            <p:strVal val="#ppt_x"/>
+                                          </p:val>
+                                        </p:tav>
+                                      </p:tavLst>
+                                    </p:anim>
+                                    <p:anim calcmode="lin" valueType="num">
+                                      <p:cBhvr additive="base">
+                                        <p:cTn id="18" dur="500" fill="hold"/>
+                                        <p:tgtEl>
+                                          <p:spTgt spid="4">
+                                            <p:graphicEl>
+                                              <a:dgm id="{50ED0A6D-09A7-4156-AB9C-033B22D9A09F}"/>
+                                            </p:graphicEl>
+                                          </p:spTgt>
+                                        </p:tgtEl>
+                                        <p:attrNameLst>
+                                          <p:attrName>ppt_y</p:attrName>
+                                        </p:attrNameLst>
+                                      </p:cBhvr>
+                                      <p:tavLst>
+                                        <p:tav tm="0">
+                                          <p:val>
+                                            <p:strVal val="1+#ppt_h/2"/>
+                                          </p:val>
+                                        </p:tav>
+                                        <p:tav tm="100000">
+                                          <p:val>
+                                            <p:strVal val="#ppt_y"/>
+                                          </p:val>
+                                        </p:tav>
+                                      </p:tavLst>
+                                    </p:anim>
+                                  </p:childTnLst>
+                                </p:cTn>
+                              </p:par>
+                              <p:par>
+                                <p:cTn id="19" presetID="2" presetClass="entr" presetSubtype="4" fill="hold" grpId="0" nodeType="withEffect">
+                                  <p:stCondLst>
+                                    <p:cond delay="0"/>
+                                  </p:stCondLst>
+                                  <p:childTnLst>
+                                    <p:set>
+                                      <p:cBhvr>
+                                        <p:cTn id="20" dur="1" fill="hold">
+                                          <p:stCondLst>
+                                            <p:cond delay="0"/>
+                                          </p:stCondLst>
+                                        </p:cTn>
+                                        <p:tgtEl>
+                                          <p:spTgt spid="4">
+                                            <p:graphicEl>
+                                              <a:dgm id="{01866B39-A07B-4602-90D4-C594DA03DDA0}"/>
+                                            </p:graphicEl>
+                                          </p:spTgt>
+                                        </p:tgtEl>
+                                        <p:attrNameLst>
+                                          <p:attrName>style.visibility</p:attrName>
+                                        </p:attrNameLst>
+                                      </p:cBhvr>
+                                      <p:to>
+                                        <p:strVal val="visible"/>
+                                      </p:to>
+                                    </p:set>
+                                    <p:anim calcmode="lin" valueType="num">
+                                      <p:cBhvr additive="base">
+                                        <p:cTn id="21" dur="500" fill="hold"/>
+                                        <p:tgtEl>
+                                          <p:spTgt spid="4">
+                                            <p:graphicEl>
+                                              <a:dgm id="{01866B39-A07B-4602-90D4-C594DA03DDA0}"/>
+                                            </p:graphicEl>
+                                          </p:spTgt>
+                                        </p:tgtEl>
+                                        <p:attrNameLst>
+                                          <p:attrName>ppt_x</p:attrName>
+                                        </p:attrNameLst>
+                                      </p:cBhvr>
+                                      <p:tavLst>
+                                        <p:tav tm="0">
+                                          <p:val>
+                                            <p:strVal val="#ppt_x"/>
+                                          </p:val>
+                                        </p:tav>
+                                        <p:tav tm="100000">
+                                          <p:val>
+                                            <p:strVal val="#ppt_x"/>
+                                          </p:val>
+                                        </p:tav>
+                                      </p:tavLst>
+                                    </p:anim>
+                                    <p:anim calcmode="lin" valueType="num">
+                                      <p:cBhvr additive="base">
+                                        <p:cTn id="22" dur="500" fill="hold"/>
+                                        <p:tgtEl>
+                                          <p:spTgt spid="4">
+                                            <p:graphicEl>
+                                              <a:dgm id="{01866B39-A07B-4602-90D4-C594DA03DDA0}"/>
+                                            </p:graphicEl>
+                                          </p:spTgt>
+                                        </p:tgtEl>
+                                        <p:attrNameLst>
+                                          <p:attrName>ppt_y</p:attrName>
+                                        </p:attrNameLst>
+                                      </p:cBhvr>
+                                      <p:tavLst>
+                                        <p:tav tm="0">
+                                          <p:val>
+                                            <p:strVal val="1+#ppt_h/2"/>
+                                          </p:val>
+                                        </p:tav>
+                                        <p:tav tm="100000">
+                                          <p:val>
+                                            <p:strVal val="#ppt_y"/>
+                                          </p:val>
+                                        </p:tav>
+                                      </p:tavLst>
+                                    </p:anim>
+                                  </p:childTnLst>
+                                </p:cTn>
+                              </p:par>
+                            </p:childTnLst>
+                          </p:cTn>
+                        </p:par>
+                      </p:childTnLst>
+                    </p:cTn>
+                  </p:par>
+                  <p:par>
+                    <p:cTn id="23" fill="hold">
+                      <p:stCondLst>
+                        <p:cond delay="indefinite"/>
+                      </p:stCondLst>
+                      <p:childTnLst>
+                        <p:par>
+                          <p:cTn id="24" fill="hold">
+                            <p:stCondLst>
+                              <p:cond delay="0"/>
+                            </p:stCondLst>
+                            <p:childTnLst>
+                              <p:par>
+                                <p:cTn id="25" presetID="2" presetClass="entr" presetSubtype="4" fill="hold" grpId="0" nodeType="clickEffect">
+                                  <p:stCondLst>
+                                    <p:cond delay="0"/>
+                                  </p:stCondLst>
+                                  <p:childTnLst>
+                                    <p:set>
+                                      <p:cBhvr>
+                                        <p:cTn id="26" dur="1" fill="hold">
+                                          <p:stCondLst>
+                                            <p:cond delay="0"/>
+                                          </p:stCondLst>
+                                        </p:cTn>
+                                        <p:tgtEl>
+                                          <p:spTgt spid="4">
+                                            <p:graphicEl>
+                                              <a:dgm id="{7D05DB1F-4C9E-4053-8D33-8AAC7DCD3D26}"/>
+                                            </p:graphicEl>
+                                          </p:spTgt>
+                                        </p:tgtEl>
+                                        <p:attrNameLst>
+                                          <p:attrName>style.visibility</p:attrName>
+                                        </p:attrNameLst>
+                                      </p:cBhvr>
+                                      <p:to>
+                                        <p:strVal val="visible"/>
+                                      </p:to>
+                                    </p:set>
+                                    <p:anim calcmode="lin" valueType="num">
+                                      <p:cBhvr additive="base">
+                                        <p:cTn id="27" dur="500" fill="hold"/>
+                                        <p:tgtEl>
+                                          <p:spTgt spid="4">
+                                            <p:graphicEl>
+                                              <a:dgm id="{7D05DB1F-4C9E-4053-8D33-8AAC7DCD3D26}"/>
+                                            </p:graphicEl>
+                                          </p:spTgt>
+                                        </p:tgtEl>
+                                        <p:attrNameLst>
+                                          <p:attrName>ppt_x</p:attrName>
+                                        </p:attrNameLst>
+                                      </p:cBhvr>
+                                      <p:tavLst>
+                                        <p:tav tm="0">
+                                          <p:val>
+                                            <p:strVal val="#ppt_x"/>
+                                          </p:val>
+                                        </p:tav>
+                                        <p:tav tm="100000">
+                                          <p:val>
+                                            <p:strVal val="#ppt_x"/>
+                                          </p:val>
+                                        </p:tav>
+                                      </p:tavLst>
+                                    </p:anim>
+                                    <p:anim calcmode="lin" valueType="num">
+                                      <p:cBhvr additive="base">
+                                        <p:cTn id="28" dur="500" fill="hold"/>
+                                        <p:tgtEl>
+                                          <p:spTgt spid="4">
+                                            <p:graphicEl>
+                                              <a:dgm id="{7D05DB1F-4C9E-4053-8D33-8AAC7DCD3D26}"/>
+                                            </p:graphicEl>
+                                          </p:spTgt>
+                                        </p:tgtEl>
+                                        <p:attrNameLst>
+                                          <p:attrName>ppt_y</p:attrName>
+                                        </p:attrNameLst>
+                                      </p:cBhvr>
+                                      <p:tavLst>
+                                        <p:tav tm="0">
+                                          <p:val>
+                                            <p:strVal val="1+#ppt_h/2"/>
+                                          </p:val>
+                                        </p:tav>
+                                        <p:tav tm="100000">
+                                          <p:val>
+                                            <p:strVal val="#ppt_y"/>
+                                          </p:val>
+                                        </p:tav>
+                                      </p:tavLst>
+                                    </p:anim>
+                                  </p:childTnLst>
+                                </p:cTn>
+                              </p:par>
+                              <p:par>
+                                <p:cTn id="29" presetID="2" presetClass="entr" presetSubtype="4" fill="hold" grpId="0" nodeType="withEffect">
+                                  <p:stCondLst>
+                                    <p:cond delay="0"/>
+                                  </p:stCondLst>
+                                  <p:childTnLst>
+                                    <p:set>
+                                      <p:cBhvr>
+                                        <p:cTn id="30" dur="1" fill="hold">
+                                          <p:stCondLst>
+                                            <p:cond delay="0"/>
+                                          </p:stCondLst>
+                                        </p:cTn>
+                                        <p:tgtEl>
+                                          <p:spTgt spid="4">
+                                            <p:graphicEl>
+                                              <a:dgm id="{A19AF665-B18F-488C-A311-27BF1511C58F}"/>
+                                            </p:graphicEl>
+                                          </p:spTgt>
+                                        </p:tgtEl>
+                                        <p:attrNameLst>
+                                          <p:attrName>style.visibility</p:attrName>
+                                        </p:attrNameLst>
+                                      </p:cBhvr>
+                                      <p:to>
+                                        <p:strVal val="visible"/>
+                                      </p:to>
+                                    </p:set>
+                                    <p:anim calcmode="lin" valueType="num">
+                                      <p:cBhvr additive="base">
+                                        <p:cTn id="31" dur="500" fill="hold"/>
+                                        <p:tgtEl>
+                                          <p:spTgt spid="4">
+                                            <p:graphicEl>
+                                              <a:dgm id="{A19AF665-B18F-488C-A311-27BF1511C58F}"/>
+                                            </p:graphicEl>
+                                          </p:spTgt>
+                                        </p:tgtEl>
+                                        <p:attrNameLst>
+                                          <p:attrName>ppt_x</p:attrName>
+                                        </p:attrNameLst>
+                                      </p:cBhvr>
+                                      <p:tavLst>
+                                        <p:tav tm="0">
+                                          <p:val>
+                                            <p:strVal val="#ppt_x"/>
+                                          </p:val>
+                                        </p:tav>
+                                        <p:tav tm="100000">
+                                          <p:val>
+                                            <p:strVal val="#ppt_x"/>
+                                          </p:val>
+                                        </p:tav>
+                                      </p:tavLst>
+                                    </p:anim>
+                                    <p:anim calcmode="lin" valueType="num">
+                                      <p:cBhvr additive="base">
+                                        <p:cTn id="32" dur="500" fill="hold"/>
+                                        <p:tgtEl>
+                                          <p:spTgt spid="4">
+                                            <p:graphicEl>
+                                              <a:dgm id="{A19AF665-B18F-488C-A311-27BF1511C58F}"/>
+                                            </p:graphicEl>
+                                          </p:spTgt>
+                                        </p:tgtEl>
+                                        <p:attrNameLst>
+                                          <p:attrName>ppt_y</p:attrName>
+                                        </p:attrNameLst>
+                                      </p:cBhvr>
+                                      <p:tavLst>
+                                        <p:tav tm="0">
+                                          <p:val>
+                                            <p:strVal val="1+#ppt_h/2"/>
+                                          </p:val>
+                                        </p:tav>
+                                        <p:tav tm="100000">
+                                          <p:val>
+                                            <p:strVal val="#ppt_y"/>
+                                          </p:val>
+                                        </p:tav>
+                                      </p:tavLst>
+                                    </p:anim>
+                                  </p:childTnLst>
+                                </p:cTn>
+                              </p:par>
+                            </p:childTnLst>
+                          </p:cTn>
+                        </p:par>
+                      </p:childTnLst>
+                    </p:cTn>
+                  </p:par>
+                </p:childTnLst>
+              </p:cTn>
+              <p:prevCondLst>
+                <p:cond evt="onPrev" delay="0">
+                  <p:tgtEl>
+                    <p:sldTgt/>
+                  </p:tgtEl>
+                </p:cond>
+              </p:prevCondLst>
+              <p:nextCondLst>
+                <p:cond evt="onNext" delay="0">
+                  <p:tgtEl>
+                    <p:sldTgt/>
+                  </p:tgtEl>
+                </p:cond>
+              </p:nextCondLst>
+            </p:seq>
+          </p:childTnLst>
+        </p:cTn>
+      </p:par>
+    </p:tnLst>
+    <p:bldLst>
+      <p:bldGraphic spid="4" grpId="0">
+        <p:bldSub>
+          <a:bldDgm bld="one"/>
+        </p:bldSub>
+      </p:bldGraphic>
+    </p:bldLst>
+  </p:timing>
 </p:sld>
 </file>
 
@@ -36769,6 +39933,85 @@
   <p:clrMapOvr>
     <a:masterClrMapping/>
   </p:clrMapOvr>
+  <p:timing>
+    <p:tnLst>
+      <p:par>
+        <p:cTn id="1" dur="indefinite" restart="never" nodeType="tmRoot">
+          <p:childTnLst>
+            <p:seq concurrent="1" nextAc="seek">
+              <p:cTn id="2" dur="indefinite" nodeType="mainSeq">
+                <p:childTnLst>
+                  <p:par>
+                    <p:cTn id="3" fill="hold">
+                      <p:stCondLst>
+                        <p:cond delay="indefinite"/>
+                      </p:stCondLst>
+                      <p:childTnLst>
+                        <p:par>
+                          <p:cTn id="4" fill="hold">
+                            <p:stCondLst>
+                              <p:cond delay="0"/>
+                            </p:stCondLst>
+                            <p:childTnLst>
+                              <p:par>
+                                <p:cTn id="5" presetID="1" presetClass="entr" presetSubtype="0" fill="hold" nodeType="clickEffect">
+                                  <p:stCondLst>
+                                    <p:cond delay="0"/>
+                                  </p:stCondLst>
+                                  <p:childTnLst>
+                                    <p:set>
+                                      <p:cBhvr>
+                                        <p:cTn id="6" dur="1" fill="hold">
+                                          <p:stCondLst>
+                                            <p:cond delay="0"/>
+                                          </p:stCondLst>
+                                        </p:cTn>
+                                        <p:tgtEl>
+                                          <p:spTgt spid="2">
+                                            <p:txEl>
+                                              <p:pRg st="4" end="4"/>
+                                            </p:txEl>
+                                          </p:spTgt>
+                                        </p:tgtEl>
+                                        <p:attrNameLst>
+                                          <p:attrName>style.visibility</p:attrName>
+                                        </p:attrNameLst>
+                                      </p:cBhvr>
+                                      <p:to>
+                                        <p:strVal val="visible"/>
+                                      </p:to>
+                                    </p:set>
+                                  </p:childTnLst>
+                                </p:cTn>
+                              </p:par>
+                            </p:childTnLst>
+                          </p:cTn>
+                        </p:par>
+                      </p:childTnLst>
+                    </p:cTn>
+                  </p:par>
+                </p:childTnLst>
+              </p:cTn>
+              <p:prevCondLst>
+                <p:cond evt="onPrev" delay="0">
+                  <p:tgtEl>
+                    <p:sldTgt/>
+                  </p:tgtEl>
+                </p:cond>
+              </p:prevCondLst>
+              <p:nextCondLst>
+                <p:cond evt="onNext" delay="0">
+                  <p:tgtEl>
+                    <p:sldTgt/>
+                  </p:tgtEl>
+                </p:cond>
+              </p:nextCondLst>
+            </p:seq>
+          </p:childTnLst>
+        </p:cTn>
+      </p:par>
+    </p:tnLst>
+  </p:timing>
 </p:sld>
 </file>
 
@@ -36847,6 +40090,140 @@
   <p:clrMapOvr>
     <a:masterClrMapping/>
   </p:clrMapOvr>
+  <p:timing>
+    <p:tnLst>
+      <p:par>
+        <p:cTn id="1" dur="indefinite" restart="never" nodeType="tmRoot">
+          <p:childTnLst>
+            <p:seq concurrent="1" nextAc="seek">
+              <p:cTn id="2" dur="indefinite" nodeType="mainSeq">
+                <p:childTnLst>
+                  <p:par>
+                    <p:cTn id="3" fill="hold">
+                      <p:stCondLst>
+                        <p:cond delay="indefinite"/>
+                      </p:stCondLst>
+                      <p:childTnLst>
+                        <p:par>
+                          <p:cTn id="4" fill="hold">
+                            <p:stCondLst>
+                              <p:cond delay="0"/>
+                            </p:stCondLst>
+                            <p:childTnLst>
+                              <p:par>
+                                <p:cTn id="5" presetID="45" presetClass="entr" presetSubtype="0" fill="hold" grpId="0" nodeType="clickEffect">
+                                  <p:stCondLst>
+                                    <p:cond delay="0"/>
+                                  </p:stCondLst>
+                                  <p:childTnLst>
+                                    <p:set>
+                                      <p:cBhvr>
+                                        <p:cTn id="6" dur="1" fill="hold">
+                                          <p:stCondLst>
+                                            <p:cond delay="0"/>
+                                          </p:stCondLst>
+                                        </p:cTn>
+                                        <p:tgtEl>
+                                          <p:spTgt spid="4"/>
+                                        </p:tgtEl>
+                                        <p:attrNameLst>
+                                          <p:attrName>style.visibility</p:attrName>
+                                        </p:attrNameLst>
+                                      </p:cBhvr>
+                                      <p:to>
+                                        <p:strVal val="visible"/>
+                                      </p:to>
+                                    </p:set>
+                                    <p:animEffect transition="in" filter="fade">
+                                      <p:cBhvr>
+                                        <p:cTn id="7" dur="2000"/>
+                                        <p:tgtEl>
+                                          <p:spTgt spid="4"/>
+                                        </p:tgtEl>
+                                      </p:cBhvr>
+                                    </p:animEffect>
+                                    <p:anim calcmode="lin" valueType="num">
+                                      <p:cBhvr>
+                                        <p:cTn id="8" dur="2000" fill="hold"/>
+                                        <p:tgtEl>
+                                          <p:spTgt spid="4"/>
+                                        </p:tgtEl>
+                                        <p:attrNameLst>
+                                          <p:attrName>ppt_w</p:attrName>
+                                        </p:attrNameLst>
+                                      </p:cBhvr>
+                                      <p:tavLst>
+                                        <p:tav tm="0" fmla="#ppt_w*sin(2.5*pi*$)">
+                                          <p:val>
+                                            <p:fltVal val="0"/>
+                                          </p:val>
+                                        </p:tav>
+                                        <p:tav tm="100000">
+                                          <p:val>
+                                            <p:fltVal val="1"/>
+                                          </p:val>
+                                        </p:tav>
+                                      </p:tavLst>
+                                    </p:anim>
+                                    <p:anim calcmode="lin" valueType="num">
+                                      <p:cBhvr>
+                                        <p:cTn id="9" dur="2000" fill="hold"/>
+                                        <p:tgtEl>
+                                          <p:spTgt spid="4"/>
+                                        </p:tgtEl>
+                                        <p:attrNameLst>
+                                          <p:attrName>ppt_h</p:attrName>
+                                        </p:attrNameLst>
+                                      </p:cBhvr>
+                                      <p:tavLst>
+                                        <p:tav tm="0">
+                                          <p:val>
+                                            <p:strVal val="#ppt_h"/>
+                                          </p:val>
+                                        </p:tav>
+                                        <p:tav tm="100000">
+                                          <p:val>
+                                            <p:strVal val="#ppt_h"/>
+                                          </p:val>
+                                        </p:tav>
+                                      </p:tavLst>
+                                    </p:anim>
+                                  </p:childTnLst>
+                                </p:cTn>
+                              </p:par>
+                            </p:childTnLst>
+                          </p:cTn>
+                        </p:par>
+                      </p:childTnLst>
+                    </p:cTn>
+                  </p:par>
+                </p:childTnLst>
+              </p:cTn>
+              <p:prevCondLst>
+                <p:cond evt="onPrev" delay="0">
+                  <p:tgtEl>
+                    <p:sldTgt/>
+                  </p:tgtEl>
+                </p:cond>
+              </p:prevCondLst>
+              <p:nextCondLst>
+                <p:cond evt="onNext" delay="0">
+                  <p:tgtEl>
+                    <p:sldTgt/>
+                  </p:tgtEl>
+                </p:cond>
+              </p:nextCondLst>
+            </p:seq>
+          </p:childTnLst>
+        </p:cTn>
+      </p:par>
+    </p:tnLst>
+    <p:bldLst>
+      <p:bldGraphic spid="4" grpId="0">
+        <p:bldAsOne/>
+      </p:bldGraphic>
+    </p:bldLst>
+  </p:timing>
 </p:sld>
 </file>
 
@@ -37303,9 +40680,218 @@
   <p:timing>
     <p:tnLst>
       <p:par>
-        <p:cTn id="1" dur="indefinite" restart="never" nodeType="tmRoot"/>
+        <p:cTn id="1" dur="indefinite" restart="never" nodeType="tmRoot">
+          <p:childTnLst>
+            <p:seq concurrent="1" nextAc="seek">
+              <p:cTn id="2" dur="indefinite" nodeType="mainSeq">
+                <p:childTnLst>
+                  <p:par>
+                    <p:cTn id="3" fill="hold">
+                      <p:stCondLst>
+                        <p:cond delay="indefinite"/>
+                      </p:stCondLst>
+                      <p:childTnLst>
+                        <p:par>
+                          <p:cTn id="4" fill="hold">
+                            <p:stCondLst>
+                              <p:cond delay="0"/>
+                            </p:stCondLst>
+                            <p:childTnLst>
+                              <p:par>
+                                <p:cTn id="5" presetID="10" presetClass="entr" presetSubtype="0" fill="hold" grpId="0" nodeType="clickEffect">
+                                  <p:stCondLst>
+                                    <p:cond delay="0"/>
+                                  </p:stCondLst>
+                                  <p:childTnLst>
+                                    <p:set>
+                                      <p:cBhvr>
+                                        <p:cTn id="6" dur="1" fill="hold">
+                                          <p:stCondLst>
+                                            <p:cond delay="0"/>
+                                          </p:stCondLst>
+                                        </p:cTn>
+                                        <p:tgtEl>
+                                          <p:spTgt spid="2">
+                                            <p:txEl>
+                                              <p:pRg st="0" end="0"/>
+                                            </p:txEl>
+                                          </p:spTgt>
+                                        </p:tgtEl>
+                                        <p:attrNameLst>
+                                          <p:attrName>style.visibility</p:attrName>
+                                        </p:attrNameLst>
+                                      </p:cBhvr>
+                                      <p:to>
+                                        <p:strVal val="visible"/>
+                                      </p:to>
+                                    </p:set>
+                                    <p:animEffect transition="in" filter="fade">
+                                      <p:cBhvr>
+                                        <p:cTn id="7" dur="500"/>
+                                        <p:tgtEl>
+                                          <p:spTgt spid="2">
+                                            <p:txEl>
+                                              <p:pRg st="0" end="0"/>
+                                            </p:txEl>
+                                          </p:spTgt>
+                                        </p:tgtEl>
+                                      </p:cBhvr>
+                                    </p:animEffect>
+                                  </p:childTnLst>
+                                </p:cTn>
+                              </p:par>
+                            </p:childTnLst>
+                          </p:cTn>
+                        </p:par>
+                      </p:childTnLst>
+                    </p:cTn>
+                  </p:par>
+                  <p:par>
+                    <p:cTn id="8" fill="hold">
+                      <p:stCondLst>
+                        <p:cond delay="indefinite"/>
+                      </p:stCondLst>
+                      <p:childTnLst>
+                        <p:par>
+                          <p:cTn id="9" fill="hold">
+                            <p:stCondLst>
+                              <p:cond delay="0"/>
+                            </p:stCondLst>
+                            <p:childTnLst>
+                              <p:par>
+                                <p:cTn id="10" presetID="10" presetClass="entr" presetSubtype="0" fill="hold" grpId="0" nodeType="clickEffect">
+                                  <p:stCondLst>
+                                    <p:cond delay="0"/>
+                                  </p:stCondLst>
+                                  <p:childTnLst>
+                                    <p:set>
+                                      <p:cBhvr>
+                                        <p:cTn id="11" dur="1" fill="hold">
+                                          <p:stCondLst>
+                                            <p:cond delay="0"/>
+                                          </p:stCondLst>
+                                        </p:cTn>
+                                        <p:tgtEl>
+                                          <p:spTgt spid="2">
+                                            <p:txEl>
+                                              <p:pRg st="1" end="1"/>
+                                            </p:txEl>
+                                          </p:spTgt>
+                                        </p:tgtEl>
+                                        <p:attrNameLst>
+                                          <p:attrName>style.visibility</p:attrName>
+                                        </p:attrNameLst>
+                                      </p:cBhvr>
+                                      <p:to>
+                                        <p:strVal val="visible"/>
+                                      </p:to>
+                                    </p:set>
+                                    <p:animEffect transition="in" filter="fade">
+                                      <p:cBhvr>
+                                        <p:cTn id="12" dur="500"/>
+                                        <p:tgtEl>
+                                          <p:spTgt spid="2">
+                                            <p:txEl>
+                                              <p:pRg st="1" end="1"/>
+                                            </p:txEl>
+                                          </p:spTgt>
+                                        </p:tgtEl>
+                                      </p:cBhvr>
+                                    </p:animEffect>
+                                  </p:childTnLst>
+                                </p:cTn>
+                              </p:par>
+                            </p:childTnLst>
+                          </p:cTn>
+                        </p:par>
+                      </p:childTnLst>
+                    </p:cTn>
+                  </p:par>
+                  <p:par>
+                    <p:cTn id="13" fill="hold">
+                      <p:stCondLst>
+                        <p:cond delay="indefinite"/>
+                      </p:stCondLst>
+                      <p:childTnLst>
+                        <p:par>
+                          <p:cTn id="14" fill="hold">
+                            <p:stCondLst>
+                              <p:cond delay="0"/>
+                            </p:stCondLst>
+                            <p:childTnLst>
+                              <p:par>
+                                <p:cTn id="15" presetID="10" presetClass="entr" presetSubtype="0" fill="hold" grpId="0" nodeType="clickEffect">
+                                  <p:stCondLst>
+                                    <p:cond delay="0"/>
+                                  </p:stCondLst>
+                                  <p:childTnLst>
+                                    <p:set>
+                                      <p:cBhvr>
+                                        <p:cTn id="16" dur="1" fill="hold">
+                                          <p:stCondLst>
+                                            <p:cond delay="0"/>
+                                          </p:stCondLst>
+                                        </p:cTn>
+                                        <p:tgtEl>
+                                          <p:spTgt spid="2">
+                                            <p:txEl>
+                                              <p:pRg st="2" end="2"/>
+                                            </p:txEl>
+                                          </p:spTgt>
+                                        </p:tgtEl>
+                                        <p:attrNameLst>
+                                          <p:attrName>style.visibility</p:attrName>
+                                        </p:attrNameLst>
+                                      </p:cBhvr>
+                                      <p:to>
+                                        <p:strVal val="visible"/>
+                                      </p:to>
+                                    </p:set>
+                                    <p:animEffect transition="in" filter="fade">
+                                      <p:cBhvr>
+                                        <p:cTn id="17" dur="500"/>
+                                        <p:tgtEl>
+                                          <p:spTgt spid="2">
+                                            <p:txEl>
+                                              <p:pRg st="2" end="2"/>
+                                            </p:txEl>
+                                          </p:spTgt>
+                                        </p:tgtEl>
+                                      </p:cBhvr>
+                                    </p:animEffect>
+                                  </p:childTnLst>
+                                </p:cTn>
+                              </p:par>
+                            </p:childTnLst>
+                          </p:cTn>
+                        </p:par>
+                      </p:childTnLst>
+                    </p:cTn>
+                  </p:par>
+                </p:childTnLst>
+              </p:cTn>
+              <p:prevCondLst>
+                <p:cond evt="onPrev" delay="0">
+                  <p:tgtEl>
+                    <p:sldTgt/>
+                  </p:tgtEl>
+                </p:cond>
+              </p:prevCondLst>
+              <p:nextCondLst>
+                <p:cond evt="onNext" delay="0">
+                  <p:tgtEl>
+                    <p:sldTgt/>
+                  </p:tgtEl>
+                </p:cond>
+              </p:nextCondLst>
+            </p:seq>
+          </p:childTnLst>
+        </p:cTn>
       </p:par>
     </p:tnLst>
+    <p:bldLst>
+      <p:bldP spid="2" grpId="0" build="p"/>
+    </p:bldLst>
   </p:timing>
 </p:sld>
 </file>
@@ -37388,9 +40974,405 @@
   <p:timing>
     <p:tnLst>
       <p:par>
-        <p:cTn id="1" dur="indefinite" restart="never" nodeType="tmRoot"/>
+        <p:cTn id="1" dur="indefinite" restart="never" nodeType="tmRoot">
+          <p:childTnLst>
+            <p:seq concurrent="1" nextAc="seek">
+              <p:cTn id="2" dur="indefinite" nodeType="mainSeq">
+                <p:childTnLst>
+                  <p:par>
+                    <p:cTn id="3" fill="hold">
+                      <p:stCondLst>
+                        <p:cond delay="indefinite"/>
+                      </p:stCondLst>
+                      <p:childTnLst>
+                        <p:par>
+                          <p:cTn id="4" fill="hold">
+                            <p:stCondLst>
+                              <p:cond delay="0"/>
+                            </p:stCondLst>
+                            <p:childTnLst>
+                              <p:par>
+                                <p:cTn id="5" presetID="10" presetClass="entr" presetSubtype="0" fill="hold" grpId="0" nodeType="clickEffect">
+                                  <p:stCondLst>
+                                    <p:cond delay="0"/>
+                                  </p:stCondLst>
+                                  <p:childTnLst>
+                                    <p:set>
+                                      <p:cBhvr>
+                                        <p:cTn id="6" dur="1" fill="hold">
+                                          <p:stCondLst>
+                                            <p:cond delay="0"/>
+                                          </p:stCondLst>
+                                        </p:cTn>
+                                        <p:tgtEl>
+                                          <p:spTgt spid="4">
+                                            <p:graphicEl>
+                                              <a:dgm id="{69E63662-ACB1-45DC-95A5-F72F285F40B0}"/>
+                                            </p:graphicEl>
+                                          </p:spTgt>
+                                        </p:tgtEl>
+                                        <p:attrNameLst>
+                                          <p:attrName>style.visibility</p:attrName>
+                                        </p:attrNameLst>
+                                      </p:cBhvr>
+                                      <p:to>
+                                        <p:strVal val="visible"/>
+                                      </p:to>
+                                    </p:set>
+                                    <p:animEffect transition="in" filter="fade">
+                                      <p:cBhvr>
+                                        <p:cTn id="7" dur="500"/>
+                                        <p:tgtEl>
+                                          <p:spTgt spid="4">
+                                            <p:graphicEl>
+                                              <a:dgm id="{69E63662-ACB1-45DC-95A5-F72F285F40B0}"/>
+                                            </p:graphicEl>
+                                          </p:spTgt>
+                                        </p:tgtEl>
+                                      </p:cBhvr>
+                                    </p:animEffect>
+                                  </p:childTnLst>
+                                </p:cTn>
+                              </p:par>
+                            </p:childTnLst>
+                          </p:cTn>
+                        </p:par>
+                      </p:childTnLst>
+                    </p:cTn>
+                  </p:par>
+                  <p:par>
+                    <p:cTn id="8" fill="hold">
+                      <p:stCondLst>
+                        <p:cond delay="indefinite"/>
+                      </p:stCondLst>
+                      <p:childTnLst>
+                        <p:par>
+                          <p:cTn id="9" fill="hold">
+                            <p:stCondLst>
+                              <p:cond delay="0"/>
+                            </p:stCondLst>
+                            <p:childTnLst>
+                              <p:par>
+                                <p:cTn id="10" presetID="10" presetClass="entr" presetSubtype="0" fill="hold" grpId="0" nodeType="clickEffect">
+                                  <p:stCondLst>
+                                    <p:cond delay="0"/>
+                                  </p:stCondLst>
+                                  <p:childTnLst>
+                                    <p:set>
+                                      <p:cBhvr>
+                                        <p:cTn id="11" dur="1" fill="hold">
+                                          <p:stCondLst>
+                                            <p:cond delay="0"/>
+                                          </p:stCondLst>
+                                        </p:cTn>
+                                        <p:tgtEl>
+                                          <p:spTgt spid="4">
+                                            <p:graphicEl>
+                                              <a:dgm id="{2B0A5823-2250-4A57-966D-50ADB979F5E0}"/>
+                                            </p:graphicEl>
+                                          </p:spTgt>
+                                        </p:tgtEl>
+                                        <p:attrNameLst>
+                                          <p:attrName>style.visibility</p:attrName>
+                                        </p:attrNameLst>
+                                      </p:cBhvr>
+                                      <p:to>
+                                        <p:strVal val="visible"/>
+                                      </p:to>
+                                    </p:set>
+                                    <p:animEffect transition="in" filter="fade">
+                                      <p:cBhvr>
+                                        <p:cTn id="12" dur="500"/>
+                                        <p:tgtEl>
+                                          <p:spTgt spid="4">
+                                            <p:graphicEl>
+                                              <a:dgm id="{2B0A5823-2250-4A57-966D-50ADB979F5E0}"/>
+                                            </p:graphicEl>
+                                          </p:spTgt>
+                                        </p:tgtEl>
+                                      </p:cBhvr>
+                                    </p:animEffect>
+                                  </p:childTnLst>
+                                </p:cTn>
+                              </p:par>
+                            </p:childTnLst>
+                          </p:cTn>
+                        </p:par>
+                      </p:childTnLst>
+                    </p:cTn>
+                  </p:par>
+                  <p:par>
+                    <p:cTn id="13" fill="hold">
+                      <p:stCondLst>
+                        <p:cond delay="indefinite"/>
+                      </p:stCondLst>
+                      <p:childTnLst>
+                        <p:par>
+                          <p:cTn id="14" fill="hold">
+                            <p:stCondLst>
+                              <p:cond delay="0"/>
+                            </p:stCondLst>
+                            <p:childTnLst>
+                              <p:par>
+                                <p:cTn id="15" presetID="10" presetClass="entr" presetSubtype="0" fill="hold" grpId="0" nodeType="clickEffect">
+                                  <p:stCondLst>
+                                    <p:cond delay="0"/>
+                                  </p:stCondLst>
+                                  <p:childTnLst>
+                                    <p:set>
+                                      <p:cBhvr>
+                                        <p:cTn id="16" dur="1" fill="hold">
+                                          <p:stCondLst>
+                                            <p:cond delay="0"/>
+                                          </p:stCondLst>
+                                        </p:cTn>
+                                        <p:tgtEl>
+                                          <p:spTgt spid="4">
+                                            <p:graphicEl>
+                                              <a:dgm id="{EFB5FB59-0B64-46B5-9078-0123DA227CEB}"/>
+                                            </p:graphicEl>
+                                          </p:spTgt>
+                                        </p:tgtEl>
+                                        <p:attrNameLst>
+                                          <p:attrName>style.visibility</p:attrName>
+                                        </p:attrNameLst>
+                                      </p:cBhvr>
+                                      <p:to>
+                                        <p:strVal val="visible"/>
+                                      </p:to>
+                                    </p:set>
+                                    <p:animEffect transition="in" filter="fade">
+                                      <p:cBhvr>
+                                        <p:cTn id="17" dur="500"/>
+                                        <p:tgtEl>
+                                          <p:spTgt spid="4">
+                                            <p:graphicEl>
+                                              <a:dgm id="{EFB5FB59-0B64-46B5-9078-0123DA227CEB}"/>
+                                            </p:graphicEl>
+                                          </p:spTgt>
+                                        </p:tgtEl>
+                                      </p:cBhvr>
+                                    </p:animEffect>
+                                  </p:childTnLst>
+                                </p:cTn>
+                              </p:par>
+                            </p:childTnLst>
+                          </p:cTn>
+                        </p:par>
+                      </p:childTnLst>
+                    </p:cTn>
+                  </p:par>
+                  <p:par>
+                    <p:cTn id="18" fill="hold">
+                      <p:stCondLst>
+                        <p:cond delay="indefinite"/>
+                      </p:stCondLst>
+                      <p:childTnLst>
+                        <p:par>
+                          <p:cTn id="19" fill="hold">
+                            <p:stCondLst>
+                              <p:cond delay="0"/>
+                            </p:stCondLst>
+                            <p:childTnLst>
+                              <p:par>
+                                <p:cTn id="20" presetID="10" presetClass="entr" presetSubtype="0" fill="hold" grpId="0" nodeType="clickEffect">
+                                  <p:stCondLst>
+                                    <p:cond delay="0"/>
+                                  </p:stCondLst>
+                                  <p:childTnLst>
+                                    <p:set>
+                                      <p:cBhvr>
+                                        <p:cTn id="21" dur="1" fill="hold">
+                                          <p:stCondLst>
+                                            <p:cond delay="0"/>
+                                          </p:stCondLst>
+                                        </p:cTn>
+                                        <p:tgtEl>
+                                          <p:spTgt spid="4">
+                                            <p:graphicEl>
+                                              <a:dgm id="{E8EA0593-4D73-4B02-8FBA-F8EF1CDDDB6F}"/>
+                                            </p:graphicEl>
+                                          </p:spTgt>
+                                        </p:tgtEl>
+                                        <p:attrNameLst>
+                                          <p:attrName>style.visibility</p:attrName>
+                                        </p:attrNameLst>
+                                      </p:cBhvr>
+                                      <p:to>
+                                        <p:strVal val="visible"/>
+                                      </p:to>
+                                    </p:set>
+                                    <p:animEffect transition="in" filter="fade">
+                                      <p:cBhvr>
+                                        <p:cTn id="22" dur="500"/>
+                                        <p:tgtEl>
+                                          <p:spTgt spid="4">
+                                            <p:graphicEl>
+                                              <a:dgm id="{E8EA0593-4D73-4B02-8FBA-F8EF1CDDDB6F}"/>
+                                            </p:graphicEl>
+                                          </p:spTgt>
+                                        </p:tgtEl>
+                                      </p:cBhvr>
+                                    </p:animEffect>
+                                  </p:childTnLst>
+                                </p:cTn>
+                              </p:par>
+                            </p:childTnLst>
+                          </p:cTn>
+                        </p:par>
+                      </p:childTnLst>
+                    </p:cTn>
+                  </p:par>
+                  <p:par>
+                    <p:cTn id="23" fill="hold">
+                      <p:stCondLst>
+                        <p:cond delay="indefinite"/>
+                      </p:stCondLst>
+                      <p:childTnLst>
+                        <p:par>
+                          <p:cTn id="24" fill="hold">
+                            <p:stCondLst>
+                              <p:cond delay="0"/>
+                            </p:stCondLst>
+                            <p:childTnLst>
+                              <p:par>
+                                <p:cTn id="25" presetID="10" presetClass="entr" presetSubtype="0" fill="hold" grpId="0" nodeType="clickEffect">
+                                  <p:stCondLst>
+                                    <p:cond delay="0"/>
+                                  </p:stCondLst>
+                                  <p:childTnLst>
+                                    <p:set>
+                                      <p:cBhvr>
+                                        <p:cTn id="26" dur="1" fill="hold">
+                                          <p:stCondLst>
+                                            <p:cond delay="0"/>
+                                          </p:stCondLst>
+                                        </p:cTn>
+                                        <p:tgtEl>
+                                          <p:spTgt spid="4">
+                                            <p:graphicEl>
+                                              <a:dgm id="{F07C874A-BBCB-4B9E-88E0-65F6D6ED853B}"/>
+                                            </p:graphicEl>
+                                          </p:spTgt>
+                                        </p:tgtEl>
+                                        <p:attrNameLst>
+                                          <p:attrName>style.visibility</p:attrName>
+                                        </p:attrNameLst>
+                                      </p:cBhvr>
+                                      <p:to>
+                                        <p:strVal val="visible"/>
+                                      </p:to>
+                                    </p:set>
+                                    <p:animEffect transition="in" filter="fade">
+                                      <p:cBhvr>
+                                        <p:cTn id="27" dur="500"/>
+                                        <p:tgtEl>
+                                          <p:spTgt spid="4">
+                                            <p:graphicEl>
+                                              <a:dgm id="{F07C874A-BBCB-4B9E-88E0-65F6D6ED853B}"/>
+                                            </p:graphicEl>
+                                          </p:spTgt>
+                                        </p:tgtEl>
+                                      </p:cBhvr>
+                                    </p:animEffect>
+                                  </p:childTnLst>
+                                </p:cTn>
+                              </p:par>
+                            </p:childTnLst>
+                          </p:cTn>
+                        </p:par>
+                      </p:childTnLst>
+                    </p:cTn>
+                  </p:par>
+                  <p:par>
+                    <p:cTn id="28" fill="hold">
+                      <p:stCondLst>
+                        <p:cond delay="indefinite"/>
+                      </p:stCondLst>
+                      <p:childTnLst>
+                        <p:par>
+                          <p:cTn id="29" fill="hold">
+                            <p:stCondLst>
+                              <p:cond delay="0"/>
+                            </p:stCondLst>
+                            <p:childTnLst>
+                              <p:par>
+                                <p:cTn id="30" presetID="10" presetClass="entr" presetSubtype="0" fill="hold" grpId="0" nodeType="clickEffect">
+                                  <p:stCondLst>
+                                    <p:cond delay="0"/>
+                                  </p:stCondLst>
+                                  <p:childTnLst>
+                                    <p:set>
+                                      <p:cBhvr>
+                                        <p:cTn id="31" dur="1" fill="hold">
+                                          <p:stCondLst>
+                                            <p:cond delay="0"/>
+                                          </p:stCondLst>
+                                        </p:cTn>
+                                        <p:tgtEl>
+                                          <p:spTgt spid="4">
+                                            <p:graphicEl>
+                                              <a:dgm id="{9E6B1F78-45A4-4E91-8941-79F3E7A61D26}"/>
+                                            </p:graphicEl>
+                                          </p:spTgt>
+                                        </p:tgtEl>
+                                        <p:attrNameLst>
+                                          <p:attrName>style.visibility</p:attrName>
+                                        </p:attrNameLst>
+                                      </p:cBhvr>
+                                      <p:to>
+                                        <p:strVal val="visible"/>
+                                      </p:to>
+                                    </p:set>
+                                    <p:animEffect transition="in" filter="fade">
+                                      <p:cBhvr>
+                                        <p:cTn id="32" dur="500"/>
+                                        <p:tgtEl>
+                                          <p:spTgt spid="4">
+                                            <p:graphicEl>
+                                              <a:dgm id="{9E6B1F78-45A4-4E91-8941-79F3E7A61D26}"/>
+                                            </p:graphicEl>
+                                          </p:spTgt>
+                                        </p:tgtEl>
+                                      </p:cBhvr>
+                                    </p:animEffect>
+                                  </p:childTnLst>
+                                </p:cTn>
+                              </p:par>
+                            </p:childTnLst>
+                          </p:cTn>
+                        </p:par>
+                      </p:childTnLst>
+                    </p:cTn>
+                  </p:par>
+                </p:childTnLst>
+              </p:cTn>
+              <p:prevCondLst>
+                <p:cond evt="onPrev" delay="0">
+                  <p:tgtEl>
+                    <p:sldTgt/>
+                  </p:tgtEl>
+                </p:cond>
+              </p:prevCondLst>
+              <p:nextCondLst>
+                <p:cond evt="onNext" delay="0">
+                  <p:tgtEl>
+                    <p:sldTgt/>
+                  </p:tgtEl>
+                </p:cond>
+              </p:nextCondLst>
+            </p:seq>
+          </p:childTnLst>
+        </p:cTn>
       </p:par>
     </p:tnLst>
+    <p:bldLst>
+      <p:bldGraphic spid="4" grpId="0">
+        <p:bldSub>
+          <a:bldDgm bld="one"/>
+        </p:bldSub>
+      </p:bldGraphic>
+    </p:bldLst>
   </p:timing>
 </p:sld>
 </file>
@@ -37594,6 +41576,13 @@
   <p:clrMapOvr>
     <a:masterClrMapping/>
   </p:clrMapOvr>
+  <p:timing>
+    <p:tnLst>
+      <p:par>
+        <p:cTn id="1" dur="indefinite" restart="never" nodeType="tmRoot"/>
+      </p:par>
+    </p:tnLst>
+  </p:timing>
 </p:sld>
 </file>
 
@@ -37711,6 +41700,13 @@
   <p:clrMapOvr>
     <a:masterClrMapping/>
   </p:clrMapOvr>
+  <p:timing>
+    <p:tnLst>
+      <p:par>
+        <p:cTn id="1" dur="indefinite" restart="never" nodeType="tmRoot"/>
+      </p:par>
+    </p:tnLst>
+  </p:timing>
 </p:sld>
 </file>
 
@@ -37794,7 +41790,7 @@
           <p:nvPr>
             <p:extLst>
               <p:ext uri="{D42A27DB-BD31-4B8C-83A1-F6EECF244321}">
-                <p14:modId xmlns:p14="http://schemas.microsoft.com/office/powerpoint/2010/main" val="3572668277"/>
+                <p14:modId xmlns:p14="http://schemas.microsoft.com/office/powerpoint/2010/main" val="2366468437"/>
               </p:ext>
             </p:extLst>
           </p:nvPr>
@@ -37866,6 +41862,13 @@
   <p:clrMapOvr>
     <a:masterClrMapping/>
   </p:clrMapOvr>
+  <p:timing>
+    <p:tnLst>
+      <p:par>
+        <p:cTn id="1" dur="indefinite" restart="never" nodeType="tmRoot"/>
+      </p:par>
+    </p:tnLst>
+  </p:timing>
 </p:sld>
 </file>
 
